--- a/MyTraining/Individual development/مهارت تصمیم گیری درست.pptx
+++ b/MyTraining/Individual development/مهارت تصمیم گیری درست.pptx
@@ -18,8 +18,9 @@
     <p:sldId id="270" r:id="rId15"/>
     <p:sldId id="272" r:id="rId16"/>
     <p:sldId id="271" r:id="rId17"/>
-    <p:sldId id="265" r:id="rId18"/>
-    <p:sldId id="260" r:id="rId19"/>
+    <p:sldId id="273" r:id="rId18"/>
+    <p:sldId id="265" r:id="rId19"/>
+    <p:sldId id="260" r:id="rId20"/>
   </p:sldIdLst>
   <p:sldSz cx="12192000" cy="6858000"/>
   <p:notesSz cx="6858000" cy="9144000"/>
@@ -3448,7 +3449,7 @@
                 <a16:creationId xmlns:a16="http://schemas.microsoft.com/office/drawing/2014/main" id="{63FED537-3AF1-4C36-9904-77B6A54D27B5}"/>
               </a:ext>
               <a:ext uri="{C183D7F6-B498-43B3-948B-1728B52AA6E4}">
-                <adec:decorative xmlns="" xmlns:adec="http://schemas.microsoft.com/office/drawing/2017/decorative" val="1"/>
+                <adec:decorative xmlns:adec="http://schemas.microsoft.com/office/drawing/2017/decorative" xmlns="" val="1"/>
               </a:ext>
             </a:extLst>
           </p:cNvPr>
@@ -6447,16 +6448,7 @@
                 </a:solidFill>
                 <a:cs typeface="B Nazanin" panose="00000400000000000000" pitchFamily="2" charset="-78"/>
               </a:rPr>
-              <a:t>نوع </a:t>
-            </a:r>
-            <a:r>
-              <a:rPr lang="fa-IR" b="1" dirty="0">
-                <a:solidFill>
-                  <a:srgbClr val="C00000"/>
-                </a:solidFill>
-                <a:cs typeface="B Nazanin" panose="00000400000000000000" pitchFamily="2" charset="-78"/>
-              </a:rPr>
-              <a:t>سوگیری</a:t>
+              <a:t>نوع سوگیری</a:t>
             </a:r>
           </a:p>
         </p:txBody>
@@ -6965,23 +6957,8 @@
                 </a:solidFill>
                 <a:cs typeface="B Nazanin" panose="00000400000000000000" pitchFamily="2" charset="-78"/>
               </a:rPr>
-              <a:t>نوع </a:t>
-            </a:r>
-            <a:r>
-              <a:rPr lang="fa-IR" b="1" dirty="0">
-                <a:solidFill>
-                  <a:srgbClr val="0070C0"/>
-                </a:solidFill>
-                <a:cs typeface="B Nazanin" panose="00000400000000000000" pitchFamily="2" charset="-78"/>
-              </a:rPr>
-              <a:t>تحریف</a:t>
-            </a:r>
-            <a:endParaRPr lang="fa-IR" b="1" dirty="0">
-              <a:solidFill>
-                <a:srgbClr val="0070C0"/>
-              </a:solidFill>
-              <a:cs typeface="B Nazanin" panose="00000400000000000000" pitchFamily="2" charset="-78"/>
-            </a:endParaRPr>
+              <a:t>نوع تحریف</a:t>
+            </a:r>
           </a:p>
         </p:txBody>
       </p:sp>
@@ -8013,6 +7990,114 @@
     </p:spTree>
     <p:extLst>
       <p:ext uri="{BB962C8B-B14F-4D97-AF65-F5344CB8AC3E}">
+        <p14:creationId xmlns:p14="http://schemas.microsoft.com/office/powerpoint/2010/main" val="209127955"/>
+      </p:ext>
+    </p:extLst>
+  </p:cSld>
+  <p:clrMapOvr>
+    <a:masterClrMapping/>
+  </p:clrMapOvr>
+  <p:timing>
+    <p:tnLst>
+      <p:par>
+        <p:cTn id="1" dur="indefinite" restart="never" nodeType="tmRoot"/>
+      </p:par>
+    </p:tnLst>
+  </p:timing>
+</p:sld>
+</file>
+
+<file path=ppt/slides/slide15.xml><?xml version="1.0" encoding="utf-8"?>
+<p:sld xmlns:a="http://schemas.openxmlformats.org/drawingml/2006/main" xmlns:r="http://schemas.openxmlformats.org/officeDocument/2006/relationships" xmlns:p="http://schemas.openxmlformats.org/presentationml/2006/main">
+  <p:cSld>
+    <p:spTree>
+      <p:nvGrpSpPr>
+        <p:cNvPr id="1" name=""/>
+        <p:cNvGrpSpPr/>
+        <p:nvPr/>
+      </p:nvGrpSpPr>
+      <p:grpSpPr>
+        <a:xfrm>
+          <a:off x="0" y="0"/>
+          <a:ext cx="0" cy="0"/>
+          <a:chOff x="0" y="0"/>
+          <a:chExt cx="0" cy="0"/>
+        </a:xfrm>
+      </p:grpSpPr>
+      <p:sp>
+        <p:nvSpPr>
+          <p:cNvPr id="2" name="Title 1">
+            <a:extLst>
+              <a:ext uri="{FF2B5EF4-FFF2-40B4-BE49-F238E27FC236}">
+                <a16:creationId xmlns:a16="http://schemas.microsoft.com/office/drawing/2014/main" id="{BB4B6193-F9F1-4C54-838F-77350B9FC5DC}"/>
+              </a:ext>
+            </a:extLst>
+          </p:cNvPr>
+          <p:cNvSpPr>
+            <a:spLocks noGrp="1"/>
+          </p:cNvSpPr>
+          <p:nvPr>
+            <p:ph type="title"/>
+          </p:nvPr>
+        </p:nvSpPr>
+        <p:spPr>
+          <a:xfrm>
+            <a:off x="1169125" y="425299"/>
+            <a:ext cx="9875520" cy="709749"/>
+          </a:xfrm>
+        </p:spPr>
+        <p:txBody>
+          <a:bodyPr>
+            <a:normAutofit fontScale="90000"/>
+          </a:bodyPr>
+          <a:lstStyle/>
+          <a:p>
+            <a:pPr algn="r"/>
+            <a:r>
+              <a:rPr lang="fa-IR" sz="4800" dirty="0" smtClean="0">
+                <a:cs typeface="B Nazanin" panose="00000400000000000000" pitchFamily="2" charset="-78"/>
+              </a:rPr>
+              <a:t>تصمیم گیری چیست ؟</a:t>
+            </a:r>
+            <a:endParaRPr lang="en-US" sz="4800" dirty="0">
+              <a:cs typeface="B Nazanin" panose="00000400000000000000" pitchFamily="2" charset="-78"/>
+            </a:endParaRPr>
+          </a:p>
+        </p:txBody>
+      </p:sp>
+      <p:cxnSp>
+        <p:nvCxnSpPr>
+          <p:cNvPr id="8" name="Straight Connector 7"/>
+          <p:cNvCxnSpPr/>
+          <p:nvPr/>
+        </p:nvCxnSpPr>
+        <p:spPr>
+          <a:xfrm>
+            <a:off x="888274" y="1240973"/>
+            <a:ext cx="10437223" cy="13063"/>
+          </a:xfrm>
+          <a:prstGeom prst="line">
+            <a:avLst/>
+          </a:prstGeom>
+        </p:spPr>
+        <p:style>
+          <a:lnRef idx="3">
+            <a:schemeClr val="accent1"/>
+          </a:lnRef>
+          <a:fillRef idx="0">
+            <a:schemeClr val="accent1"/>
+          </a:fillRef>
+          <a:effectRef idx="2">
+            <a:schemeClr val="accent1"/>
+          </a:effectRef>
+          <a:fontRef idx="minor">
+            <a:schemeClr val="tx1"/>
+          </a:fontRef>
+        </p:style>
+      </p:cxnSp>
+    </p:spTree>
+    <p:extLst>
+      <p:ext uri="{BB962C8B-B14F-4D97-AF65-F5344CB8AC3E}">
         <p14:creationId xmlns:p14="http://schemas.microsoft.com/office/powerpoint/2010/main" val="2413951672"/>
       </p:ext>
     </p:extLst>
@@ -8030,7 +8115,7 @@
 </p:sld>
 </file>
 
-<file path=ppt/slides/slide15.xml><?xml version="1.0" encoding="utf-8"?>
+<file path=ppt/slides/slide16.xml><?xml version="1.0" encoding="utf-8"?>
 <p:sld xmlns:a="http://schemas.openxmlformats.org/drawingml/2006/main" xmlns:r="http://schemas.openxmlformats.org/officeDocument/2006/relationships" xmlns:p="http://schemas.openxmlformats.org/presentationml/2006/main">
   <p:cSld>
     <p:bg>
@@ -8063,7 +8148,7 @@
                 <a16:creationId xmlns:a16="http://schemas.microsoft.com/office/drawing/2014/main" id="{E3DC42C2-6B58-404C-B339-2C72808A5BE1}"/>
               </a:ext>
               <a:ext uri="{C183D7F6-B498-43B3-948B-1728B52AA6E4}">
-                <adec:decorative xmlns="" xmlns:adec="http://schemas.microsoft.com/office/drawing/2017/decorative" val="1"/>
+                <adec:decorative xmlns:adec="http://schemas.microsoft.com/office/drawing/2017/decorative" xmlns="" val="1"/>
               </a:ext>
             </a:extLst>
           </p:cNvPr>
@@ -8257,7 +8342,7 @@
                 <a16:creationId xmlns:a16="http://schemas.microsoft.com/office/drawing/2014/main" id="{FCF82941-5589-49BF-B6B1-76122B2D0EA6}"/>
               </a:ext>
               <a:ext uri="{C183D7F6-B498-43B3-948B-1728B52AA6E4}">
-                <adec:decorative xmlns="" xmlns:adec="http://schemas.microsoft.com/office/drawing/2017/decorative" val="1"/>
+                <adec:decorative xmlns:adec="http://schemas.microsoft.com/office/drawing/2017/decorative" xmlns="" val="1"/>
               </a:ext>
             </a:extLst>
           </p:cNvPr>
@@ -18433,6 +18518,14 @@
 </file>
 
 <file path=customXml/item2.xml><?xml version="1.0" encoding="utf-8"?>
+<p:properties xmlns:p="http://schemas.microsoft.com/office/2006/metadata/properties" xmlns:xsi="http://www.w3.org/2001/XMLSchema-instance" xmlns:pc="http://schemas.microsoft.com/office/infopath/2007/PartnerControls">
+  <documentManagement>
+    <MediaServiceKeyPoints xmlns="71af3243-3dd4-4a8d-8c0d-dd76da1f02a5" xsi:nil="true"/>
+  </documentManagement>
+</p:properties>
+</file>
+
+<file path=customXml/item3.xml><?xml version="1.0" encoding="utf-8"?>
 <ct:contentTypeSchema xmlns:ct="http://schemas.microsoft.com/office/2006/metadata/contentType" xmlns:ma="http://schemas.microsoft.com/office/2006/metadata/properties/metaAttributes" ct:_="" ma:_="" ma:contentTypeName="Document" ma:contentTypeID="0x01010079F111ED35F8CC479449609E8A0923A6" ma:contentTypeVersion="11" ma:contentTypeDescription="Create a new document." ma:contentTypeScope="" ma:versionID="1c2eb7a32e66fb6e4260f3771546a5e2">
   <xsd:schema xmlns:xsd="http://www.w3.org/2001/XMLSchema" xmlns:xs="http://www.w3.org/2001/XMLSchema" xmlns:p="http://schemas.microsoft.com/office/2006/metadata/properties" xmlns:ns2="71af3243-3dd4-4a8d-8c0d-dd76da1f02a5" xmlns:ns3="16c05727-aa75-4e4a-9b5f-8a80a1165891" targetNamespace="http://schemas.microsoft.com/office/2006/metadata/properties" ma:root="true" ma:fieldsID="04e1f6479c48b08974ba73b5ca973489" ns2:_="" ns3:_="">
     <xsd:import namespace="71af3243-3dd4-4a8d-8c0d-dd76da1f02a5"/>
@@ -18643,14 +18736,6 @@
 </ct:contentTypeSchema>
 </file>
 
-<file path=customXml/item3.xml><?xml version="1.0" encoding="utf-8"?>
-<p:properties xmlns:p="http://schemas.microsoft.com/office/2006/metadata/properties" xmlns:xsi="http://www.w3.org/2001/XMLSchema-instance" xmlns:pc="http://schemas.microsoft.com/office/infopath/2007/PartnerControls">
-  <documentManagement>
-    <MediaServiceKeyPoints xmlns="71af3243-3dd4-4a8d-8c0d-dd76da1f02a5" xsi:nil="true"/>
-  </documentManagement>
-</p:properties>
-</file>
-
 <file path=customXml/itemProps1.xml><?xml version="1.0" encoding="utf-8"?>
 <ds:datastoreItem xmlns:ds="http://schemas.openxmlformats.org/officeDocument/2006/customXml" ds:itemID="{204E1485-0760-4ABF-A612-28A97B86DF09}">
   <ds:schemaRefs>
@@ -18660,6 +18745,23 @@
 </file>
 
 <file path=customXml/itemProps2.xml><?xml version="1.0" encoding="utf-8"?>
+<ds:datastoreItem xmlns:ds="http://schemas.openxmlformats.org/officeDocument/2006/customXml" ds:itemID="{4965EBD3-98B5-4FD2-8FAF-5D4022A9F7F4}">
+  <ds:schemaRefs>
+    <ds:schemaRef ds:uri="http://purl.org/dc/elements/1.1/"/>
+    <ds:schemaRef ds:uri="http://schemas.openxmlformats.org/package/2006/metadata/core-properties"/>
+    <ds:schemaRef ds:uri="http://www.w3.org/XML/1998/namespace"/>
+    <ds:schemaRef ds:uri="16c05727-aa75-4e4a-9b5f-8a80a1165891"/>
+    <ds:schemaRef ds:uri="http://schemas.microsoft.com/office/2006/documentManagement/types"/>
+    <ds:schemaRef ds:uri="http://purl.org/dc/terms/"/>
+    <ds:schemaRef ds:uri="http://schemas.microsoft.com/office/infopath/2007/PartnerControls"/>
+    <ds:schemaRef ds:uri="71af3243-3dd4-4a8d-8c0d-dd76da1f02a5"/>
+    <ds:schemaRef ds:uri="http://schemas.microsoft.com/office/2006/metadata/properties"/>
+    <ds:schemaRef ds:uri="http://purl.org/dc/dcmitype/"/>
+  </ds:schemaRefs>
+</ds:datastoreItem>
+</file>
+
+<file path=customXml/itemProps3.xml><?xml version="1.0" encoding="utf-8"?>
 <ds:datastoreItem xmlns:ds="http://schemas.openxmlformats.org/officeDocument/2006/customXml" ds:itemID="{55813238-AF3D-40EB-A3A4-550AB85131D4}">
   <ds:schemaRefs>
     <ds:schemaRef ds:uri="http://schemas.microsoft.com/office/2006/metadata/contentType"/>
@@ -18676,21 +18778,4 @@
     <ds:schemaRef ds:uri="http://schemas.microsoft.com/internal/obd"/>
   </ds:schemaRefs>
 </ds:datastoreItem>
-</file>
-
-<file path=customXml/itemProps3.xml><?xml version="1.0" encoding="utf-8"?>
-<ds:datastoreItem xmlns:ds="http://schemas.openxmlformats.org/officeDocument/2006/customXml" ds:itemID="{4965EBD3-98B5-4FD2-8FAF-5D4022A9F7F4}">
-  <ds:schemaRefs>
-    <ds:schemaRef ds:uri="http://purl.org/dc/elements/1.1/"/>
-    <ds:schemaRef ds:uri="http://schemas.openxmlformats.org/package/2006/metadata/core-properties"/>
-    <ds:schemaRef ds:uri="http://www.w3.org/XML/1998/namespace"/>
-    <ds:schemaRef ds:uri="16c05727-aa75-4e4a-9b5f-8a80a1165891"/>
-    <ds:schemaRef ds:uri="http://schemas.microsoft.com/office/2006/documentManagement/types"/>
-    <ds:schemaRef ds:uri="http://purl.org/dc/terms/"/>
-    <ds:schemaRef ds:uri="http://schemas.microsoft.com/office/infopath/2007/PartnerControls"/>
-    <ds:schemaRef ds:uri="71af3243-3dd4-4a8d-8c0d-dd76da1f02a5"/>
-    <ds:schemaRef ds:uri="http://schemas.microsoft.com/office/2006/metadata/properties"/>
-    <ds:schemaRef ds:uri="http://purl.org/dc/dcmitype/"/>
-  </ds:schemaRefs>
-</ds:datastoreItem>
 </file>
--- a/MyTraining/Individual development/مهارت تصمیم گیری درست.pptx
+++ b/MyTraining/Individual development/مهارت تصمیم گیری درست.pptx
@@ -17,10 +17,12 @@
     <p:sldId id="269" r:id="rId14"/>
     <p:sldId id="270" r:id="rId15"/>
     <p:sldId id="272" r:id="rId16"/>
-    <p:sldId id="271" r:id="rId17"/>
-    <p:sldId id="273" r:id="rId18"/>
-    <p:sldId id="265" r:id="rId19"/>
-    <p:sldId id="260" r:id="rId20"/>
+    <p:sldId id="273" r:id="rId17"/>
+    <p:sldId id="265" r:id="rId18"/>
+    <p:sldId id="274" r:id="rId19"/>
+    <p:sldId id="275" r:id="rId20"/>
+    <p:sldId id="271" r:id="rId21"/>
+    <p:sldId id="260" r:id="rId22"/>
   </p:sldIdLst>
   <p:sldSz cx="12192000" cy="6858000"/>
   <p:notesSz cx="6858000" cy="9144000"/>
@@ -323,7 +325,7 @@
           <a:p>
             <a:fld id="{9AB3A824-1A51-4B26-AD58-A6D8E14F6C04}" type="datetimeFigureOut">
               <a:rPr lang="en-US" noProof="0" smtClean="0"/>
-              <a:t>4/6/2019</a:t>
+              <a:t>4/9/2019</a:t>
             </a:fld>
             <a:endParaRPr lang="en-US" noProof="0" dirty="0"/>
           </a:p>
@@ -548,7 +550,7 @@
           <a:p>
             <a:fld id="{D857E33E-8B18-4087-B112-809917729534}" type="datetimeFigureOut">
               <a:rPr lang="en-US" noProof="0" smtClean="0"/>
-              <a:t>4/6/2019</a:t>
+              <a:t>4/9/2019</a:t>
             </a:fld>
             <a:endParaRPr lang="en-US" noProof="0" dirty="0"/>
           </a:p>
@@ -732,7 +734,7 @@
           <a:p>
             <a:fld id="{D3FFE419-2371-464F-8239-3959401C3561}" type="datetimeFigureOut">
               <a:rPr lang="en-US" noProof="0" smtClean="0"/>
-              <a:t>4/6/2019</a:t>
+              <a:t>4/9/2019</a:t>
             </a:fld>
             <a:endParaRPr lang="en-US" noProof="0" dirty="0"/>
           </a:p>
@@ -906,7 +908,7 @@
           <a:p>
             <a:fld id="{97D162C4-EDD9-4389-A98B-B87ECEA2A816}" type="datetimeFigureOut">
               <a:rPr lang="en-US" noProof="0" smtClean="0"/>
-              <a:t>4/6/2019</a:t>
+              <a:t>4/9/2019</a:t>
             </a:fld>
             <a:endParaRPr lang="en-US" noProof="0" dirty="0"/>
           </a:p>
@@ -1161,7 +1163,7 @@
           <a:p>
             <a:fld id="{3E5059C3-6A89-4494-99FF-5A4D6FFD50EB}" type="datetimeFigureOut">
               <a:rPr lang="en-US" noProof="0" smtClean="0"/>
-              <a:t>4/6/2019</a:t>
+              <a:t>4/9/2019</a:t>
             </a:fld>
             <a:endParaRPr lang="en-US" noProof="0" dirty="0"/>
           </a:p>
@@ -1488,7 +1490,7 @@
           <a:p>
             <a:fld id="{CA954B2F-12DE-47F5-8894-472B206D2E1E}" type="datetimeFigureOut">
               <a:rPr lang="en-US" noProof="0" smtClean="0"/>
-              <a:t>4/6/2019</a:t>
+              <a:t>4/9/2019</a:t>
             </a:fld>
             <a:endParaRPr lang="en-US" noProof="0" dirty="0"/>
           </a:p>
@@ -1916,7 +1918,7 @@
           <a:p>
             <a:fld id="{3CBC1C18-307B-4F68-A007-B5B542270E8D}" type="datetimeFigureOut">
               <a:rPr lang="en-US" noProof="0" smtClean="0"/>
-              <a:t>4/6/2019</a:t>
+              <a:t>4/9/2019</a:t>
             </a:fld>
             <a:endParaRPr lang="en-US" noProof="0" dirty="0"/>
           </a:p>
@@ -2040,7 +2042,7 @@
           <a:p>
             <a:fld id="{1FAF3416-4057-4DAA-829D-4CA07428D088}" type="datetimeFigureOut">
               <a:rPr lang="en-US" noProof="0" smtClean="0"/>
-              <a:t>4/6/2019</a:t>
+              <a:t>4/9/2019</a:t>
             </a:fld>
             <a:endParaRPr lang="en-US" noProof="0" dirty="0"/>
           </a:p>
@@ -2139,7 +2141,7 @@
           <a:p>
             <a:fld id="{921D9284-D300-4297-87F7-E791DCC15DB1}" type="datetimeFigureOut">
               <a:rPr lang="en-US" noProof="0" smtClean="0"/>
-              <a:t>4/6/2019</a:t>
+              <a:t>4/9/2019</a:t>
             </a:fld>
             <a:endParaRPr lang="en-US" noProof="0" dirty="0"/>
           </a:p>
@@ -2433,7 +2435,7 @@
           <a:p>
             <a:fld id="{37D525BB-DA17-4BA0-B3C8-3AC3ABC827E6}" type="datetimeFigureOut">
               <a:rPr lang="en-US" noProof="0" smtClean="0"/>
-              <a:t>4/6/2019</a:t>
+              <a:t>4/9/2019</a:t>
             </a:fld>
             <a:endParaRPr lang="en-US" noProof="0" dirty="0"/>
           </a:p>
@@ -2709,7 +2711,7 @@
           <a:p>
             <a:fld id="{B16C4C9A-3960-41CF-A4E9-2A8FB932454B}" type="datetimeFigureOut">
               <a:rPr lang="en-US" noProof="0" smtClean="0"/>
-              <a:t>4/6/2019</a:t>
+              <a:t>4/9/2019</a:t>
             </a:fld>
             <a:endParaRPr lang="en-US" noProof="0" dirty="0"/>
           </a:p>
@@ -2966,7 +2968,7 @@
           <a:p>
             <a:fld id="{3CBC1C18-307B-4F68-A007-B5B542270E8D}" type="datetimeFigureOut">
               <a:rPr lang="en-US" noProof="0" smtClean="0"/>
-              <a:t>4/6/2019</a:t>
+              <a:t>4/9/2019</a:t>
             </a:fld>
             <a:endParaRPr lang="en-US" noProof="0" dirty="0"/>
           </a:p>
@@ -3449,7 +3451,7 @@
                 <a16:creationId xmlns:a16="http://schemas.microsoft.com/office/drawing/2014/main" id="{63FED537-3AF1-4C36-9904-77B6A54D27B5}"/>
               </a:ext>
               <a:ext uri="{C183D7F6-B498-43B3-948B-1728B52AA6E4}">
-                <adec:decorative xmlns:adec="http://schemas.microsoft.com/office/drawing/2017/decorative" xmlns="" val="1"/>
+                <adec:decorative xmlns="" xmlns:adec="http://schemas.microsoft.com/office/drawing/2017/decorative" val="1"/>
               </a:ext>
             </a:extLst>
           </p:cNvPr>
@@ -6764,16 +6766,10 @@
               <a:buChar char="ü"/>
             </a:pPr>
             <a:r>
-              <a:rPr lang="en-US" sz="1600" b="1" dirty="0" err="1">
-                <a:cs typeface="B Nazanin" panose="00000400000000000000" pitchFamily="2" charset="-78"/>
-              </a:rPr>
-              <a:t>اجتناب</a:t>
-            </a:r>
-            <a:r>
               <a:rPr lang="en-US" sz="1600" b="1" dirty="0">
                 <a:cs typeface="B Nazanin" panose="00000400000000000000" pitchFamily="2" charset="-78"/>
               </a:rPr>
-              <a:t> </a:t>
+              <a:t>اجتناب </a:t>
             </a:r>
             <a:r>
               <a:rPr lang="en-US" sz="1600" b="1" dirty="0" err="1">
@@ -6970,7 +6966,7 @@
         </p:nvSpPr>
         <p:spPr>
           <a:xfrm>
-            <a:off x="5878286" y="3934362"/>
+            <a:off x="6008916" y="3934362"/>
             <a:ext cx="5535659" cy="2554545"/>
           </a:xfrm>
           <a:prstGeom prst="rect">
@@ -7841,7 +7837,7 @@
               <a:rPr lang="fa-IR" sz="4800" dirty="0" smtClean="0">
                 <a:cs typeface="B Nazanin" panose="00000400000000000000" pitchFamily="2" charset="-78"/>
               </a:rPr>
-              <a:t>تصمیم گیری چیست ؟</a:t>
+              <a:t>بررسی توان مغز انسان</a:t>
             </a:r>
             <a:endParaRPr lang="en-US" sz="4800" dirty="0">
               <a:cs typeface="B Nazanin" panose="00000400000000000000" pitchFamily="2" charset="-78"/>
@@ -7879,10 +7875,588 @@
           </a:fontRef>
         </p:style>
       </p:cxnSp>
+      <p:pic>
+        <p:nvPicPr>
+          <p:cNvPr id="3" name="Picture 2"/>
+          <p:cNvPicPr>
+            <a:picLocks noChangeAspect="1"/>
+          </p:cNvPicPr>
+          <p:nvPr/>
+        </p:nvPicPr>
+        <p:blipFill>
+          <a:blip r:embed="rId2"/>
+          <a:stretch>
+            <a:fillRect/>
+          </a:stretch>
+        </p:blipFill>
+        <p:spPr>
+          <a:xfrm>
+            <a:off x="775671" y="1905064"/>
+            <a:ext cx="2857500" cy="1600200"/>
+          </a:xfrm>
+          <a:prstGeom prst="rect">
+            <a:avLst/>
+          </a:prstGeom>
+        </p:spPr>
+      </p:pic>
+      <p:sp>
+        <p:nvSpPr>
+          <p:cNvPr id="4" name="Rectangle 3"/>
+          <p:cNvSpPr/>
+          <p:nvPr/>
+        </p:nvSpPr>
+        <p:spPr>
+          <a:xfrm>
+            <a:off x="1830889" y="1394884"/>
+            <a:ext cx="8935459" cy="369332"/>
+          </a:xfrm>
+          <a:prstGeom prst="rect">
+            <a:avLst/>
+          </a:prstGeom>
+        </p:spPr>
+        <p:txBody>
+          <a:bodyPr wrap="none">
+            <a:spAutoFit/>
+          </a:bodyPr>
+          <a:lstStyle/>
+          <a:p>
+            <a:r>
+              <a:rPr lang="fa-IR" dirty="0" smtClean="0">
+                <a:solidFill>
+                  <a:srgbClr val="000000"/>
+                </a:solidFill>
+                <a:latin typeface="IRANSans"/>
+                <a:cs typeface="B Nazanin" panose="00000400000000000000" pitchFamily="2" charset="-78"/>
+              </a:rPr>
+              <a:t>مغز انسان یکی از پر مصرف ترین بخش های بدن او و یکی از کم مصرف ترین ابزارهای محاسباتی و تحلیل در جهان می باشد . </a:t>
+            </a:r>
+            <a:endParaRPr lang="en-US" dirty="0"/>
+          </a:p>
+        </p:txBody>
+      </p:sp>
+      <p:sp>
+        <p:nvSpPr>
+          <p:cNvPr id="6" name="Rectangle 5"/>
+          <p:cNvSpPr/>
+          <p:nvPr/>
+        </p:nvSpPr>
+        <p:spPr>
+          <a:xfrm>
+            <a:off x="3633171" y="2104999"/>
+            <a:ext cx="7133177" cy="1200329"/>
+          </a:xfrm>
+          <a:prstGeom prst="rect">
+            <a:avLst/>
+          </a:prstGeom>
+        </p:spPr>
+        <p:txBody>
+          <a:bodyPr wrap="square">
+            <a:spAutoFit/>
+          </a:bodyPr>
+          <a:lstStyle/>
+          <a:p>
+            <a:pPr algn="r" rtl="1"/>
+            <a:r>
+              <a:rPr lang="fa-IR" dirty="0" smtClean="0">
+                <a:solidFill>
+                  <a:srgbClr val="000000"/>
+                </a:solidFill>
+                <a:latin typeface="IRANSans"/>
+                <a:cs typeface="B Nazanin" panose="00000400000000000000" pitchFamily="2" charset="-78"/>
+              </a:rPr>
+              <a:t>مغز انسان بخشی از این برتری خود در پردازش با انرژی پایین را از ساختار نورونی سناپس ها بدست آورده ، اما بخشی از آن با قربانی کردن دقت بدست آمده . مغز ما میان بر هایی برای خود میسازد تا جواب های سرانگشتی سریعی برای مشکلات و چالشها پیدا کند و با همین </a:t>
+            </a:r>
+            <a:r>
+              <a:rPr lang="fa-IR" b="1" dirty="0" smtClean="0">
+                <a:solidFill>
+                  <a:srgbClr val="FF0000"/>
+                </a:solidFill>
+                <a:latin typeface="IRANSans"/>
+                <a:cs typeface="B Nazanin" panose="00000400000000000000" pitchFamily="2" charset="-78"/>
+              </a:rPr>
+              <a:t>میانبر</a:t>
+            </a:r>
+            <a:r>
+              <a:rPr lang="fa-IR" dirty="0" smtClean="0">
+                <a:solidFill>
+                  <a:srgbClr val="000000"/>
+                </a:solidFill>
+                <a:latin typeface="IRANSans"/>
+                <a:cs typeface="B Nazanin" panose="00000400000000000000" pitchFamily="2" charset="-78"/>
+              </a:rPr>
+              <a:t> ها و کمی از دست دادن دقت ، با  سرعت بیشتر و مصرف انرژی کمتر به جواب برسد .  </a:t>
+            </a:r>
+            <a:endParaRPr lang="en-US" dirty="0"/>
+          </a:p>
+        </p:txBody>
+      </p:sp>
+      <p:sp>
+        <p:nvSpPr>
+          <p:cNvPr id="5" name="Rectangle 4"/>
+          <p:cNvSpPr/>
+          <p:nvPr/>
+        </p:nvSpPr>
+        <p:spPr>
+          <a:xfrm>
+            <a:off x="775671" y="3694627"/>
+            <a:ext cx="10721785" cy="923330"/>
+          </a:xfrm>
+          <a:prstGeom prst="rect">
+            <a:avLst/>
+          </a:prstGeom>
+        </p:spPr>
+        <p:style>
+          <a:lnRef idx="2">
+            <a:schemeClr val="accent2"/>
+          </a:lnRef>
+          <a:fillRef idx="1">
+            <a:schemeClr val="lt1"/>
+          </a:fillRef>
+          <a:effectRef idx="0">
+            <a:schemeClr val="accent2"/>
+          </a:effectRef>
+          <a:fontRef idx="minor">
+            <a:schemeClr val="dk1"/>
+          </a:fontRef>
+        </p:style>
+        <p:txBody>
+          <a:bodyPr wrap="square">
+            <a:spAutoFit/>
+          </a:bodyPr>
+          <a:lstStyle/>
+          <a:p>
+            <a:pPr algn="justLow" rtl="1"/>
+            <a:r>
+              <a:rPr lang="fa-IR" dirty="0">
+                <a:solidFill>
+                  <a:srgbClr val="000000"/>
+                </a:solidFill>
+                <a:latin typeface="IRANSans"/>
+                <a:cs typeface="B Nazanin" panose="00000400000000000000" pitchFamily="2" charset="-78"/>
+              </a:rPr>
+              <a:t>مغز انسان در طول زمان، با آزمایش و خطا و دریافت اطلاعات جدید و تجربه‌های جدید، به تدریج محیط اطراف خود را کشف می‌کند.</a:t>
+            </a:r>
+          </a:p>
+          <a:p>
+            <a:pPr algn="justLow" rtl="1"/>
+            <a:r>
+              <a:rPr lang="fa-IR" dirty="0">
+                <a:solidFill>
+                  <a:srgbClr val="000000"/>
+                </a:solidFill>
+                <a:latin typeface="IRANSans"/>
+                <a:cs typeface="B Nazanin" panose="00000400000000000000" pitchFamily="2" charset="-78"/>
+              </a:rPr>
+              <a:t>در این میان، بسیاری از قضاوت‌ها و قاعده‌های ذهنی، به جای اینکه بر اساس منطق خشک و دیجیتال شکل بگیرند، بر پایه‌ی آمار و احتمال و فراوانی تجربه‌ها شکل می‌گیرند</a:t>
+            </a:r>
+            <a:r>
+              <a:rPr lang="fa-IR" dirty="0" smtClean="0">
+                <a:solidFill>
+                  <a:srgbClr val="000000"/>
+                </a:solidFill>
+                <a:latin typeface="IRANSans"/>
+                <a:cs typeface="B Nazanin" panose="00000400000000000000" pitchFamily="2" charset="-78"/>
+              </a:rPr>
+              <a:t>. (</a:t>
+            </a:r>
+            <a:r>
+              <a:rPr lang="en-US" b="1" dirty="0" smtClean="0">
+                <a:solidFill>
+                  <a:srgbClr val="FF0000"/>
+                </a:solidFill>
+              </a:rPr>
+              <a:t>Heuristic</a:t>
+            </a:r>
+            <a:r>
+              <a:rPr lang="fa-IR" dirty="0" smtClean="0">
+                <a:solidFill>
+                  <a:srgbClr val="000000"/>
+                </a:solidFill>
+                <a:latin typeface="IRANSans"/>
+                <a:cs typeface="B Nazanin" panose="00000400000000000000" pitchFamily="2" charset="-78"/>
+              </a:rPr>
+              <a:t>)</a:t>
+            </a:r>
+            <a:endParaRPr lang="fa-IR" dirty="0">
+              <a:solidFill>
+                <a:srgbClr val="000000"/>
+              </a:solidFill>
+              <a:latin typeface="IRANSans"/>
+              <a:cs typeface="B Nazanin" panose="00000400000000000000" pitchFamily="2" charset="-78"/>
+            </a:endParaRPr>
+          </a:p>
+        </p:txBody>
+      </p:sp>
+      <p:grpSp>
+        <p:nvGrpSpPr>
+          <p:cNvPr id="11" name="Group 10"/>
+          <p:cNvGrpSpPr/>
+          <p:nvPr/>
+        </p:nvGrpSpPr>
+        <p:grpSpPr>
+          <a:xfrm>
+            <a:off x="775671" y="4766393"/>
+            <a:ext cx="6766577" cy="1738695"/>
+            <a:chOff x="4730878" y="4726476"/>
+            <a:chExt cx="6766577" cy="1738695"/>
+          </a:xfrm>
+        </p:grpSpPr>
+        <p:sp>
+          <p:nvSpPr>
+            <p:cNvPr id="7" name="Rectangle 6"/>
+            <p:cNvSpPr/>
+            <p:nvPr/>
+          </p:nvSpPr>
+          <p:spPr>
+            <a:xfrm>
+              <a:off x="4859383" y="4807320"/>
+              <a:ext cx="5166503" cy="1477328"/>
+            </a:xfrm>
+            <a:prstGeom prst="rect">
+              <a:avLst/>
+            </a:prstGeom>
+            <a:noFill/>
+            <a:ln>
+              <a:noFill/>
+            </a:ln>
+          </p:spPr>
+          <p:style>
+            <a:lnRef idx="0">
+              <a:scrgbClr r="0" g="0" b="0"/>
+            </a:lnRef>
+            <a:fillRef idx="0">
+              <a:scrgbClr r="0" g="0" b="0"/>
+            </a:fillRef>
+            <a:effectRef idx="0">
+              <a:scrgbClr r="0" g="0" b="0"/>
+            </a:effectRef>
+            <a:fontRef idx="minor">
+              <a:schemeClr val="dk1"/>
+            </a:fontRef>
+          </p:style>
+          <p:txBody>
+            <a:bodyPr wrap="square">
+              <a:spAutoFit/>
+            </a:bodyPr>
+            <a:lstStyle/>
+            <a:p>
+              <a:pPr algn="justLow" rtl="1"/>
+              <a:r>
+                <a:rPr lang="fa-IR" dirty="0">
+                  <a:solidFill>
+                    <a:srgbClr val="000000"/>
+                  </a:solidFill>
+                  <a:latin typeface="IRANSans"/>
+                  <a:cs typeface="B Nazanin" panose="00000400000000000000" pitchFamily="2" charset="-78"/>
+                </a:rPr>
+                <a:t>نباید فراموش کرد که مغز انسان، برای به دست آوردن این سطح بالا از عملکرد، میان‌بر‌هایی را هم آموخته و به کار گرفته </a:t>
+              </a:r>
+              <a:r>
+                <a:rPr lang="fa-IR" dirty="0" smtClean="0">
+                  <a:solidFill>
+                    <a:srgbClr val="000000"/>
+                  </a:solidFill>
+                  <a:latin typeface="IRANSans"/>
+                  <a:cs typeface="B Nazanin" panose="00000400000000000000" pitchFamily="2" charset="-78"/>
+                </a:rPr>
+                <a:t>است.</a:t>
+              </a:r>
+              <a:r>
+                <a:rPr lang="en-US" dirty="0" smtClean="0">
+                  <a:solidFill>
+                    <a:srgbClr val="000000"/>
+                  </a:solidFill>
+                  <a:latin typeface="IRANSans"/>
+                  <a:cs typeface="B Nazanin" panose="00000400000000000000" pitchFamily="2" charset="-78"/>
+                </a:rPr>
+                <a:t> </a:t>
+              </a:r>
+              <a:r>
+                <a:rPr lang="fa-IR" b="1" dirty="0" smtClean="0">
+                  <a:solidFill>
+                    <a:srgbClr val="FF0000"/>
+                  </a:solidFill>
+                  <a:latin typeface="IRANSans"/>
+                  <a:cs typeface="B Nazanin" panose="00000400000000000000" pitchFamily="2" charset="-78"/>
+                </a:rPr>
+                <a:t>میان‌برهایی </a:t>
+              </a:r>
+              <a:r>
+                <a:rPr lang="fa-IR" b="1" dirty="0">
+                  <a:solidFill>
+                    <a:srgbClr val="FF0000"/>
+                  </a:solidFill>
+                  <a:latin typeface="IRANSans"/>
+                  <a:cs typeface="B Nazanin" panose="00000400000000000000" pitchFamily="2" charset="-78"/>
+                </a:rPr>
+                <a:t>ارزشمند </a:t>
+              </a:r>
+              <a:r>
+                <a:rPr lang="fa-IR" dirty="0">
+                  <a:solidFill>
+                    <a:srgbClr val="000000"/>
+                  </a:solidFill>
+                  <a:latin typeface="IRANSans"/>
+                  <a:cs typeface="B Nazanin" panose="00000400000000000000" pitchFamily="2" charset="-78"/>
+                </a:rPr>
+                <a:t>که اگر چه موجب بقای نسل بشر بر روی این کره‌ی خاکی شده‌اند، </a:t>
+              </a:r>
+              <a:r>
+                <a:rPr lang="fa-IR" b="1" dirty="0">
+                  <a:solidFill>
+                    <a:srgbClr val="FF0000"/>
+                  </a:solidFill>
+                  <a:latin typeface="IRANSans"/>
+                  <a:cs typeface="B Nazanin" panose="00000400000000000000" pitchFamily="2" charset="-78"/>
+                </a:rPr>
+                <a:t>اما منشاء </a:t>
+              </a:r>
+              <a:r>
+                <a:rPr lang="fa-IR" dirty="0">
+                  <a:solidFill>
+                    <a:srgbClr val="000000"/>
+                  </a:solidFill>
+                  <a:latin typeface="IRANSans"/>
+                  <a:cs typeface="B Nazanin" panose="00000400000000000000" pitchFamily="2" charset="-78"/>
+                </a:rPr>
+                <a:t>بسیاری از </a:t>
+              </a:r>
+              <a:r>
+                <a:rPr lang="fa-IR" b="1" dirty="0">
+                  <a:solidFill>
+                    <a:srgbClr val="FF0000"/>
+                  </a:solidFill>
+                  <a:latin typeface="IRANSans"/>
+                  <a:cs typeface="B Nazanin" panose="00000400000000000000" pitchFamily="2" charset="-78"/>
+                </a:rPr>
+                <a:t>خطاهای قضاوتی و ادراکی</a:t>
+              </a:r>
+              <a:r>
+                <a:rPr lang="fa-IR" dirty="0">
+                  <a:solidFill>
+                    <a:srgbClr val="000000"/>
+                  </a:solidFill>
+                  <a:latin typeface="IRANSans"/>
+                  <a:cs typeface="B Nazanin" panose="00000400000000000000" pitchFamily="2" charset="-78"/>
+                </a:rPr>
+                <a:t> ما هم بوده‌اند.</a:t>
+              </a:r>
+            </a:p>
+          </p:txBody>
+        </p:sp>
+        <p:pic>
+          <p:nvPicPr>
+            <p:cNvPr id="9" name="Picture 8"/>
+            <p:cNvPicPr>
+              <a:picLocks noChangeAspect="1"/>
+            </p:cNvPicPr>
+            <p:nvPr/>
+          </p:nvPicPr>
+          <p:blipFill>
+            <a:blip r:embed="rId3"/>
+            <a:stretch>
+              <a:fillRect/>
+            </a:stretch>
+          </p:blipFill>
+          <p:spPr>
+            <a:xfrm>
+              <a:off x="10206643" y="4795806"/>
+              <a:ext cx="1238428" cy="1630176"/>
+            </a:xfrm>
+            <a:prstGeom prst="rect">
+              <a:avLst/>
+            </a:prstGeom>
+          </p:spPr>
+        </p:pic>
+        <p:sp>
+          <p:nvSpPr>
+            <p:cNvPr id="10" name="Rectangle 9"/>
+            <p:cNvSpPr/>
+            <p:nvPr/>
+          </p:nvSpPr>
+          <p:spPr>
+            <a:xfrm>
+              <a:off x="4730878" y="4726476"/>
+              <a:ext cx="6766577" cy="1738695"/>
+            </a:xfrm>
+            <a:prstGeom prst="rect">
+              <a:avLst/>
+            </a:prstGeom>
+            <a:noFill/>
+          </p:spPr>
+          <p:style>
+            <a:lnRef idx="2">
+              <a:schemeClr val="accent1">
+                <a:shade val="50000"/>
+              </a:schemeClr>
+            </a:lnRef>
+            <a:fillRef idx="1">
+              <a:schemeClr val="accent1"/>
+            </a:fillRef>
+            <a:effectRef idx="0">
+              <a:schemeClr val="accent1"/>
+            </a:effectRef>
+            <a:fontRef idx="minor">
+              <a:schemeClr val="lt1"/>
+            </a:fontRef>
+          </p:style>
+          <p:txBody>
+            <a:bodyPr rtlCol="0" anchor="ctr"/>
+            <a:lstStyle/>
+            <a:p>
+              <a:pPr algn="ctr"/>
+              <a:endParaRPr lang="en-US"/>
+            </a:p>
+          </p:txBody>
+        </p:sp>
+      </p:grpSp>
+      <p:pic>
+        <p:nvPicPr>
+          <p:cNvPr id="12" name="Picture 11"/>
+          <p:cNvPicPr>
+            <a:picLocks noChangeAspect="1"/>
+          </p:cNvPicPr>
+          <p:nvPr/>
+        </p:nvPicPr>
+        <p:blipFill>
+          <a:blip r:embed="rId4"/>
+          <a:stretch>
+            <a:fillRect/>
+          </a:stretch>
+        </p:blipFill>
+        <p:spPr>
+          <a:xfrm>
+            <a:off x="10368370" y="4766393"/>
+            <a:ext cx="1352550" cy="342900"/>
+          </a:xfrm>
+          <a:prstGeom prst="rect">
+            <a:avLst/>
+          </a:prstGeom>
+        </p:spPr>
+      </p:pic>
+      <p:cxnSp>
+        <p:nvCxnSpPr>
+          <p:cNvPr id="14" name="Elbow Connector 13"/>
+          <p:cNvCxnSpPr>
+            <a:stCxn id="12" idx="2"/>
+            <a:endCxn id="19" idx="0"/>
+          </p:cNvCxnSpPr>
+          <p:nvPr/>
+        </p:nvCxnSpPr>
+        <p:spPr>
+          <a:xfrm rot="5400000">
+            <a:off x="10082784" y="4876720"/>
+            <a:ext cx="729288" cy="1194435"/>
+          </a:xfrm>
+          <a:prstGeom prst="bentConnector3">
+            <a:avLst>
+              <a:gd name="adj1" fmla="val 50000"/>
+            </a:avLst>
+          </a:prstGeom>
+          <a:ln w="28575" cap="flat" cmpd="sng" algn="ctr">
+            <a:solidFill>
+              <a:schemeClr val="accent1"/>
+            </a:solidFill>
+            <a:prstDash val="solid"/>
+            <a:round/>
+            <a:headEnd type="none" w="med" len="med"/>
+            <a:tailEnd type="arrow" w="med" len="med"/>
+          </a:ln>
+        </p:spPr>
+        <p:style>
+          <a:lnRef idx="0">
+            <a:scrgbClr r="0" g="0" b="0"/>
+          </a:lnRef>
+          <a:fillRef idx="0">
+            <a:scrgbClr r="0" g="0" b="0"/>
+          </a:fillRef>
+          <a:effectRef idx="0">
+            <a:scrgbClr r="0" g="0" b="0"/>
+          </a:effectRef>
+          <a:fontRef idx="minor">
+            <a:schemeClr val="tx1"/>
+          </a:fontRef>
+        </p:style>
+      </p:cxnSp>
+      <p:sp>
+        <p:nvSpPr>
+          <p:cNvPr id="18" name="Rectangle 17"/>
+          <p:cNvSpPr/>
+          <p:nvPr/>
+        </p:nvSpPr>
+        <p:spPr>
+          <a:xfrm>
+            <a:off x="9853996" y="5104605"/>
+            <a:ext cx="593432" cy="369332"/>
+          </a:xfrm>
+          <a:prstGeom prst="rect">
+            <a:avLst/>
+          </a:prstGeom>
+        </p:spPr>
+        <p:txBody>
+          <a:bodyPr wrap="none">
+            <a:spAutoFit/>
+          </a:bodyPr>
+          <a:lstStyle/>
+          <a:p>
+            <a:r>
+              <a:rPr lang="fa-IR" b="1" dirty="0">
+                <a:solidFill>
+                  <a:srgbClr val="4372C2"/>
+                </a:solidFill>
+                <a:latin typeface="IRANSans"/>
+                <a:cs typeface="B Nazanin" panose="00000400000000000000" pitchFamily="2" charset="-78"/>
+              </a:rPr>
+              <a:t>معنی</a:t>
+            </a:r>
+            <a:endParaRPr lang="en-US" b="1" dirty="0">
+              <a:solidFill>
+                <a:srgbClr val="4372C2"/>
+              </a:solidFill>
+              <a:latin typeface="IRANSans"/>
+              <a:cs typeface="B Nazanin" panose="00000400000000000000" pitchFamily="2" charset="-78"/>
+            </a:endParaRPr>
+          </a:p>
+        </p:txBody>
+      </p:sp>
+      <p:sp>
+        <p:nvSpPr>
+          <p:cNvPr id="19" name="Rectangle 18"/>
+          <p:cNvSpPr/>
+          <p:nvPr/>
+        </p:nvSpPr>
+        <p:spPr>
+          <a:xfrm>
+            <a:off x="8202964" y="5838581"/>
+            <a:ext cx="3294492" cy="307777"/>
+          </a:xfrm>
+          <a:prstGeom prst="rect">
+            <a:avLst/>
+          </a:prstGeom>
+        </p:spPr>
+        <p:txBody>
+          <a:bodyPr wrap="none">
+            <a:spAutoFit/>
+          </a:bodyPr>
+          <a:lstStyle/>
+          <a:p>
+            <a:r>
+              <a:rPr lang="fa-IR" sz="1400" dirty="0">
+                <a:solidFill>
+                  <a:srgbClr val="454638"/>
+                </a:solidFill>
+                <a:latin typeface="MsYekan"/>
+              </a:rPr>
+              <a:t>کشف کننده، پی برنده، اکتشافی، ابتکآری</a:t>
+            </a:r>
+            <a:endParaRPr lang="en-US" sz="1400" dirty="0"/>
+          </a:p>
+        </p:txBody>
+      </p:sp>
     </p:spTree>
     <p:extLst>
       <p:ext uri="{BB962C8B-B14F-4D97-AF65-F5344CB8AC3E}">
-        <p14:creationId xmlns:p14="http://schemas.microsoft.com/office/powerpoint/2010/main" val="3599509212"/>
+        <p14:creationId xmlns:p14="http://schemas.microsoft.com/office/powerpoint/2010/main" val="209127955"/>
       </p:ext>
     </p:extLst>
   </p:cSld>
@@ -7934,7 +8508,7 @@
         </p:nvSpPr>
         <p:spPr>
           <a:xfrm>
-            <a:off x="1169125" y="425299"/>
+            <a:off x="1449977" y="441069"/>
             <a:ext cx="9875520" cy="709749"/>
           </a:xfrm>
         </p:spPr>
@@ -7949,7 +8523,7 @@
               <a:rPr lang="fa-IR" sz="4800" dirty="0" smtClean="0">
                 <a:cs typeface="B Nazanin" panose="00000400000000000000" pitchFamily="2" charset="-78"/>
               </a:rPr>
-              <a:t>تصمیم گیری چیست ؟</a:t>
+              <a:t>نمونه هایی از خطاهای ذهنی </a:t>
             </a:r>
             <a:endParaRPr lang="en-US" sz="4800" dirty="0">
               <a:cs typeface="B Nazanin" panose="00000400000000000000" pitchFamily="2" charset="-78"/>
@@ -7987,10 +8561,943 @@
           </a:fontRef>
         </p:style>
       </p:cxnSp>
+      <p:sp>
+        <p:nvSpPr>
+          <p:cNvPr id="3" name="Rectangle 2"/>
+          <p:cNvSpPr/>
+          <p:nvPr/>
+        </p:nvSpPr>
+        <p:spPr>
+          <a:xfrm>
+            <a:off x="8543109" y="1744286"/>
+            <a:ext cx="3063238" cy="4801314"/>
+          </a:xfrm>
+          <a:prstGeom prst="rect">
+            <a:avLst/>
+          </a:prstGeom>
+          <a:solidFill>
+            <a:schemeClr val="accent4">
+              <a:lumMod val="20000"/>
+              <a:lumOff val="80000"/>
+            </a:schemeClr>
+          </a:solidFill>
+        </p:spPr>
+        <p:style>
+          <a:lnRef idx="2">
+            <a:schemeClr val="accent2"/>
+          </a:lnRef>
+          <a:fillRef idx="1">
+            <a:schemeClr val="lt1"/>
+          </a:fillRef>
+          <a:effectRef idx="0">
+            <a:schemeClr val="accent2"/>
+          </a:effectRef>
+          <a:fontRef idx="minor">
+            <a:schemeClr val="dk1"/>
+          </a:fontRef>
+        </p:style>
+        <p:txBody>
+          <a:bodyPr wrap="square">
+            <a:spAutoFit/>
+          </a:bodyPr>
+          <a:lstStyle/>
+          <a:p>
+            <a:pPr algn="justLow" rtl="1"/>
+            <a:r>
+              <a:rPr lang="fa-IR" dirty="0" smtClean="0">
+                <a:solidFill>
+                  <a:srgbClr val="000000"/>
+                </a:solidFill>
+                <a:latin typeface="IRANSans"/>
+                <a:cs typeface="B Nazanin" panose="00000400000000000000" pitchFamily="2" charset="-78"/>
+              </a:rPr>
+              <a:t>اکثر </a:t>
+            </a:r>
+            <a:r>
+              <a:rPr lang="fa-IR" dirty="0">
+                <a:solidFill>
+                  <a:srgbClr val="000000"/>
+                </a:solidFill>
+                <a:latin typeface="IRANSans"/>
+                <a:cs typeface="B Nazanin" panose="00000400000000000000" pitchFamily="2" charset="-78"/>
+              </a:rPr>
+              <a:t>ما </a:t>
+            </a:r>
+            <a:r>
+              <a:rPr lang="fa-IR" dirty="0" smtClean="0">
+                <a:solidFill>
+                  <a:srgbClr val="000000"/>
+                </a:solidFill>
+                <a:latin typeface="IRANSans"/>
+                <a:cs typeface="B Nazanin" panose="00000400000000000000" pitchFamily="2" charset="-78"/>
+              </a:rPr>
+              <a:t>انسان‌ها. احنمال مرگ با سیل و زلزله را بیشتر از آتشسوزی برای خود میدانیم . در </a:t>
+            </a:r>
+            <a:r>
+              <a:rPr lang="fa-IR" dirty="0">
+                <a:solidFill>
+                  <a:srgbClr val="000000"/>
+                </a:solidFill>
+                <a:latin typeface="IRANSans"/>
+                <a:cs typeface="B Nazanin" panose="00000400000000000000" pitchFamily="2" charset="-78"/>
+              </a:rPr>
+              <a:t>حالی که آمارها نشان می‌دهند، برای هر یک از ما، احتمال مرگ ناشی از آتش‌سوزی الزاماً از احتمال مرگ در اثر زلزله یا سقوط هواپیما کمتر نیست.</a:t>
+            </a:r>
+          </a:p>
+          <a:p>
+            <a:pPr algn="justLow" rtl="1"/>
+            <a:r>
+              <a:rPr lang="fa-IR" b="1" dirty="0">
+                <a:solidFill>
+                  <a:srgbClr val="000000"/>
+                </a:solidFill>
+                <a:latin typeface="IRANSans"/>
+                <a:cs typeface="B Nazanin" panose="00000400000000000000" pitchFamily="2" charset="-78"/>
+              </a:rPr>
+              <a:t>علت این نوع ارزیابی، اطلاعاتی است که در دسترس مغز است.</a:t>
+            </a:r>
+          </a:p>
+          <a:p>
+            <a:pPr algn="justLow" rtl="1"/>
+            <a:r>
+              <a:rPr lang="fa-IR" dirty="0">
+                <a:solidFill>
+                  <a:srgbClr val="000000"/>
+                </a:solidFill>
+                <a:latin typeface="IRANSans"/>
+                <a:cs typeface="B Nazanin" panose="00000400000000000000" pitchFamily="2" charset="-78"/>
+              </a:rPr>
+              <a:t>مغز در اثر گوش دادن به خبرها و خواندن روزنامه‌ها، حجم زیادی از اخبار مربوط به سقوط و زلزله را در دسترس دارد. به همین علت بر اساس اینکه چه چیزهایی بهتر به خاطر می‌آیند، در زمینه احتمال وقوع آنها قضاوت می‌کند</a:t>
+            </a:r>
+            <a:r>
+              <a:rPr lang="fa-IR" dirty="0" smtClean="0">
+                <a:solidFill>
+                  <a:srgbClr val="000000"/>
+                </a:solidFill>
+                <a:latin typeface="IRANSans"/>
+                <a:cs typeface="B Nazanin" panose="00000400000000000000" pitchFamily="2" charset="-78"/>
+              </a:rPr>
+              <a:t>.</a:t>
+            </a:r>
+          </a:p>
+          <a:p>
+            <a:pPr algn="justLow" rtl="1"/>
+            <a:r>
+              <a:rPr lang="fa-IR" b="1" dirty="0">
+                <a:solidFill>
+                  <a:srgbClr val="C00000"/>
+                </a:solidFill>
+                <a:latin typeface="IRANSans"/>
+                <a:cs typeface="B Nazanin" panose="00000400000000000000" pitchFamily="2" charset="-78"/>
+              </a:rPr>
+              <a:t>به عبارتی، اطلاعاتی که سریع‌تر بازیابی می‌شوند، محتمل‌تر فرض می‌شوند</a:t>
+            </a:r>
+            <a:r>
+              <a:rPr lang="fa-IR" b="1" dirty="0" smtClean="0">
+                <a:solidFill>
+                  <a:srgbClr val="C00000"/>
+                </a:solidFill>
+                <a:latin typeface="IRANSans"/>
+                <a:cs typeface="B Nazanin" panose="00000400000000000000" pitchFamily="2" charset="-78"/>
+              </a:rPr>
+              <a:t>.</a:t>
+            </a:r>
+            <a:endParaRPr lang="fa-IR" b="1" dirty="0">
+              <a:solidFill>
+                <a:srgbClr val="C00000"/>
+              </a:solidFill>
+              <a:latin typeface="IRANSans"/>
+              <a:cs typeface="B Nazanin" panose="00000400000000000000" pitchFamily="2" charset="-78"/>
+            </a:endParaRPr>
+          </a:p>
+        </p:txBody>
+      </p:sp>
+      <p:sp>
+        <p:nvSpPr>
+          <p:cNvPr id="4" name="Rectangle 3"/>
+          <p:cNvSpPr/>
+          <p:nvPr/>
+        </p:nvSpPr>
+        <p:spPr>
+          <a:xfrm>
+            <a:off x="8543109" y="1359961"/>
+            <a:ext cx="3063238" cy="400110"/>
+          </a:xfrm>
+          <a:prstGeom prst="rect">
+            <a:avLst/>
+          </a:prstGeom>
+          <a:solidFill>
+            <a:srgbClr val="AFA9FB"/>
+          </a:solidFill>
+        </p:spPr>
+        <p:style>
+          <a:lnRef idx="2">
+            <a:schemeClr val="accent2"/>
+          </a:lnRef>
+          <a:fillRef idx="1">
+            <a:schemeClr val="lt1"/>
+          </a:fillRef>
+          <a:effectRef idx="0">
+            <a:schemeClr val="accent2"/>
+          </a:effectRef>
+          <a:fontRef idx="minor">
+            <a:schemeClr val="dk1"/>
+          </a:fontRef>
+        </p:style>
+        <p:txBody>
+          <a:bodyPr wrap="square">
+            <a:spAutoFit/>
+          </a:bodyPr>
+          <a:lstStyle/>
+          <a:p>
+            <a:pPr algn="ctr"/>
+            <a:r>
+              <a:rPr lang="fa-IR" sz="2000" b="1" dirty="0">
+                <a:solidFill>
+                  <a:srgbClr val="000000"/>
+                </a:solidFill>
+                <a:latin typeface="IRANSans"/>
+                <a:cs typeface="B Nazanin" panose="00000400000000000000" pitchFamily="2" charset="-78"/>
+              </a:rPr>
+              <a:t>خطای در محاسبه‌ی احتمالات</a:t>
+            </a:r>
+            <a:endParaRPr lang="en-US" sz="2000" dirty="0">
+              <a:cs typeface="B Nazanin" panose="00000400000000000000" pitchFamily="2" charset="-78"/>
+            </a:endParaRPr>
+          </a:p>
+        </p:txBody>
+      </p:sp>
+      <p:sp>
+        <p:nvSpPr>
+          <p:cNvPr id="5" name="Rectangle 4"/>
+          <p:cNvSpPr/>
+          <p:nvPr/>
+        </p:nvSpPr>
+        <p:spPr>
+          <a:xfrm>
+            <a:off x="6074229" y="1757349"/>
+            <a:ext cx="2377440" cy="4801314"/>
+          </a:xfrm>
+          <a:prstGeom prst="rect">
+            <a:avLst/>
+          </a:prstGeom>
+          <a:solidFill>
+            <a:schemeClr val="accent5">
+              <a:lumMod val="20000"/>
+              <a:lumOff val="80000"/>
+            </a:schemeClr>
+          </a:solidFill>
+        </p:spPr>
+        <p:style>
+          <a:lnRef idx="2">
+            <a:schemeClr val="accent2"/>
+          </a:lnRef>
+          <a:fillRef idx="1">
+            <a:schemeClr val="lt1"/>
+          </a:fillRef>
+          <a:effectRef idx="0">
+            <a:schemeClr val="accent2"/>
+          </a:effectRef>
+          <a:fontRef idx="minor">
+            <a:schemeClr val="dk1"/>
+          </a:fontRef>
+        </p:style>
+        <p:txBody>
+          <a:bodyPr wrap="square">
+            <a:spAutoFit/>
+          </a:bodyPr>
+          <a:lstStyle/>
+          <a:p>
+            <a:pPr algn="justLow" rtl="1"/>
+            <a:r>
+              <a:rPr lang="fa-IR" dirty="0">
+                <a:solidFill>
+                  <a:srgbClr val="000000"/>
+                </a:solidFill>
+                <a:latin typeface="IRANSans"/>
+                <a:cs typeface="B Nazanin" panose="00000400000000000000" pitchFamily="2" charset="-78"/>
+              </a:rPr>
+              <a:t>فرض کنید برای خرید یک خودرو، هفته‌ها وقت صرف کرده و با ده‌ها نفر صحبت </a:t>
+            </a:r>
+            <a:r>
+              <a:rPr lang="fa-IR" dirty="0" smtClean="0">
+                <a:solidFill>
+                  <a:srgbClr val="000000"/>
+                </a:solidFill>
+                <a:latin typeface="IRANSans"/>
+                <a:cs typeface="B Nazanin" panose="00000400000000000000" pitchFamily="2" charset="-78"/>
+              </a:rPr>
+              <a:t>کرده‌اید.</a:t>
+            </a:r>
+            <a:r>
+              <a:rPr lang="en-US" dirty="0" smtClean="0">
+                <a:solidFill>
+                  <a:srgbClr val="000000"/>
+                </a:solidFill>
+                <a:latin typeface="IRANSans"/>
+                <a:cs typeface="B Nazanin" panose="00000400000000000000" pitchFamily="2" charset="-78"/>
+              </a:rPr>
+              <a:t> </a:t>
+            </a:r>
+            <a:r>
+              <a:rPr lang="fa-IR" dirty="0" smtClean="0">
+                <a:solidFill>
+                  <a:srgbClr val="000000"/>
+                </a:solidFill>
+                <a:latin typeface="IRANSans"/>
+                <a:cs typeface="B Nazanin" panose="00000400000000000000" pitchFamily="2" charset="-78"/>
+              </a:rPr>
+              <a:t>در </a:t>
+            </a:r>
+            <a:r>
+              <a:rPr lang="fa-IR" dirty="0">
+                <a:solidFill>
+                  <a:srgbClr val="000000"/>
+                </a:solidFill>
+                <a:latin typeface="IRANSans"/>
+                <a:cs typeface="B Nazanin" panose="00000400000000000000" pitchFamily="2" charset="-78"/>
+              </a:rPr>
+              <a:t>اثر این </a:t>
+            </a:r>
+            <a:r>
+              <a:rPr lang="fa-IR" dirty="0" smtClean="0">
+                <a:solidFill>
+                  <a:srgbClr val="000000"/>
+                </a:solidFill>
+                <a:latin typeface="IRANSans"/>
+                <a:cs typeface="B Nazanin" panose="00000400000000000000" pitchFamily="2" charset="-78"/>
+              </a:rPr>
+              <a:t>تحقیق‌ها</a:t>
+            </a:r>
+            <a:r>
+              <a:rPr lang="fa-IR" dirty="0">
+                <a:solidFill>
+                  <a:srgbClr val="000000"/>
+                </a:solidFill>
+                <a:latin typeface="IRANSans"/>
+                <a:cs typeface="B Nazanin" panose="00000400000000000000" pitchFamily="2" charset="-78"/>
+              </a:rPr>
+              <a:t>، با قطعیت به یک نتیجه‌ی مشخص رسیده‌اید.</a:t>
+            </a:r>
+          </a:p>
+          <a:p>
+            <a:pPr algn="justLow" rtl="1"/>
+            <a:r>
+              <a:rPr lang="fa-IR" dirty="0">
+                <a:solidFill>
+                  <a:srgbClr val="000000"/>
+                </a:solidFill>
+                <a:latin typeface="IRANSans"/>
+                <a:cs typeface="B Nazanin" panose="00000400000000000000" pitchFamily="2" charset="-78"/>
+              </a:rPr>
+              <a:t>هنگام خرید خودرو </a:t>
+            </a:r>
+            <a:r>
+              <a:rPr lang="fa-IR" dirty="0" smtClean="0">
+                <a:solidFill>
+                  <a:srgbClr val="000000"/>
+                </a:solidFill>
+                <a:latin typeface="IRANSans"/>
+                <a:cs typeface="B Nazanin" panose="00000400000000000000" pitchFamily="2" charset="-78"/>
+              </a:rPr>
+              <a:t>، یک </a:t>
+            </a:r>
+            <a:r>
+              <a:rPr lang="fa-IR" dirty="0">
+                <a:solidFill>
+                  <a:srgbClr val="000000"/>
+                </a:solidFill>
+                <a:latin typeface="IRANSans"/>
+                <a:cs typeface="B Nazanin" panose="00000400000000000000" pitchFamily="2" charset="-78"/>
+              </a:rPr>
+              <a:t>مشتری را می‌بینید که می‌گوید: «من همین ماشین را داشتم. روز سوم خاموش شد و </a:t>
+            </a:r>
+            <a:r>
+              <a:rPr lang="fa-IR" dirty="0" smtClean="0">
+                <a:solidFill>
+                  <a:srgbClr val="000000"/>
+                </a:solidFill>
+                <a:latin typeface="IRANSans"/>
+                <a:cs typeface="B Nazanin" panose="00000400000000000000" pitchFamily="2" charset="-78"/>
+              </a:rPr>
+              <a:t>.... ».</a:t>
+            </a:r>
+            <a:endParaRPr lang="fa-IR" dirty="0">
+              <a:solidFill>
+                <a:srgbClr val="000000"/>
+              </a:solidFill>
+              <a:latin typeface="IRANSans"/>
+              <a:cs typeface="B Nazanin" panose="00000400000000000000" pitchFamily="2" charset="-78"/>
+            </a:endParaRPr>
+          </a:p>
+          <a:p>
+            <a:pPr algn="justLow" rtl="1"/>
+            <a:r>
+              <a:rPr lang="fa-IR" dirty="0">
+                <a:solidFill>
+                  <a:srgbClr val="000000"/>
+                </a:solidFill>
+                <a:latin typeface="IRANSans"/>
+                <a:cs typeface="B Nazanin" panose="00000400000000000000" pitchFamily="2" charset="-78"/>
+              </a:rPr>
+              <a:t>آیا هنوز بر تصمیم قبلی خود باقی می‌مانید</a:t>
+            </a:r>
+            <a:r>
+              <a:rPr lang="fa-IR" dirty="0" smtClean="0">
+                <a:solidFill>
+                  <a:srgbClr val="000000"/>
+                </a:solidFill>
+                <a:latin typeface="IRANSans"/>
+                <a:cs typeface="B Nazanin" panose="00000400000000000000" pitchFamily="2" charset="-78"/>
+              </a:rPr>
+              <a:t>؟</a:t>
+            </a:r>
+          </a:p>
+          <a:p>
+            <a:pPr algn="justLow" rtl="1"/>
+            <a:r>
+              <a:rPr lang="fa-IR" b="1" dirty="0" smtClean="0">
+                <a:solidFill>
+                  <a:srgbClr val="C00000"/>
+                </a:solidFill>
+                <a:latin typeface="IRANSans"/>
+                <a:cs typeface="B Nazanin" panose="00000400000000000000" pitchFamily="2" charset="-78"/>
+              </a:rPr>
+              <a:t>واقعیت آن است که ذهن ما برای آخرین اطلاعات بدست آمده ارزش بیشتری قایل است که این مورد میتواند نتیجه درستی نداشته باشد</a:t>
+            </a:r>
+            <a:r>
+              <a:rPr lang="fa-IR" dirty="0" smtClean="0">
+                <a:solidFill>
+                  <a:srgbClr val="000000"/>
+                </a:solidFill>
+                <a:latin typeface="IRANSans"/>
+                <a:cs typeface="B Nazanin" panose="00000400000000000000" pitchFamily="2" charset="-78"/>
+              </a:rPr>
+              <a:t> . </a:t>
+            </a:r>
+            <a:endParaRPr lang="fa-IR" dirty="0">
+              <a:solidFill>
+                <a:srgbClr val="000000"/>
+              </a:solidFill>
+              <a:latin typeface="IRANSans"/>
+              <a:cs typeface="B Nazanin" panose="00000400000000000000" pitchFamily="2" charset="-78"/>
+            </a:endParaRPr>
+          </a:p>
+        </p:txBody>
+      </p:sp>
+      <p:sp>
+        <p:nvSpPr>
+          <p:cNvPr id="7" name="Rectangle 6"/>
+          <p:cNvSpPr/>
+          <p:nvPr/>
+        </p:nvSpPr>
+        <p:spPr>
+          <a:xfrm>
+            <a:off x="6074229" y="1359961"/>
+            <a:ext cx="2377440" cy="461665"/>
+          </a:xfrm>
+          <a:prstGeom prst="rect">
+            <a:avLst/>
+          </a:prstGeom>
+          <a:solidFill>
+            <a:srgbClr val="AFA9FB"/>
+          </a:solidFill>
+        </p:spPr>
+        <p:style>
+          <a:lnRef idx="2">
+            <a:schemeClr val="accent2"/>
+          </a:lnRef>
+          <a:fillRef idx="1">
+            <a:schemeClr val="lt1"/>
+          </a:fillRef>
+          <a:effectRef idx="0">
+            <a:schemeClr val="accent2"/>
+          </a:effectRef>
+          <a:fontRef idx="minor">
+            <a:schemeClr val="dk1"/>
+          </a:fontRef>
+        </p:style>
+        <p:txBody>
+          <a:bodyPr wrap="square">
+            <a:spAutoFit/>
+          </a:bodyPr>
+          <a:lstStyle/>
+          <a:p>
+            <a:pPr algn="ctr"/>
+            <a:r>
+              <a:rPr lang="fa-IR" sz="1200" b="1" dirty="0">
+                <a:cs typeface="B Nazanin" panose="00000400000000000000" pitchFamily="2" charset="-78"/>
+              </a:rPr>
+              <a:t>خطای ناشی از مهم‌تر فرض کردن آخرین اخبار</a:t>
+            </a:r>
+            <a:endParaRPr lang="en-US" sz="1400" b="1" dirty="0">
+              <a:cs typeface="B Nazanin" panose="00000400000000000000" pitchFamily="2" charset="-78"/>
+            </a:endParaRPr>
+          </a:p>
+        </p:txBody>
+      </p:sp>
+      <p:sp>
+        <p:nvSpPr>
+          <p:cNvPr id="6" name="Rectangle 5"/>
+          <p:cNvSpPr/>
+          <p:nvPr/>
+        </p:nvSpPr>
+        <p:spPr>
+          <a:xfrm>
+            <a:off x="3278777" y="1834689"/>
+            <a:ext cx="2704011" cy="4708981"/>
+          </a:xfrm>
+          <a:prstGeom prst="rect">
+            <a:avLst/>
+          </a:prstGeom>
+          <a:solidFill>
+            <a:schemeClr val="accent3">
+              <a:lumMod val="20000"/>
+              <a:lumOff val="80000"/>
+            </a:schemeClr>
+          </a:solidFill>
+        </p:spPr>
+        <p:style>
+          <a:lnRef idx="2">
+            <a:schemeClr val="accent2"/>
+          </a:lnRef>
+          <a:fillRef idx="1">
+            <a:schemeClr val="lt1"/>
+          </a:fillRef>
+          <a:effectRef idx="0">
+            <a:schemeClr val="accent2"/>
+          </a:effectRef>
+          <a:fontRef idx="minor">
+            <a:schemeClr val="dk1"/>
+          </a:fontRef>
+        </p:style>
+        <p:txBody>
+          <a:bodyPr wrap="square">
+            <a:spAutoFit/>
+          </a:bodyPr>
+          <a:lstStyle/>
+          <a:p>
+            <a:pPr algn="justLow" rtl="1"/>
+            <a:r>
+              <a:rPr lang="fa-IR" dirty="0">
+                <a:solidFill>
+                  <a:srgbClr val="000000"/>
+                </a:solidFill>
+                <a:latin typeface="IRANSans"/>
+                <a:cs typeface="B Nazanin" panose="00000400000000000000" pitchFamily="2" charset="-78"/>
+              </a:rPr>
+              <a:t>فرض کنید که ماشین مورد علاقه‌ی خود را انتخاب کرده‌اید</a:t>
+            </a:r>
+            <a:r>
+              <a:rPr lang="fa-IR" dirty="0" smtClean="0">
+                <a:solidFill>
+                  <a:srgbClr val="000000"/>
+                </a:solidFill>
+                <a:latin typeface="IRANSans"/>
+                <a:cs typeface="B Nazanin" panose="00000400000000000000" pitchFamily="2" charset="-78"/>
+              </a:rPr>
+              <a:t>.</a:t>
+            </a:r>
+            <a:r>
+              <a:rPr lang="en-US" dirty="0" smtClean="0">
+                <a:solidFill>
+                  <a:srgbClr val="000000"/>
+                </a:solidFill>
+                <a:latin typeface="IRANSans"/>
+                <a:cs typeface="B Nazanin" panose="00000400000000000000" pitchFamily="2" charset="-78"/>
+              </a:rPr>
+              <a:t> </a:t>
+            </a:r>
+            <a:r>
+              <a:rPr lang="fa-IR" dirty="0" smtClean="0">
+                <a:solidFill>
+                  <a:srgbClr val="000000"/>
+                </a:solidFill>
+                <a:latin typeface="IRANSans"/>
+                <a:cs typeface="B Nazanin" panose="00000400000000000000" pitchFamily="2" charset="-78"/>
+              </a:rPr>
+              <a:t>در </a:t>
+            </a:r>
+            <a:r>
+              <a:rPr lang="fa-IR" dirty="0">
+                <a:solidFill>
+                  <a:srgbClr val="000000"/>
+                </a:solidFill>
+                <a:latin typeface="IRANSans"/>
+                <a:cs typeface="B Nazanin" panose="00000400000000000000" pitchFamily="2" charset="-78"/>
+              </a:rPr>
+              <a:t>مسیر مراجعه برای خرید ماشین،‌ </a:t>
+            </a:r>
+            <a:r>
+              <a:rPr lang="fa-IR" dirty="0" smtClean="0">
+                <a:solidFill>
+                  <a:srgbClr val="000000"/>
+                </a:solidFill>
+                <a:latin typeface="IRANSans"/>
+                <a:cs typeface="B Nazanin" panose="00000400000000000000" pitchFamily="2" charset="-78"/>
+              </a:rPr>
+              <a:t>یکنفر </a:t>
+            </a:r>
+            <a:r>
+              <a:rPr lang="fa-IR" dirty="0">
+                <a:solidFill>
+                  <a:srgbClr val="000000"/>
+                </a:solidFill>
+                <a:latin typeface="IRANSans"/>
+                <a:cs typeface="B Nazanin" panose="00000400000000000000" pitchFamily="2" charset="-78"/>
+              </a:rPr>
+              <a:t>را می‌بینید. سال‌هاست از او نفرت دارید </a:t>
+            </a:r>
+            <a:r>
+              <a:rPr lang="fa-IR" dirty="0" smtClean="0">
+                <a:solidFill>
+                  <a:srgbClr val="000000"/>
+                </a:solidFill>
+                <a:latin typeface="IRANSans"/>
+                <a:cs typeface="B Nazanin" panose="00000400000000000000" pitchFamily="2" charset="-78"/>
+              </a:rPr>
+              <a:t> . متوجه </a:t>
+            </a:r>
+            <a:r>
+              <a:rPr lang="fa-IR" dirty="0">
+                <a:solidFill>
+                  <a:srgbClr val="000000"/>
+                </a:solidFill>
+                <a:latin typeface="IRANSans"/>
+                <a:cs typeface="B Nazanin" panose="00000400000000000000" pitchFamily="2" charset="-78"/>
+              </a:rPr>
+              <a:t>می‌شوید که او هم از همین ماشین خریده است.</a:t>
+            </a:r>
+          </a:p>
+          <a:p>
+            <a:pPr algn="justLow" rtl="1"/>
+            <a:r>
+              <a:rPr lang="fa-IR" sz="2000" dirty="0">
+                <a:solidFill>
+                  <a:srgbClr val="000000"/>
+                </a:solidFill>
+                <a:latin typeface="IRANSans"/>
+                <a:cs typeface="B Nazanin" panose="00000400000000000000" pitchFamily="2" charset="-78"/>
+              </a:rPr>
+              <a:t>آیا هنوز هم، علاقه‌ی شما به آن ماشین به اندازه‌ی قبل است؟</a:t>
+            </a:r>
+          </a:p>
+          <a:p>
+            <a:pPr algn="justLow" rtl="1"/>
+            <a:r>
+              <a:rPr lang="fa-IR" b="1" dirty="0">
+                <a:solidFill>
+                  <a:srgbClr val="C00000"/>
+                </a:solidFill>
+                <a:latin typeface="IRANSans"/>
+                <a:cs typeface="B Nazanin" panose="00000400000000000000" pitchFamily="2" charset="-78"/>
+              </a:rPr>
+              <a:t>یکی از میان‌بُرهای ذهن ما این است که صفات را از انسان به کالا و از کالا به انسان و نیز از محیط به یک جسم سرایت می‌دهد.</a:t>
+            </a:r>
+          </a:p>
+          <a:p>
+            <a:pPr algn="justLow" rtl="1"/>
+            <a:r>
+              <a:rPr lang="fa-IR" sz="1600" b="1" dirty="0" smtClean="0">
+                <a:solidFill>
+                  <a:srgbClr val="000000"/>
+                </a:solidFill>
+                <a:latin typeface="IRANSans"/>
+                <a:cs typeface="B Nazanin" panose="00000400000000000000" pitchFamily="2" charset="-78"/>
+              </a:rPr>
+              <a:t>در واقع اینکه بعضا با تجربه همکاری بد با یک نفر از یک شهر یا قومیت خاص ، همه افراد از آن شهر یا قومیت خاص را نا مناسب می دانیم ناشی از چنین خطای ذهنی می باشد </a:t>
+            </a:r>
+            <a:endParaRPr lang="fa-IR" sz="1600" b="1" dirty="0">
+              <a:solidFill>
+                <a:srgbClr val="000000"/>
+              </a:solidFill>
+              <a:latin typeface="IRANSans"/>
+              <a:cs typeface="B Nazanin" panose="00000400000000000000" pitchFamily="2" charset="-78"/>
+            </a:endParaRPr>
+          </a:p>
+        </p:txBody>
+      </p:sp>
+      <p:sp>
+        <p:nvSpPr>
+          <p:cNvPr id="9" name="Rectangle 8"/>
+          <p:cNvSpPr/>
+          <p:nvPr/>
+        </p:nvSpPr>
+        <p:spPr>
+          <a:xfrm>
+            <a:off x="3278777" y="1373024"/>
+            <a:ext cx="2704011" cy="461665"/>
+          </a:xfrm>
+          <a:prstGeom prst="rect">
+            <a:avLst/>
+          </a:prstGeom>
+          <a:solidFill>
+            <a:srgbClr val="AFA9FB"/>
+          </a:solidFill>
+        </p:spPr>
+        <p:style>
+          <a:lnRef idx="2">
+            <a:schemeClr val="accent2"/>
+          </a:lnRef>
+          <a:fillRef idx="1">
+            <a:schemeClr val="lt1"/>
+          </a:fillRef>
+          <a:effectRef idx="0">
+            <a:schemeClr val="accent2"/>
+          </a:effectRef>
+          <a:fontRef idx="minor">
+            <a:schemeClr val="dk1"/>
+          </a:fontRef>
+        </p:style>
+        <p:txBody>
+          <a:bodyPr wrap="square">
+            <a:spAutoFit/>
+          </a:bodyPr>
+          <a:lstStyle/>
+          <a:p>
+            <a:pPr algn="ctr"/>
+            <a:r>
+              <a:rPr lang="fa-IR" sz="2000" b="1" dirty="0" smtClean="0">
+                <a:cs typeface="B Nazanin" panose="00000400000000000000" pitchFamily="2" charset="-78"/>
+              </a:rPr>
+              <a:t>خطای ذهنی سرایت </a:t>
+            </a:r>
+            <a:r>
+              <a:rPr lang="fa-IR" sz="2400" b="1" dirty="0" smtClean="0">
+                <a:cs typeface="B Nazanin" panose="00000400000000000000" pitchFamily="2" charset="-78"/>
+              </a:rPr>
+              <a:t> </a:t>
+            </a:r>
+            <a:endParaRPr lang="en-US" sz="2400" b="1" dirty="0">
+              <a:cs typeface="B Nazanin" panose="00000400000000000000" pitchFamily="2" charset="-78"/>
+            </a:endParaRPr>
+          </a:p>
+        </p:txBody>
+      </p:sp>
+      <p:sp>
+        <p:nvSpPr>
+          <p:cNvPr id="10" name="Rectangle 9"/>
+          <p:cNvSpPr/>
+          <p:nvPr/>
+        </p:nvSpPr>
+        <p:spPr>
+          <a:xfrm>
+            <a:off x="287383" y="1886941"/>
+            <a:ext cx="2899953" cy="4247317"/>
+          </a:xfrm>
+          <a:prstGeom prst="rect">
+            <a:avLst/>
+          </a:prstGeom>
+          <a:solidFill>
+            <a:schemeClr val="accent2">
+              <a:lumMod val="20000"/>
+              <a:lumOff val="80000"/>
+            </a:schemeClr>
+          </a:solidFill>
+        </p:spPr>
+        <p:style>
+          <a:lnRef idx="2">
+            <a:schemeClr val="accent2"/>
+          </a:lnRef>
+          <a:fillRef idx="1">
+            <a:schemeClr val="lt1"/>
+          </a:fillRef>
+          <a:effectRef idx="0">
+            <a:schemeClr val="accent2"/>
+          </a:effectRef>
+          <a:fontRef idx="minor">
+            <a:schemeClr val="dk1"/>
+          </a:fontRef>
+        </p:style>
+        <p:txBody>
+          <a:bodyPr wrap="square">
+            <a:spAutoFit/>
+          </a:bodyPr>
+          <a:lstStyle/>
+          <a:p>
+            <a:pPr algn="justLow" rtl="1"/>
+            <a:r>
+              <a:rPr lang="fa-IR" dirty="0">
+                <a:solidFill>
+                  <a:srgbClr val="000000"/>
+                </a:solidFill>
+                <a:latin typeface="IRANSans"/>
+                <a:cs typeface="B Nazanin" panose="00000400000000000000" pitchFamily="2" charset="-78"/>
+              </a:rPr>
+              <a:t>نویسنده‌ای در یک مصاحبه‌ی تلویزیونی می‌گوید که ۱۸ سال گذشته را صرف نگارش آخرین کتابش کرده است.</a:t>
+            </a:r>
+          </a:p>
+          <a:p>
+            <a:pPr algn="justLow" rtl="1"/>
+            <a:r>
+              <a:rPr lang="fa-IR" dirty="0">
+                <a:solidFill>
+                  <a:srgbClr val="000000"/>
+                </a:solidFill>
+                <a:latin typeface="IRANSans"/>
+                <a:cs typeface="B Nazanin" panose="00000400000000000000" pitchFamily="2" charset="-78"/>
+              </a:rPr>
+              <a:t>بسیاری از ما با شنیدن این جمله، احساس می‌کنیم با یک کتاب وزین و ارزشمند طرف هستیم.</a:t>
+            </a:r>
+          </a:p>
+          <a:p>
+            <a:pPr algn="justLow" rtl="1"/>
+            <a:r>
+              <a:rPr lang="fa-IR" dirty="0">
+                <a:solidFill>
+                  <a:srgbClr val="000000"/>
+                </a:solidFill>
+                <a:latin typeface="IRANSans"/>
+                <a:cs typeface="B Nazanin" panose="00000400000000000000" pitchFamily="2" charset="-78"/>
+              </a:rPr>
+              <a:t>البته ممکن است فرض ما نادرست هم </a:t>
+            </a:r>
+            <a:r>
+              <a:rPr lang="fa-IR" dirty="0" smtClean="0">
+                <a:solidFill>
+                  <a:srgbClr val="000000"/>
+                </a:solidFill>
+                <a:latin typeface="IRANSans"/>
+                <a:cs typeface="B Nazanin" panose="00000400000000000000" pitchFamily="2" charset="-78"/>
+              </a:rPr>
+              <a:t>نباشد. ممکن است نویسنده کند ذهن و تنبل بوده باشد . یا روش تحقیق مناسبلی نداشته و ... یکی </a:t>
+            </a:r>
+            <a:r>
+              <a:rPr lang="fa-IR" dirty="0">
+                <a:solidFill>
+                  <a:srgbClr val="000000"/>
+                </a:solidFill>
+                <a:latin typeface="IRANSans"/>
+                <a:cs typeface="B Nazanin" panose="00000400000000000000" pitchFamily="2" charset="-78"/>
+              </a:rPr>
+              <a:t>از قواعد سرانگشتی </a:t>
+            </a:r>
+            <a:r>
+              <a:rPr lang="fa-IR" b="1" dirty="0">
+                <a:solidFill>
+                  <a:srgbClr val="C00000"/>
+                </a:solidFill>
+                <a:latin typeface="IRANSans"/>
+                <a:cs typeface="B Nazanin" panose="00000400000000000000" pitchFamily="2" charset="-78"/>
+              </a:rPr>
+              <a:t>و میان‌بُرهای محاسباتی ذهن ما این است که تلاش و کوشش و زمانی را که صرف یک کار شده، با ارزش دستاورد آن کار هم‌ارز می‌گیرد</a:t>
+            </a:r>
+            <a:r>
+              <a:rPr lang="fa-IR" dirty="0">
+                <a:solidFill>
+                  <a:srgbClr val="000000"/>
+                </a:solidFill>
+                <a:latin typeface="IRANSans"/>
+                <a:cs typeface="B Nazanin" panose="00000400000000000000" pitchFamily="2" charset="-78"/>
+              </a:rPr>
+              <a:t>.</a:t>
+            </a:r>
+          </a:p>
+        </p:txBody>
+      </p:sp>
+      <p:sp>
+        <p:nvSpPr>
+          <p:cNvPr id="11" name="Rectangle 10"/>
+          <p:cNvSpPr/>
+          <p:nvPr/>
+        </p:nvSpPr>
+        <p:spPr>
+          <a:xfrm>
+            <a:off x="287383" y="1373024"/>
+            <a:ext cx="2899953" cy="523220"/>
+          </a:xfrm>
+          <a:prstGeom prst="rect">
+            <a:avLst/>
+          </a:prstGeom>
+          <a:solidFill>
+            <a:srgbClr val="AFA9FB"/>
+          </a:solidFill>
+        </p:spPr>
+        <p:style>
+          <a:lnRef idx="2">
+            <a:schemeClr val="accent2"/>
+          </a:lnRef>
+          <a:fillRef idx="1">
+            <a:schemeClr val="lt1"/>
+          </a:fillRef>
+          <a:effectRef idx="0">
+            <a:schemeClr val="accent2"/>
+          </a:effectRef>
+          <a:fontRef idx="minor">
+            <a:schemeClr val="dk1"/>
+          </a:fontRef>
+        </p:style>
+        <p:txBody>
+          <a:bodyPr wrap="square">
+            <a:spAutoFit/>
+          </a:bodyPr>
+          <a:lstStyle/>
+          <a:p>
+            <a:pPr algn="ctr"/>
+            <a:r>
+              <a:rPr lang="fa-IR" sz="1400" b="1" dirty="0">
+                <a:cs typeface="B Nazanin" panose="00000400000000000000" pitchFamily="2" charset="-78"/>
+              </a:rPr>
+              <a:t>خطای ذهنی در ایجاد رابطه میان تلاش و کیفیت</a:t>
+            </a:r>
+            <a:endParaRPr lang="en-US" b="1" dirty="0">
+              <a:cs typeface="B Nazanin" panose="00000400000000000000" pitchFamily="2" charset="-78"/>
+            </a:endParaRPr>
+          </a:p>
+        </p:txBody>
+      </p:sp>
+      <p:sp>
+        <p:nvSpPr>
+          <p:cNvPr id="12" name="Rectangle 11"/>
+          <p:cNvSpPr/>
+          <p:nvPr/>
+        </p:nvSpPr>
+        <p:spPr>
+          <a:xfrm>
+            <a:off x="287383" y="6076056"/>
+            <a:ext cx="2899953" cy="461665"/>
+          </a:xfrm>
+          <a:prstGeom prst="rect">
+            <a:avLst/>
+          </a:prstGeom>
+        </p:spPr>
+        <p:style>
+          <a:lnRef idx="2">
+            <a:schemeClr val="accent2"/>
+          </a:lnRef>
+          <a:fillRef idx="1">
+            <a:schemeClr val="lt1"/>
+          </a:fillRef>
+          <a:effectRef idx="0">
+            <a:schemeClr val="accent2"/>
+          </a:effectRef>
+          <a:fontRef idx="minor">
+            <a:schemeClr val="dk1"/>
+          </a:fontRef>
+        </p:style>
+        <p:txBody>
+          <a:bodyPr wrap="square">
+            <a:spAutoFit/>
+          </a:bodyPr>
+          <a:lstStyle/>
+          <a:p>
+            <a:pPr algn="ctr"/>
+            <a:r>
+              <a:rPr lang="fa-IR" sz="2400" b="1" dirty="0" smtClean="0">
+                <a:cs typeface="B Nazanin" panose="00000400000000000000" pitchFamily="2" charset="-78"/>
+              </a:rPr>
+              <a:t>و ...</a:t>
+            </a:r>
+            <a:endParaRPr lang="en-US" sz="3200" b="1" dirty="0">
+              <a:cs typeface="B Nazanin" panose="00000400000000000000" pitchFamily="2" charset="-78"/>
+            </a:endParaRPr>
+          </a:p>
+        </p:txBody>
+      </p:sp>
     </p:spTree>
     <p:extLst>
       <p:ext uri="{BB962C8B-B14F-4D97-AF65-F5344CB8AC3E}">
-        <p14:creationId xmlns:p14="http://schemas.microsoft.com/office/powerpoint/2010/main" val="209127955"/>
+        <p14:creationId xmlns:p14="http://schemas.microsoft.com/office/powerpoint/2010/main" val="2413951672"/>
       </p:ext>
     </p:extLst>
   </p:cSld>
@@ -8098,7 +9605,7 @@
     </p:spTree>
     <p:extLst>
       <p:ext uri="{BB962C8B-B14F-4D97-AF65-F5344CB8AC3E}">
-        <p14:creationId xmlns:p14="http://schemas.microsoft.com/office/powerpoint/2010/main" val="2413951672"/>
+        <p14:creationId xmlns:p14="http://schemas.microsoft.com/office/powerpoint/2010/main" val="4208756180"/>
       </p:ext>
     </p:extLst>
   </p:cSld>
@@ -8116,6 +9623,337 @@
 </file>
 
 <file path=ppt/slides/slide16.xml><?xml version="1.0" encoding="utf-8"?>
+<p:sld xmlns:a="http://schemas.openxmlformats.org/drawingml/2006/main" xmlns:r="http://schemas.openxmlformats.org/officeDocument/2006/relationships" xmlns:p="http://schemas.openxmlformats.org/presentationml/2006/main">
+  <p:cSld>
+    <p:spTree>
+      <p:nvGrpSpPr>
+        <p:cNvPr id="1" name=""/>
+        <p:cNvGrpSpPr/>
+        <p:nvPr/>
+      </p:nvGrpSpPr>
+      <p:grpSpPr>
+        <a:xfrm>
+          <a:off x="0" y="0"/>
+          <a:ext cx="0" cy="0"/>
+          <a:chOff x="0" y="0"/>
+          <a:chExt cx="0" cy="0"/>
+        </a:xfrm>
+      </p:grpSpPr>
+      <p:sp>
+        <p:nvSpPr>
+          <p:cNvPr id="2" name="Title 1">
+            <a:extLst>
+              <a:ext uri="{FF2B5EF4-FFF2-40B4-BE49-F238E27FC236}">
+                <a16:creationId xmlns:a16="http://schemas.microsoft.com/office/drawing/2014/main" id="{BB4B6193-F9F1-4C54-838F-77350B9FC5DC}"/>
+              </a:ext>
+            </a:extLst>
+          </p:cNvPr>
+          <p:cNvSpPr>
+            <a:spLocks noGrp="1"/>
+          </p:cNvSpPr>
+          <p:nvPr>
+            <p:ph type="title"/>
+          </p:nvPr>
+        </p:nvSpPr>
+        <p:spPr>
+          <a:xfrm>
+            <a:off x="1169125" y="425299"/>
+            <a:ext cx="9875520" cy="709749"/>
+          </a:xfrm>
+        </p:spPr>
+        <p:txBody>
+          <a:bodyPr>
+            <a:normAutofit fontScale="90000"/>
+          </a:bodyPr>
+          <a:lstStyle/>
+          <a:p>
+            <a:pPr algn="r"/>
+            <a:r>
+              <a:rPr lang="fa-IR" sz="4800" dirty="0" smtClean="0">
+                <a:cs typeface="B Nazanin" panose="00000400000000000000" pitchFamily="2" charset="-78"/>
+              </a:rPr>
+              <a:t>تصمیم گیری چیست ؟</a:t>
+            </a:r>
+            <a:endParaRPr lang="en-US" sz="4800" dirty="0">
+              <a:cs typeface="B Nazanin" panose="00000400000000000000" pitchFamily="2" charset="-78"/>
+            </a:endParaRPr>
+          </a:p>
+        </p:txBody>
+      </p:sp>
+      <p:cxnSp>
+        <p:nvCxnSpPr>
+          <p:cNvPr id="8" name="Straight Connector 7"/>
+          <p:cNvCxnSpPr/>
+          <p:nvPr/>
+        </p:nvCxnSpPr>
+        <p:spPr>
+          <a:xfrm>
+            <a:off x="888274" y="1240973"/>
+            <a:ext cx="10437223" cy="13063"/>
+          </a:xfrm>
+          <a:prstGeom prst="line">
+            <a:avLst/>
+          </a:prstGeom>
+        </p:spPr>
+        <p:style>
+          <a:lnRef idx="3">
+            <a:schemeClr val="accent1"/>
+          </a:lnRef>
+          <a:fillRef idx="0">
+            <a:schemeClr val="accent1"/>
+          </a:fillRef>
+          <a:effectRef idx="2">
+            <a:schemeClr val="accent1"/>
+          </a:effectRef>
+          <a:fontRef idx="minor">
+            <a:schemeClr val="tx1"/>
+          </a:fontRef>
+        </p:style>
+      </p:cxnSp>
+    </p:spTree>
+    <p:extLst>
+      <p:ext uri="{BB962C8B-B14F-4D97-AF65-F5344CB8AC3E}">
+        <p14:creationId xmlns:p14="http://schemas.microsoft.com/office/powerpoint/2010/main" val="1461340973"/>
+      </p:ext>
+    </p:extLst>
+  </p:cSld>
+  <p:clrMapOvr>
+    <a:masterClrMapping/>
+  </p:clrMapOvr>
+  <p:timing>
+    <p:tnLst>
+      <p:par>
+        <p:cTn id="1" dur="indefinite" restart="never" nodeType="tmRoot"/>
+      </p:par>
+    </p:tnLst>
+  </p:timing>
+</p:sld>
+</file>
+
+<file path=ppt/slides/slide17.xml><?xml version="1.0" encoding="utf-8"?>
+<p:sld xmlns:a="http://schemas.openxmlformats.org/drawingml/2006/main" xmlns:r="http://schemas.openxmlformats.org/officeDocument/2006/relationships" xmlns:p="http://schemas.openxmlformats.org/presentationml/2006/main">
+  <p:cSld>
+    <p:spTree>
+      <p:nvGrpSpPr>
+        <p:cNvPr id="1" name=""/>
+        <p:cNvGrpSpPr/>
+        <p:nvPr/>
+      </p:nvGrpSpPr>
+      <p:grpSpPr>
+        <a:xfrm>
+          <a:off x="0" y="0"/>
+          <a:ext cx="0" cy="0"/>
+          <a:chOff x="0" y="0"/>
+          <a:chExt cx="0" cy="0"/>
+        </a:xfrm>
+      </p:grpSpPr>
+      <p:sp>
+        <p:nvSpPr>
+          <p:cNvPr id="2" name="Title 1">
+            <a:extLst>
+              <a:ext uri="{FF2B5EF4-FFF2-40B4-BE49-F238E27FC236}">
+                <a16:creationId xmlns:a16="http://schemas.microsoft.com/office/drawing/2014/main" id="{BB4B6193-F9F1-4C54-838F-77350B9FC5DC}"/>
+              </a:ext>
+            </a:extLst>
+          </p:cNvPr>
+          <p:cNvSpPr>
+            <a:spLocks noGrp="1"/>
+          </p:cNvSpPr>
+          <p:nvPr>
+            <p:ph type="title"/>
+          </p:nvPr>
+        </p:nvSpPr>
+        <p:spPr>
+          <a:xfrm>
+            <a:off x="1169125" y="425299"/>
+            <a:ext cx="9875520" cy="709749"/>
+          </a:xfrm>
+        </p:spPr>
+        <p:txBody>
+          <a:bodyPr>
+            <a:normAutofit fontScale="90000"/>
+          </a:bodyPr>
+          <a:lstStyle/>
+          <a:p>
+            <a:pPr algn="r" rtl="1"/>
+            <a:r>
+              <a:rPr lang="fa-IR" sz="4800" dirty="0" smtClean="0">
+                <a:cs typeface="B Nazanin" panose="00000400000000000000" pitchFamily="2" charset="-78"/>
+              </a:rPr>
+              <a:t>سوگیری (</a:t>
+            </a:r>
+            <a:r>
+              <a:rPr lang="en-US" dirty="0" smtClean="0"/>
+              <a:t>Bias</a:t>
+            </a:r>
+            <a:r>
+              <a:rPr lang="fa-IR" sz="4800" dirty="0" smtClean="0">
+                <a:cs typeface="B Nazanin" panose="00000400000000000000" pitchFamily="2" charset="-78"/>
+              </a:rPr>
+              <a:t>)  </a:t>
+            </a:r>
+            <a:endParaRPr lang="en-US" sz="4800" dirty="0">
+              <a:cs typeface="B Nazanin" panose="00000400000000000000" pitchFamily="2" charset="-78"/>
+            </a:endParaRPr>
+          </a:p>
+        </p:txBody>
+      </p:sp>
+      <p:cxnSp>
+        <p:nvCxnSpPr>
+          <p:cNvPr id="8" name="Straight Connector 7"/>
+          <p:cNvCxnSpPr/>
+          <p:nvPr/>
+        </p:nvCxnSpPr>
+        <p:spPr>
+          <a:xfrm>
+            <a:off x="888274" y="1240973"/>
+            <a:ext cx="10437223" cy="13063"/>
+          </a:xfrm>
+          <a:prstGeom prst="line">
+            <a:avLst/>
+          </a:prstGeom>
+        </p:spPr>
+        <p:style>
+          <a:lnRef idx="3">
+            <a:schemeClr val="accent1"/>
+          </a:lnRef>
+          <a:fillRef idx="0">
+            <a:schemeClr val="accent1"/>
+          </a:fillRef>
+          <a:effectRef idx="2">
+            <a:schemeClr val="accent1"/>
+          </a:effectRef>
+          <a:fontRef idx="minor">
+            <a:schemeClr val="tx1"/>
+          </a:fontRef>
+        </p:style>
+      </p:cxnSp>
+      <p:sp>
+        <p:nvSpPr>
+          <p:cNvPr id="3" name="Rectangle 2"/>
+          <p:cNvSpPr/>
+          <p:nvPr/>
+        </p:nvSpPr>
+        <p:spPr>
+          <a:xfrm>
+            <a:off x="3341914" y="1548676"/>
+            <a:ext cx="7702731" cy="369332"/>
+          </a:xfrm>
+          <a:prstGeom prst="rect">
+            <a:avLst/>
+          </a:prstGeom>
+        </p:spPr>
+        <p:txBody>
+          <a:bodyPr wrap="square">
+            <a:spAutoFit/>
+          </a:bodyPr>
+          <a:lstStyle/>
+          <a:p>
+            <a:pPr marL="285750" indent="-285750" algn="r" rtl="1">
+              <a:buFont typeface="Wingdings" panose="05000000000000000000" pitchFamily="2" charset="2"/>
+              <a:buChar char="ü"/>
+            </a:pPr>
+            <a:r>
+              <a:rPr lang="fa-IR" b="1" dirty="0">
+                <a:solidFill>
+                  <a:srgbClr val="FF0000"/>
+                </a:solidFill>
+                <a:latin typeface="IRANSans"/>
+                <a:cs typeface="B Nazanin" panose="00000400000000000000" pitchFamily="2" charset="-78"/>
+              </a:rPr>
+              <a:t>سوگیری</a:t>
+            </a:r>
+            <a:r>
+              <a:rPr lang="fa-IR" dirty="0">
+                <a:solidFill>
+                  <a:srgbClr val="000000"/>
+                </a:solidFill>
+                <a:latin typeface="IRANSans"/>
+                <a:cs typeface="B Nazanin" panose="00000400000000000000" pitchFamily="2" charset="-78"/>
+              </a:rPr>
+              <a:t> یا </a:t>
+            </a:r>
+            <a:r>
+              <a:rPr lang="fa-IR" dirty="0" smtClean="0">
+                <a:solidFill>
+                  <a:srgbClr val="000000"/>
+                </a:solidFill>
+                <a:latin typeface="IRANSans"/>
+                <a:cs typeface="B Nazanin" panose="00000400000000000000" pitchFamily="2" charset="-78"/>
+              </a:rPr>
+              <a:t>بایاس ، </a:t>
+            </a:r>
+            <a:r>
+              <a:rPr lang="fa-IR" dirty="0">
+                <a:solidFill>
+                  <a:srgbClr val="000000"/>
+                </a:solidFill>
+                <a:latin typeface="IRANSans"/>
+                <a:cs typeface="B Nazanin" panose="00000400000000000000" pitchFamily="2" charset="-78"/>
+              </a:rPr>
+              <a:t>به معنای </a:t>
+            </a:r>
+            <a:r>
+              <a:rPr lang="fa-IR" b="1" dirty="0">
+                <a:solidFill>
+                  <a:srgbClr val="FF0000"/>
+                </a:solidFill>
+                <a:latin typeface="IRANSans"/>
+                <a:cs typeface="B Nazanin" panose="00000400000000000000" pitchFamily="2" charset="-78"/>
+              </a:rPr>
+              <a:t>خنثی نبودن نسبت</a:t>
+            </a:r>
+            <a:r>
+              <a:rPr lang="fa-IR" dirty="0">
+                <a:solidFill>
+                  <a:srgbClr val="000000"/>
+                </a:solidFill>
+                <a:latin typeface="IRANSans"/>
+                <a:cs typeface="B Nazanin" panose="00000400000000000000" pitchFamily="2" charset="-78"/>
+              </a:rPr>
+              <a:t> به یک پدیده یا رویداد یا باور یا ارزش یا … است</a:t>
+            </a:r>
+            <a:r>
+              <a:rPr lang="fa-IR" dirty="0" smtClean="0">
+                <a:solidFill>
+                  <a:srgbClr val="000000"/>
+                </a:solidFill>
+                <a:latin typeface="IRANSans"/>
+                <a:cs typeface="B Nazanin" panose="00000400000000000000" pitchFamily="2" charset="-78"/>
+              </a:rPr>
+              <a:t>.</a:t>
+            </a:r>
+            <a:endParaRPr lang="en-US" dirty="0">
+              <a:solidFill>
+                <a:srgbClr val="000000"/>
+              </a:solidFill>
+              <a:latin typeface="IRANSans"/>
+              <a:cs typeface="B Nazanin" panose="00000400000000000000" pitchFamily="2" charset="-78"/>
+            </a:endParaRPr>
+          </a:p>
+        </p:txBody>
+      </p:sp>
+    </p:spTree>
+    <p:extLst>
+      <p:ext uri="{BB962C8B-B14F-4D97-AF65-F5344CB8AC3E}">
+        <p14:creationId xmlns:p14="http://schemas.microsoft.com/office/powerpoint/2010/main" val="3599509212"/>
+      </p:ext>
+    </p:extLst>
+  </p:cSld>
+  <p:clrMapOvr>
+    <a:masterClrMapping/>
+  </p:clrMapOvr>
+  <p:timing>
+    <p:tnLst>
+      <p:par>
+        <p:cTn id="1" dur="indefinite" restart="never" nodeType="tmRoot"/>
+      </p:par>
+    </p:tnLst>
+  </p:timing>
+</p:sld>
+</file>
+
+<file path=ppt/slides/slide18.xml><?xml version="1.0" encoding="utf-8"?>
 <p:sld xmlns:a="http://schemas.openxmlformats.org/drawingml/2006/main" xmlns:r="http://schemas.openxmlformats.org/officeDocument/2006/relationships" xmlns:p="http://schemas.openxmlformats.org/presentationml/2006/main">
   <p:cSld>
     <p:bg>
@@ -8148,7 +9986,7 @@
                 <a16:creationId xmlns:a16="http://schemas.microsoft.com/office/drawing/2014/main" id="{E3DC42C2-6B58-404C-B339-2C72808A5BE1}"/>
               </a:ext>
               <a:ext uri="{C183D7F6-B498-43B3-948B-1728B52AA6E4}">
-                <adec:decorative xmlns:adec="http://schemas.microsoft.com/office/drawing/2017/decorative" xmlns="" val="1"/>
+                <adec:decorative xmlns="" xmlns:adec="http://schemas.microsoft.com/office/drawing/2017/decorative" val="1"/>
               </a:ext>
             </a:extLst>
           </p:cNvPr>
@@ -8342,7 +10180,7 @@
                 <a16:creationId xmlns:a16="http://schemas.microsoft.com/office/drawing/2014/main" id="{FCF82941-5589-49BF-B6B1-76122B2D0EA6}"/>
               </a:ext>
               <a:ext uri="{C183D7F6-B498-43B3-948B-1728B52AA6E4}">
-                <adec:decorative xmlns:adec="http://schemas.microsoft.com/office/drawing/2017/decorative" xmlns="" val="1"/>
+                <adec:decorative xmlns="" xmlns:adec="http://schemas.microsoft.com/office/drawing/2017/decorative" val="1"/>
               </a:ext>
             </a:extLst>
           </p:cNvPr>
@@ -14944,27 +16782,7 @@
                 <a:latin typeface="IRANSans"/>
                 <a:cs typeface="B Nazanin" panose="00000400000000000000" pitchFamily="2" charset="-78"/>
               </a:rPr>
-              <a:t> </a:t>
-            </a:r>
-            <a:r>
-              <a:rPr lang="en-US" sz="1200" b="1" dirty="0" err="1">
-                <a:solidFill>
-                  <a:srgbClr val="4372C2"/>
-                </a:solidFill>
-                <a:latin typeface="IRANSans"/>
-                <a:cs typeface="B Nazanin" panose="00000400000000000000" pitchFamily="2" charset="-78"/>
-              </a:rPr>
-              <a:t>اجتناب</a:t>
-            </a:r>
-            <a:r>
-              <a:rPr lang="en-US" sz="1200" b="1" dirty="0">
-                <a:solidFill>
-                  <a:srgbClr val="4372C2"/>
-                </a:solidFill>
-                <a:latin typeface="IRANSans"/>
-                <a:cs typeface="B Nazanin" panose="00000400000000000000" pitchFamily="2" charset="-78"/>
-              </a:rPr>
-              <a:t> </a:t>
+              <a:t> اجتناب </a:t>
             </a:r>
             <a:r>
               <a:rPr lang="en-US" sz="1200" b="1" dirty="0" err="1">
@@ -18509,20 +20327,20 @@
 </file>
 
 <file path=customXml/item1.xml><?xml version="1.0" encoding="utf-8"?>
+<p:properties xmlns:p="http://schemas.microsoft.com/office/2006/metadata/properties" xmlns:xsi="http://www.w3.org/2001/XMLSchema-instance" xmlns:pc="http://schemas.microsoft.com/office/infopath/2007/PartnerControls">
+  <documentManagement>
+    <MediaServiceKeyPoints xmlns="71af3243-3dd4-4a8d-8c0d-dd76da1f02a5" xsi:nil="true"/>
+  </documentManagement>
+</p:properties>
+</file>
+
+<file path=customXml/item2.xml><?xml version="1.0" encoding="utf-8"?>
 <?mso-contentType ?>
 <FormTemplates xmlns="http://schemas.microsoft.com/sharepoint/v3/contenttype/forms">
   <Display>DocumentLibraryForm</Display>
   <Edit>DocumentLibraryForm</Edit>
   <New>DocumentLibraryForm</New>
 </FormTemplates>
-</file>
-
-<file path=customXml/item2.xml><?xml version="1.0" encoding="utf-8"?>
-<p:properties xmlns:p="http://schemas.microsoft.com/office/2006/metadata/properties" xmlns:xsi="http://www.w3.org/2001/XMLSchema-instance" xmlns:pc="http://schemas.microsoft.com/office/infopath/2007/PartnerControls">
-  <documentManagement>
-    <MediaServiceKeyPoints xmlns="71af3243-3dd4-4a8d-8c0d-dd76da1f02a5" xsi:nil="true"/>
-  </documentManagement>
-</p:properties>
 </file>
 
 <file path=customXml/item3.xml><?xml version="1.0" encoding="utf-8"?>
@@ -18737,14 +20555,6 @@
 </file>
 
 <file path=customXml/itemProps1.xml><?xml version="1.0" encoding="utf-8"?>
-<ds:datastoreItem xmlns:ds="http://schemas.openxmlformats.org/officeDocument/2006/customXml" ds:itemID="{204E1485-0760-4ABF-A612-28A97B86DF09}">
-  <ds:schemaRefs>
-    <ds:schemaRef ds:uri="http://schemas.microsoft.com/sharepoint/v3/contenttype/forms"/>
-  </ds:schemaRefs>
-</ds:datastoreItem>
-</file>
-
-<file path=customXml/itemProps2.xml><?xml version="1.0" encoding="utf-8"?>
 <ds:datastoreItem xmlns:ds="http://schemas.openxmlformats.org/officeDocument/2006/customXml" ds:itemID="{4965EBD3-98B5-4FD2-8FAF-5D4022A9F7F4}">
   <ds:schemaRefs>
     <ds:schemaRef ds:uri="http://purl.org/dc/elements/1.1/"/>
@@ -18757,6 +20567,14 @@
     <ds:schemaRef ds:uri="71af3243-3dd4-4a8d-8c0d-dd76da1f02a5"/>
     <ds:schemaRef ds:uri="http://schemas.microsoft.com/office/2006/metadata/properties"/>
     <ds:schemaRef ds:uri="http://purl.org/dc/dcmitype/"/>
+  </ds:schemaRefs>
+</ds:datastoreItem>
+</file>
+
+<file path=customXml/itemProps2.xml><?xml version="1.0" encoding="utf-8"?>
+<ds:datastoreItem xmlns:ds="http://schemas.openxmlformats.org/officeDocument/2006/customXml" ds:itemID="{204E1485-0760-4ABF-A612-28A97B86DF09}">
+  <ds:schemaRefs>
+    <ds:schemaRef ds:uri="http://schemas.microsoft.com/sharepoint/v3/contenttype/forms"/>
   </ds:schemaRefs>
 </ds:datastoreItem>
 </file>

--- a/MyTraining/Individual development/مهارت تصمیم گیری درست.pptx
+++ b/MyTraining/Individual development/مهارت تصمیم گیری درست.pptx
@@ -325,7 +325,7 @@
           <a:p>
             <a:fld id="{9AB3A824-1A51-4B26-AD58-A6D8E14F6C04}" type="datetimeFigureOut">
               <a:rPr lang="en-US" noProof="0" smtClean="0"/>
-              <a:t>4/9/2019</a:t>
+              <a:t>4/15/2019</a:t>
             </a:fld>
             <a:endParaRPr lang="en-US" noProof="0" dirty="0"/>
           </a:p>
@@ -550,7 +550,7 @@
           <a:p>
             <a:fld id="{D857E33E-8B18-4087-B112-809917729534}" type="datetimeFigureOut">
               <a:rPr lang="en-US" noProof="0" smtClean="0"/>
-              <a:t>4/9/2019</a:t>
+              <a:t>4/15/2019</a:t>
             </a:fld>
             <a:endParaRPr lang="en-US" noProof="0" dirty="0"/>
           </a:p>
@@ -734,7 +734,7 @@
           <a:p>
             <a:fld id="{D3FFE419-2371-464F-8239-3959401C3561}" type="datetimeFigureOut">
               <a:rPr lang="en-US" noProof="0" smtClean="0"/>
-              <a:t>4/9/2019</a:t>
+              <a:t>4/15/2019</a:t>
             </a:fld>
             <a:endParaRPr lang="en-US" noProof="0" dirty="0"/>
           </a:p>
@@ -908,7 +908,7 @@
           <a:p>
             <a:fld id="{97D162C4-EDD9-4389-A98B-B87ECEA2A816}" type="datetimeFigureOut">
               <a:rPr lang="en-US" noProof="0" smtClean="0"/>
-              <a:t>4/9/2019</a:t>
+              <a:t>4/15/2019</a:t>
             </a:fld>
             <a:endParaRPr lang="en-US" noProof="0" dirty="0"/>
           </a:p>
@@ -1163,7 +1163,7 @@
           <a:p>
             <a:fld id="{3E5059C3-6A89-4494-99FF-5A4D6FFD50EB}" type="datetimeFigureOut">
               <a:rPr lang="en-US" noProof="0" smtClean="0"/>
-              <a:t>4/9/2019</a:t>
+              <a:t>4/15/2019</a:t>
             </a:fld>
             <a:endParaRPr lang="en-US" noProof="0" dirty="0"/>
           </a:p>
@@ -1490,7 +1490,7 @@
           <a:p>
             <a:fld id="{CA954B2F-12DE-47F5-8894-472B206D2E1E}" type="datetimeFigureOut">
               <a:rPr lang="en-US" noProof="0" smtClean="0"/>
-              <a:t>4/9/2019</a:t>
+              <a:t>4/15/2019</a:t>
             </a:fld>
             <a:endParaRPr lang="en-US" noProof="0" dirty="0"/>
           </a:p>
@@ -1918,7 +1918,7 @@
           <a:p>
             <a:fld id="{3CBC1C18-307B-4F68-A007-B5B542270E8D}" type="datetimeFigureOut">
               <a:rPr lang="en-US" noProof="0" smtClean="0"/>
-              <a:t>4/9/2019</a:t>
+              <a:t>4/15/2019</a:t>
             </a:fld>
             <a:endParaRPr lang="en-US" noProof="0" dirty="0"/>
           </a:p>
@@ -2042,7 +2042,7 @@
           <a:p>
             <a:fld id="{1FAF3416-4057-4DAA-829D-4CA07428D088}" type="datetimeFigureOut">
               <a:rPr lang="en-US" noProof="0" smtClean="0"/>
-              <a:t>4/9/2019</a:t>
+              <a:t>4/15/2019</a:t>
             </a:fld>
             <a:endParaRPr lang="en-US" noProof="0" dirty="0"/>
           </a:p>
@@ -2141,7 +2141,7 @@
           <a:p>
             <a:fld id="{921D9284-D300-4297-87F7-E791DCC15DB1}" type="datetimeFigureOut">
               <a:rPr lang="en-US" noProof="0" smtClean="0"/>
-              <a:t>4/9/2019</a:t>
+              <a:t>4/15/2019</a:t>
             </a:fld>
             <a:endParaRPr lang="en-US" noProof="0" dirty="0"/>
           </a:p>
@@ -2435,7 +2435,7 @@
           <a:p>
             <a:fld id="{37D525BB-DA17-4BA0-B3C8-3AC3ABC827E6}" type="datetimeFigureOut">
               <a:rPr lang="en-US" noProof="0" smtClean="0"/>
-              <a:t>4/9/2019</a:t>
+              <a:t>4/15/2019</a:t>
             </a:fld>
             <a:endParaRPr lang="en-US" noProof="0" dirty="0"/>
           </a:p>
@@ -2711,7 +2711,7 @@
           <a:p>
             <a:fld id="{B16C4C9A-3960-41CF-A4E9-2A8FB932454B}" type="datetimeFigureOut">
               <a:rPr lang="en-US" noProof="0" smtClean="0"/>
-              <a:t>4/9/2019</a:t>
+              <a:t>4/15/2019</a:t>
             </a:fld>
             <a:endParaRPr lang="en-US" noProof="0" dirty="0"/>
           </a:p>
@@ -2968,7 +2968,7 @@
           <a:p>
             <a:fld id="{3CBC1C18-307B-4F68-A007-B5B542270E8D}" type="datetimeFigureOut">
               <a:rPr lang="en-US" noProof="0" smtClean="0"/>
-              <a:t>4/9/2019</a:t>
+              <a:t>4/15/2019</a:t>
             </a:fld>
             <a:endParaRPr lang="en-US" noProof="0" dirty="0"/>
           </a:p>
@@ -3451,7 +3451,7 @@
                 <a16:creationId xmlns:a16="http://schemas.microsoft.com/office/drawing/2014/main" id="{63FED537-3AF1-4C36-9904-77B6A54D27B5}"/>
               </a:ext>
               <a:ext uri="{C183D7F6-B498-43B3-948B-1728B52AA6E4}">
-                <adec:decorative xmlns="" xmlns:adec="http://schemas.microsoft.com/office/drawing/2017/decorative" val="1"/>
+                <adec:decorative xmlns:adec="http://schemas.microsoft.com/office/drawing/2017/decorative" xmlns="" val="1"/>
               </a:ext>
             </a:extLst>
           </p:cNvPr>
@@ -9205,7 +9205,7 @@
                 <a:latin typeface="IRANSans"/>
                 <a:cs typeface="B Nazanin" panose="00000400000000000000" pitchFamily="2" charset="-78"/>
               </a:rPr>
-              <a:t>در واقع اینکه بعضا با تجربه همکاری بد با یک نفر از یک شهر یا قومیت خاص ، همه افراد از آن شهر یا قومیت خاص را نا مناسب می دانیم ناشی از چنین خطای ذهنی می باشد </a:t>
+              <a:t>در واقع اینکه بعضا با تجربه همکاری بد با یک نفر از یک شهر یا قومیت خاص ، همه افراد از آن شهر یا قومیت خاص را نا مناسب می دانیم ناشی از چنین خطای ذهنی می باشد. </a:t>
             </a:r>
             <a:endParaRPr lang="fa-IR" sz="1600" b="1" dirty="0">
               <a:solidFill>
@@ -9549,7 +9549,7 @@
         </p:nvSpPr>
         <p:spPr>
           <a:xfrm>
-            <a:off x="1169125" y="425299"/>
+            <a:off x="1562739" y="448038"/>
             <a:ext cx="9875520" cy="709749"/>
           </a:xfrm>
         </p:spPr>
@@ -9564,7 +9564,7 @@
               <a:rPr lang="fa-IR" sz="4800" dirty="0" smtClean="0">
                 <a:cs typeface="B Nazanin" panose="00000400000000000000" pitchFamily="2" charset="-78"/>
               </a:rPr>
-              <a:t>تصمیم گیری چیست ؟</a:t>
+              <a:t>خطای تایید خود </a:t>
             </a:r>
             <a:endParaRPr lang="en-US" sz="4800" dirty="0">
               <a:cs typeface="B Nazanin" panose="00000400000000000000" pitchFamily="2" charset="-78"/>
@@ -9596,6 +9596,425 @@
           </a:fillRef>
           <a:effectRef idx="2">
             <a:schemeClr val="accent1"/>
+          </a:effectRef>
+          <a:fontRef idx="minor">
+            <a:schemeClr val="tx1"/>
+          </a:fontRef>
+        </p:style>
+      </p:cxnSp>
+      <p:sp>
+        <p:nvSpPr>
+          <p:cNvPr id="3" name="Rectangle 2"/>
+          <p:cNvSpPr/>
+          <p:nvPr/>
+        </p:nvSpPr>
+        <p:spPr>
+          <a:xfrm>
+            <a:off x="6413049" y="5342155"/>
+            <a:ext cx="5134739" cy="646331"/>
+          </a:xfrm>
+          <a:prstGeom prst="rect">
+            <a:avLst/>
+          </a:prstGeom>
+        </p:spPr>
+        <p:txBody>
+          <a:bodyPr wrap="none">
+            <a:spAutoFit/>
+          </a:bodyPr>
+          <a:lstStyle/>
+          <a:p>
+            <a:r>
+              <a:rPr lang="en-US" sz="3600" b="1" u="sng" dirty="0">
+                <a:ln w="12700" cmpd="sng">
+                  <a:solidFill>
+                    <a:schemeClr val="accent4"/>
+                  </a:solidFill>
+                  <a:prstDash val="solid"/>
+                </a:ln>
+                <a:gradFill>
+                  <a:gsLst>
+                    <a:gs pos="0">
+                      <a:schemeClr val="accent4"/>
+                    </a:gs>
+                    <a:gs pos="4000">
+                      <a:schemeClr val="accent4">
+                        <a:lumMod val="60000"/>
+                        <a:lumOff val="40000"/>
+                      </a:schemeClr>
+                    </a:gs>
+                    <a:gs pos="87000">
+                      <a:schemeClr val="accent4">
+                        <a:lumMod val="20000"/>
+                        <a:lumOff val="80000"/>
+                      </a:schemeClr>
+                    </a:gs>
+                  </a:gsLst>
+                  <a:lin ang="5400000"/>
+                </a:gradFill>
+                <a:effectLst>
+                  <a:outerShdw blurRad="38100" dist="38100" dir="2700000" algn="tl">
+                    <a:srgbClr val="000000">
+                      <a:alpha val="43137"/>
+                    </a:srgbClr>
+                  </a:outerShdw>
+                </a:effectLst>
+                <a:latin typeface="IRANSans"/>
+              </a:rPr>
+              <a:t>Self Confirmation Bias</a:t>
+            </a:r>
+            <a:endParaRPr lang="en-US" sz="3600" b="1" u="sng" dirty="0">
+              <a:ln w="12700" cmpd="sng">
+                <a:solidFill>
+                  <a:schemeClr val="accent4"/>
+                </a:solidFill>
+                <a:prstDash val="solid"/>
+              </a:ln>
+              <a:gradFill>
+                <a:gsLst>
+                  <a:gs pos="0">
+                    <a:schemeClr val="accent4"/>
+                  </a:gs>
+                  <a:gs pos="4000">
+                    <a:schemeClr val="accent4">
+                      <a:lumMod val="60000"/>
+                      <a:lumOff val="40000"/>
+                    </a:schemeClr>
+                  </a:gs>
+                  <a:gs pos="87000">
+                    <a:schemeClr val="accent4">
+                      <a:lumMod val="20000"/>
+                      <a:lumOff val="80000"/>
+                    </a:schemeClr>
+                  </a:gs>
+                </a:gsLst>
+                <a:lin ang="5400000"/>
+              </a:gradFill>
+              <a:effectLst>
+                <a:outerShdw blurRad="38100" dist="38100" dir="2700000" algn="tl">
+                  <a:srgbClr val="000000">
+                    <a:alpha val="43137"/>
+                  </a:srgbClr>
+                </a:outerShdw>
+              </a:effectLst>
+            </a:endParaRPr>
+          </a:p>
+        </p:txBody>
+      </p:sp>
+      <p:sp>
+        <p:nvSpPr>
+          <p:cNvPr id="5" name="Rectangle 4"/>
+          <p:cNvSpPr/>
+          <p:nvPr/>
+        </p:nvSpPr>
+        <p:spPr>
+          <a:xfrm>
+            <a:off x="802404" y="2286899"/>
+            <a:ext cx="10635855" cy="646331"/>
+          </a:xfrm>
+          <a:prstGeom prst="rect">
+            <a:avLst/>
+          </a:prstGeom>
+        </p:spPr>
+        <p:style>
+          <a:lnRef idx="2">
+            <a:schemeClr val="accent2"/>
+          </a:lnRef>
+          <a:fillRef idx="1">
+            <a:schemeClr val="lt1"/>
+          </a:fillRef>
+          <a:effectRef idx="0">
+            <a:schemeClr val="accent2"/>
+          </a:effectRef>
+          <a:fontRef idx="minor">
+            <a:schemeClr val="dk1"/>
+          </a:fontRef>
+        </p:style>
+        <p:txBody>
+          <a:bodyPr wrap="square">
+            <a:spAutoFit/>
+          </a:bodyPr>
+          <a:lstStyle/>
+          <a:p>
+            <a:pPr algn="r" rtl="1"/>
+            <a:r>
+              <a:rPr lang="fa-IR" dirty="0" smtClean="0">
+                <a:solidFill>
+                  <a:srgbClr val="000000"/>
+                </a:solidFill>
+                <a:latin typeface="IRANSans"/>
+                <a:cs typeface="B Nazanin" panose="00000400000000000000" pitchFamily="2" charset="-78"/>
+              </a:rPr>
+              <a:t>اینکه ما بعد از تهیه یک ماشین احساس میکنیم خیلی ها در خیابان نسبت به قبل این ماشین را تهیه کرده اند ناشی از </a:t>
+            </a:r>
+            <a:r>
+              <a:rPr lang="fa-IR" b="1" dirty="0" smtClean="0">
+                <a:solidFill>
+                  <a:schemeClr val="tx1"/>
+                </a:solidFill>
+                <a:latin typeface="IRANSans"/>
+                <a:cs typeface="B Nazanin" panose="00000400000000000000" pitchFamily="2" charset="-78"/>
+              </a:rPr>
+              <a:t>عدم</a:t>
+            </a:r>
+            <a:r>
+              <a:rPr lang="fa-IR" b="1" dirty="0" smtClean="0">
+                <a:solidFill>
+                  <a:srgbClr val="FF0000"/>
+                </a:solidFill>
+                <a:latin typeface="IRANSans"/>
+                <a:cs typeface="B Nazanin" panose="00000400000000000000" pitchFamily="2" charset="-78"/>
+              </a:rPr>
+              <a:t> فیلترینگ مغز </a:t>
+            </a:r>
+            <a:r>
+              <a:rPr lang="fa-IR" dirty="0" smtClean="0">
+                <a:solidFill>
+                  <a:srgbClr val="000000"/>
+                </a:solidFill>
+                <a:latin typeface="IRANSans"/>
+                <a:cs typeface="B Nazanin" panose="00000400000000000000" pitchFamily="2" charset="-78"/>
+              </a:rPr>
+              <a:t>در توجه و پردازش به این نوع ماشین می باشد . ما </a:t>
+            </a:r>
+            <a:r>
+              <a:rPr lang="fa-IR" b="1" dirty="0" smtClean="0">
+                <a:solidFill>
+                  <a:srgbClr val="000000"/>
+                </a:solidFill>
+                <a:latin typeface="IRANSans"/>
+                <a:cs typeface="B Nazanin" panose="00000400000000000000" pitchFamily="2" charset="-78"/>
+              </a:rPr>
+              <a:t>اطلاعاتی را که دوست داریم </a:t>
+            </a:r>
+            <a:r>
+              <a:rPr lang="fa-IR" dirty="0" smtClean="0">
+                <a:solidFill>
+                  <a:srgbClr val="000000"/>
+                </a:solidFill>
+                <a:latin typeface="IRANSans"/>
+                <a:cs typeface="B Nazanin" panose="00000400000000000000" pitchFamily="2" charset="-78"/>
+              </a:rPr>
+              <a:t>به آن توجه کنیم را حذف یا فیلتر نمی کنیم. </a:t>
+            </a:r>
+            <a:endParaRPr lang="en-US" dirty="0"/>
+          </a:p>
+        </p:txBody>
+      </p:sp>
+      <p:sp>
+        <p:nvSpPr>
+          <p:cNvPr id="6" name="Rectangle 5"/>
+          <p:cNvSpPr/>
+          <p:nvPr/>
+        </p:nvSpPr>
+        <p:spPr>
+          <a:xfrm>
+            <a:off x="2483736" y="1474196"/>
+            <a:ext cx="8168513" cy="646331"/>
+          </a:xfrm>
+          <a:prstGeom prst="rect">
+            <a:avLst/>
+          </a:prstGeom>
+        </p:spPr>
+        <p:style>
+          <a:lnRef idx="2">
+            <a:schemeClr val="accent4"/>
+          </a:lnRef>
+          <a:fillRef idx="1">
+            <a:schemeClr val="lt1"/>
+          </a:fillRef>
+          <a:effectRef idx="0">
+            <a:schemeClr val="accent4"/>
+          </a:effectRef>
+          <a:fontRef idx="minor">
+            <a:schemeClr val="dk1"/>
+          </a:fontRef>
+        </p:style>
+        <p:txBody>
+          <a:bodyPr wrap="square">
+            <a:spAutoFit/>
+          </a:bodyPr>
+          <a:lstStyle/>
+          <a:p>
+            <a:pPr algn="r" rtl="1"/>
+            <a:r>
+              <a:rPr lang="fa-IR" dirty="0" smtClean="0">
+                <a:solidFill>
+                  <a:srgbClr val="000000"/>
+                </a:solidFill>
+                <a:latin typeface="IRANSans"/>
+                <a:cs typeface="B Nazanin" panose="00000400000000000000" pitchFamily="2" charset="-78"/>
+              </a:rPr>
+              <a:t>اینکه احتمالا ما نمیدانیم که خانه ما چند پله دارد ولی هرگز برای تشخیص اتمام پله ها اشتباه نمیکنیم مربوط به فیلترینگ مغز ما برای تعداد پله ها می باشد . زیرا مغز به روشی این کار را میکند که کمترین انرژی را از او بگیرد . </a:t>
+            </a:r>
+            <a:endParaRPr lang="en-US" dirty="0"/>
+          </a:p>
+        </p:txBody>
+      </p:sp>
+      <p:sp>
+        <p:nvSpPr>
+          <p:cNvPr id="4" name="Rectangle 3"/>
+          <p:cNvSpPr/>
+          <p:nvPr/>
+        </p:nvSpPr>
+        <p:spPr>
+          <a:xfrm>
+            <a:off x="547359" y="3007243"/>
+            <a:ext cx="10998251" cy="1846659"/>
+          </a:xfrm>
+          <a:prstGeom prst="rect">
+            <a:avLst/>
+          </a:prstGeom>
+        </p:spPr>
+        <p:txBody>
+          <a:bodyPr wrap="square">
+            <a:spAutoFit/>
+          </a:bodyPr>
+          <a:lstStyle/>
+          <a:p>
+            <a:pPr algn="r" rtl="1">
+              <a:lnSpc>
+                <a:spcPct val="150000"/>
+              </a:lnSpc>
+            </a:pPr>
+            <a:r>
+              <a:rPr lang="fa-IR" sz="2000" b="1" dirty="0">
+                <a:solidFill>
+                  <a:srgbClr val="FF0000"/>
+                </a:solidFill>
+                <a:latin typeface="IRANSans"/>
+                <a:cs typeface="B Nazanin" panose="00000400000000000000" pitchFamily="2" charset="-78"/>
+              </a:rPr>
+              <a:t>دریافت گزینشی اطلاعات </a:t>
+            </a:r>
+            <a:r>
+              <a:rPr lang="fa-IR" dirty="0">
+                <a:solidFill>
+                  <a:srgbClr val="000000"/>
+                </a:solidFill>
+                <a:latin typeface="IRANSans"/>
+                <a:cs typeface="B Nazanin" panose="00000400000000000000" pitchFamily="2" charset="-78"/>
+              </a:rPr>
+              <a:t>باعث می‌شود کسی که فکر کند مردم یک شهر خاص،‌ کم هوش هستند، هر روز نمونه‌های بیشتری در تایید حرف خود پیدا کند و فرد دیگری که فکر می‌کند مردم آن شهر خاص، تیزهوش هستند، هر روز نمونه‌های دیگری در تایید باورش پیدا کند</a:t>
+            </a:r>
+            <a:r>
+              <a:rPr lang="fa-IR" dirty="0" smtClean="0">
+                <a:solidFill>
+                  <a:srgbClr val="000000"/>
+                </a:solidFill>
+                <a:latin typeface="IRANSans"/>
+                <a:cs typeface="B Nazanin" panose="00000400000000000000" pitchFamily="2" charset="-78"/>
+              </a:rPr>
+              <a:t>.</a:t>
+            </a:r>
+            <a:endParaRPr lang="fa-IR" dirty="0">
+              <a:solidFill>
+                <a:srgbClr val="000000"/>
+              </a:solidFill>
+              <a:latin typeface="IRANSans"/>
+              <a:cs typeface="B Nazanin" panose="00000400000000000000" pitchFamily="2" charset="-78"/>
+            </a:endParaRPr>
+          </a:p>
+          <a:p>
+            <a:pPr algn="r" rtl="1">
+              <a:lnSpc>
+                <a:spcPct val="150000"/>
+              </a:lnSpc>
+            </a:pPr>
+            <a:r>
+              <a:rPr lang="fa-IR" sz="2000" b="1" dirty="0">
+                <a:solidFill>
+                  <a:srgbClr val="4372C2"/>
+                </a:solidFill>
+                <a:latin typeface="IRANSans"/>
+                <a:cs typeface="B Nazanin" panose="00000400000000000000" pitchFamily="2" charset="-78"/>
+              </a:rPr>
+              <a:t>تمایل به تایید خود </a:t>
+            </a:r>
+            <a:r>
+              <a:rPr lang="fa-IR" dirty="0">
+                <a:solidFill>
+                  <a:srgbClr val="000000"/>
+                </a:solidFill>
+                <a:latin typeface="IRANSans"/>
+                <a:cs typeface="B Nazanin" panose="00000400000000000000" pitchFamily="2" charset="-78"/>
+              </a:rPr>
+              <a:t>هم باعث می‌شود ما هرگز به صحت عملکرد سیستم ادراکی خود (که به دریافت گزینشی و فیلتر کردن احساسی اطلاعات مشغول است) شک </a:t>
+            </a:r>
+            <a:r>
+              <a:rPr lang="fa-IR" dirty="0" smtClean="0">
+                <a:solidFill>
+                  <a:srgbClr val="000000"/>
+                </a:solidFill>
+                <a:latin typeface="IRANSans"/>
+                <a:cs typeface="B Nazanin" panose="00000400000000000000" pitchFamily="2" charset="-78"/>
+              </a:rPr>
+              <a:t>نکنیم . این تایید امنیت ذهنی ما را حفظ می نماید . </a:t>
+            </a:r>
+            <a:endParaRPr lang="en-US" dirty="0">
+              <a:solidFill>
+                <a:srgbClr val="000000"/>
+              </a:solidFill>
+              <a:latin typeface="IRANSans"/>
+              <a:cs typeface="B Nazanin" panose="00000400000000000000" pitchFamily="2" charset="-78"/>
+            </a:endParaRPr>
+          </a:p>
+        </p:txBody>
+      </p:sp>
+      <p:pic>
+        <p:nvPicPr>
+          <p:cNvPr id="7" name="Picture 6"/>
+          <p:cNvPicPr>
+            <a:picLocks noChangeAspect="1"/>
+          </p:cNvPicPr>
+          <p:nvPr/>
+        </p:nvPicPr>
+        <p:blipFill rotWithShape="1">
+          <a:blip r:embed="rId2"/>
+          <a:srcRect t="24371"/>
+          <a:stretch/>
+        </p:blipFill>
+        <p:spPr>
+          <a:xfrm>
+            <a:off x="788957" y="4556223"/>
+            <a:ext cx="4781873" cy="1920516"/>
+          </a:xfrm>
+          <a:prstGeom prst="rect">
+            <a:avLst/>
+          </a:prstGeom>
+        </p:spPr>
+      </p:pic>
+      <p:cxnSp>
+        <p:nvCxnSpPr>
+          <p:cNvPr id="10" name="Curved Connector 9"/>
+          <p:cNvCxnSpPr>
+            <a:endCxn id="6" idx="1"/>
+          </p:cNvCxnSpPr>
+          <p:nvPr/>
+        </p:nvCxnSpPr>
+        <p:spPr>
+          <a:xfrm rot="5400000" flipH="1" flipV="1">
+            <a:off x="1985460" y="1842412"/>
+            <a:ext cx="543325" cy="453227"/>
+          </a:xfrm>
+          <a:prstGeom prst="curvedConnector2">
+            <a:avLst/>
+          </a:prstGeom>
+          <a:ln w="28575">
+            <a:solidFill>
+              <a:srgbClr val="FF0000"/>
+            </a:solidFill>
+            <a:tailEnd type="triangle"/>
+          </a:ln>
+        </p:spPr>
+        <p:style>
+          <a:lnRef idx="2">
+            <a:schemeClr val="accent2"/>
+          </a:lnRef>
+          <a:fillRef idx="0">
+            <a:schemeClr val="accent2"/>
+          </a:fillRef>
+          <a:effectRef idx="1">
+            <a:schemeClr val="accent2"/>
           </a:effectRef>
           <a:fontRef idx="minor">
             <a:schemeClr val="tx1"/>
@@ -9986,7 +10405,7 @@
                 <a16:creationId xmlns:a16="http://schemas.microsoft.com/office/drawing/2014/main" id="{E3DC42C2-6B58-404C-B339-2C72808A5BE1}"/>
               </a:ext>
               <a:ext uri="{C183D7F6-B498-43B3-948B-1728B52AA6E4}">
-                <adec:decorative xmlns="" xmlns:adec="http://schemas.microsoft.com/office/drawing/2017/decorative" val="1"/>
+                <adec:decorative xmlns:adec="http://schemas.microsoft.com/office/drawing/2017/decorative" xmlns="" val="1"/>
               </a:ext>
             </a:extLst>
           </p:cNvPr>
@@ -10180,7 +10599,7 @@
                 <a16:creationId xmlns:a16="http://schemas.microsoft.com/office/drawing/2014/main" id="{FCF82941-5589-49BF-B6B1-76122B2D0EA6}"/>
               </a:ext>
               <a:ext uri="{C183D7F6-B498-43B3-948B-1728B52AA6E4}">
-                <adec:decorative xmlns="" xmlns:adec="http://schemas.microsoft.com/office/drawing/2017/decorative" val="1"/>
+                <adec:decorative xmlns:adec="http://schemas.microsoft.com/office/drawing/2017/decorative" xmlns="" val="1"/>
               </a:ext>
             </a:extLst>
           </p:cNvPr>
@@ -20557,16 +20976,16 @@
 <file path=customXml/itemProps1.xml><?xml version="1.0" encoding="utf-8"?>
 <ds:datastoreItem xmlns:ds="http://schemas.openxmlformats.org/officeDocument/2006/customXml" ds:itemID="{4965EBD3-98B5-4FD2-8FAF-5D4022A9F7F4}">
   <ds:schemaRefs>
+    <ds:schemaRef ds:uri="16c05727-aa75-4e4a-9b5f-8a80a1165891"/>
+    <ds:schemaRef ds:uri="71af3243-3dd4-4a8d-8c0d-dd76da1f02a5"/>
+    <ds:schemaRef ds:uri="http://schemas.microsoft.com/office/infopath/2007/PartnerControls"/>
+    <ds:schemaRef ds:uri="http://www.w3.org/XML/1998/namespace"/>
     <ds:schemaRef ds:uri="http://purl.org/dc/elements/1.1/"/>
+    <ds:schemaRef ds:uri="http://purl.org/dc/terms/"/>
+    <ds:schemaRef ds:uri="http://purl.org/dc/dcmitype/"/>
+    <ds:schemaRef ds:uri="http://schemas.microsoft.com/office/2006/documentManagement/types"/>
     <ds:schemaRef ds:uri="http://schemas.openxmlformats.org/package/2006/metadata/core-properties"/>
-    <ds:schemaRef ds:uri="http://www.w3.org/XML/1998/namespace"/>
-    <ds:schemaRef ds:uri="16c05727-aa75-4e4a-9b5f-8a80a1165891"/>
-    <ds:schemaRef ds:uri="http://schemas.microsoft.com/office/2006/documentManagement/types"/>
-    <ds:schemaRef ds:uri="http://purl.org/dc/terms/"/>
-    <ds:schemaRef ds:uri="http://schemas.microsoft.com/office/infopath/2007/PartnerControls"/>
-    <ds:schemaRef ds:uri="71af3243-3dd4-4a8d-8c0d-dd76da1f02a5"/>
     <ds:schemaRef ds:uri="http://schemas.microsoft.com/office/2006/metadata/properties"/>
-    <ds:schemaRef ds:uri="http://purl.org/dc/dcmitype/"/>
   </ds:schemaRefs>
 </ds:datastoreItem>
 </file>

--- a/MyTraining/Individual development/مهارت تصمیم گیری درست.pptx
+++ b/MyTraining/Individual development/مهارت تصمیم گیری درست.pptx
@@ -21,8 +21,10 @@
     <p:sldId id="265" r:id="rId18"/>
     <p:sldId id="274" r:id="rId19"/>
     <p:sldId id="275" r:id="rId20"/>
-    <p:sldId id="271" r:id="rId21"/>
-    <p:sldId id="260" r:id="rId22"/>
+    <p:sldId id="276" r:id="rId21"/>
+    <p:sldId id="277" r:id="rId22"/>
+    <p:sldId id="271" r:id="rId23"/>
+    <p:sldId id="260" r:id="rId24"/>
   </p:sldIdLst>
   <p:sldSz cx="12192000" cy="6858000"/>
   <p:notesSz cx="6858000" cy="9144000"/>
@@ -325,7 +327,7 @@
           <a:p>
             <a:fld id="{9AB3A824-1A51-4B26-AD58-A6D8E14F6C04}" type="datetimeFigureOut">
               <a:rPr lang="en-US" noProof="0" smtClean="0"/>
-              <a:t>4/15/2019</a:t>
+              <a:t>4/17/2019</a:t>
             </a:fld>
             <a:endParaRPr lang="en-US" noProof="0" dirty="0"/>
           </a:p>
@@ -550,7 +552,7 @@
           <a:p>
             <a:fld id="{D857E33E-8B18-4087-B112-809917729534}" type="datetimeFigureOut">
               <a:rPr lang="en-US" noProof="0" smtClean="0"/>
-              <a:t>4/15/2019</a:t>
+              <a:t>4/17/2019</a:t>
             </a:fld>
             <a:endParaRPr lang="en-US" noProof="0" dirty="0"/>
           </a:p>
@@ -734,7 +736,7 @@
           <a:p>
             <a:fld id="{D3FFE419-2371-464F-8239-3959401C3561}" type="datetimeFigureOut">
               <a:rPr lang="en-US" noProof="0" smtClean="0"/>
-              <a:t>4/15/2019</a:t>
+              <a:t>4/17/2019</a:t>
             </a:fld>
             <a:endParaRPr lang="en-US" noProof="0" dirty="0"/>
           </a:p>
@@ -908,7 +910,7 @@
           <a:p>
             <a:fld id="{97D162C4-EDD9-4389-A98B-B87ECEA2A816}" type="datetimeFigureOut">
               <a:rPr lang="en-US" noProof="0" smtClean="0"/>
-              <a:t>4/15/2019</a:t>
+              <a:t>4/17/2019</a:t>
             </a:fld>
             <a:endParaRPr lang="en-US" noProof="0" dirty="0"/>
           </a:p>
@@ -1163,7 +1165,7 @@
           <a:p>
             <a:fld id="{3E5059C3-6A89-4494-99FF-5A4D6FFD50EB}" type="datetimeFigureOut">
               <a:rPr lang="en-US" noProof="0" smtClean="0"/>
-              <a:t>4/15/2019</a:t>
+              <a:t>4/17/2019</a:t>
             </a:fld>
             <a:endParaRPr lang="en-US" noProof="0" dirty="0"/>
           </a:p>
@@ -1490,7 +1492,7 @@
           <a:p>
             <a:fld id="{CA954B2F-12DE-47F5-8894-472B206D2E1E}" type="datetimeFigureOut">
               <a:rPr lang="en-US" noProof="0" smtClean="0"/>
-              <a:t>4/15/2019</a:t>
+              <a:t>4/17/2019</a:t>
             </a:fld>
             <a:endParaRPr lang="en-US" noProof="0" dirty="0"/>
           </a:p>
@@ -1918,7 +1920,7 @@
           <a:p>
             <a:fld id="{3CBC1C18-307B-4F68-A007-B5B542270E8D}" type="datetimeFigureOut">
               <a:rPr lang="en-US" noProof="0" smtClean="0"/>
-              <a:t>4/15/2019</a:t>
+              <a:t>4/17/2019</a:t>
             </a:fld>
             <a:endParaRPr lang="en-US" noProof="0" dirty="0"/>
           </a:p>
@@ -2042,7 +2044,7 @@
           <a:p>
             <a:fld id="{1FAF3416-4057-4DAA-829D-4CA07428D088}" type="datetimeFigureOut">
               <a:rPr lang="en-US" noProof="0" smtClean="0"/>
-              <a:t>4/15/2019</a:t>
+              <a:t>4/17/2019</a:t>
             </a:fld>
             <a:endParaRPr lang="en-US" noProof="0" dirty="0"/>
           </a:p>
@@ -2141,7 +2143,7 @@
           <a:p>
             <a:fld id="{921D9284-D300-4297-87F7-E791DCC15DB1}" type="datetimeFigureOut">
               <a:rPr lang="en-US" noProof="0" smtClean="0"/>
-              <a:t>4/15/2019</a:t>
+              <a:t>4/17/2019</a:t>
             </a:fld>
             <a:endParaRPr lang="en-US" noProof="0" dirty="0"/>
           </a:p>
@@ -2435,7 +2437,7 @@
           <a:p>
             <a:fld id="{37D525BB-DA17-4BA0-B3C8-3AC3ABC827E6}" type="datetimeFigureOut">
               <a:rPr lang="en-US" noProof="0" smtClean="0"/>
-              <a:t>4/15/2019</a:t>
+              <a:t>4/17/2019</a:t>
             </a:fld>
             <a:endParaRPr lang="en-US" noProof="0" dirty="0"/>
           </a:p>
@@ -2711,7 +2713,7 @@
           <a:p>
             <a:fld id="{B16C4C9A-3960-41CF-A4E9-2A8FB932454B}" type="datetimeFigureOut">
               <a:rPr lang="en-US" noProof="0" smtClean="0"/>
-              <a:t>4/15/2019</a:t>
+              <a:t>4/17/2019</a:t>
             </a:fld>
             <a:endParaRPr lang="en-US" noProof="0" dirty="0"/>
           </a:p>
@@ -2968,7 +2970,7 @@
           <a:p>
             <a:fld id="{3CBC1C18-307B-4F68-A007-B5B542270E8D}" type="datetimeFigureOut">
               <a:rPr lang="en-US" noProof="0" smtClean="0"/>
-              <a:t>4/15/2019</a:t>
+              <a:t>4/17/2019</a:t>
             </a:fld>
             <a:endParaRPr lang="en-US" noProof="0" dirty="0"/>
           </a:p>
@@ -3451,7 +3453,7 @@
                 <a16:creationId xmlns:a16="http://schemas.microsoft.com/office/drawing/2014/main" id="{63FED537-3AF1-4C36-9904-77B6A54D27B5}"/>
               </a:ext>
               <a:ext uri="{C183D7F6-B498-43B3-948B-1728B52AA6E4}">
-                <adec:decorative xmlns:adec="http://schemas.microsoft.com/office/drawing/2017/decorative" xmlns="" val="1"/>
+                <adec:decorative xmlns="" xmlns:adec="http://schemas.microsoft.com/office/drawing/2017/decorative" val="1"/>
               </a:ext>
             </a:extLst>
           </p:cNvPr>
@@ -9549,24 +9551,30 @@
         </p:nvSpPr>
         <p:spPr>
           <a:xfrm>
-            <a:off x="1562739" y="448038"/>
-            <a:ext cx="9875520" cy="709749"/>
+            <a:off x="692331" y="448038"/>
+            <a:ext cx="10745928" cy="709749"/>
           </a:xfrm>
         </p:spPr>
         <p:txBody>
           <a:bodyPr>
-            <a:normAutofit fontScale="90000"/>
+            <a:normAutofit/>
           </a:bodyPr>
           <a:lstStyle/>
           <a:p>
             <a:pPr algn="r"/>
             <a:r>
-              <a:rPr lang="fa-IR" sz="4800" dirty="0" smtClean="0">
-                <a:cs typeface="B Nazanin" panose="00000400000000000000" pitchFamily="2" charset="-78"/>
-              </a:rPr>
-              <a:t>خطای تایید خود </a:t>
-            </a:r>
-            <a:endParaRPr lang="en-US" sz="4800" dirty="0">
+              <a:rPr lang="fa-IR" sz="3600" dirty="0" smtClean="0">
+                <a:cs typeface="B Nazanin" panose="00000400000000000000" pitchFamily="2" charset="-78"/>
+              </a:rPr>
+              <a:t>دریافت گزینشی اطلاعات / خطای </a:t>
+            </a:r>
+            <a:r>
+              <a:rPr lang="fa-IR" sz="3600" dirty="0" smtClean="0">
+                <a:cs typeface="B Nazanin" panose="00000400000000000000" pitchFamily="2" charset="-78"/>
+              </a:rPr>
+              <a:t>تایید خود </a:t>
+            </a:r>
+            <a:endParaRPr lang="en-US" sz="3600" dirty="0">
               <a:cs typeface="B Nazanin" panose="00000400000000000000" pitchFamily="2" charset="-78"/>
             </a:endParaRPr>
           </a:p>
@@ -10077,23 +10085,23 @@
         <p:spPr>
           <a:xfrm>
             <a:off x="1169125" y="425299"/>
-            <a:ext cx="9875520" cy="709749"/>
+            <a:ext cx="10156372" cy="709749"/>
           </a:xfrm>
         </p:spPr>
         <p:txBody>
           <a:bodyPr>
-            <a:normAutofit fontScale="90000"/>
+            <a:normAutofit/>
           </a:bodyPr>
           <a:lstStyle/>
           <a:p>
             <a:pPr algn="r"/>
             <a:r>
-              <a:rPr lang="fa-IR" sz="4800" dirty="0" smtClean="0">
-                <a:cs typeface="B Nazanin" panose="00000400000000000000" pitchFamily="2" charset="-78"/>
-              </a:rPr>
-              <a:t>تصمیم گیری چیست ؟</a:t>
-            </a:r>
-            <a:endParaRPr lang="en-US" sz="4800" dirty="0">
+              <a:rPr lang="fa-IR" sz="3600" dirty="0" smtClean="0">
+                <a:cs typeface="B Nazanin" panose="00000400000000000000" pitchFamily="2" charset="-78"/>
+              </a:rPr>
+              <a:t>ترس از دست دادن و دام حفظ وضعیت موجود</a:t>
+            </a:r>
+            <a:endParaRPr lang="en-US" sz="3600" dirty="0">
               <a:cs typeface="B Nazanin" panose="00000400000000000000" pitchFamily="2" charset="-78"/>
             </a:endParaRPr>
           </a:p>
@@ -10129,6 +10137,2184 @@
           </a:fontRef>
         </p:style>
       </p:cxnSp>
+      <p:sp>
+        <p:nvSpPr>
+          <p:cNvPr id="3" name="Rectangle 2"/>
+          <p:cNvSpPr/>
+          <p:nvPr/>
+        </p:nvSpPr>
+        <p:spPr>
+          <a:xfrm>
+            <a:off x="1058091" y="1404370"/>
+            <a:ext cx="10006149" cy="646331"/>
+          </a:xfrm>
+          <a:prstGeom prst="rect">
+            <a:avLst/>
+          </a:prstGeom>
+          <a:solidFill>
+            <a:schemeClr val="accent5">
+              <a:lumMod val="40000"/>
+              <a:lumOff val="60000"/>
+            </a:schemeClr>
+          </a:solidFill>
+        </p:spPr>
+        <p:style>
+          <a:lnRef idx="2">
+            <a:schemeClr val="accent2"/>
+          </a:lnRef>
+          <a:fillRef idx="1">
+            <a:schemeClr val="lt1"/>
+          </a:fillRef>
+          <a:effectRef idx="0">
+            <a:schemeClr val="accent2"/>
+          </a:effectRef>
+          <a:fontRef idx="minor">
+            <a:schemeClr val="dk1"/>
+          </a:fontRef>
+        </p:style>
+        <p:txBody>
+          <a:bodyPr wrap="square">
+            <a:spAutoFit/>
+          </a:bodyPr>
+          <a:lstStyle/>
+          <a:p>
+            <a:pPr algn="r" rtl="1"/>
+            <a:r>
+              <a:rPr lang="fa-IR" dirty="0">
+                <a:solidFill>
+                  <a:srgbClr val="000000"/>
+                </a:solidFill>
+                <a:latin typeface="IRANSans"/>
+                <a:cs typeface="B Nazanin" panose="00000400000000000000" pitchFamily="2" charset="-78"/>
+              </a:rPr>
+              <a:t>بررسی‌ها نشان می‌دهد که کاهش حقوق، نارضایتی بیشتری ایجاد می‌کند. به عبارت دیگر، اگر شما با افزایش حقوق خود به یک میزان مشخص، ۵ واحد رضایت بیشتر را تجربه کنید، شاید با کاهش همان عدد از حقوق خود، ۱۰ واحد و حتی بیشتر احساس نارضایتی در شما ایجاد شود!</a:t>
+            </a:r>
+            <a:endParaRPr lang="en-US" dirty="0">
+              <a:cs typeface="B Nazanin" panose="00000400000000000000" pitchFamily="2" charset="-78"/>
+            </a:endParaRPr>
+          </a:p>
+        </p:txBody>
+      </p:sp>
+      <p:sp>
+        <p:nvSpPr>
+          <p:cNvPr id="4" name="Rectangle 3"/>
+          <p:cNvSpPr/>
+          <p:nvPr/>
+        </p:nvSpPr>
+        <p:spPr>
+          <a:xfrm>
+            <a:off x="1058091" y="2108121"/>
+            <a:ext cx="10006149" cy="646331"/>
+          </a:xfrm>
+          <a:prstGeom prst="rect">
+            <a:avLst/>
+          </a:prstGeom>
+          <a:solidFill>
+            <a:schemeClr val="accent4">
+              <a:lumMod val="20000"/>
+              <a:lumOff val="80000"/>
+            </a:schemeClr>
+          </a:solidFill>
+        </p:spPr>
+        <p:style>
+          <a:lnRef idx="2">
+            <a:schemeClr val="dk1"/>
+          </a:lnRef>
+          <a:fillRef idx="1">
+            <a:schemeClr val="lt1"/>
+          </a:fillRef>
+          <a:effectRef idx="0">
+            <a:schemeClr val="dk1"/>
+          </a:effectRef>
+          <a:fontRef idx="minor">
+            <a:schemeClr val="dk1"/>
+          </a:fontRef>
+        </p:style>
+        <p:txBody>
+          <a:bodyPr wrap="square">
+            <a:spAutoFit/>
+          </a:bodyPr>
+          <a:lstStyle/>
+          <a:p>
+            <a:pPr algn="r" rtl="1"/>
+            <a:r>
+              <a:rPr lang="fa-IR" dirty="0" smtClean="0">
+                <a:solidFill>
+                  <a:srgbClr val="000000"/>
+                </a:solidFill>
+                <a:latin typeface="IRANSans"/>
+                <a:cs typeface="B Nazanin" panose="00000400000000000000" pitchFamily="2" charset="-78"/>
+              </a:rPr>
+              <a:t>به دست آوردن، لذت بخش است. اما </a:t>
+            </a:r>
+            <a:r>
+              <a:rPr lang="fa-IR" b="1" dirty="0" smtClean="0">
+                <a:solidFill>
+                  <a:srgbClr val="FF0000"/>
+                </a:solidFill>
+                <a:latin typeface="IRANSans"/>
+                <a:cs typeface="B Nazanin" panose="00000400000000000000" pitchFamily="2" charset="-78"/>
+              </a:rPr>
+              <a:t>رنج از دست دادن </a:t>
+            </a:r>
+            <a:r>
+              <a:rPr lang="fa-IR" dirty="0" smtClean="0">
+                <a:solidFill>
+                  <a:srgbClr val="000000"/>
+                </a:solidFill>
+                <a:latin typeface="IRANSans"/>
+                <a:cs typeface="B Nazanin" panose="00000400000000000000" pitchFamily="2" charset="-78"/>
+              </a:rPr>
+              <a:t>بیشتر از آن است. به همین دلیل انسانها همیشه نگران از دست دادن هستند.</a:t>
+            </a:r>
+            <a:r>
+              <a:rPr lang="en-US" dirty="0" smtClean="0">
+                <a:solidFill>
+                  <a:srgbClr val="000000"/>
+                </a:solidFill>
+                <a:latin typeface="IRANSans"/>
+                <a:cs typeface="B Nazanin" panose="00000400000000000000" pitchFamily="2" charset="-78"/>
+              </a:rPr>
+              <a:t> </a:t>
+            </a:r>
+            <a:r>
+              <a:rPr lang="fa-IR" dirty="0" smtClean="0">
+                <a:solidFill>
+                  <a:srgbClr val="000000"/>
+                </a:solidFill>
+                <a:latin typeface="IRANSans"/>
+                <a:cs typeface="B Nazanin" panose="00000400000000000000" pitchFamily="2" charset="-78"/>
+              </a:rPr>
+              <a:t> ترس از دست دادن به شکل دیگری هم خودش را نشان میدهد و نامگذاری دیگری هم برای آن وجود دارد و آن </a:t>
+            </a:r>
+            <a:r>
+              <a:rPr lang="fa-IR" b="1" dirty="0" smtClean="0">
+                <a:solidFill>
+                  <a:srgbClr val="FF0000"/>
+                </a:solidFill>
+                <a:latin typeface="IRANSans"/>
+                <a:cs typeface="B Nazanin" panose="00000400000000000000" pitchFamily="2" charset="-78"/>
+              </a:rPr>
+              <a:t>اثر مالکیت </a:t>
+            </a:r>
+            <a:r>
+              <a:rPr lang="fa-IR" dirty="0" smtClean="0">
+                <a:solidFill>
+                  <a:srgbClr val="000000"/>
+                </a:solidFill>
+                <a:latin typeface="IRANSans"/>
+                <a:cs typeface="B Nazanin" panose="00000400000000000000" pitchFamily="2" charset="-78"/>
+              </a:rPr>
+              <a:t>است.</a:t>
+            </a:r>
+            <a:endParaRPr lang="en-US" dirty="0">
+              <a:solidFill>
+                <a:srgbClr val="000000"/>
+              </a:solidFill>
+              <a:latin typeface="IRANSans"/>
+              <a:cs typeface="B Nazanin" panose="00000400000000000000" pitchFamily="2" charset="-78"/>
+            </a:endParaRPr>
+          </a:p>
+        </p:txBody>
+      </p:sp>
+      <p:sp>
+        <p:nvSpPr>
+          <p:cNvPr id="5" name="Rectangle 4"/>
+          <p:cNvSpPr/>
+          <p:nvPr/>
+        </p:nvSpPr>
+        <p:spPr>
+          <a:xfrm>
+            <a:off x="1058091" y="2820190"/>
+            <a:ext cx="10006148" cy="923330"/>
+          </a:xfrm>
+          <a:prstGeom prst="rect">
+            <a:avLst/>
+          </a:prstGeom>
+          <a:noFill/>
+          <a:ln>
+            <a:noFill/>
+          </a:ln>
+        </p:spPr>
+        <p:style>
+          <a:lnRef idx="2">
+            <a:schemeClr val="dk1"/>
+          </a:lnRef>
+          <a:fillRef idx="1">
+            <a:schemeClr val="lt1"/>
+          </a:fillRef>
+          <a:effectRef idx="0">
+            <a:schemeClr val="dk1"/>
+          </a:effectRef>
+          <a:fontRef idx="minor">
+            <a:schemeClr val="dk1"/>
+          </a:fontRef>
+        </p:style>
+        <p:txBody>
+          <a:bodyPr wrap="square">
+            <a:spAutoFit/>
+          </a:bodyPr>
+          <a:lstStyle/>
+          <a:p>
+            <a:pPr marL="285750" indent="-285750" algn="justLow" rtl="1">
+              <a:buFont typeface="Wingdings" panose="05000000000000000000" pitchFamily="2" charset="2"/>
+              <a:buChar char="ü"/>
+            </a:pPr>
+            <a:r>
+              <a:rPr lang="en-US" dirty="0" err="1">
+                <a:solidFill>
+                  <a:srgbClr val="000000"/>
+                </a:solidFill>
+                <a:latin typeface="IRANSans"/>
+                <a:cs typeface="B Nazanin" panose="00000400000000000000" pitchFamily="2" charset="-78"/>
+              </a:rPr>
+              <a:t>اینکه</a:t>
+            </a:r>
+            <a:r>
+              <a:rPr lang="en-US" dirty="0">
+                <a:solidFill>
+                  <a:srgbClr val="000000"/>
+                </a:solidFill>
+                <a:latin typeface="IRANSans"/>
+                <a:cs typeface="B Nazanin" panose="00000400000000000000" pitchFamily="2" charset="-78"/>
+              </a:rPr>
+              <a:t> </a:t>
+            </a:r>
+            <a:r>
+              <a:rPr lang="en-US" dirty="0" err="1">
+                <a:solidFill>
+                  <a:srgbClr val="000000"/>
+                </a:solidFill>
+                <a:latin typeface="IRANSans"/>
+                <a:cs typeface="B Nazanin" panose="00000400000000000000" pitchFamily="2" charset="-78"/>
+              </a:rPr>
+              <a:t>در</a:t>
+            </a:r>
+            <a:r>
+              <a:rPr lang="en-US" dirty="0">
+                <a:solidFill>
+                  <a:srgbClr val="000000"/>
+                </a:solidFill>
+                <a:latin typeface="IRANSans"/>
+                <a:cs typeface="B Nazanin" panose="00000400000000000000" pitchFamily="2" charset="-78"/>
+              </a:rPr>
+              <a:t> </a:t>
+            </a:r>
+            <a:r>
+              <a:rPr lang="en-US" dirty="0" err="1">
+                <a:solidFill>
+                  <a:srgbClr val="000000"/>
+                </a:solidFill>
+                <a:latin typeface="IRANSans"/>
+                <a:cs typeface="B Nazanin" panose="00000400000000000000" pitchFamily="2" charset="-78"/>
+              </a:rPr>
+              <a:t>مترو</a:t>
+            </a:r>
+            <a:r>
+              <a:rPr lang="en-US" dirty="0">
+                <a:solidFill>
+                  <a:srgbClr val="000000"/>
+                </a:solidFill>
+                <a:latin typeface="IRANSans"/>
+                <a:cs typeface="B Nazanin" panose="00000400000000000000" pitchFamily="2" charset="-78"/>
+              </a:rPr>
+              <a:t> </a:t>
+            </a:r>
+            <a:r>
+              <a:rPr lang="en-US" dirty="0" err="1">
+                <a:solidFill>
+                  <a:srgbClr val="000000"/>
+                </a:solidFill>
+                <a:latin typeface="IRANSans"/>
+                <a:cs typeface="B Nazanin" panose="00000400000000000000" pitchFamily="2" charset="-78"/>
+              </a:rPr>
+              <a:t>پسرک</a:t>
+            </a:r>
+            <a:r>
+              <a:rPr lang="en-US" dirty="0">
+                <a:solidFill>
+                  <a:srgbClr val="000000"/>
+                </a:solidFill>
+                <a:latin typeface="IRANSans"/>
+                <a:cs typeface="B Nazanin" panose="00000400000000000000" pitchFamily="2" charset="-78"/>
+              </a:rPr>
+              <a:t> </a:t>
+            </a:r>
+            <a:r>
+              <a:rPr lang="en-US" dirty="0" err="1">
+                <a:solidFill>
+                  <a:srgbClr val="000000"/>
+                </a:solidFill>
+                <a:latin typeface="IRANSans"/>
+                <a:cs typeface="B Nazanin" panose="00000400000000000000" pitchFamily="2" charset="-78"/>
+              </a:rPr>
+              <a:t>فال</a:t>
+            </a:r>
+            <a:r>
+              <a:rPr lang="en-US" dirty="0">
+                <a:solidFill>
+                  <a:srgbClr val="000000"/>
+                </a:solidFill>
+                <a:latin typeface="IRANSans"/>
+                <a:cs typeface="B Nazanin" panose="00000400000000000000" pitchFamily="2" charset="-78"/>
+              </a:rPr>
+              <a:t> </a:t>
+            </a:r>
+            <a:r>
+              <a:rPr lang="en-US" dirty="0" err="1">
+                <a:solidFill>
+                  <a:srgbClr val="000000"/>
+                </a:solidFill>
+                <a:latin typeface="IRANSans"/>
+                <a:cs typeface="B Nazanin" panose="00000400000000000000" pitchFamily="2" charset="-78"/>
+              </a:rPr>
+              <a:t>فروش</a:t>
+            </a:r>
+            <a:r>
+              <a:rPr lang="en-US" dirty="0">
+                <a:solidFill>
+                  <a:srgbClr val="000000"/>
+                </a:solidFill>
+                <a:latin typeface="IRANSans"/>
+                <a:cs typeface="B Nazanin" panose="00000400000000000000" pitchFamily="2" charset="-78"/>
+              </a:rPr>
+              <a:t> </a:t>
+            </a:r>
+            <a:r>
+              <a:rPr lang="en-US" dirty="0" err="1">
+                <a:solidFill>
+                  <a:srgbClr val="000000"/>
+                </a:solidFill>
+                <a:latin typeface="IRANSans"/>
+                <a:cs typeface="B Nazanin" panose="00000400000000000000" pitchFamily="2" charset="-78"/>
+              </a:rPr>
+              <a:t>فایل</a:t>
+            </a:r>
+            <a:r>
+              <a:rPr lang="en-US" dirty="0">
+                <a:solidFill>
+                  <a:srgbClr val="000000"/>
+                </a:solidFill>
+                <a:latin typeface="IRANSans"/>
+                <a:cs typeface="B Nazanin" panose="00000400000000000000" pitchFamily="2" charset="-78"/>
+              </a:rPr>
+              <a:t> </a:t>
+            </a:r>
+            <a:r>
+              <a:rPr lang="en-US" dirty="0" err="1">
+                <a:solidFill>
+                  <a:srgbClr val="000000"/>
+                </a:solidFill>
+                <a:latin typeface="IRANSans"/>
+                <a:cs typeface="B Nazanin" panose="00000400000000000000" pitchFamily="2" charset="-78"/>
+              </a:rPr>
+              <a:t>ها</a:t>
+            </a:r>
+            <a:r>
+              <a:rPr lang="en-US" dirty="0">
+                <a:solidFill>
+                  <a:srgbClr val="000000"/>
+                </a:solidFill>
+                <a:latin typeface="IRANSans"/>
+                <a:cs typeface="B Nazanin" panose="00000400000000000000" pitchFamily="2" charset="-78"/>
+              </a:rPr>
+              <a:t> </a:t>
+            </a:r>
+            <a:r>
+              <a:rPr lang="en-US" dirty="0" err="1">
+                <a:solidFill>
+                  <a:srgbClr val="000000"/>
+                </a:solidFill>
+                <a:latin typeface="IRANSans"/>
+                <a:cs typeface="B Nazanin" panose="00000400000000000000" pitchFamily="2" charset="-78"/>
+              </a:rPr>
+              <a:t>را</a:t>
+            </a:r>
+            <a:r>
+              <a:rPr lang="en-US" dirty="0">
+                <a:solidFill>
+                  <a:srgbClr val="000000"/>
+                </a:solidFill>
+                <a:latin typeface="IRANSans"/>
+                <a:cs typeface="B Nazanin" panose="00000400000000000000" pitchFamily="2" charset="-78"/>
+              </a:rPr>
+              <a:t> </a:t>
+            </a:r>
+            <a:r>
+              <a:rPr lang="en-US" dirty="0" err="1">
+                <a:solidFill>
+                  <a:srgbClr val="000000"/>
+                </a:solidFill>
+                <a:latin typeface="IRANSans"/>
+                <a:cs typeface="B Nazanin" panose="00000400000000000000" pitchFamily="2" charset="-78"/>
+              </a:rPr>
+              <a:t>روی</a:t>
+            </a:r>
+            <a:r>
+              <a:rPr lang="en-US" dirty="0">
+                <a:solidFill>
+                  <a:srgbClr val="000000"/>
+                </a:solidFill>
+                <a:latin typeface="IRANSans"/>
+                <a:cs typeface="B Nazanin" panose="00000400000000000000" pitchFamily="2" charset="-78"/>
+              </a:rPr>
+              <a:t> </a:t>
+            </a:r>
+            <a:r>
+              <a:rPr lang="en-US" dirty="0" err="1">
+                <a:solidFill>
+                  <a:srgbClr val="000000"/>
+                </a:solidFill>
+                <a:latin typeface="IRANSans"/>
+                <a:cs typeface="B Nazanin" panose="00000400000000000000" pitchFamily="2" charset="-78"/>
+              </a:rPr>
+              <a:t>پای</a:t>
+            </a:r>
+            <a:r>
+              <a:rPr lang="en-US" dirty="0">
+                <a:solidFill>
+                  <a:srgbClr val="000000"/>
+                </a:solidFill>
+                <a:latin typeface="IRANSans"/>
+                <a:cs typeface="B Nazanin" panose="00000400000000000000" pitchFamily="2" charset="-78"/>
+              </a:rPr>
+              <a:t> </a:t>
+            </a:r>
+            <a:r>
+              <a:rPr lang="en-US" dirty="0" err="1">
+                <a:solidFill>
+                  <a:srgbClr val="000000"/>
+                </a:solidFill>
+                <a:latin typeface="IRANSans"/>
+                <a:cs typeface="B Nazanin" panose="00000400000000000000" pitchFamily="2" charset="-78"/>
+              </a:rPr>
+              <a:t>مشتریان</a:t>
+            </a:r>
+            <a:r>
+              <a:rPr lang="en-US" dirty="0">
+                <a:solidFill>
+                  <a:srgbClr val="000000"/>
+                </a:solidFill>
+                <a:latin typeface="IRANSans"/>
+                <a:cs typeface="B Nazanin" panose="00000400000000000000" pitchFamily="2" charset="-78"/>
+              </a:rPr>
+              <a:t> </a:t>
+            </a:r>
+            <a:r>
+              <a:rPr lang="en-US" dirty="0" err="1">
+                <a:solidFill>
+                  <a:srgbClr val="000000"/>
+                </a:solidFill>
+                <a:latin typeface="IRANSans"/>
+                <a:cs typeface="B Nazanin" panose="00000400000000000000" pitchFamily="2" charset="-78"/>
+              </a:rPr>
+              <a:t>میگذارد</a:t>
+            </a:r>
+            <a:r>
+              <a:rPr lang="en-US" dirty="0">
+                <a:solidFill>
+                  <a:srgbClr val="000000"/>
+                </a:solidFill>
+                <a:latin typeface="IRANSans"/>
+                <a:cs typeface="B Nazanin" panose="00000400000000000000" pitchFamily="2" charset="-78"/>
+              </a:rPr>
+              <a:t> و </a:t>
+            </a:r>
+            <a:r>
+              <a:rPr lang="en-US" dirty="0" err="1">
+                <a:solidFill>
+                  <a:srgbClr val="000000"/>
+                </a:solidFill>
+                <a:latin typeface="IRANSans"/>
+                <a:cs typeface="B Nazanin" panose="00000400000000000000" pitchFamily="2" charset="-78"/>
+              </a:rPr>
+              <a:t>تا</a:t>
+            </a:r>
+            <a:r>
+              <a:rPr lang="en-US" dirty="0">
+                <a:solidFill>
+                  <a:srgbClr val="000000"/>
+                </a:solidFill>
+                <a:latin typeface="IRANSans"/>
+                <a:cs typeface="B Nazanin" panose="00000400000000000000" pitchFamily="2" charset="-78"/>
+              </a:rPr>
+              <a:t> </a:t>
+            </a:r>
+            <a:r>
+              <a:rPr lang="en-US" dirty="0" err="1">
+                <a:solidFill>
+                  <a:srgbClr val="000000"/>
+                </a:solidFill>
+                <a:latin typeface="IRANSans"/>
+                <a:cs typeface="B Nazanin" panose="00000400000000000000" pitchFamily="2" charset="-78"/>
+              </a:rPr>
+              <a:t>آخر</a:t>
+            </a:r>
+            <a:r>
+              <a:rPr lang="en-US" dirty="0">
+                <a:solidFill>
+                  <a:srgbClr val="000000"/>
+                </a:solidFill>
+                <a:latin typeface="IRANSans"/>
+                <a:cs typeface="B Nazanin" panose="00000400000000000000" pitchFamily="2" charset="-78"/>
+              </a:rPr>
+              <a:t> </a:t>
+            </a:r>
+            <a:r>
+              <a:rPr lang="en-US" dirty="0" err="1">
+                <a:solidFill>
+                  <a:srgbClr val="000000"/>
+                </a:solidFill>
+                <a:latin typeface="IRANSans"/>
+                <a:cs typeface="B Nazanin" panose="00000400000000000000" pitchFamily="2" charset="-78"/>
+              </a:rPr>
+              <a:t>واگن</a:t>
+            </a:r>
+            <a:r>
+              <a:rPr lang="en-US" dirty="0">
+                <a:solidFill>
+                  <a:srgbClr val="000000"/>
+                </a:solidFill>
+                <a:latin typeface="IRANSans"/>
+                <a:cs typeface="B Nazanin" panose="00000400000000000000" pitchFamily="2" charset="-78"/>
+              </a:rPr>
+              <a:t> </a:t>
+            </a:r>
+            <a:r>
+              <a:rPr lang="en-US" dirty="0" err="1">
+                <a:solidFill>
+                  <a:srgbClr val="000000"/>
+                </a:solidFill>
+                <a:latin typeface="IRANSans"/>
+                <a:cs typeface="B Nazanin" panose="00000400000000000000" pitchFamily="2" charset="-78"/>
+              </a:rPr>
+              <a:t>می</a:t>
+            </a:r>
+            <a:r>
+              <a:rPr lang="en-US" dirty="0">
+                <a:solidFill>
+                  <a:srgbClr val="000000"/>
+                </a:solidFill>
+                <a:latin typeface="IRANSans"/>
+                <a:cs typeface="B Nazanin" panose="00000400000000000000" pitchFamily="2" charset="-78"/>
+              </a:rPr>
+              <a:t> </a:t>
+            </a:r>
+            <a:r>
+              <a:rPr lang="en-US" dirty="0" err="1">
+                <a:solidFill>
+                  <a:srgbClr val="000000"/>
+                </a:solidFill>
+                <a:latin typeface="IRANSans"/>
+                <a:cs typeface="B Nazanin" panose="00000400000000000000" pitchFamily="2" charset="-78"/>
+              </a:rPr>
+              <a:t>رود</a:t>
+            </a:r>
+            <a:r>
+              <a:rPr lang="en-US" dirty="0">
+                <a:solidFill>
+                  <a:srgbClr val="000000"/>
+                </a:solidFill>
+                <a:latin typeface="IRANSans"/>
+                <a:cs typeface="B Nazanin" panose="00000400000000000000" pitchFamily="2" charset="-78"/>
+              </a:rPr>
+              <a:t> و </a:t>
+            </a:r>
+            <a:r>
+              <a:rPr lang="en-US" dirty="0" err="1">
+                <a:solidFill>
+                  <a:srgbClr val="000000"/>
+                </a:solidFill>
+                <a:latin typeface="IRANSans"/>
+                <a:cs typeface="B Nazanin" panose="00000400000000000000" pitchFamily="2" charset="-78"/>
+              </a:rPr>
+              <a:t>سپس</a:t>
+            </a:r>
+            <a:r>
+              <a:rPr lang="en-US" dirty="0">
+                <a:solidFill>
+                  <a:srgbClr val="000000"/>
+                </a:solidFill>
+                <a:latin typeface="IRANSans"/>
+                <a:cs typeface="B Nazanin" panose="00000400000000000000" pitchFamily="2" charset="-78"/>
+              </a:rPr>
+              <a:t> </a:t>
+            </a:r>
+            <a:r>
+              <a:rPr lang="en-US" dirty="0" err="1">
+                <a:solidFill>
+                  <a:srgbClr val="000000"/>
+                </a:solidFill>
+                <a:latin typeface="IRANSans"/>
+                <a:cs typeface="B Nazanin" panose="00000400000000000000" pitchFamily="2" charset="-78"/>
+              </a:rPr>
+              <a:t>بر</a:t>
+            </a:r>
+            <a:r>
+              <a:rPr lang="en-US" dirty="0">
+                <a:solidFill>
+                  <a:srgbClr val="000000"/>
+                </a:solidFill>
+                <a:latin typeface="IRANSans"/>
+                <a:cs typeface="B Nazanin" panose="00000400000000000000" pitchFamily="2" charset="-78"/>
+              </a:rPr>
+              <a:t> </a:t>
+            </a:r>
+            <a:r>
+              <a:rPr lang="en-US" dirty="0" err="1">
+                <a:solidFill>
+                  <a:srgbClr val="000000"/>
+                </a:solidFill>
+                <a:latin typeface="IRANSans"/>
+                <a:cs typeface="B Nazanin" panose="00000400000000000000" pitchFamily="2" charset="-78"/>
+              </a:rPr>
+              <a:t>میگردد</a:t>
+            </a:r>
+            <a:r>
+              <a:rPr lang="en-US" dirty="0">
+                <a:solidFill>
+                  <a:srgbClr val="000000"/>
+                </a:solidFill>
+                <a:latin typeface="IRANSans"/>
+                <a:cs typeface="B Nazanin" panose="00000400000000000000" pitchFamily="2" charset="-78"/>
+              </a:rPr>
+              <a:t> و </a:t>
+            </a:r>
+            <a:r>
+              <a:rPr lang="en-US" dirty="0" err="1">
+                <a:solidFill>
+                  <a:srgbClr val="000000"/>
+                </a:solidFill>
+                <a:latin typeface="IRANSans"/>
+                <a:cs typeface="B Nazanin" panose="00000400000000000000" pitchFamily="2" charset="-78"/>
+              </a:rPr>
+              <a:t>می</a:t>
+            </a:r>
+            <a:r>
+              <a:rPr lang="en-US" dirty="0">
+                <a:solidFill>
+                  <a:srgbClr val="000000"/>
+                </a:solidFill>
+                <a:latin typeface="IRANSans"/>
+                <a:cs typeface="B Nazanin" panose="00000400000000000000" pitchFamily="2" charset="-78"/>
+              </a:rPr>
+              <a:t> </a:t>
+            </a:r>
+            <a:r>
+              <a:rPr lang="en-US" dirty="0" err="1">
+                <a:solidFill>
+                  <a:srgbClr val="000000"/>
+                </a:solidFill>
+                <a:latin typeface="IRANSans"/>
+                <a:cs typeface="B Nazanin" panose="00000400000000000000" pitchFamily="2" charset="-78"/>
+              </a:rPr>
+              <a:t>پرسد</a:t>
+            </a:r>
+            <a:r>
+              <a:rPr lang="en-US" dirty="0">
+                <a:solidFill>
+                  <a:srgbClr val="000000"/>
+                </a:solidFill>
+                <a:latin typeface="IRANSans"/>
+                <a:cs typeface="B Nazanin" panose="00000400000000000000" pitchFamily="2" charset="-78"/>
+              </a:rPr>
+              <a:t> </a:t>
+            </a:r>
+            <a:r>
+              <a:rPr lang="en-US" dirty="0" err="1">
+                <a:solidFill>
+                  <a:srgbClr val="000000"/>
+                </a:solidFill>
+                <a:latin typeface="IRANSans"/>
+                <a:cs typeface="B Nazanin" panose="00000400000000000000" pitchFamily="2" charset="-78"/>
+              </a:rPr>
+              <a:t>که</a:t>
+            </a:r>
+            <a:r>
+              <a:rPr lang="en-US" dirty="0">
+                <a:solidFill>
+                  <a:srgbClr val="000000"/>
+                </a:solidFill>
+                <a:latin typeface="IRANSans"/>
+                <a:cs typeface="B Nazanin" panose="00000400000000000000" pitchFamily="2" charset="-78"/>
+              </a:rPr>
+              <a:t> </a:t>
+            </a:r>
+            <a:r>
+              <a:rPr lang="en-US" dirty="0" err="1">
+                <a:solidFill>
+                  <a:srgbClr val="000000"/>
+                </a:solidFill>
+                <a:latin typeface="IRANSans"/>
+                <a:cs typeface="B Nazanin" panose="00000400000000000000" pitchFamily="2" charset="-78"/>
+              </a:rPr>
+              <a:t>فالتان</a:t>
+            </a:r>
+            <a:r>
+              <a:rPr lang="en-US" dirty="0">
+                <a:solidFill>
+                  <a:srgbClr val="000000"/>
+                </a:solidFill>
+                <a:latin typeface="IRANSans"/>
+                <a:cs typeface="B Nazanin" panose="00000400000000000000" pitchFamily="2" charset="-78"/>
+              </a:rPr>
+              <a:t> </a:t>
+            </a:r>
+            <a:r>
+              <a:rPr lang="en-US" dirty="0" err="1">
+                <a:solidFill>
+                  <a:srgbClr val="000000"/>
+                </a:solidFill>
+                <a:latin typeface="IRANSans"/>
+                <a:cs typeface="B Nazanin" panose="00000400000000000000" pitchFamily="2" charset="-78"/>
+              </a:rPr>
+              <a:t>را</a:t>
+            </a:r>
+            <a:r>
+              <a:rPr lang="en-US" dirty="0">
+                <a:solidFill>
+                  <a:srgbClr val="000000"/>
+                </a:solidFill>
+                <a:latin typeface="IRANSans"/>
+                <a:cs typeface="B Nazanin" panose="00000400000000000000" pitchFamily="2" charset="-78"/>
+              </a:rPr>
+              <a:t> </a:t>
+            </a:r>
+            <a:r>
+              <a:rPr lang="en-US" dirty="0" err="1">
+                <a:solidFill>
+                  <a:srgbClr val="000000"/>
+                </a:solidFill>
+                <a:latin typeface="IRANSans"/>
+                <a:cs typeface="B Nazanin" panose="00000400000000000000" pitchFamily="2" charset="-78"/>
+              </a:rPr>
+              <a:t>میخواهید</a:t>
+            </a:r>
+            <a:r>
+              <a:rPr lang="en-US" dirty="0">
+                <a:solidFill>
+                  <a:srgbClr val="000000"/>
+                </a:solidFill>
+                <a:latin typeface="IRANSans"/>
+                <a:cs typeface="B Nazanin" panose="00000400000000000000" pitchFamily="2" charset="-78"/>
+              </a:rPr>
+              <a:t> </a:t>
+            </a:r>
+            <a:r>
+              <a:rPr lang="en-US" dirty="0" err="1">
+                <a:solidFill>
+                  <a:srgbClr val="000000"/>
+                </a:solidFill>
+                <a:latin typeface="IRANSans"/>
+                <a:cs typeface="B Nazanin" panose="00000400000000000000" pitchFamily="2" charset="-78"/>
+              </a:rPr>
+              <a:t>یا</a:t>
+            </a:r>
+            <a:r>
+              <a:rPr lang="en-US" dirty="0">
+                <a:solidFill>
+                  <a:srgbClr val="000000"/>
+                </a:solidFill>
+                <a:latin typeface="IRANSans"/>
+                <a:cs typeface="B Nazanin" panose="00000400000000000000" pitchFamily="2" charset="-78"/>
+              </a:rPr>
+              <a:t> </a:t>
+            </a:r>
+            <a:r>
+              <a:rPr lang="en-US" dirty="0" err="1">
+                <a:solidFill>
+                  <a:srgbClr val="000000"/>
+                </a:solidFill>
+                <a:latin typeface="IRANSans"/>
+                <a:cs typeface="B Nazanin" panose="00000400000000000000" pitchFamily="2" charset="-78"/>
+              </a:rPr>
+              <a:t>ما</a:t>
+            </a:r>
+            <a:r>
+              <a:rPr lang="en-US" dirty="0">
+                <a:solidFill>
+                  <a:srgbClr val="000000"/>
+                </a:solidFill>
+                <a:latin typeface="IRANSans"/>
+                <a:cs typeface="B Nazanin" panose="00000400000000000000" pitchFamily="2" charset="-78"/>
+              </a:rPr>
+              <a:t> </a:t>
+            </a:r>
+            <a:r>
+              <a:rPr lang="en-US" dirty="0" err="1">
+                <a:solidFill>
+                  <a:srgbClr val="000000"/>
+                </a:solidFill>
+                <a:latin typeface="IRANSans"/>
+                <a:cs typeface="B Nazanin" panose="00000400000000000000" pitchFamily="2" charset="-78"/>
+              </a:rPr>
+              <a:t>آن</a:t>
+            </a:r>
+            <a:r>
+              <a:rPr lang="en-US" dirty="0">
+                <a:solidFill>
+                  <a:srgbClr val="000000"/>
+                </a:solidFill>
+                <a:latin typeface="IRANSans"/>
+                <a:cs typeface="B Nazanin" panose="00000400000000000000" pitchFamily="2" charset="-78"/>
+              </a:rPr>
+              <a:t> </a:t>
+            </a:r>
+            <a:r>
+              <a:rPr lang="en-US" dirty="0" err="1">
+                <a:solidFill>
+                  <a:srgbClr val="000000"/>
+                </a:solidFill>
+                <a:latin typeface="IRANSans"/>
+                <a:cs typeface="B Nazanin" panose="00000400000000000000" pitchFamily="2" charset="-78"/>
+              </a:rPr>
+              <a:t>را</a:t>
+            </a:r>
+            <a:r>
+              <a:rPr lang="en-US" dirty="0">
+                <a:solidFill>
+                  <a:srgbClr val="000000"/>
+                </a:solidFill>
+                <a:latin typeface="IRANSans"/>
+                <a:cs typeface="B Nazanin" panose="00000400000000000000" pitchFamily="2" charset="-78"/>
+              </a:rPr>
+              <a:t> </a:t>
+            </a:r>
+            <a:r>
+              <a:rPr lang="en-US" dirty="0" err="1">
+                <a:solidFill>
+                  <a:srgbClr val="000000"/>
+                </a:solidFill>
+                <a:latin typeface="IRANSans"/>
+                <a:cs typeface="B Nazanin" panose="00000400000000000000" pitchFamily="2" charset="-78"/>
+              </a:rPr>
+              <a:t>بردارم</a:t>
+            </a:r>
+            <a:r>
+              <a:rPr lang="en-US" dirty="0">
+                <a:solidFill>
+                  <a:srgbClr val="000000"/>
+                </a:solidFill>
+                <a:latin typeface="IRANSans"/>
+                <a:cs typeface="B Nazanin" panose="00000400000000000000" pitchFamily="2" charset="-78"/>
+              </a:rPr>
+              <a:t> </a:t>
+            </a:r>
+            <a:r>
+              <a:rPr lang="en-US" dirty="0" err="1">
+                <a:solidFill>
+                  <a:srgbClr val="000000"/>
+                </a:solidFill>
+                <a:latin typeface="IRANSans"/>
+                <a:cs typeface="B Nazanin" panose="00000400000000000000" pitchFamily="2" charset="-78"/>
+              </a:rPr>
+              <a:t>گاها</a:t>
+            </a:r>
+            <a:r>
+              <a:rPr lang="en-US" dirty="0">
+                <a:solidFill>
+                  <a:srgbClr val="000000"/>
+                </a:solidFill>
+                <a:latin typeface="IRANSans"/>
+                <a:cs typeface="B Nazanin" panose="00000400000000000000" pitchFamily="2" charset="-78"/>
+              </a:rPr>
+              <a:t>" </a:t>
+            </a:r>
+            <a:r>
+              <a:rPr lang="en-US" dirty="0" err="1">
+                <a:solidFill>
+                  <a:srgbClr val="000000"/>
+                </a:solidFill>
+                <a:latin typeface="IRANSans"/>
+                <a:cs typeface="B Nazanin" panose="00000400000000000000" pitchFamily="2" charset="-78"/>
+              </a:rPr>
+              <a:t>با</a:t>
+            </a:r>
+            <a:r>
+              <a:rPr lang="en-US" dirty="0">
+                <a:solidFill>
+                  <a:srgbClr val="000000"/>
+                </a:solidFill>
+                <a:latin typeface="IRANSans"/>
+                <a:cs typeface="B Nazanin" panose="00000400000000000000" pitchFamily="2" charset="-78"/>
+              </a:rPr>
+              <a:t> </a:t>
+            </a:r>
+            <a:r>
+              <a:rPr lang="en-US" dirty="0" err="1">
+                <a:solidFill>
+                  <a:srgbClr val="000000"/>
+                </a:solidFill>
+                <a:latin typeface="IRANSans"/>
+                <a:cs typeface="B Nazanin" panose="00000400000000000000" pitchFamily="2" charset="-78"/>
+              </a:rPr>
+              <a:t>این</a:t>
+            </a:r>
+            <a:r>
+              <a:rPr lang="en-US" dirty="0">
+                <a:solidFill>
+                  <a:srgbClr val="000000"/>
+                </a:solidFill>
+                <a:latin typeface="IRANSans"/>
+                <a:cs typeface="B Nazanin" panose="00000400000000000000" pitchFamily="2" charset="-78"/>
+              </a:rPr>
+              <a:t> </a:t>
+            </a:r>
+            <a:r>
+              <a:rPr lang="en-US" dirty="0" err="1">
+                <a:solidFill>
+                  <a:srgbClr val="000000"/>
+                </a:solidFill>
+                <a:latin typeface="IRANSans"/>
+                <a:cs typeface="B Nazanin" panose="00000400000000000000" pitchFamily="2" charset="-78"/>
+              </a:rPr>
+              <a:t>توجیه</a:t>
+            </a:r>
+            <a:r>
+              <a:rPr lang="en-US" dirty="0">
+                <a:solidFill>
+                  <a:srgbClr val="000000"/>
+                </a:solidFill>
+                <a:latin typeface="IRANSans"/>
+                <a:cs typeface="B Nazanin" panose="00000400000000000000" pitchFamily="2" charset="-78"/>
+              </a:rPr>
+              <a:t> </a:t>
+            </a:r>
+            <a:r>
+              <a:rPr lang="en-US" dirty="0" err="1">
+                <a:solidFill>
+                  <a:srgbClr val="000000"/>
+                </a:solidFill>
+                <a:latin typeface="IRANSans"/>
+                <a:cs typeface="B Nazanin" panose="00000400000000000000" pitchFamily="2" charset="-78"/>
+              </a:rPr>
+              <a:t>اثر</a:t>
+            </a:r>
+            <a:r>
+              <a:rPr lang="en-US" dirty="0">
+                <a:solidFill>
+                  <a:srgbClr val="000000"/>
+                </a:solidFill>
+                <a:latin typeface="IRANSans"/>
+                <a:cs typeface="B Nazanin" panose="00000400000000000000" pitchFamily="2" charset="-78"/>
+              </a:rPr>
+              <a:t> </a:t>
+            </a:r>
+            <a:r>
+              <a:rPr lang="en-US" dirty="0" err="1">
+                <a:solidFill>
+                  <a:srgbClr val="000000"/>
+                </a:solidFill>
+                <a:latin typeface="IRANSans"/>
+                <a:cs typeface="B Nazanin" panose="00000400000000000000" pitchFamily="2" charset="-78"/>
+              </a:rPr>
+              <a:t>روانی</a:t>
+            </a:r>
+            <a:r>
+              <a:rPr lang="en-US" dirty="0">
+                <a:solidFill>
+                  <a:srgbClr val="000000"/>
+                </a:solidFill>
+                <a:latin typeface="IRANSans"/>
+                <a:cs typeface="B Nazanin" panose="00000400000000000000" pitchFamily="2" charset="-78"/>
+              </a:rPr>
+              <a:t> </a:t>
+            </a:r>
+            <a:r>
+              <a:rPr lang="en-US" dirty="0" err="1">
+                <a:solidFill>
+                  <a:srgbClr val="000000"/>
+                </a:solidFill>
+                <a:latin typeface="IRANSans"/>
+                <a:cs typeface="B Nazanin" panose="00000400000000000000" pitchFamily="2" charset="-78"/>
+              </a:rPr>
+              <a:t>است</a:t>
+            </a:r>
+            <a:r>
+              <a:rPr lang="en-US" dirty="0">
+                <a:solidFill>
+                  <a:srgbClr val="000000"/>
+                </a:solidFill>
+                <a:latin typeface="IRANSans"/>
+                <a:cs typeface="B Nazanin" panose="00000400000000000000" pitchFamily="2" charset="-78"/>
+              </a:rPr>
+              <a:t> </a:t>
+            </a:r>
+            <a:r>
+              <a:rPr lang="en-US" dirty="0" err="1">
+                <a:solidFill>
+                  <a:srgbClr val="000000"/>
+                </a:solidFill>
+                <a:latin typeface="IRANSans"/>
+                <a:cs typeface="B Nazanin" panose="00000400000000000000" pitchFamily="2" charset="-78"/>
+              </a:rPr>
+              <a:t>که</a:t>
+            </a:r>
+            <a:r>
+              <a:rPr lang="en-US" dirty="0">
+                <a:solidFill>
+                  <a:srgbClr val="000000"/>
+                </a:solidFill>
+                <a:latin typeface="IRANSans"/>
+                <a:cs typeface="B Nazanin" panose="00000400000000000000" pitchFamily="2" charset="-78"/>
+              </a:rPr>
+              <a:t> </a:t>
+            </a:r>
+            <a:r>
+              <a:rPr lang="en-US" dirty="0" err="1">
+                <a:solidFill>
+                  <a:srgbClr val="000000"/>
+                </a:solidFill>
+                <a:latin typeface="IRANSans"/>
+                <a:cs typeface="B Nazanin" panose="00000400000000000000" pitchFamily="2" charset="-78"/>
+              </a:rPr>
+              <a:t>برای</a:t>
+            </a:r>
+            <a:r>
+              <a:rPr lang="en-US" dirty="0">
+                <a:solidFill>
+                  <a:srgbClr val="000000"/>
+                </a:solidFill>
+                <a:latin typeface="IRANSans"/>
+                <a:cs typeface="B Nazanin" panose="00000400000000000000" pitchFamily="2" charset="-78"/>
+              </a:rPr>
+              <a:t> </a:t>
+            </a:r>
+            <a:r>
+              <a:rPr lang="en-US" dirty="0" err="1">
+                <a:solidFill>
+                  <a:srgbClr val="000000"/>
+                </a:solidFill>
+                <a:latin typeface="IRANSans"/>
+                <a:cs typeface="B Nazanin" panose="00000400000000000000" pitchFamily="2" charset="-78"/>
+              </a:rPr>
+              <a:t>مردم</a:t>
+            </a:r>
+            <a:r>
+              <a:rPr lang="en-US" dirty="0">
+                <a:solidFill>
+                  <a:srgbClr val="000000"/>
+                </a:solidFill>
+                <a:latin typeface="IRANSans"/>
+                <a:cs typeface="B Nazanin" panose="00000400000000000000" pitchFamily="2" charset="-78"/>
+              </a:rPr>
+              <a:t> </a:t>
+            </a:r>
+            <a:r>
+              <a:rPr lang="en-US" dirty="0" err="1">
+                <a:solidFill>
+                  <a:srgbClr val="000000"/>
+                </a:solidFill>
+                <a:latin typeface="IRANSans"/>
+                <a:cs typeface="B Nazanin" panose="00000400000000000000" pitchFamily="2" charset="-78"/>
+              </a:rPr>
+              <a:t>خریدن</a:t>
+            </a:r>
+            <a:r>
+              <a:rPr lang="en-US" dirty="0">
+                <a:solidFill>
+                  <a:srgbClr val="000000"/>
+                </a:solidFill>
+                <a:latin typeface="IRANSans"/>
+                <a:cs typeface="B Nazanin" panose="00000400000000000000" pitchFamily="2" charset="-78"/>
+              </a:rPr>
+              <a:t> </a:t>
+            </a:r>
+            <a:r>
+              <a:rPr lang="en-US" dirty="0" err="1">
+                <a:solidFill>
+                  <a:srgbClr val="000000"/>
+                </a:solidFill>
+                <a:latin typeface="IRANSans"/>
+                <a:cs typeface="B Nazanin" panose="00000400000000000000" pitchFamily="2" charset="-78"/>
+              </a:rPr>
+              <a:t>فال</a:t>
+            </a:r>
+            <a:r>
+              <a:rPr lang="en-US" dirty="0">
+                <a:solidFill>
+                  <a:srgbClr val="000000"/>
+                </a:solidFill>
+                <a:latin typeface="IRANSans"/>
+                <a:cs typeface="B Nazanin" panose="00000400000000000000" pitchFamily="2" charset="-78"/>
+              </a:rPr>
+              <a:t> </a:t>
+            </a:r>
+            <a:r>
+              <a:rPr lang="fa-IR" dirty="0" smtClean="0">
+                <a:solidFill>
+                  <a:srgbClr val="000000"/>
+                </a:solidFill>
+                <a:latin typeface="IRANSans"/>
+                <a:cs typeface="B Nazanin" panose="00000400000000000000" pitchFamily="2" charset="-78"/>
+              </a:rPr>
+              <a:t>(</a:t>
+            </a:r>
+            <a:r>
+              <a:rPr lang="en-US" dirty="0" err="1" smtClean="0">
+                <a:solidFill>
+                  <a:srgbClr val="000000"/>
+                </a:solidFill>
+                <a:latin typeface="IRANSans"/>
+                <a:cs typeface="B Nazanin" panose="00000400000000000000" pitchFamily="2" charset="-78"/>
+              </a:rPr>
+              <a:t>از</a:t>
+            </a:r>
+            <a:r>
+              <a:rPr lang="en-US" dirty="0" smtClean="0">
+                <a:solidFill>
+                  <a:srgbClr val="000000"/>
+                </a:solidFill>
+                <a:latin typeface="IRANSans"/>
+                <a:cs typeface="B Nazanin" panose="00000400000000000000" pitchFamily="2" charset="-78"/>
+              </a:rPr>
+              <a:t> </a:t>
+            </a:r>
+            <a:r>
+              <a:rPr lang="en-US" dirty="0" err="1">
+                <a:solidFill>
+                  <a:srgbClr val="000000"/>
+                </a:solidFill>
+                <a:latin typeface="IRANSans"/>
+                <a:cs typeface="B Nazanin" panose="00000400000000000000" pitchFamily="2" charset="-78"/>
+              </a:rPr>
+              <a:t>دست</a:t>
+            </a:r>
+            <a:r>
+              <a:rPr lang="en-US" dirty="0">
+                <a:solidFill>
+                  <a:srgbClr val="000000"/>
+                </a:solidFill>
+                <a:latin typeface="IRANSans"/>
+                <a:cs typeface="B Nazanin" panose="00000400000000000000" pitchFamily="2" charset="-78"/>
+              </a:rPr>
+              <a:t> </a:t>
+            </a:r>
+            <a:r>
+              <a:rPr lang="en-US" dirty="0" err="1">
+                <a:solidFill>
+                  <a:srgbClr val="000000"/>
+                </a:solidFill>
+                <a:latin typeface="IRANSans"/>
+                <a:cs typeface="B Nazanin" panose="00000400000000000000" pitchFamily="2" charset="-78"/>
+              </a:rPr>
+              <a:t>دادن</a:t>
+            </a:r>
+            <a:r>
+              <a:rPr lang="en-US" dirty="0">
+                <a:solidFill>
+                  <a:srgbClr val="000000"/>
+                </a:solidFill>
+                <a:latin typeface="IRANSans"/>
+                <a:cs typeface="B Nazanin" panose="00000400000000000000" pitchFamily="2" charset="-78"/>
+              </a:rPr>
+              <a:t> </a:t>
+            </a:r>
+            <a:r>
+              <a:rPr lang="en-US" dirty="0" err="1" smtClean="0">
+                <a:solidFill>
+                  <a:srgbClr val="000000"/>
+                </a:solidFill>
+                <a:latin typeface="IRANSans"/>
+                <a:cs typeface="B Nazanin" panose="00000400000000000000" pitchFamily="2" charset="-78"/>
+              </a:rPr>
+              <a:t>پول</a:t>
+            </a:r>
+            <a:r>
+              <a:rPr lang="fa-IR" dirty="0" smtClean="0">
+                <a:solidFill>
+                  <a:srgbClr val="000000"/>
+                </a:solidFill>
+                <a:latin typeface="IRANSans"/>
+                <a:cs typeface="B Nazanin" panose="00000400000000000000" pitchFamily="2" charset="-78"/>
+              </a:rPr>
+              <a:t>)</a:t>
+            </a:r>
+            <a:r>
+              <a:rPr lang="en-US" dirty="0" smtClean="0">
+                <a:solidFill>
+                  <a:srgbClr val="000000"/>
+                </a:solidFill>
+                <a:latin typeface="IRANSans"/>
+                <a:cs typeface="B Nazanin" panose="00000400000000000000" pitchFamily="2" charset="-78"/>
+              </a:rPr>
+              <a:t> </a:t>
+            </a:r>
+            <a:r>
+              <a:rPr lang="en-US" dirty="0" err="1">
+                <a:solidFill>
+                  <a:srgbClr val="000000"/>
+                </a:solidFill>
+                <a:latin typeface="IRANSans"/>
+                <a:cs typeface="B Nazanin" panose="00000400000000000000" pitchFamily="2" charset="-78"/>
+              </a:rPr>
+              <a:t>سخت</a:t>
+            </a:r>
+            <a:r>
+              <a:rPr lang="en-US" dirty="0">
+                <a:solidFill>
+                  <a:srgbClr val="000000"/>
+                </a:solidFill>
+                <a:latin typeface="IRANSans"/>
+                <a:cs typeface="B Nazanin" panose="00000400000000000000" pitchFamily="2" charset="-78"/>
+              </a:rPr>
+              <a:t> </a:t>
+            </a:r>
+            <a:r>
+              <a:rPr lang="en-US" dirty="0" err="1">
+                <a:solidFill>
+                  <a:srgbClr val="000000"/>
+                </a:solidFill>
+                <a:latin typeface="IRANSans"/>
+                <a:cs typeface="B Nazanin" panose="00000400000000000000" pitchFamily="2" charset="-78"/>
+              </a:rPr>
+              <a:t>است</a:t>
+            </a:r>
+            <a:r>
+              <a:rPr lang="en-US" dirty="0">
+                <a:solidFill>
+                  <a:srgbClr val="000000"/>
+                </a:solidFill>
+                <a:latin typeface="IRANSans"/>
+                <a:cs typeface="B Nazanin" panose="00000400000000000000" pitchFamily="2" charset="-78"/>
+              </a:rPr>
+              <a:t> </a:t>
+            </a:r>
+            <a:r>
+              <a:rPr lang="en-US" dirty="0" err="1">
+                <a:solidFill>
+                  <a:srgbClr val="000000"/>
+                </a:solidFill>
+                <a:latin typeface="IRANSans"/>
+                <a:cs typeface="B Nazanin" panose="00000400000000000000" pitchFamily="2" charset="-78"/>
+              </a:rPr>
+              <a:t>اما</a:t>
+            </a:r>
+            <a:r>
+              <a:rPr lang="en-US" dirty="0">
+                <a:solidFill>
+                  <a:srgbClr val="000000"/>
+                </a:solidFill>
+                <a:latin typeface="IRANSans"/>
+                <a:cs typeface="B Nazanin" panose="00000400000000000000" pitchFamily="2" charset="-78"/>
+              </a:rPr>
+              <a:t> </a:t>
+            </a:r>
+            <a:r>
+              <a:rPr lang="en-US" dirty="0" err="1">
+                <a:solidFill>
+                  <a:srgbClr val="000000"/>
+                </a:solidFill>
+                <a:latin typeface="IRANSans"/>
+                <a:cs typeface="B Nazanin" panose="00000400000000000000" pitchFamily="2" charset="-78"/>
+              </a:rPr>
+              <a:t>باز</a:t>
+            </a:r>
+            <a:r>
+              <a:rPr lang="en-US" dirty="0">
+                <a:solidFill>
+                  <a:srgbClr val="000000"/>
+                </a:solidFill>
+                <a:latin typeface="IRANSans"/>
+                <a:cs typeface="B Nazanin" panose="00000400000000000000" pitchFamily="2" charset="-78"/>
+              </a:rPr>
+              <a:t> </a:t>
+            </a:r>
+            <a:r>
+              <a:rPr lang="en-US" dirty="0" err="1">
+                <a:solidFill>
+                  <a:srgbClr val="000000"/>
+                </a:solidFill>
+                <a:latin typeface="IRANSans"/>
+                <a:cs typeface="B Nazanin" panose="00000400000000000000" pitchFamily="2" charset="-78"/>
+              </a:rPr>
+              <a:t>نکردن</a:t>
+            </a:r>
+            <a:r>
+              <a:rPr lang="en-US" dirty="0">
+                <a:solidFill>
+                  <a:srgbClr val="000000"/>
+                </a:solidFill>
+                <a:latin typeface="IRANSans"/>
+                <a:cs typeface="B Nazanin" panose="00000400000000000000" pitchFamily="2" charset="-78"/>
+              </a:rPr>
+              <a:t> </a:t>
+            </a:r>
+            <a:r>
+              <a:rPr lang="en-US" dirty="0" err="1">
+                <a:solidFill>
+                  <a:srgbClr val="000000"/>
+                </a:solidFill>
+                <a:latin typeface="IRANSans"/>
+                <a:cs typeface="B Nazanin" panose="00000400000000000000" pitchFamily="2" charset="-78"/>
+              </a:rPr>
+              <a:t>فال</a:t>
+            </a:r>
+            <a:r>
+              <a:rPr lang="en-US" dirty="0">
+                <a:solidFill>
+                  <a:srgbClr val="000000"/>
+                </a:solidFill>
+                <a:latin typeface="IRANSans"/>
+                <a:cs typeface="B Nazanin" panose="00000400000000000000" pitchFamily="2" charset="-78"/>
+              </a:rPr>
+              <a:t> و </a:t>
+            </a:r>
+            <a:r>
+              <a:rPr lang="en-US" dirty="0" err="1">
+                <a:solidFill>
+                  <a:srgbClr val="000000"/>
+                </a:solidFill>
+                <a:latin typeface="IRANSans"/>
+                <a:cs typeface="B Nazanin" panose="00000400000000000000" pitchFamily="2" charset="-78"/>
+              </a:rPr>
+              <a:t>از</a:t>
+            </a:r>
+            <a:r>
+              <a:rPr lang="en-US" dirty="0">
+                <a:solidFill>
+                  <a:srgbClr val="000000"/>
+                </a:solidFill>
+                <a:latin typeface="IRANSans"/>
+                <a:cs typeface="B Nazanin" panose="00000400000000000000" pitchFamily="2" charset="-78"/>
+              </a:rPr>
+              <a:t> </a:t>
+            </a:r>
+            <a:r>
+              <a:rPr lang="en-US" dirty="0" err="1">
+                <a:solidFill>
+                  <a:srgbClr val="000000"/>
+                </a:solidFill>
+                <a:latin typeface="IRANSans"/>
+                <a:cs typeface="B Nazanin" panose="00000400000000000000" pitchFamily="2" charset="-78"/>
+              </a:rPr>
+              <a:t>دست</a:t>
+            </a:r>
+            <a:r>
+              <a:rPr lang="en-US" dirty="0">
+                <a:solidFill>
+                  <a:srgbClr val="000000"/>
+                </a:solidFill>
+                <a:latin typeface="IRANSans"/>
+                <a:cs typeface="B Nazanin" panose="00000400000000000000" pitchFamily="2" charset="-78"/>
+              </a:rPr>
+              <a:t> </a:t>
+            </a:r>
+            <a:r>
+              <a:rPr lang="en-US" dirty="0" err="1">
+                <a:solidFill>
+                  <a:srgbClr val="000000"/>
+                </a:solidFill>
+                <a:latin typeface="IRANSans"/>
+                <a:cs typeface="B Nazanin" panose="00000400000000000000" pitchFamily="2" charset="-78"/>
+              </a:rPr>
+              <a:t>دادن</a:t>
+            </a:r>
+            <a:r>
+              <a:rPr lang="en-US" dirty="0">
+                <a:solidFill>
+                  <a:srgbClr val="000000"/>
+                </a:solidFill>
+                <a:latin typeface="IRANSans"/>
+                <a:cs typeface="B Nazanin" panose="00000400000000000000" pitchFamily="2" charset="-78"/>
+              </a:rPr>
+              <a:t> </a:t>
+            </a:r>
+            <a:r>
+              <a:rPr lang="en-US" dirty="0" err="1">
+                <a:solidFill>
+                  <a:srgbClr val="000000"/>
+                </a:solidFill>
+                <a:latin typeface="IRANSans"/>
+                <a:cs typeface="B Nazanin" panose="00000400000000000000" pitchFamily="2" charset="-78"/>
+              </a:rPr>
+              <a:t>فالی</a:t>
+            </a:r>
+            <a:r>
+              <a:rPr lang="en-US" dirty="0">
+                <a:solidFill>
+                  <a:srgbClr val="000000"/>
+                </a:solidFill>
+                <a:latin typeface="IRANSans"/>
+                <a:cs typeface="B Nazanin" panose="00000400000000000000" pitchFamily="2" charset="-78"/>
+              </a:rPr>
+              <a:t> </a:t>
+            </a:r>
+            <a:r>
+              <a:rPr lang="en-US" dirty="0" err="1">
+                <a:solidFill>
+                  <a:srgbClr val="000000"/>
+                </a:solidFill>
+                <a:latin typeface="IRANSans"/>
+                <a:cs typeface="B Nazanin" panose="00000400000000000000" pitchFamily="2" charset="-78"/>
+              </a:rPr>
+              <a:t>که</a:t>
+            </a:r>
+            <a:r>
+              <a:rPr lang="en-US" dirty="0">
+                <a:solidFill>
+                  <a:srgbClr val="000000"/>
+                </a:solidFill>
+                <a:latin typeface="IRANSans"/>
+                <a:cs typeface="B Nazanin" panose="00000400000000000000" pitchFamily="2" charset="-78"/>
+              </a:rPr>
+              <a:t> </a:t>
+            </a:r>
+            <a:r>
+              <a:rPr lang="en-US" dirty="0" err="1">
+                <a:solidFill>
+                  <a:srgbClr val="000000"/>
+                </a:solidFill>
+                <a:latin typeface="IRANSans"/>
+                <a:cs typeface="B Nazanin" panose="00000400000000000000" pitchFamily="2" charset="-78"/>
+              </a:rPr>
+              <a:t>همین</a:t>
+            </a:r>
+            <a:r>
+              <a:rPr lang="en-US" dirty="0">
+                <a:solidFill>
+                  <a:srgbClr val="000000"/>
+                </a:solidFill>
+                <a:latin typeface="IRANSans"/>
+                <a:cs typeface="B Nazanin" panose="00000400000000000000" pitchFamily="2" charset="-78"/>
+              </a:rPr>
+              <a:t> </a:t>
+            </a:r>
+            <a:r>
+              <a:rPr lang="en-US" dirty="0" err="1">
+                <a:solidFill>
+                  <a:srgbClr val="000000"/>
+                </a:solidFill>
+                <a:latin typeface="IRANSans"/>
+                <a:cs typeface="B Nazanin" panose="00000400000000000000" pitchFamily="2" charset="-78"/>
+              </a:rPr>
+              <a:t>الان</a:t>
+            </a:r>
+            <a:r>
+              <a:rPr lang="en-US" dirty="0">
+                <a:solidFill>
+                  <a:srgbClr val="000000"/>
+                </a:solidFill>
+                <a:latin typeface="IRANSans"/>
+                <a:cs typeface="B Nazanin" panose="00000400000000000000" pitchFamily="2" charset="-78"/>
+              </a:rPr>
+              <a:t> </a:t>
+            </a:r>
+            <a:r>
+              <a:rPr lang="en-US" dirty="0" err="1">
+                <a:solidFill>
+                  <a:srgbClr val="000000"/>
+                </a:solidFill>
+                <a:latin typeface="IRANSans"/>
+                <a:cs typeface="B Nazanin" panose="00000400000000000000" pitchFamily="2" charset="-78"/>
+              </a:rPr>
+              <a:t>روی</a:t>
+            </a:r>
+            <a:r>
+              <a:rPr lang="en-US" dirty="0">
+                <a:solidFill>
+                  <a:srgbClr val="000000"/>
+                </a:solidFill>
+                <a:latin typeface="IRANSans"/>
+                <a:cs typeface="B Nazanin" panose="00000400000000000000" pitchFamily="2" charset="-78"/>
+              </a:rPr>
+              <a:t> </a:t>
+            </a:r>
+            <a:r>
+              <a:rPr lang="en-US" dirty="0" err="1">
+                <a:solidFill>
+                  <a:srgbClr val="000000"/>
+                </a:solidFill>
+                <a:latin typeface="IRANSans"/>
+                <a:cs typeface="B Nazanin" panose="00000400000000000000" pitchFamily="2" charset="-78"/>
+              </a:rPr>
+              <a:t>پای</a:t>
+            </a:r>
+            <a:r>
+              <a:rPr lang="en-US" dirty="0">
+                <a:solidFill>
+                  <a:srgbClr val="000000"/>
+                </a:solidFill>
+                <a:latin typeface="IRANSans"/>
+                <a:cs typeface="B Nazanin" panose="00000400000000000000" pitchFamily="2" charset="-78"/>
+              </a:rPr>
+              <a:t> </a:t>
+            </a:r>
+            <a:r>
+              <a:rPr lang="en-US" dirty="0" err="1">
+                <a:solidFill>
+                  <a:srgbClr val="000000"/>
+                </a:solidFill>
+                <a:latin typeface="IRANSans"/>
+                <a:cs typeface="B Nazanin" panose="00000400000000000000" pitchFamily="2" charset="-78"/>
+              </a:rPr>
+              <a:t>اوست</a:t>
+            </a:r>
+            <a:r>
+              <a:rPr lang="en-US" dirty="0">
+                <a:solidFill>
+                  <a:srgbClr val="000000"/>
+                </a:solidFill>
+                <a:latin typeface="IRANSans"/>
+                <a:cs typeface="B Nazanin" panose="00000400000000000000" pitchFamily="2" charset="-78"/>
+              </a:rPr>
+              <a:t> </a:t>
+            </a:r>
+            <a:r>
+              <a:rPr lang="en-US" dirty="0" err="1">
+                <a:solidFill>
+                  <a:srgbClr val="000000"/>
+                </a:solidFill>
+                <a:latin typeface="IRANSans"/>
+                <a:cs typeface="B Nazanin" panose="00000400000000000000" pitchFamily="2" charset="-78"/>
+              </a:rPr>
+              <a:t>سخت</a:t>
+            </a:r>
+            <a:r>
+              <a:rPr lang="en-US" dirty="0">
+                <a:solidFill>
+                  <a:srgbClr val="000000"/>
+                </a:solidFill>
+                <a:latin typeface="IRANSans"/>
+                <a:cs typeface="B Nazanin" panose="00000400000000000000" pitchFamily="2" charset="-78"/>
+              </a:rPr>
+              <a:t> </a:t>
+            </a:r>
+            <a:r>
+              <a:rPr lang="en-US" dirty="0" err="1">
+                <a:solidFill>
+                  <a:srgbClr val="000000"/>
+                </a:solidFill>
+                <a:latin typeface="IRANSans"/>
+                <a:cs typeface="B Nazanin" panose="00000400000000000000" pitchFamily="2" charset="-78"/>
+              </a:rPr>
+              <a:t>تر</a:t>
+            </a:r>
+            <a:r>
+              <a:rPr lang="en-US" dirty="0">
+                <a:solidFill>
+                  <a:srgbClr val="000000"/>
+                </a:solidFill>
+                <a:latin typeface="IRANSans"/>
+                <a:cs typeface="B Nazanin" panose="00000400000000000000" pitchFamily="2" charset="-78"/>
+              </a:rPr>
+              <a:t> </a:t>
+            </a:r>
+            <a:r>
+              <a:rPr lang="en-US" dirty="0" err="1">
+                <a:solidFill>
+                  <a:srgbClr val="000000"/>
+                </a:solidFill>
+                <a:latin typeface="IRANSans"/>
+                <a:cs typeface="B Nazanin" panose="00000400000000000000" pitchFamily="2" charset="-78"/>
+              </a:rPr>
+              <a:t>است</a:t>
+            </a:r>
+            <a:r>
+              <a:rPr lang="en-US" dirty="0">
+                <a:solidFill>
+                  <a:srgbClr val="000000"/>
+                </a:solidFill>
+                <a:latin typeface="IRANSans"/>
+                <a:cs typeface="B Nazanin" panose="00000400000000000000" pitchFamily="2" charset="-78"/>
+              </a:rPr>
+              <a:t> ! </a:t>
+            </a:r>
+          </a:p>
+        </p:txBody>
+      </p:sp>
+      <p:sp>
+        <p:nvSpPr>
+          <p:cNvPr id="6" name="Rectangle 5"/>
+          <p:cNvSpPr/>
+          <p:nvPr/>
+        </p:nvSpPr>
+        <p:spPr>
+          <a:xfrm>
+            <a:off x="1058091" y="3822791"/>
+            <a:ext cx="9144001" cy="646330"/>
+          </a:xfrm>
+          <a:prstGeom prst="rect">
+            <a:avLst/>
+          </a:prstGeom>
+          <a:solidFill>
+            <a:srgbClr val="E8BE9F"/>
+          </a:solidFill>
+        </p:spPr>
+        <p:style>
+          <a:lnRef idx="2">
+            <a:schemeClr val="accent2"/>
+          </a:lnRef>
+          <a:fillRef idx="1">
+            <a:schemeClr val="lt1"/>
+          </a:fillRef>
+          <a:effectRef idx="0">
+            <a:schemeClr val="accent2"/>
+          </a:effectRef>
+          <a:fontRef idx="minor">
+            <a:schemeClr val="dk1"/>
+          </a:fontRef>
+        </p:style>
+        <p:txBody>
+          <a:bodyPr wrap="square">
+            <a:spAutoFit/>
+          </a:bodyPr>
+          <a:lstStyle/>
+          <a:p>
+            <a:pPr algn="r" rtl="1"/>
+            <a:r>
+              <a:rPr lang="fa-IR" b="1" dirty="0" smtClean="0">
+                <a:solidFill>
+                  <a:srgbClr val="C00000"/>
+                </a:solidFill>
+                <a:latin typeface="IRANSans"/>
+                <a:cs typeface="B Nazanin" panose="00000400000000000000" pitchFamily="2" charset="-78"/>
+              </a:rPr>
+              <a:t>دنیل کانمن </a:t>
+            </a:r>
+            <a:r>
+              <a:rPr lang="fa-IR" dirty="0" smtClean="0">
+                <a:solidFill>
+                  <a:srgbClr val="000000"/>
+                </a:solidFill>
+                <a:latin typeface="IRANSans"/>
+                <a:cs typeface="B Nazanin" panose="00000400000000000000" pitchFamily="2" charset="-78"/>
+              </a:rPr>
+              <a:t>: انسانها </a:t>
+            </a:r>
+            <a:r>
+              <a:rPr lang="fa-IR" dirty="0">
+                <a:solidFill>
+                  <a:srgbClr val="000000"/>
+                </a:solidFill>
+                <a:latin typeface="IRANSans"/>
+                <a:cs typeface="B Nazanin" panose="00000400000000000000" pitchFamily="2" charset="-78"/>
+              </a:rPr>
+              <a:t>فقط وقتی حاضر هستند ریسک از دست دادن ۱۰٪ سرمایه خود را بپذیرند که امید کسب ۲۰٪ سود وجود داشته </a:t>
+            </a:r>
+            <a:r>
+              <a:rPr lang="fa-IR" dirty="0" smtClean="0">
+                <a:solidFill>
+                  <a:srgbClr val="000000"/>
+                </a:solidFill>
+                <a:latin typeface="IRANSans"/>
+                <a:cs typeface="B Nazanin" panose="00000400000000000000" pitchFamily="2" charset="-78"/>
+              </a:rPr>
+              <a:t>باشد . ( حداقل 20 درصد سود)</a:t>
+            </a:r>
+            <a:endParaRPr lang="en-US" dirty="0">
+              <a:solidFill>
+                <a:srgbClr val="000000"/>
+              </a:solidFill>
+              <a:latin typeface="IRANSans"/>
+              <a:cs typeface="B Nazanin" panose="00000400000000000000" pitchFamily="2" charset="-78"/>
+            </a:endParaRPr>
+          </a:p>
+        </p:txBody>
+      </p:sp>
+      <p:pic>
+        <p:nvPicPr>
+          <p:cNvPr id="7" name="Picture 6"/>
+          <p:cNvPicPr>
+            <a:picLocks noChangeAspect="1"/>
+          </p:cNvPicPr>
+          <p:nvPr/>
+        </p:nvPicPr>
+        <p:blipFill rotWithShape="1">
+          <a:blip r:embed="rId2"/>
+          <a:srcRect r="24133"/>
+          <a:stretch/>
+        </p:blipFill>
+        <p:spPr>
+          <a:xfrm>
+            <a:off x="10315376" y="3822791"/>
+            <a:ext cx="748863" cy="658055"/>
+          </a:xfrm>
+          <a:prstGeom prst="rect">
+            <a:avLst/>
+          </a:prstGeom>
+          <a:ln w="6350">
+            <a:solidFill>
+              <a:srgbClr val="FF0000"/>
+            </a:solidFill>
+          </a:ln>
+        </p:spPr>
+      </p:pic>
+      <p:sp>
+        <p:nvSpPr>
+          <p:cNvPr id="9" name="Rectangle 8"/>
+          <p:cNvSpPr/>
+          <p:nvPr/>
+        </p:nvSpPr>
+        <p:spPr>
+          <a:xfrm>
+            <a:off x="8477794" y="4603659"/>
+            <a:ext cx="2586445" cy="923330"/>
+          </a:xfrm>
+          <a:prstGeom prst="rect">
+            <a:avLst/>
+          </a:prstGeom>
+        </p:spPr>
+        <p:style>
+          <a:lnRef idx="2">
+            <a:schemeClr val="accent2"/>
+          </a:lnRef>
+          <a:fillRef idx="1">
+            <a:schemeClr val="lt1"/>
+          </a:fillRef>
+          <a:effectRef idx="0">
+            <a:schemeClr val="accent2"/>
+          </a:effectRef>
+          <a:fontRef idx="minor">
+            <a:schemeClr val="dk1"/>
+          </a:fontRef>
+        </p:style>
+        <p:txBody>
+          <a:bodyPr wrap="square">
+            <a:spAutoFit/>
+          </a:bodyPr>
+          <a:lstStyle/>
+          <a:p>
+            <a:pPr algn="r" rtl="1"/>
+            <a:r>
+              <a:rPr lang="fa-IR" dirty="0" smtClean="0">
+                <a:solidFill>
+                  <a:srgbClr val="000000"/>
+                </a:solidFill>
+                <a:latin typeface="IRANSans"/>
+                <a:cs typeface="B Nazanin" panose="00000400000000000000" pitchFamily="2" charset="-78"/>
+              </a:rPr>
+              <a:t>به کودک میگوییم که اگر به اندازه یک روز با موبایل بازی نکند به او 10 هزار تومان جایزه میدهیم . </a:t>
+            </a:r>
+            <a:endParaRPr lang="en-US" dirty="0">
+              <a:solidFill>
+                <a:srgbClr val="000000"/>
+              </a:solidFill>
+              <a:latin typeface="IRANSans"/>
+              <a:cs typeface="B Nazanin" panose="00000400000000000000" pitchFamily="2" charset="-78"/>
+            </a:endParaRPr>
+          </a:p>
+        </p:txBody>
+      </p:sp>
+      <p:sp>
+        <p:nvSpPr>
+          <p:cNvPr id="10" name="Rectangle 9"/>
+          <p:cNvSpPr/>
+          <p:nvPr/>
+        </p:nvSpPr>
+        <p:spPr>
+          <a:xfrm>
+            <a:off x="1058091" y="4580266"/>
+            <a:ext cx="3788228" cy="923330"/>
+          </a:xfrm>
+          <a:prstGeom prst="rect">
+            <a:avLst/>
+          </a:prstGeom>
+        </p:spPr>
+        <p:style>
+          <a:lnRef idx="2">
+            <a:schemeClr val="accent4"/>
+          </a:lnRef>
+          <a:fillRef idx="1">
+            <a:schemeClr val="lt1"/>
+          </a:fillRef>
+          <a:effectRef idx="0">
+            <a:schemeClr val="accent4"/>
+          </a:effectRef>
+          <a:fontRef idx="minor">
+            <a:schemeClr val="dk1"/>
+          </a:fontRef>
+        </p:style>
+        <p:txBody>
+          <a:bodyPr wrap="square">
+            <a:spAutoFit/>
+          </a:bodyPr>
+          <a:lstStyle/>
+          <a:p>
+            <a:pPr algn="r" rtl="1"/>
+            <a:r>
+              <a:rPr lang="fa-IR" dirty="0" smtClean="0">
+                <a:solidFill>
+                  <a:srgbClr val="000000"/>
+                </a:solidFill>
+                <a:latin typeface="IRANSans"/>
+                <a:cs typeface="B Nazanin" panose="00000400000000000000" pitchFamily="2" charset="-78"/>
+              </a:rPr>
+              <a:t>به کودک 10 هزار تومان میدهیم و میگوییم هر یک ساعت که با موبایل بازی کند هزار تومان باید پرداخت کند (یا از 10 هزار تومان او کم می شود )</a:t>
+            </a:r>
+            <a:endParaRPr lang="en-US" dirty="0">
+              <a:solidFill>
+                <a:srgbClr val="000000"/>
+              </a:solidFill>
+              <a:latin typeface="IRANSans"/>
+              <a:cs typeface="B Nazanin" panose="00000400000000000000" pitchFamily="2" charset="-78"/>
+            </a:endParaRPr>
+          </a:p>
+        </p:txBody>
+      </p:sp>
+      <p:cxnSp>
+        <p:nvCxnSpPr>
+          <p:cNvPr id="12" name="Straight Arrow Connector 11"/>
+          <p:cNvCxnSpPr/>
+          <p:nvPr/>
+        </p:nvCxnSpPr>
+        <p:spPr>
+          <a:xfrm flipV="1">
+            <a:off x="5185954" y="5065324"/>
+            <a:ext cx="3017520" cy="1"/>
+          </a:xfrm>
+          <a:prstGeom prst="straightConnector1">
+            <a:avLst/>
+          </a:prstGeom>
+          <a:ln w="76200">
+            <a:solidFill>
+              <a:srgbClr val="FF0000"/>
+            </a:solidFill>
+            <a:headEnd type="triangle" w="med" len="med"/>
+            <a:tailEnd type="triangle" w="med" len="med"/>
+          </a:ln>
+        </p:spPr>
+        <p:style>
+          <a:lnRef idx="1">
+            <a:schemeClr val="accent1"/>
+          </a:lnRef>
+          <a:fillRef idx="0">
+            <a:schemeClr val="accent1"/>
+          </a:fillRef>
+          <a:effectRef idx="0">
+            <a:schemeClr val="accent1"/>
+          </a:effectRef>
+          <a:fontRef idx="minor">
+            <a:schemeClr val="tx1"/>
+          </a:fontRef>
+        </p:style>
+      </p:cxnSp>
+      <p:sp>
+        <p:nvSpPr>
+          <p:cNvPr id="14" name="Rectangle 13"/>
+          <p:cNvSpPr/>
+          <p:nvPr/>
+        </p:nvSpPr>
+        <p:spPr>
+          <a:xfrm>
+            <a:off x="5423372" y="4603659"/>
+            <a:ext cx="2542684" cy="369332"/>
+          </a:xfrm>
+          <a:prstGeom prst="rect">
+            <a:avLst/>
+          </a:prstGeom>
+        </p:spPr>
+        <p:txBody>
+          <a:bodyPr wrap="none">
+            <a:spAutoFit/>
+          </a:bodyPr>
+          <a:lstStyle/>
+          <a:p>
+            <a:r>
+              <a:rPr lang="fa-IR" b="1" dirty="0" smtClean="0">
+                <a:solidFill>
+                  <a:srgbClr val="000000"/>
+                </a:solidFill>
+                <a:latin typeface="IRANSans"/>
+                <a:cs typeface="B Nazanin" panose="00000400000000000000" pitchFamily="2" charset="-78"/>
+              </a:rPr>
+              <a:t>کدام روش اثر بخش تر است ؟ </a:t>
+            </a:r>
+            <a:endParaRPr lang="en-US" b="1" dirty="0"/>
+          </a:p>
+        </p:txBody>
+      </p:sp>
+      <p:sp>
+        <p:nvSpPr>
+          <p:cNvPr id="15" name="Rectangle 14"/>
+          <p:cNvSpPr/>
+          <p:nvPr/>
+        </p:nvSpPr>
+        <p:spPr>
+          <a:xfrm>
+            <a:off x="440618" y="5597067"/>
+            <a:ext cx="7762856" cy="954107"/>
+          </a:xfrm>
+          <a:prstGeom prst="rect">
+            <a:avLst/>
+          </a:prstGeom>
+        </p:spPr>
+        <p:txBody>
+          <a:bodyPr wrap="square">
+            <a:spAutoFit/>
+          </a:bodyPr>
+          <a:lstStyle/>
+          <a:p>
+            <a:pPr marL="285750" indent="-285750" algn="r" rtl="1">
+              <a:buFont typeface="Wingdings" panose="05000000000000000000" pitchFamily="2" charset="2"/>
+              <a:buChar char="ü"/>
+            </a:pPr>
+            <a:r>
+              <a:rPr lang="fa-IR" sz="1400" dirty="0" smtClean="0">
+                <a:solidFill>
+                  <a:srgbClr val="000000"/>
+                </a:solidFill>
+                <a:latin typeface="IRANSans"/>
+                <a:cs typeface="B Nazanin" panose="00000400000000000000" pitchFamily="2" charset="-78"/>
+              </a:rPr>
+              <a:t>ما </a:t>
+            </a:r>
+            <a:r>
+              <a:rPr lang="fa-IR" sz="1400" dirty="0">
+                <a:solidFill>
+                  <a:srgbClr val="000000"/>
+                </a:solidFill>
+                <a:latin typeface="IRANSans"/>
+                <a:cs typeface="B Nazanin" panose="00000400000000000000" pitchFamily="2" charset="-78"/>
+              </a:rPr>
+              <a:t>بیشتر روی فقدان‌های </a:t>
+            </a:r>
+            <a:r>
+              <a:rPr lang="fa-IR" sz="1400" dirty="0" smtClean="0">
+                <a:solidFill>
+                  <a:srgbClr val="000000"/>
+                </a:solidFill>
+                <a:latin typeface="IRANSans"/>
+                <a:cs typeface="B Nazanin" panose="00000400000000000000" pitchFamily="2" charset="-78"/>
+              </a:rPr>
+              <a:t>تمرکز </a:t>
+            </a:r>
+            <a:r>
+              <a:rPr lang="fa-IR" sz="1400" dirty="0">
+                <a:solidFill>
+                  <a:srgbClr val="000000"/>
+                </a:solidFill>
+                <a:latin typeface="IRANSans"/>
+                <a:cs typeface="B Nazanin" panose="00000400000000000000" pitchFamily="2" charset="-78"/>
+              </a:rPr>
+              <a:t>می‌کنیم تا دستاردها و داشته‌های مثبت</a:t>
+            </a:r>
+            <a:r>
+              <a:rPr lang="fa-IR" sz="1400" dirty="0" smtClean="0">
+                <a:solidFill>
+                  <a:srgbClr val="000000"/>
+                </a:solidFill>
+                <a:latin typeface="IRANSans"/>
+                <a:cs typeface="B Nazanin" panose="00000400000000000000" pitchFamily="2" charset="-78"/>
+              </a:rPr>
+              <a:t>.</a:t>
+            </a:r>
+          </a:p>
+          <a:p>
+            <a:pPr marL="285750" indent="-285750" algn="r" rtl="1">
+              <a:buFont typeface="Wingdings" panose="05000000000000000000" pitchFamily="2" charset="2"/>
+              <a:buChar char="ü"/>
+            </a:pPr>
+            <a:r>
+              <a:rPr lang="fa-IR" sz="1400" dirty="0" smtClean="0">
+                <a:solidFill>
+                  <a:srgbClr val="000000"/>
+                </a:solidFill>
+                <a:latin typeface="IRANSans"/>
+                <a:cs typeface="B Nazanin" panose="00000400000000000000" pitchFamily="2" charset="-78"/>
+              </a:rPr>
+              <a:t>حسرت </a:t>
+            </a:r>
+            <a:r>
+              <a:rPr lang="fa-IR" sz="1400" dirty="0">
+                <a:solidFill>
+                  <a:srgbClr val="000000"/>
+                </a:solidFill>
+                <a:latin typeface="IRANSans"/>
+                <a:cs typeface="B Nazanin" panose="00000400000000000000" pitchFamily="2" charset="-78"/>
+              </a:rPr>
+              <a:t>گذشته را میخوریم و ارزش زمان حال رو دست کم می‌گیریم</a:t>
+            </a:r>
+            <a:r>
+              <a:rPr lang="fa-IR" sz="1400" dirty="0" smtClean="0">
+                <a:solidFill>
+                  <a:srgbClr val="000000"/>
+                </a:solidFill>
+                <a:latin typeface="IRANSans"/>
+                <a:cs typeface="B Nazanin" panose="00000400000000000000" pitchFamily="2" charset="-78"/>
+              </a:rPr>
+              <a:t>.</a:t>
+            </a:r>
+          </a:p>
+          <a:p>
+            <a:pPr marL="285750" indent="-285750" algn="r" rtl="1">
+              <a:buFont typeface="Wingdings" panose="05000000000000000000" pitchFamily="2" charset="2"/>
+              <a:buChar char="ü"/>
+            </a:pPr>
+            <a:r>
+              <a:rPr lang="fa-IR" sz="1400" dirty="0" smtClean="0">
+                <a:solidFill>
+                  <a:srgbClr val="000000"/>
+                </a:solidFill>
+                <a:latin typeface="IRANSans"/>
+                <a:cs typeface="B Nazanin" panose="00000400000000000000" pitchFamily="2" charset="-78"/>
+              </a:rPr>
+              <a:t>بیشتر </a:t>
+            </a:r>
+            <a:r>
+              <a:rPr lang="fa-IR" sz="1400" dirty="0">
+                <a:solidFill>
+                  <a:srgbClr val="000000"/>
+                </a:solidFill>
+                <a:latin typeface="IRANSans"/>
+                <a:cs typeface="B Nazanin" panose="00000400000000000000" pitchFamily="2" charset="-78"/>
+              </a:rPr>
+              <a:t>غر میزنیم و انتقاد می‌کنیم تا تمجید و تشکر</a:t>
+            </a:r>
+            <a:r>
+              <a:rPr lang="fa-IR" sz="1400" dirty="0" smtClean="0">
+                <a:solidFill>
+                  <a:srgbClr val="000000"/>
+                </a:solidFill>
+                <a:latin typeface="IRANSans"/>
+                <a:cs typeface="B Nazanin" panose="00000400000000000000" pitchFamily="2" charset="-78"/>
+              </a:rPr>
+              <a:t>.</a:t>
+            </a:r>
+            <a:endParaRPr lang="fa-IR" sz="1400" dirty="0" smtClean="0">
+              <a:cs typeface="B Nazanin" panose="00000400000000000000" pitchFamily="2" charset="-78"/>
+            </a:endParaRPr>
+          </a:p>
+          <a:p>
+            <a:pPr marL="285750" indent="-285750" algn="r" rtl="1">
+              <a:buFont typeface="Wingdings" panose="05000000000000000000" pitchFamily="2" charset="2"/>
+              <a:buChar char="ü"/>
+            </a:pPr>
+            <a:r>
+              <a:rPr lang="fa-IR" sz="1400" dirty="0" smtClean="0">
+                <a:solidFill>
+                  <a:srgbClr val="000000"/>
+                </a:solidFill>
+                <a:latin typeface="IRANSans"/>
+                <a:cs typeface="B Nazanin" panose="00000400000000000000" pitchFamily="2" charset="-78"/>
+              </a:rPr>
+              <a:t>بیشتر </a:t>
+            </a:r>
+            <a:r>
+              <a:rPr lang="fa-IR" sz="1400" dirty="0">
+                <a:solidFill>
+                  <a:srgbClr val="000000"/>
+                </a:solidFill>
+                <a:latin typeface="IRANSans"/>
+                <a:cs typeface="B Nazanin" panose="00000400000000000000" pitchFamily="2" charset="-78"/>
+              </a:rPr>
+              <a:t>به نقاط ضعفمان فکر می‌کنیم تا </a:t>
+            </a:r>
+            <a:r>
+              <a:rPr lang="fa-IR" sz="1400" dirty="0" smtClean="0">
+                <a:solidFill>
+                  <a:srgbClr val="000000"/>
+                </a:solidFill>
+                <a:latin typeface="IRANSans"/>
+                <a:cs typeface="B Nazanin" panose="00000400000000000000" pitchFamily="2" charset="-78"/>
+              </a:rPr>
+              <a:t>نقاط قوت‌ . </a:t>
+            </a:r>
+            <a:endParaRPr lang="en-US" sz="1400" dirty="0">
+              <a:cs typeface="B Nazanin" panose="00000400000000000000" pitchFamily="2" charset="-78"/>
+            </a:endParaRPr>
+          </a:p>
+        </p:txBody>
+      </p:sp>
+      <p:sp>
+        <p:nvSpPr>
+          <p:cNvPr id="16" name="Rectangle 15"/>
+          <p:cNvSpPr/>
+          <p:nvPr/>
+        </p:nvSpPr>
+        <p:spPr>
+          <a:xfrm>
+            <a:off x="8481481" y="5806123"/>
+            <a:ext cx="2582758" cy="523220"/>
+          </a:xfrm>
+          <a:prstGeom prst="rect">
+            <a:avLst/>
+          </a:prstGeom>
+        </p:spPr>
+        <p:txBody>
+          <a:bodyPr wrap="none">
+            <a:spAutoFit/>
+          </a:bodyPr>
+          <a:lstStyle/>
+          <a:p>
+            <a:r>
+              <a:rPr lang="en-US" sz="2800" b="1" dirty="0">
+                <a:ln w="12700" cmpd="sng">
+                  <a:solidFill>
+                    <a:schemeClr val="accent4"/>
+                  </a:solidFill>
+                  <a:prstDash val="solid"/>
+                </a:ln>
+                <a:gradFill>
+                  <a:gsLst>
+                    <a:gs pos="0">
+                      <a:schemeClr val="accent4"/>
+                    </a:gs>
+                    <a:gs pos="4000">
+                      <a:schemeClr val="accent4">
+                        <a:lumMod val="60000"/>
+                        <a:lumOff val="40000"/>
+                      </a:schemeClr>
+                    </a:gs>
+                    <a:gs pos="87000">
+                      <a:schemeClr val="accent4">
+                        <a:lumMod val="20000"/>
+                        <a:lumOff val="80000"/>
+                      </a:schemeClr>
+                    </a:gs>
+                  </a:gsLst>
+                  <a:lin ang="5400000"/>
+                </a:gradFill>
+                <a:effectLst>
+                  <a:outerShdw blurRad="38100" dist="38100" dir="2700000" algn="tl">
+                    <a:srgbClr val="000000">
+                      <a:alpha val="43137"/>
+                    </a:srgbClr>
+                  </a:outerShdw>
+                </a:effectLst>
+                <a:latin typeface="IRANSans"/>
+              </a:rPr>
+              <a:t>loss aversion </a:t>
+            </a:r>
+            <a:endParaRPr lang="fa-IR" sz="2800" b="1" dirty="0">
+              <a:ln w="12700" cmpd="sng">
+                <a:solidFill>
+                  <a:schemeClr val="accent4"/>
+                </a:solidFill>
+                <a:prstDash val="solid"/>
+              </a:ln>
+              <a:gradFill>
+                <a:gsLst>
+                  <a:gs pos="0">
+                    <a:schemeClr val="accent4"/>
+                  </a:gs>
+                  <a:gs pos="4000">
+                    <a:schemeClr val="accent4">
+                      <a:lumMod val="60000"/>
+                      <a:lumOff val="40000"/>
+                    </a:schemeClr>
+                  </a:gs>
+                  <a:gs pos="87000">
+                    <a:schemeClr val="accent4">
+                      <a:lumMod val="20000"/>
+                      <a:lumOff val="80000"/>
+                    </a:schemeClr>
+                  </a:gs>
+                </a:gsLst>
+                <a:lin ang="5400000"/>
+              </a:gradFill>
+              <a:effectLst>
+                <a:outerShdw blurRad="38100" dist="38100" dir="2700000" algn="tl">
+                  <a:srgbClr val="000000">
+                    <a:alpha val="43137"/>
+                  </a:srgbClr>
+                </a:outerShdw>
+              </a:effectLst>
+              <a:latin typeface="IRANSans"/>
+            </a:endParaRPr>
+          </a:p>
+        </p:txBody>
+      </p:sp>
     </p:spTree>
     <p:extLst>
       <p:ext uri="{BB962C8B-B14F-4D97-AF65-F5344CB8AC3E}">
@@ -10194,6 +12380,222 @@
           </a:bodyPr>
           <a:lstStyle/>
           <a:p>
+            <a:pPr algn="r"/>
+            <a:r>
+              <a:rPr lang="fa-IR" sz="4800" dirty="0" smtClean="0">
+                <a:cs typeface="B Nazanin" panose="00000400000000000000" pitchFamily="2" charset="-78"/>
+              </a:rPr>
+              <a:t>تصمیم گیری چیست ؟</a:t>
+            </a:r>
+            <a:endParaRPr lang="en-US" sz="4800" dirty="0">
+              <a:cs typeface="B Nazanin" panose="00000400000000000000" pitchFamily="2" charset="-78"/>
+            </a:endParaRPr>
+          </a:p>
+        </p:txBody>
+      </p:sp>
+      <p:cxnSp>
+        <p:nvCxnSpPr>
+          <p:cNvPr id="8" name="Straight Connector 7"/>
+          <p:cNvCxnSpPr/>
+          <p:nvPr/>
+        </p:nvCxnSpPr>
+        <p:spPr>
+          <a:xfrm>
+            <a:off x="888274" y="1240973"/>
+            <a:ext cx="10437223" cy="13063"/>
+          </a:xfrm>
+          <a:prstGeom prst="line">
+            <a:avLst/>
+          </a:prstGeom>
+        </p:spPr>
+        <p:style>
+          <a:lnRef idx="3">
+            <a:schemeClr val="accent1"/>
+          </a:lnRef>
+          <a:fillRef idx="0">
+            <a:schemeClr val="accent1"/>
+          </a:fillRef>
+          <a:effectRef idx="2">
+            <a:schemeClr val="accent1"/>
+          </a:effectRef>
+          <a:fontRef idx="minor">
+            <a:schemeClr val="tx1"/>
+          </a:fontRef>
+        </p:style>
+      </p:cxnSp>
+    </p:spTree>
+    <p:extLst>
+      <p:ext uri="{BB962C8B-B14F-4D97-AF65-F5344CB8AC3E}">
+        <p14:creationId xmlns:p14="http://schemas.microsoft.com/office/powerpoint/2010/main" val="3908961793"/>
+      </p:ext>
+    </p:extLst>
+  </p:cSld>
+  <p:clrMapOvr>
+    <a:masterClrMapping/>
+  </p:clrMapOvr>
+  <p:timing>
+    <p:tnLst>
+      <p:par>
+        <p:cTn id="1" dur="indefinite" restart="never" nodeType="tmRoot"/>
+      </p:par>
+    </p:tnLst>
+  </p:timing>
+</p:sld>
+</file>
+
+<file path=ppt/slides/slide18.xml><?xml version="1.0" encoding="utf-8"?>
+<p:sld xmlns:a="http://schemas.openxmlformats.org/drawingml/2006/main" xmlns:r="http://schemas.openxmlformats.org/officeDocument/2006/relationships" xmlns:p="http://schemas.openxmlformats.org/presentationml/2006/main">
+  <p:cSld>
+    <p:spTree>
+      <p:nvGrpSpPr>
+        <p:cNvPr id="1" name=""/>
+        <p:cNvGrpSpPr/>
+        <p:nvPr/>
+      </p:nvGrpSpPr>
+      <p:grpSpPr>
+        <a:xfrm>
+          <a:off x="0" y="0"/>
+          <a:ext cx="0" cy="0"/>
+          <a:chOff x="0" y="0"/>
+          <a:chExt cx="0" cy="0"/>
+        </a:xfrm>
+      </p:grpSpPr>
+      <p:sp>
+        <p:nvSpPr>
+          <p:cNvPr id="2" name="Title 1">
+            <a:extLst>
+              <a:ext uri="{FF2B5EF4-FFF2-40B4-BE49-F238E27FC236}">
+                <a16:creationId xmlns:a16="http://schemas.microsoft.com/office/drawing/2014/main" id="{BB4B6193-F9F1-4C54-838F-77350B9FC5DC}"/>
+              </a:ext>
+            </a:extLst>
+          </p:cNvPr>
+          <p:cNvSpPr>
+            <a:spLocks noGrp="1"/>
+          </p:cNvSpPr>
+          <p:nvPr>
+            <p:ph type="title"/>
+          </p:nvPr>
+        </p:nvSpPr>
+        <p:spPr>
+          <a:xfrm>
+            <a:off x="1169125" y="425299"/>
+            <a:ext cx="9875520" cy="709749"/>
+          </a:xfrm>
+        </p:spPr>
+        <p:txBody>
+          <a:bodyPr>
+            <a:normAutofit fontScale="90000"/>
+          </a:bodyPr>
+          <a:lstStyle/>
+          <a:p>
+            <a:pPr algn="r"/>
+            <a:r>
+              <a:rPr lang="fa-IR" sz="4800" dirty="0" smtClean="0">
+                <a:cs typeface="B Nazanin" panose="00000400000000000000" pitchFamily="2" charset="-78"/>
+              </a:rPr>
+              <a:t>تصمیم گیری چیست ؟</a:t>
+            </a:r>
+            <a:endParaRPr lang="en-US" sz="4800" dirty="0">
+              <a:cs typeface="B Nazanin" panose="00000400000000000000" pitchFamily="2" charset="-78"/>
+            </a:endParaRPr>
+          </a:p>
+        </p:txBody>
+      </p:sp>
+      <p:cxnSp>
+        <p:nvCxnSpPr>
+          <p:cNvPr id="8" name="Straight Connector 7"/>
+          <p:cNvCxnSpPr/>
+          <p:nvPr/>
+        </p:nvCxnSpPr>
+        <p:spPr>
+          <a:xfrm>
+            <a:off x="888274" y="1240973"/>
+            <a:ext cx="10437223" cy="13063"/>
+          </a:xfrm>
+          <a:prstGeom prst="line">
+            <a:avLst/>
+          </a:prstGeom>
+        </p:spPr>
+        <p:style>
+          <a:lnRef idx="3">
+            <a:schemeClr val="accent1"/>
+          </a:lnRef>
+          <a:fillRef idx="0">
+            <a:schemeClr val="accent1"/>
+          </a:fillRef>
+          <a:effectRef idx="2">
+            <a:schemeClr val="accent1"/>
+          </a:effectRef>
+          <a:fontRef idx="minor">
+            <a:schemeClr val="tx1"/>
+          </a:fontRef>
+        </p:style>
+      </p:cxnSp>
+    </p:spTree>
+    <p:extLst>
+      <p:ext uri="{BB962C8B-B14F-4D97-AF65-F5344CB8AC3E}">
+        <p14:creationId xmlns:p14="http://schemas.microsoft.com/office/powerpoint/2010/main" val="872637532"/>
+      </p:ext>
+    </p:extLst>
+  </p:cSld>
+  <p:clrMapOvr>
+    <a:masterClrMapping/>
+  </p:clrMapOvr>
+  <p:timing>
+    <p:tnLst>
+      <p:par>
+        <p:cTn id="1" dur="indefinite" restart="never" nodeType="tmRoot"/>
+      </p:par>
+    </p:tnLst>
+  </p:timing>
+</p:sld>
+</file>
+
+<file path=ppt/slides/slide19.xml><?xml version="1.0" encoding="utf-8"?>
+<p:sld xmlns:a="http://schemas.openxmlformats.org/drawingml/2006/main" xmlns:r="http://schemas.openxmlformats.org/officeDocument/2006/relationships" xmlns:p="http://schemas.openxmlformats.org/presentationml/2006/main">
+  <p:cSld>
+    <p:spTree>
+      <p:nvGrpSpPr>
+        <p:cNvPr id="1" name=""/>
+        <p:cNvGrpSpPr/>
+        <p:nvPr/>
+      </p:nvGrpSpPr>
+      <p:grpSpPr>
+        <a:xfrm>
+          <a:off x="0" y="0"/>
+          <a:ext cx="0" cy="0"/>
+          <a:chOff x="0" y="0"/>
+          <a:chExt cx="0" cy="0"/>
+        </a:xfrm>
+      </p:grpSpPr>
+      <p:sp>
+        <p:nvSpPr>
+          <p:cNvPr id="2" name="Title 1">
+            <a:extLst>
+              <a:ext uri="{FF2B5EF4-FFF2-40B4-BE49-F238E27FC236}">
+                <a16:creationId xmlns:a16="http://schemas.microsoft.com/office/drawing/2014/main" id="{BB4B6193-F9F1-4C54-838F-77350B9FC5DC}"/>
+              </a:ext>
+            </a:extLst>
+          </p:cNvPr>
+          <p:cNvSpPr>
+            <a:spLocks noGrp="1"/>
+          </p:cNvSpPr>
+          <p:nvPr>
+            <p:ph type="title"/>
+          </p:nvPr>
+        </p:nvSpPr>
+        <p:spPr>
+          <a:xfrm>
+            <a:off x="1169125" y="425299"/>
+            <a:ext cx="9875520" cy="709749"/>
+          </a:xfrm>
+        </p:spPr>
+        <p:txBody>
+          <a:bodyPr>
+            <a:normAutofit fontScale="90000"/>
+          </a:bodyPr>
+          <a:lstStyle/>
+          <a:p>
             <a:pPr algn="r" rtl="1"/>
             <a:r>
               <a:rPr lang="fa-IR" sz="4800" dirty="0" smtClean="0">
@@ -10356,300 +12758,6 @@
     <p:extLst>
       <p:ext uri="{BB962C8B-B14F-4D97-AF65-F5344CB8AC3E}">
         <p14:creationId xmlns:p14="http://schemas.microsoft.com/office/powerpoint/2010/main" val="3599509212"/>
-      </p:ext>
-    </p:extLst>
-  </p:cSld>
-  <p:clrMapOvr>
-    <a:masterClrMapping/>
-  </p:clrMapOvr>
-  <p:timing>
-    <p:tnLst>
-      <p:par>
-        <p:cTn id="1" dur="indefinite" restart="never" nodeType="tmRoot"/>
-      </p:par>
-    </p:tnLst>
-  </p:timing>
-</p:sld>
-</file>
-
-<file path=ppt/slides/slide18.xml><?xml version="1.0" encoding="utf-8"?>
-<p:sld xmlns:a="http://schemas.openxmlformats.org/drawingml/2006/main" xmlns:r="http://schemas.openxmlformats.org/officeDocument/2006/relationships" xmlns:p="http://schemas.openxmlformats.org/presentationml/2006/main">
-  <p:cSld>
-    <p:bg>
-      <p:bgPr>
-        <a:solidFill>
-          <a:schemeClr val="accent1"/>
-        </a:solidFill>
-        <a:effectLst/>
-      </p:bgPr>
-    </p:bg>
-    <p:spTree>
-      <p:nvGrpSpPr>
-        <p:cNvPr id="1" name=""/>
-        <p:cNvGrpSpPr/>
-        <p:nvPr/>
-      </p:nvGrpSpPr>
-      <p:grpSpPr>
-        <a:xfrm>
-          <a:off x="0" y="0"/>
-          <a:ext cx="0" cy="0"/>
-          <a:chOff x="0" y="0"/>
-          <a:chExt cx="0" cy="0"/>
-        </a:xfrm>
-      </p:grpSpPr>
-      <p:sp>
-        <p:nvSpPr>
-          <p:cNvPr id="24" name="Rectangle 23">
-            <a:extLst>
-              <a:ext uri="{FF2B5EF4-FFF2-40B4-BE49-F238E27FC236}">
-                <a16:creationId xmlns:a16="http://schemas.microsoft.com/office/drawing/2014/main" id="{E3DC42C2-6B58-404C-B339-2C72808A5BE1}"/>
-              </a:ext>
-              <a:ext uri="{C183D7F6-B498-43B3-948B-1728B52AA6E4}">
-                <adec:decorative xmlns:adec="http://schemas.microsoft.com/office/drawing/2017/decorative" xmlns="" val="1"/>
-              </a:ext>
-            </a:extLst>
-          </p:cNvPr>
-          <p:cNvSpPr>
-            <a:spLocks noGrp="1" noRot="1" noChangeAspect="1" noMove="1" noResize="1" noEditPoints="1" noAdjustHandles="1" noChangeArrowheads="1" noChangeShapeType="1" noTextEdit="1"/>
-          </p:cNvSpPr>
-          <p:nvPr>
-            <p:extLst>
-              <p:ext uri="{386F3935-93C4-4BCD-93E2-E3B085C9AB24}">
-                <p16:designElem xmlns:p16="http://schemas.microsoft.com/office/powerpoint/2015/main" val="1"/>
-              </p:ext>
-            </p:extLst>
-          </p:nvPr>
-        </p:nvSpPr>
-        <p:spPr>
-          <a:xfrm>
-            <a:off x="231140" y="243840"/>
-            <a:ext cx="11724640" cy="6377939"/>
-          </a:xfrm>
-          <a:prstGeom prst="rect">
-            <a:avLst/>
-          </a:prstGeom>
-          <a:solidFill>
-            <a:schemeClr val="accent1"/>
-          </a:solidFill>
-          <a:ln w="12700">
-            <a:solidFill>
-              <a:srgbClr val="FFFFFF"/>
-            </a:solidFill>
-          </a:ln>
-        </p:spPr>
-        <p:style>
-          <a:lnRef idx="2">
-            <a:schemeClr val="accent1">
-              <a:shade val="50000"/>
-            </a:schemeClr>
-          </a:lnRef>
-          <a:fillRef idx="1">
-            <a:schemeClr val="accent1"/>
-          </a:fillRef>
-          <a:effectRef idx="0">
-            <a:schemeClr val="accent1"/>
-          </a:effectRef>
-          <a:fontRef idx="minor">
-            <a:schemeClr val="lt1"/>
-          </a:fontRef>
-        </p:style>
-      </p:sp>
-      <p:sp>
-        <p:nvSpPr>
-          <p:cNvPr id="2" name="Title 1">
-            <a:extLst>
-              <a:ext uri="{FF2B5EF4-FFF2-40B4-BE49-F238E27FC236}">
-                <a16:creationId xmlns:a16="http://schemas.microsoft.com/office/drawing/2014/main" id="{A0D81407-D1A6-42DD-AE7A-4FA34ACD1317}"/>
-              </a:ext>
-            </a:extLst>
-          </p:cNvPr>
-          <p:cNvSpPr>
-            <a:spLocks noGrp="1"/>
-          </p:cNvSpPr>
-          <p:nvPr>
-            <p:ph type="title"/>
-          </p:nvPr>
-        </p:nvSpPr>
-        <p:spPr>
-          <a:xfrm>
-            <a:off x="6096000" y="609600"/>
-            <a:ext cx="5038844" cy="1356360"/>
-          </a:xfrm>
-        </p:spPr>
-        <p:txBody>
-          <a:bodyPr>
-            <a:normAutofit/>
-          </a:bodyPr>
-          <a:lstStyle/>
-          <a:p>
-            <a:pPr algn="ctr"/>
-            <a:r>
-              <a:rPr lang="fa-IR" sz="8000" dirty="0" smtClean="0">
-                <a:solidFill>
-                  <a:srgbClr val="FFFFFF"/>
-                </a:solidFill>
-                <a:cs typeface="B Nazanin" panose="00000400000000000000" pitchFamily="2" charset="-78"/>
-              </a:rPr>
-              <a:t>پایان</a:t>
-            </a:r>
-            <a:endParaRPr lang="en-US" dirty="0">
-              <a:solidFill>
-                <a:srgbClr val="FFFFFF"/>
-              </a:solidFill>
-              <a:cs typeface="B Nazanin" panose="00000400000000000000" pitchFamily="2" charset="-78"/>
-            </a:endParaRPr>
-          </a:p>
-        </p:txBody>
-      </p:sp>
-      <p:pic>
-        <p:nvPicPr>
-          <p:cNvPr id="4" name="Picture 3" descr="Two people climbing a mountain">
-            <a:extLst>
-              <a:ext uri="{FF2B5EF4-FFF2-40B4-BE49-F238E27FC236}">
-                <a16:creationId xmlns:a16="http://schemas.microsoft.com/office/drawing/2014/main" id="{629F2A20-8FE1-4EA2-AE83-45314542A65B}"/>
-              </a:ext>
-            </a:extLst>
-          </p:cNvPr>
-          <p:cNvPicPr>
-            <a:picLocks noChangeAspect="1"/>
-          </p:cNvPicPr>
-          <p:nvPr/>
-        </p:nvPicPr>
-        <p:blipFill rotWithShape="1">
-          <a:blip r:embed="rId2" cstate="print">
-            <a:extLst>
-              <a:ext uri="{28A0092B-C50C-407E-A947-70E740481C1C}">
-                <a14:useLocalDpi xmlns:a14="http://schemas.microsoft.com/office/drawing/2010/main"/>
-              </a:ext>
-            </a:extLst>
-          </a:blip>
-          <a:srcRect t="2278" b="2278"/>
-          <a:stretch/>
-        </p:blipFill>
-        <p:spPr>
-          <a:xfrm>
-            <a:off x="232860" y="243840"/>
-            <a:ext cx="5432443" cy="6377939"/>
-          </a:xfrm>
-          <a:prstGeom prst="rect">
-            <a:avLst/>
-          </a:prstGeom>
-        </p:spPr>
-      </p:pic>
-      <p:sp>
-        <p:nvSpPr>
-          <p:cNvPr id="8" name="Content Placeholder 7">
-            <a:extLst>
-              <a:ext uri="{FF2B5EF4-FFF2-40B4-BE49-F238E27FC236}">
-                <a16:creationId xmlns:a16="http://schemas.microsoft.com/office/drawing/2014/main" id="{41FF5D4E-7134-4EA4-BA11-FE50F4576B73}"/>
-              </a:ext>
-            </a:extLst>
-          </p:cNvPr>
-          <p:cNvSpPr>
-            <a:spLocks noGrp="1"/>
-          </p:cNvSpPr>
-          <p:nvPr>
-            <p:ph idx="1"/>
-          </p:nvPr>
-        </p:nvSpPr>
-        <p:spPr>
-          <a:xfrm>
-            <a:off x="6096000" y="2057400"/>
-            <a:ext cx="5038844" cy="4038600"/>
-          </a:xfrm>
-        </p:spPr>
-        <p:txBody>
-          <a:bodyPr>
-            <a:normAutofit/>
-          </a:bodyPr>
-          <a:lstStyle/>
-          <a:p>
-            <a:pPr marL="45720" indent="0" algn="ctr">
-              <a:buNone/>
-            </a:pPr>
-            <a:r>
-              <a:rPr lang="en-US" dirty="0" smtClean="0">
-                <a:solidFill>
-                  <a:srgbClr val="FFFFFF"/>
-                </a:solidFill>
-              </a:rPr>
-              <a:t>Afshin.Abbaspour@gmail.com</a:t>
-            </a:r>
-            <a:endParaRPr lang="en-US" dirty="0">
-              <a:solidFill>
-                <a:srgbClr val="FFFFFF"/>
-              </a:solidFill>
-            </a:endParaRPr>
-          </a:p>
-          <a:p>
-            <a:pPr algn="ctr"/>
-            <a:endParaRPr lang="en-US" dirty="0">
-              <a:solidFill>
-                <a:srgbClr val="FFFFFF"/>
-              </a:solidFill>
-            </a:endParaRPr>
-          </a:p>
-        </p:txBody>
-      </p:sp>
-      <p:sp>
-        <p:nvSpPr>
-          <p:cNvPr id="26" name="Rectangle 25">
-            <a:extLst>
-              <a:ext uri="{FF2B5EF4-FFF2-40B4-BE49-F238E27FC236}">
-                <a16:creationId xmlns:a16="http://schemas.microsoft.com/office/drawing/2014/main" id="{FCF82941-5589-49BF-B6B1-76122B2D0EA6}"/>
-              </a:ext>
-              <a:ext uri="{C183D7F6-B498-43B3-948B-1728B52AA6E4}">
-                <adec:decorative xmlns:adec="http://schemas.microsoft.com/office/drawing/2017/decorative" xmlns="" val="1"/>
-              </a:ext>
-            </a:extLst>
-          </p:cNvPr>
-          <p:cNvSpPr>
-            <a:spLocks noGrp="1" noRot="1" noChangeAspect="1" noMove="1" noResize="1" noEditPoints="1" noAdjustHandles="1" noChangeArrowheads="1" noChangeShapeType="1" noTextEdit="1"/>
-          </p:cNvSpPr>
-          <p:nvPr>
-            <p:extLst>
-              <p:ext uri="{386F3935-93C4-4BCD-93E2-E3B085C9AB24}">
-                <p16:designElem xmlns:p16="http://schemas.microsoft.com/office/powerpoint/2015/main" val="1"/>
-              </p:ext>
-            </p:extLst>
-          </p:nvPr>
-        </p:nvSpPr>
-        <p:spPr>
-          <a:xfrm>
-            <a:off x="228600" y="243840"/>
-            <a:ext cx="11724640" cy="6377939"/>
-          </a:xfrm>
-          <a:prstGeom prst="rect">
-            <a:avLst/>
-          </a:prstGeom>
-          <a:noFill/>
-          <a:ln w="12700">
-            <a:solidFill>
-              <a:schemeClr val="bg1"/>
-            </a:solidFill>
-          </a:ln>
-        </p:spPr>
-        <p:style>
-          <a:lnRef idx="2">
-            <a:schemeClr val="accent1">
-              <a:shade val="50000"/>
-            </a:schemeClr>
-          </a:lnRef>
-          <a:fillRef idx="1">
-            <a:schemeClr val="accent1"/>
-          </a:fillRef>
-          <a:effectRef idx="0">
-            <a:schemeClr val="accent1"/>
-          </a:effectRef>
-          <a:fontRef idx="minor">
-            <a:schemeClr val="lt1"/>
-          </a:fontRef>
-        </p:style>
-      </p:sp>
-    </p:spTree>
-    <p:extLst>
-      <p:ext uri="{BB962C8B-B14F-4D97-AF65-F5344CB8AC3E}">
-        <p14:creationId xmlns:p14="http://schemas.microsoft.com/office/powerpoint/2010/main" val="1646983618"/>
       </p:ext>
     </p:extLst>
   </p:cSld>
@@ -11906,6 +14014,300 @@
 </p:sld>
 </file>
 
+<file path=ppt/slides/slide20.xml><?xml version="1.0" encoding="utf-8"?>
+<p:sld xmlns:a="http://schemas.openxmlformats.org/drawingml/2006/main" xmlns:r="http://schemas.openxmlformats.org/officeDocument/2006/relationships" xmlns:p="http://schemas.openxmlformats.org/presentationml/2006/main">
+  <p:cSld>
+    <p:bg>
+      <p:bgPr>
+        <a:solidFill>
+          <a:schemeClr val="accent1"/>
+        </a:solidFill>
+        <a:effectLst/>
+      </p:bgPr>
+    </p:bg>
+    <p:spTree>
+      <p:nvGrpSpPr>
+        <p:cNvPr id="1" name=""/>
+        <p:cNvGrpSpPr/>
+        <p:nvPr/>
+      </p:nvGrpSpPr>
+      <p:grpSpPr>
+        <a:xfrm>
+          <a:off x="0" y="0"/>
+          <a:ext cx="0" cy="0"/>
+          <a:chOff x="0" y="0"/>
+          <a:chExt cx="0" cy="0"/>
+        </a:xfrm>
+      </p:grpSpPr>
+      <p:sp>
+        <p:nvSpPr>
+          <p:cNvPr id="24" name="Rectangle 23">
+            <a:extLst>
+              <a:ext uri="{FF2B5EF4-FFF2-40B4-BE49-F238E27FC236}">
+                <a16:creationId xmlns:a16="http://schemas.microsoft.com/office/drawing/2014/main" id="{E3DC42C2-6B58-404C-B339-2C72808A5BE1}"/>
+              </a:ext>
+              <a:ext uri="{C183D7F6-B498-43B3-948B-1728B52AA6E4}">
+                <adec:decorative xmlns="" xmlns:adec="http://schemas.microsoft.com/office/drawing/2017/decorative" val="1"/>
+              </a:ext>
+            </a:extLst>
+          </p:cNvPr>
+          <p:cNvSpPr>
+            <a:spLocks noGrp="1" noRot="1" noChangeAspect="1" noMove="1" noResize="1" noEditPoints="1" noAdjustHandles="1" noChangeArrowheads="1" noChangeShapeType="1" noTextEdit="1"/>
+          </p:cNvSpPr>
+          <p:nvPr>
+            <p:extLst>
+              <p:ext uri="{386F3935-93C4-4BCD-93E2-E3B085C9AB24}">
+                <p16:designElem xmlns:p16="http://schemas.microsoft.com/office/powerpoint/2015/main" val="1"/>
+              </p:ext>
+            </p:extLst>
+          </p:nvPr>
+        </p:nvSpPr>
+        <p:spPr>
+          <a:xfrm>
+            <a:off x="231140" y="243840"/>
+            <a:ext cx="11724640" cy="6377939"/>
+          </a:xfrm>
+          <a:prstGeom prst="rect">
+            <a:avLst/>
+          </a:prstGeom>
+          <a:solidFill>
+            <a:schemeClr val="accent1"/>
+          </a:solidFill>
+          <a:ln w="12700">
+            <a:solidFill>
+              <a:srgbClr val="FFFFFF"/>
+            </a:solidFill>
+          </a:ln>
+        </p:spPr>
+        <p:style>
+          <a:lnRef idx="2">
+            <a:schemeClr val="accent1">
+              <a:shade val="50000"/>
+            </a:schemeClr>
+          </a:lnRef>
+          <a:fillRef idx="1">
+            <a:schemeClr val="accent1"/>
+          </a:fillRef>
+          <a:effectRef idx="0">
+            <a:schemeClr val="accent1"/>
+          </a:effectRef>
+          <a:fontRef idx="minor">
+            <a:schemeClr val="lt1"/>
+          </a:fontRef>
+        </p:style>
+      </p:sp>
+      <p:sp>
+        <p:nvSpPr>
+          <p:cNvPr id="2" name="Title 1">
+            <a:extLst>
+              <a:ext uri="{FF2B5EF4-FFF2-40B4-BE49-F238E27FC236}">
+                <a16:creationId xmlns:a16="http://schemas.microsoft.com/office/drawing/2014/main" id="{A0D81407-D1A6-42DD-AE7A-4FA34ACD1317}"/>
+              </a:ext>
+            </a:extLst>
+          </p:cNvPr>
+          <p:cNvSpPr>
+            <a:spLocks noGrp="1"/>
+          </p:cNvSpPr>
+          <p:nvPr>
+            <p:ph type="title"/>
+          </p:nvPr>
+        </p:nvSpPr>
+        <p:spPr>
+          <a:xfrm>
+            <a:off x="6096000" y="609600"/>
+            <a:ext cx="5038844" cy="1356360"/>
+          </a:xfrm>
+        </p:spPr>
+        <p:txBody>
+          <a:bodyPr>
+            <a:normAutofit/>
+          </a:bodyPr>
+          <a:lstStyle/>
+          <a:p>
+            <a:pPr algn="ctr"/>
+            <a:r>
+              <a:rPr lang="fa-IR" sz="8000" dirty="0" smtClean="0">
+                <a:solidFill>
+                  <a:srgbClr val="FFFFFF"/>
+                </a:solidFill>
+                <a:cs typeface="B Nazanin" panose="00000400000000000000" pitchFamily="2" charset="-78"/>
+              </a:rPr>
+              <a:t>پایان</a:t>
+            </a:r>
+            <a:endParaRPr lang="en-US" dirty="0">
+              <a:solidFill>
+                <a:srgbClr val="FFFFFF"/>
+              </a:solidFill>
+              <a:cs typeface="B Nazanin" panose="00000400000000000000" pitchFamily="2" charset="-78"/>
+            </a:endParaRPr>
+          </a:p>
+        </p:txBody>
+      </p:sp>
+      <p:pic>
+        <p:nvPicPr>
+          <p:cNvPr id="4" name="Picture 3" descr="Two people climbing a mountain">
+            <a:extLst>
+              <a:ext uri="{FF2B5EF4-FFF2-40B4-BE49-F238E27FC236}">
+                <a16:creationId xmlns:a16="http://schemas.microsoft.com/office/drawing/2014/main" id="{629F2A20-8FE1-4EA2-AE83-45314542A65B}"/>
+              </a:ext>
+            </a:extLst>
+          </p:cNvPr>
+          <p:cNvPicPr>
+            <a:picLocks noChangeAspect="1"/>
+          </p:cNvPicPr>
+          <p:nvPr/>
+        </p:nvPicPr>
+        <p:blipFill rotWithShape="1">
+          <a:blip r:embed="rId2" cstate="print">
+            <a:extLst>
+              <a:ext uri="{28A0092B-C50C-407E-A947-70E740481C1C}">
+                <a14:useLocalDpi xmlns:a14="http://schemas.microsoft.com/office/drawing/2010/main"/>
+              </a:ext>
+            </a:extLst>
+          </a:blip>
+          <a:srcRect t="2278" b="2278"/>
+          <a:stretch/>
+        </p:blipFill>
+        <p:spPr>
+          <a:xfrm>
+            <a:off x="232860" y="243840"/>
+            <a:ext cx="5432443" cy="6377939"/>
+          </a:xfrm>
+          <a:prstGeom prst="rect">
+            <a:avLst/>
+          </a:prstGeom>
+        </p:spPr>
+      </p:pic>
+      <p:sp>
+        <p:nvSpPr>
+          <p:cNvPr id="8" name="Content Placeholder 7">
+            <a:extLst>
+              <a:ext uri="{FF2B5EF4-FFF2-40B4-BE49-F238E27FC236}">
+                <a16:creationId xmlns:a16="http://schemas.microsoft.com/office/drawing/2014/main" id="{41FF5D4E-7134-4EA4-BA11-FE50F4576B73}"/>
+              </a:ext>
+            </a:extLst>
+          </p:cNvPr>
+          <p:cNvSpPr>
+            <a:spLocks noGrp="1"/>
+          </p:cNvSpPr>
+          <p:nvPr>
+            <p:ph idx="1"/>
+          </p:nvPr>
+        </p:nvSpPr>
+        <p:spPr>
+          <a:xfrm>
+            <a:off x="6096000" y="2057400"/>
+            <a:ext cx="5038844" cy="4038600"/>
+          </a:xfrm>
+        </p:spPr>
+        <p:txBody>
+          <a:bodyPr>
+            <a:normAutofit/>
+          </a:bodyPr>
+          <a:lstStyle/>
+          <a:p>
+            <a:pPr marL="45720" indent="0" algn="ctr">
+              <a:buNone/>
+            </a:pPr>
+            <a:r>
+              <a:rPr lang="en-US" dirty="0" smtClean="0">
+                <a:solidFill>
+                  <a:srgbClr val="FFFFFF"/>
+                </a:solidFill>
+              </a:rPr>
+              <a:t>Afshin.Abbaspour@gmail.com</a:t>
+            </a:r>
+            <a:endParaRPr lang="en-US" dirty="0">
+              <a:solidFill>
+                <a:srgbClr val="FFFFFF"/>
+              </a:solidFill>
+            </a:endParaRPr>
+          </a:p>
+          <a:p>
+            <a:pPr algn="ctr"/>
+            <a:endParaRPr lang="en-US" dirty="0">
+              <a:solidFill>
+                <a:srgbClr val="FFFFFF"/>
+              </a:solidFill>
+            </a:endParaRPr>
+          </a:p>
+        </p:txBody>
+      </p:sp>
+      <p:sp>
+        <p:nvSpPr>
+          <p:cNvPr id="26" name="Rectangle 25">
+            <a:extLst>
+              <a:ext uri="{FF2B5EF4-FFF2-40B4-BE49-F238E27FC236}">
+                <a16:creationId xmlns:a16="http://schemas.microsoft.com/office/drawing/2014/main" id="{FCF82941-5589-49BF-B6B1-76122B2D0EA6}"/>
+              </a:ext>
+              <a:ext uri="{C183D7F6-B498-43B3-948B-1728B52AA6E4}">
+                <adec:decorative xmlns="" xmlns:adec="http://schemas.microsoft.com/office/drawing/2017/decorative" val="1"/>
+              </a:ext>
+            </a:extLst>
+          </p:cNvPr>
+          <p:cNvSpPr>
+            <a:spLocks noGrp="1" noRot="1" noChangeAspect="1" noMove="1" noResize="1" noEditPoints="1" noAdjustHandles="1" noChangeArrowheads="1" noChangeShapeType="1" noTextEdit="1"/>
+          </p:cNvSpPr>
+          <p:nvPr>
+            <p:extLst>
+              <p:ext uri="{386F3935-93C4-4BCD-93E2-E3B085C9AB24}">
+                <p16:designElem xmlns:p16="http://schemas.microsoft.com/office/powerpoint/2015/main" val="1"/>
+              </p:ext>
+            </p:extLst>
+          </p:nvPr>
+        </p:nvSpPr>
+        <p:spPr>
+          <a:xfrm>
+            <a:off x="228600" y="243840"/>
+            <a:ext cx="11724640" cy="6377939"/>
+          </a:xfrm>
+          <a:prstGeom prst="rect">
+            <a:avLst/>
+          </a:prstGeom>
+          <a:noFill/>
+          <a:ln w="12700">
+            <a:solidFill>
+              <a:schemeClr val="bg1"/>
+            </a:solidFill>
+          </a:ln>
+        </p:spPr>
+        <p:style>
+          <a:lnRef idx="2">
+            <a:schemeClr val="accent1">
+              <a:shade val="50000"/>
+            </a:schemeClr>
+          </a:lnRef>
+          <a:fillRef idx="1">
+            <a:schemeClr val="accent1"/>
+          </a:fillRef>
+          <a:effectRef idx="0">
+            <a:schemeClr val="accent1"/>
+          </a:effectRef>
+          <a:fontRef idx="minor">
+            <a:schemeClr val="lt1"/>
+          </a:fontRef>
+        </p:style>
+      </p:sp>
+    </p:spTree>
+    <p:extLst>
+      <p:ext uri="{BB962C8B-B14F-4D97-AF65-F5344CB8AC3E}">
+        <p14:creationId xmlns:p14="http://schemas.microsoft.com/office/powerpoint/2010/main" val="1646983618"/>
+      </p:ext>
+    </p:extLst>
+  </p:cSld>
+  <p:clrMapOvr>
+    <a:masterClrMapping/>
+  </p:clrMapOvr>
+  <p:timing>
+    <p:tnLst>
+      <p:par>
+        <p:cTn id="1" dur="indefinite" restart="never" nodeType="tmRoot"/>
+      </p:par>
+    </p:tnLst>
+  </p:timing>
+</p:sld>
+</file>
+
 <file path=ppt/slides/slide3.xml><?xml version="1.0" encoding="utf-8"?>
 <p:sld xmlns:a="http://schemas.openxmlformats.org/drawingml/2006/main" xmlns:r="http://schemas.openxmlformats.org/officeDocument/2006/relationships" xmlns:p="http://schemas.openxmlformats.org/presentationml/2006/main">
   <p:cSld>
@@ -20746,20 +23148,20 @@
 </file>
 
 <file path=customXml/item1.xml><?xml version="1.0" encoding="utf-8"?>
-<p:properties xmlns:p="http://schemas.microsoft.com/office/2006/metadata/properties" xmlns:xsi="http://www.w3.org/2001/XMLSchema-instance" xmlns:pc="http://schemas.microsoft.com/office/infopath/2007/PartnerControls">
-  <documentManagement>
-    <MediaServiceKeyPoints xmlns="71af3243-3dd4-4a8d-8c0d-dd76da1f02a5" xsi:nil="true"/>
-  </documentManagement>
-</p:properties>
-</file>
-
-<file path=customXml/item2.xml><?xml version="1.0" encoding="utf-8"?>
 <?mso-contentType ?>
 <FormTemplates xmlns="http://schemas.microsoft.com/sharepoint/v3/contenttype/forms">
   <Display>DocumentLibraryForm</Display>
   <Edit>DocumentLibraryForm</Edit>
   <New>DocumentLibraryForm</New>
 </FormTemplates>
+</file>
+
+<file path=customXml/item2.xml><?xml version="1.0" encoding="utf-8"?>
+<p:properties xmlns:p="http://schemas.microsoft.com/office/2006/metadata/properties" xmlns:xsi="http://www.w3.org/2001/XMLSchema-instance" xmlns:pc="http://schemas.microsoft.com/office/infopath/2007/PartnerControls">
+  <documentManagement>
+    <MediaServiceKeyPoints xmlns="71af3243-3dd4-4a8d-8c0d-dd76da1f02a5" xsi:nil="true"/>
+  </documentManagement>
+</p:properties>
 </file>
 
 <file path=customXml/item3.xml><?xml version="1.0" encoding="utf-8"?>
@@ -20974,6 +23376,14 @@
 </file>
 
 <file path=customXml/itemProps1.xml><?xml version="1.0" encoding="utf-8"?>
+<ds:datastoreItem xmlns:ds="http://schemas.openxmlformats.org/officeDocument/2006/customXml" ds:itemID="{204E1485-0760-4ABF-A612-28A97B86DF09}">
+  <ds:schemaRefs>
+    <ds:schemaRef ds:uri="http://schemas.microsoft.com/sharepoint/v3/contenttype/forms"/>
+  </ds:schemaRefs>
+</ds:datastoreItem>
+</file>
+
+<file path=customXml/itemProps2.xml><?xml version="1.0" encoding="utf-8"?>
 <ds:datastoreItem xmlns:ds="http://schemas.openxmlformats.org/officeDocument/2006/customXml" ds:itemID="{4965EBD3-98B5-4FD2-8FAF-5D4022A9F7F4}">
   <ds:schemaRefs>
     <ds:schemaRef ds:uri="16c05727-aa75-4e4a-9b5f-8a80a1165891"/>
@@ -20986,14 +23396,6 @@
     <ds:schemaRef ds:uri="http://schemas.microsoft.com/office/2006/documentManagement/types"/>
     <ds:schemaRef ds:uri="http://schemas.openxmlformats.org/package/2006/metadata/core-properties"/>
     <ds:schemaRef ds:uri="http://schemas.microsoft.com/office/2006/metadata/properties"/>
-  </ds:schemaRefs>
-</ds:datastoreItem>
-</file>
-
-<file path=customXml/itemProps2.xml><?xml version="1.0" encoding="utf-8"?>
-<ds:datastoreItem xmlns:ds="http://schemas.openxmlformats.org/officeDocument/2006/customXml" ds:itemID="{204E1485-0760-4ABF-A612-28A97B86DF09}">
-  <ds:schemaRefs>
-    <ds:schemaRef ds:uri="http://schemas.microsoft.com/sharepoint/v3/contenttype/forms"/>
   </ds:schemaRefs>
 </ds:datastoreItem>
 </file>

--- a/MyTraining/Individual development/مهارت تصمیم گیری درست.pptx
+++ b/MyTraining/Individual development/مهارت تصمیم گیری درست.pptx
@@ -21,10 +21,11 @@
     <p:sldId id="265" r:id="rId18"/>
     <p:sldId id="274" r:id="rId19"/>
     <p:sldId id="275" r:id="rId20"/>
-    <p:sldId id="276" r:id="rId21"/>
-    <p:sldId id="277" r:id="rId22"/>
-    <p:sldId id="271" r:id="rId23"/>
-    <p:sldId id="260" r:id="rId24"/>
+    <p:sldId id="277" r:id="rId21"/>
+    <p:sldId id="276" r:id="rId22"/>
+    <p:sldId id="278" r:id="rId23"/>
+    <p:sldId id="271" r:id="rId24"/>
+    <p:sldId id="260" r:id="rId25"/>
   </p:sldIdLst>
   <p:sldSz cx="12192000" cy="6858000"/>
   <p:notesSz cx="6858000" cy="9144000"/>
@@ -327,7 +328,7 @@
           <a:p>
             <a:fld id="{9AB3A824-1A51-4B26-AD58-A6D8E14F6C04}" type="datetimeFigureOut">
               <a:rPr lang="en-US" noProof="0" smtClean="0"/>
-              <a:t>4/17/2019</a:t>
+              <a:t>4/20/2019</a:t>
             </a:fld>
             <a:endParaRPr lang="en-US" noProof="0" dirty="0"/>
           </a:p>
@@ -552,7 +553,7 @@
           <a:p>
             <a:fld id="{D857E33E-8B18-4087-B112-809917729534}" type="datetimeFigureOut">
               <a:rPr lang="en-US" noProof="0" smtClean="0"/>
-              <a:t>4/17/2019</a:t>
+              <a:t>4/20/2019</a:t>
             </a:fld>
             <a:endParaRPr lang="en-US" noProof="0" dirty="0"/>
           </a:p>
@@ -736,7 +737,7 @@
           <a:p>
             <a:fld id="{D3FFE419-2371-464F-8239-3959401C3561}" type="datetimeFigureOut">
               <a:rPr lang="en-US" noProof="0" smtClean="0"/>
-              <a:t>4/17/2019</a:t>
+              <a:t>4/20/2019</a:t>
             </a:fld>
             <a:endParaRPr lang="en-US" noProof="0" dirty="0"/>
           </a:p>
@@ -910,7 +911,7 @@
           <a:p>
             <a:fld id="{97D162C4-EDD9-4389-A98B-B87ECEA2A816}" type="datetimeFigureOut">
               <a:rPr lang="en-US" noProof="0" smtClean="0"/>
-              <a:t>4/17/2019</a:t>
+              <a:t>4/20/2019</a:t>
             </a:fld>
             <a:endParaRPr lang="en-US" noProof="0" dirty="0"/>
           </a:p>
@@ -1165,7 +1166,7 @@
           <a:p>
             <a:fld id="{3E5059C3-6A89-4494-99FF-5A4D6FFD50EB}" type="datetimeFigureOut">
               <a:rPr lang="en-US" noProof="0" smtClean="0"/>
-              <a:t>4/17/2019</a:t>
+              <a:t>4/20/2019</a:t>
             </a:fld>
             <a:endParaRPr lang="en-US" noProof="0" dirty="0"/>
           </a:p>
@@ -1492,7 +1493,7 @@
           <a:p>
             <a:fld id="{CA954B2F-12DE-47F5-8894-472B206D2E1E}" type="datetimeFigureOut">
               <a:rPr lang="en-US" noProof="0" smtClean="0"/>
-              <a:t>4/17/2019</a:t>
+              <a:t>4/20/2019</a:t>
             </a:fld>
             <a:endParaRPr lang="en-US" noProof="0" dirty="0"/>
           </a:p>
@@ -1920,7 +1921,7 @@
           <a:p>
             <a:fld id="{3CBC1C18-307B-4F68-A007-B5B542270E8D}" type="datetimeFigureOut">
               <a:rPr lang="en-US" noProof="0" smtClean="0"/>
-              <a:t>4/17/2019</a:t>
+              <a:t>4/20/2019</a:t>
             </a:fld>
             <a:endParaRPr lang="en-US" noProof="0" dirty="0"/>
           </a:p>
@@ -2044,7 +2045,7 @@
           <a:p>
             <a:fld id="{1FAF3416-4057-4DAA-829D-4CA07428D088}" type="datetimeFigureOut">
               <a:rPr lang="en-US" noProof="0" smtClean="0"/>
-              <a:t>4/17/2019</a:t>
+              <a:t>4/20/2019</a:t>
             </a:fld>
             <a:endParaRPr lang="en-US" noProof="0" dirty="0"/>
           </a:p>
@@ -2143,7 +2144,7 @@
           <a:p>
             <a:fld id="{921D9284-D300-4297-87F7-E791DCC15DB1}" type="datetimeFigureOut">
               <a:rPr lang="en-US" noProof="0" smtClean="0"/>
-              <a:t>4/17/2019</a:t>
+              <a:t>4/20/2019</a:t>
             </a:fld>
             <a:endParaRPr lang="en-US" noProof="0" dirty="0"/>
           </a:p>
@@ -2437,7 +2438,7 @@
           <a:p>
             <a:fld id="{37D525BB-DA17-4BA0-B3C8-3AC3ABC827E6}" type="datetimeFigureOut">
               <a:rPr lang="en-US" noProof="0" smtClean="0"/>
-              <a:t>4/17/2019</a:t>
+              <a:t>4/20/2019</a:t>
             </a:fld>
             <a:endParaRPr lang="en-US" noProof="0" dirty="0"/>
           </a:p>
@@ -2713,7 +2714,7 @@
           <a:p>
             <a:fld id="{B16C4C9A-3960-41CF-A4E9-2A8FB932454B}" type="datetimeFigureOut">
               <a:rPr lang="en-US" noProof="0" smtClean="0"/>
-              <a:t>4/17/2019</a:t>
+              <a:t>4/20/2019</a:t>
             </a:fld>
             <a:endParaRPr lang="en-US" noProof="0" dirty="0"/>
           </a:p>
@@ -2970,7 +2971,7 @@
           <a:p>
             <a:fld id="{3CBC1C18-307B-4F68-A007-B5B542270E8D}" type="datetimeFigureOut">
               <a:rPr lang="en-US" noProof="0" smtClean="0"/>
-              <a:t>4/17/2019</a:t>
+              <a:t>4/20/2019</a:t>
             </a:fld>
             <a:endParaRPr lang="en-US" noProof="0" dirty="0"/>
           </a:p>
@@ -3453,7 +3454,7 @@
                 <a16:creationId xmlns:a16="http://schemas.microsoft.com/office/drawing/2014/main" id="{63FED537-3AF1-4C36-9904-77B6A54D27B5}"/>
               </a:ext>
               <a:ext uri="{C183D7F6-B498-43B3-948B-1728B52AA6E4}">
-                <adec:decorative xmlns="" xmlns:adec="http://schemas.microsoft.com/office/drawing/2017/decorative" val="1"/>
+                <adec:decorative xmlns:adec="http://schemas.microsoft.com/office/drawing/2017/decorative" xmlns="" val="1"/>
               </a:ext>
             </a:extLst>
           </p:cNvPr>
@@ -9566,13 +9567,7 @@
               <a:rPr lang="fa-IR" sz="3600" dirty="0" smtClean="0">
                 <a:cs typeface="B Nazanin" panose="00000400000000000000" pitchFamily="2" charset="-78"/>
               </a:rPr>
-              <a:t>دریافت گزینشی اطلاعات / خطای </a:t>
-            </a:r>
-            <a:r>
-              <a:rPr lang="fa-IR" sz="3600" dirty="0" smtClean="0">
-                <a:cs typeface="B Nazanin" panose="00000400000000000000" pitchFamily="2" charset="-78"/>
-              </a:rPr>
-              <a:t>تایید خود </a:t>
+              <a:t>دریافت گزینشی اطلاعات / خطای تایید خود </a:t>
             </a:r>
             <a:endParaRPr lang="en-US" sz="3600" dirty="0">
               <a:cs typeface="B Nazanin" panose="00000400000000000000" pitchFamily="2" charset="-78"/>
@@ -12354,42 +12349,42 @@
       </p:grpSpPr>
       <p:sp>
         <p:nvSpPr>
-          <p:cNvPr id="2" name="Title 1">
-            <a:extLst>
-              <a:ext uri="{FF2B5EF4-FFF2-40B4-BE49-F238E27FC236}">
-                <a16:creationId xmlns:a16="http://schemas.microsoft.com/office/drawing/2014/main" id="{BB4B6193-F9F1-4C54-838F-77350B9FC5DC}"/>
-              </a:ext>
-            </a:extLst>
-          </p:cNvPr>
-          <p:cNvSpPr>
-            <a:spLocks noGrp="1"/>
-          </p:cNvSpPr>
-          <p:nvPr>
-            <p:ph type="title"/>
-          </p:nvPr>
+          <p:cNvPr id="28" name="Cloud Callout 27"/>
+          <p:cNvSpPr/>
+          <p:nvPr/>
         </p:nvSpPr>
         <p:spPr>
           <a:xfrm>
-            <a:off x="1169125" y="425299"/>
-            <a:ext cx="9875520" cy="709749"/>
-          </a:xfrm>
-        </p:spPr>
+            <a:off x="1005840" y="1319350"/>
+            <a:ext cx="1852415" cy="1272485"/>
+          </a:xfrm>
+          <a:prstGeom prst="cloudCallout">
+            <a:avLst>
+              <a:gd name="adj1" fmla="val -30000"/>
+              <a:gd name="adj2" fmla="val 77898"/>
+            </a:avLst>
+          </a:prstGeom>
+        </p:spPr>
+        <p:style>
+          <a:lnRef idx="2">
+            <a:schemeClr val="accent6"/>
+          </a:lnRef>
+          <a:fillRef idx="1">
+            <a:schemeClr val="lt1"/>
+          </a:fillRef>
+          <a:effectRef idx="0">
+            <a:schemeClr val="accent6"/>
+          </a:effectRef>
+          <a:fontRef idx="minor">
+            <a:schemeClr val="dk1"/>
+          </a:fontRef>
+        </p:style>
         <p:txBody>
-          <a:bodyPr>
-            <a:normAutofit fontScale="90000"/>
-          </a:bodyPr>
+          <a:bodyPr rtlCol="0" anchor="ctr"/>
           <a:lstStyle/>
           <a:p>
-            <a:pPr algn="r"/>
-            <a:r>
-              <a:rPr lang="fa-IR" sz="4800" dirty="0" smtClean="0">
-                <a:cs typeface="B Nazanin" panose="00000400000000000000" pitchFamily="2" charset="-78"/>
-              </a:rPr>
-              <a:t>تصمیم گیری چیست ؟</a:t>
-            </a:r>
-            <a:endParaRPr lang="en-US" sz="4800" dirty="0">
-              <a:cs typeface="B Nazanin" panose="00000400000000000000" pitchFamily="2" charset="-78"/>
-            </a:endParaRPr>
+            <a:pPr algn="ctr"/>
+            <a:endParaRPr lang="en-US"/>
           </a:p>
         </p:txBody>
       </p:sp>
@@ -12423,10 +12418,2160 @@
           </a:fontRef>
         </p:style>
       </p:cxnSp>
+      <p:sp>
+        <p:nvSpPr>
+          <p:cNvPr id="3" name="Rectangle 2"/>
+          <p:cNvSpPr/>
+          <p:nvPr/>
+        </p:nvSpPr>
+        <p:spPr>
+          <a:xfrm>
+            <a:off x="5618118" y="4357224"/>
+            <a:ext cx="6215506" cy="954107"/>
+          </a:xfrm>
+          <a:prstGeom prst="rect">
+            <a:avLst/>
+          </a:prstGeom>
+        </p:spPr>
+        <p:style>
+          <a:lnRef idx="2">
+            <a:schemeClr val="accent2"/>
+          </a:lnRef>
+          <a:fillRef idx="1">
+            <a:schemeClr val="lt1"/>
+          </a:fillRef>
+          <a:effectRef idx="0">
+            <a:schemeClr val="accent2"/>
+          </a:effectRef>
+          <a:fontRef idx="minor">
+            <a:schemeClr val="dk1"/>
+          </a:fontRef>
+        </p:style>
+        <p:txBody>
+          <a:bodyPr wrap="square">
+            <a:spAutoFit/>
+          </a:bodyPr>
+          <a:lstStyle/>
+          <a:p>
+            <a:pPr marL="285750" indent="-285750" algn="justLow" rtl="1">
+              <a:buFont typeface="Wingdings" panose="05000000000000000000" pitchFamily="2" charset="2"/>
+              <a:buChar char="ü"/>
+            </a:pPr>
+            <a:r>
+              <a:rPr lang="fa-IR" sz="1400" dirty="0">
+                <a:solidFill>
+                  <a:srgbClr val="111111"/>
+                </a:solidFill>
+                <a:latin typeface="IRANSans"/>
+                <a:cs typeface="B Nazanin" panose="00000400000000000000" pitchFamily="2" charset="-78"/>
+              </a:rPr>
+              <a:t>دوست دارید در کشور بمانید، اما هم‌زمان در حال پیگیری برنامه‌ی مهاجرت خود هستید.</a:t>
+            </a:r>
+          </a:p>
+          <a:p>
+            <a:pPr marL="285750" indent="-285750" algn="justLow" rtl="1">
+              <a:buFont typeface="Wingdings" panose="05000000000000000000" pitchFamily="2" charset="2"/>
+              <a:buChar char="ü"/>
+            </a:pPr>
+            <a:r>
+              <a:rPr lang="fa-IR" sz="1400" dirty="0">
+                <a:solidFill>
+                  <a:srgbClr val="111111"/>
+                </a:solidFill>
+                <a:latin typeface="IRANSans"/>
+                <a:cs typeface="B Nazanin" panose="00000400000000000000" pitchFamily="2" charset="-78"/>
+              </a:rPr>
+              <a:t>از بی‌فایده بودن تحصیلات تکمیلی می‌گویید و در همان زمان، در جستجوی یک کلاس خوب و موثر هستید تا احتمال قبولی شما را در آزمون کارشناسی ارشد افزایش دهد.</a:t>
+            </a:r>
+          </a:p>
+          <a:p>
+            <a:pPr marL="285750" indent="-285750" algn="justLow" rtl="1">
+              <a:buFont typeface="Wingdings" panose="05000000000000000000" pitchFamily="2" charset="2"/>
+              <a:buChar char="ü"/>
+            </a:pPr>
+            <a:r>
+              <a:rPr lang="fa-IR" sz="1400" dirty="0">
+                <a:solidFill>
+                  <a:srgbClr val="111111"/>
+                </a:solidFill>
+                <a:latin typeface="IRANSans"/>
+                <a:cs typeface="B Nazanin" panose="00000400000000000000" pitchFamily="2" charset="-78"/>
+              </a:rPr>
+              <a:t>از فساد گله‌مندید؛ اما خود در حال اجرای یک تصمیم غیراخلاقی یا یک رفتار نادرست هستید.</a:t>
+            </a:r>
+            <a:endParaRPr lang="fa-IR" sz="1400" b="0" i="0" dirty="0">
+              <a:solidFill>
+                <a:srgbClr val="111111"/>
+              </a:solidFill>
+              <a:effectLst/>
+              <a:latin typeface="IRANSans"/>
+              <a:cs typeface="B Nazanin" panose="00000400000000000000" pitchFamily="2" charset="-78"/>
+            </a:endParaRPr>
+          </a:p>
+        </p:txBody>
+      </p:sp>
+      <p:sp>
+        <p:nvSpPr>
+          <p:cNvPr id="4" name="Rectangle 3"/>
+          <p:cNvSpPr/>
+          <p:nvPr/>
+        </p:nvSpPr>
+        <p:spPr>
+          <a:xfrm>
+            <a:off x="10026042" y="1622750"/>
+            <a:ext cx="1737976" cy="400110"/>
+          </a:xfrm>
+          <a:prstGeom prst="rect">
+            <a:avLst/>
+          </a:prstGeom>
+        </p:spPr>
+        <p:txBody>
+          <a:bodyPr wrap="none">
+            <a:spAutoFit/>
+          </a:bodyPr>
+          <a:lstStyle/>
+          <a:p>
+            <a:r>
+              <a:rPr lang="fa-IR" sz="2000" b="1" dirty="0" smtClean="0">
+                <a:solidFill>
+                  <a:srgbClr val="111111"/>
+                </a:solidFill>
+                <a:latin typeface="IRANSans"/>
+                <a:cs typeface="B Nazanin" panose="00000400000000000000" pitchFamily="2" charset="-78"/>
+              </a:rPr>
+              <a:t>شناخت چیست ؟ </a:t>
+            </a:r>
+            <a:endParaRPr lang="en-US" sz="2000" b="1" dirty="0"/>
+          </a:p>
+        </p:txBody>
+      </p:sp>
+      <p:sp>
+        <p:nvSpPr>
+          <p:cNvPr id="6" name="Rectangle 5"/>
+          <p:cNvSpPr/>
+          <p:nvPr/>
+        </p:nvSpPr>
+        <p:spPr>
+          <a:xfrm>
+            <a:off x="2884381" y="1634675"/>
+            <a:ext cx="5080237" cy="369332"/>
+          </a:xfrm>
+          <a:prstGeom prst="rect">
+            <a:avLst/>
+          </a:prstGeom>
+        </p:spPr>
+        <p:txBody>
+          <a:bodyPr wrap="none">
+            <a:spAutoFit/>
+          </a:bodyPr>
+          <a:lstStyle/>
+          <a:p>
+            <a:r>
+              <a:rPr lang="fa-IR" dirty="0" smtClean="0">
+                <a:solidFill>
+                  <a:srgbClr val="111111"/>
+                </a:solidFill>
+                <a:latin typeface="IRANSans"/>
+                <a:cs typeface="B Nazanin" panose="00000400000000000000" pitchFamily="2" charset="-78"/>
+              </a:rPr>
+              <a:t>همه آن چیزی که در باره خودمان و دیگران در مغز انباشته کرده ایم ...</a:t>
+            </a:r>
+            <a:endParaRPr lang="en-US" dirty="0"/>
+          </a:p>
+        </p:txBody>
+      </p:sp>
+      <p:cxnSp>
+        <p:nvCxnSpPr>
+          <p:cNvPr id="7" name="Straight Arrow Connector 6"/>
+          <p:cNvCxnSpPr>
+            <a:stCxn id="6" idx="3"/>
+            <a:endCxn id="4" idx="1"/>
+          </p:cNvCxnSpPr>
+          <p:nvPr/>
+        </p:nvCxnSpPr>
+        <p:spPr>
+          <a:xfrm>
+            <a:off x="7964618" y="1819341"/>
+            <a:ext cx="2061424" cy="3464"/>
+          </a:xfrm>
+          <a:prstGeom prst="straightConnector1">
+            <a:avLst/>
+          </a:prstGeom>
+          <a:ln w="38100" cap="flat" cmpd="sng" algn="ctr">
+            <a:solidFill>
+              <a:schemeClr val="accent2"/>
+            </a:solidFill>
+            <a:prstDash val="solid"/>
+            <a:round/>
+            <a:headEnd type="arrow" w="med" len="med"/>
+            <a:tailEnd type="arrow" w="med" len="med"/>
+          </a:ln>
+        </p:spPr>
+        <p:style>
+          <a:lnRef idx="0">
+            <a:scrgbClr r="0" g="0" b="0"/>
+          </a:lnRef>
+          <a:fillRef idx="0">
+            <a:scrgbClr r="0" g="0" b="0"/>
+          </a:fillRef>
+          <a:effectRef idx="0">
+            <a:scrgbClr r="0" g="0" b="0"/>
+          </a:effectRef>
+          <a:fontRef idx="minor">
+            <a:schemeClr val="tx1"/>
+          </a:fontRef>
+        </p:style>
+      </p:cxnSp>
+      <p:grpSp>
+        <p:nvGrpSpPr>
+          <p:cNvPr id="23" name="Group 22"/>
+          <p:cNvGrpSpPr/>
+          <p:nvPr/>
+        </p:nvGrpSpPr>
+        <p:grpSpPr>
+          <a:xfrm>
+            <a:off x="1208314" y="1486491"/>
+            <a:ext cx="1512024" cy="937436"/>
+            <a:chOff x="349432" y="2184511"/>
+            <a:chExt cx="1512024" cy="937436"/>
+          </a:xfrm>
+        </p:grpSpPr>
+        <p:sp>
+          <p:nvSpPr>
+            <p:cNvPr id="10" name="Oval 9"/>
+            <p:cNvSpPr/>
+            <p:nvPr/>
+          </p:nvSpPr>
+          <p:spPr>
+            <a:xfrm>
+              <a:off x="1208313" y="2388036"/>
+              <a:ext cx="248195" cy="169817"/>
+            </a:xfrm>
+            <a:prstGeom prst="ellipse">
+              <a:avLst/>
+            </a:prstGeom>
+          </p:spPr>
+          <p:style>
+            <a:lnRef idx="2">
+              <a:schemeClr val="accent4">
+                <a:shade val="50000"/>
+              </a:schemeClr>
+            </a:lnRef>
+            <a:fillRef idx="1">
+              <a:schemeClr val="accent4"/>
+            </a:fillRef>
+            <a:effectRef idx="0">
+              <a:schemeClr val="accent4"/>
+            </a:effectRef>
+            <a:fontRef idx="minor">
+              <a:schemeClr val="lt1"/>
+            </a:fontRef>
+          </p:style>
+          <p:txBody>
+            <a:bodyPr rtlCol="0" anchor="ctr"/>
+            <a:lstStyle/>
+            <a:p>
+              <a:pPr algn="ctr"/>
+              <a:endParaRPr lang="en-US"/>
+            </a:p>
+          </p:txBody>
+        </p:sp>
+        <p:sp>
+          <p:nvSpPr>
+            <p:cNvPr id="11" name="Oval 10"/>
+            <p:cNvSpPr/>
+            <p:nvPr/>
+          </p:nvSpPr>
+          <p:spPr>
+            <a:xfrm>
+              <a:off x="764176" y="2690968"/>
+              <a:ext cx="248195" cy="169817"/>
+            </a:xfrm>
+            <a:prstGeom prst="ellipse">
+              <a:avLst/>
+            </a:prstGeom>
+            <a:solidFill>
+              <a:srgbClr val="AFA9FB"/>
+            </a:solidFill>
+          </p:spPr>
+          <p:style>
+            <a:lnRef idx="2">
+              <a:schemeClr val="accent1">
+                <a:shade val="50000"/>
+              </a:schemeClr>
+            </a:lnRef>
+            <a:fillRef idx="1">
+              <a:schemeClr val="accent1"/>
+            </a:fillRef>
+            <a:effectRef idx="0">
+              <a:schemeClr val="accent1"/>
+            </a:effectRef>
+            <a:fontRef idx="minor">
+              <a:schemeClr val="lt1"/>
+            </a:fontRef>
+          </p:style>
+          <p:txBody>
+            <a:bodyPr rtlCol="0" anchor="ctr"/>
+            <a:lstStyle/>
+            <a:p>
+              <a:pPr algn="ctr"/>
+              <a:endParaRPr lang="en-US"/>
+            </a:p>
+          </p:txBody>
+        </p:sp>
+        <p:sp>
+          <p:nvSpPr>
+            <p:cNvPr id="12" name="Isosceles Triangle 11"/>
+            <p:cNvSpPr/>
+            <p:nvPr/>
+          </p:nvSpPr>
+          <p:spPr>
+            <a:xfrm>
+              <a:off x="1456508" y="2690968"/>
+              <a:ext cx="169817" cy="169817"/>
+            </a:xfrm>
+            <a:prstGeom prst="triangle">
+              <a:avLst/>
+            </a:prstGeom>
+          </p:spPr>
+          <p:style>
+            <a:lnRef idx="1">
+              <a:schemeClr val="accent3"/>
+            </a:lnRef>
+            <a:fillRef idx="2">
+              <a:schemeClr val="accent3"/>
+            </a:fillRef>
+            <a:effectRef idx="1">
+              <a:schemeClr val="accent3"/>
+            </a:effectRef>
+            <a:fontRef idx="minor">
+              <a:schemeClr val="dk1"/>
+            </a:fontRef>
+          </p:style>
+          <p:txBody>
+            <a:bodyPr rtlCol="0" anchor="ctr"/>
+            <a:lstStyle/>
+            <a:p>
+              <a:pPr algn="ctr"/>
+              <a:endParaRPr lang="en-US"/>
+            </a:p>
+          </p:txBody>
+        </p:sp>
+        <p:sp>
+          <p:nvSpPr>
+            <p:cNvPr id="13" name="Isosceles Triangle 12"/>
+            <p:cNvSpPr/>
+            <p:nvPr/>
+          </p:nvSpPr>
+          <p:spPr>
+            <a:xfrm>
+              <a:off x="679269" y="2916939"/>
+              <a:ext cx="169817" cy="169817"/>
+            </a:xfrm>
+            <a:prstGeom prst="triangle">
+              <a:avLst/>
+            </a:prstGeom>
+            <a:solidFill>
+              <a:schemeClr val="tx2">
+                <a:lumMod val="50000"/>
+              </a:schemeClr>
+            </a:solidFill>
+          </p:spPr>
+          <p:style>
+            <a:lnRef idx="2">
+              <a:schemeClr val="accent1">
+                <a:shade val="50000"/>
+              </a:schemeClr>
+            </a:lnRef>
+            <a:fillRef idx="1">
+              <a:schemeClr val="accent1"/>
+            </a:fillRef>
+            <a:effectRef idx="0">
+              <a:schemeClr val="accent1"/>
+            </a:effectRef>
+            <a:fontRef idx="minor">
+              <a:schemeClr val="lt1"/>
+            </a:fontRef>
+          </p:style>
+          <p:txBody>
+            <a:bodyPr rtlCol="0" anchor="ctr"/>
+            <a:lstStyle/>
+            <a:p>
+              <a:pPr algn="ctr"/>
+              <a:endParaRPr lang="en-US"/>
+            </a:p>
+          </p:txBody>
+        </p:sp>
+        <p:sp>
+          <p:nvSpPr>
+            <p:cNvPr id="14" name="Isosceles Triangle 13"/>
+            <p:cNvSpPr/>
+            <p:nvPr/>
+          </p:nvSpPr>
+          <p:spPr>
+            <a:xfrm>
+              <a:off x="679267" y="2259989"/>
+              <a:ext cx="169817" cy="169817"/>
+            </a:xfrm>
+            <a:prstGeom prst="triangle">
+              <a:avLst/>
+            </a:prstGeom>
+          </p:spPr>
+          <p:style>
+            <a:lnRef idx="2">
+              <a:schemeClr val="accent1">
+                <a:shade val="50000"/>
+              </a:schemeClr>
+            </a:lnRef>
+            <a:fillRef idx="1">
+              <a:schemeClr val="accent1"/>
+            </a:fillRef>
+            <a:effectRef idx="0">
+              <a:schemeClr val="accent1"/>
+            </a:effectRef>
+            <a:fontRef idx="minor">
+              <a:schemeClr val="lt1"/>
+            </a:fontRef>
+          </p:style>
+          <p:txBody>
+            <a:bodyPr rtlCol="0" anchor="ctr"/>
+            <a:lstStyle/>
+            <a:p>
+              <a:pPr algn="ctr"/>
+              <a:endParaRPr lang="en-US"/>
+            </a:p>
+          </p:txBody>
+        </p:sp>
+        <p:sp>
+          <p:nvSpPr>
+            <p:cNvPr id="15" name="Rectangle 14"/>
+            <p:cNvSpPr/>
+            <p:nvPr/>
+          </p:nvSpPr>
+          <p:spPr>
+            <a:xfrm>
+              <a:off x="973185" y="2184511"/>
+              <a:ext cx="391884" cy="132536"/>
+            </a:xfrm>
+            <a:prstGeom prst="rect">
+              <a:avLst/>
+            </a:prstGeom>
+          </p:spPr>
+          <p:style>
+            <a:lnRef idx="1">
+              <a:schemeClr val="accent2"/>
+            </a:lnRef>
+            <a:fillRef idx="3">
+              <a:schemeClr val="accent2"/>
+            </a:fillRef>
+            <a:effectRef idx="2">
+              <a:schemeClr val="accent2"/>
+            </a:effectRef>
+            <a:fontRef idx="minor">
+              <a:schemeClr val="lt1"/>
+            </a:fontRef>
+          </p:style>
+          <p:txBody>
+            <a:bodyPr rtlCol="0" anchor="ctr"/>
+            <a:lstStyle/>
+            <a:p>
+              <a:pPr algn="ctr"/>
+              <a:endParaRPr lang="en-US"/>
+            </a:p>
+          </p:txBody>
+        </p:sp>
+        <p:sp>
+          <p:nvSpPr>
+            <p:cNvPr id="16" name="Rectangle 15"/>
+            <p:cNvSpPr/>
+            <p:nvPr/>
+          </p:nvSpPr>
+          <p:spPr>
+            <a:xfrm>
+              <a:off x="1064624" y="2619334"/>
+              <a:ext cx="391884" cy="132536"/>
+            </a:xfrm>
+            <a:prstGeom prst="rect">
+              <a:avLst/>
+            </a:prstGeom>
+            <a:solidFill>
+              <a:srgbClr val="FFFF00"/>
+            </a:solidFill>
+          </p:spPr>
+          <p:style>
+            <a:lnRef idx="2">
+              <a:schemeClr val="accent4"/>
+            </a:lnRef>
+            <a:fillRef idx="1">
+              <a:schemeClr val="lt1"/>
+            </a:fillRef>
+            <a:effectRef idx="0">
+              <a:schemeClr val="accent4"/>
+            </a:effectRef>
+            <a:fontRef idx="minor">
+              <a:schemeClr val="dk1"/>
+            </a:fontRef>
+          </p:style>
+          <p:txBody>
+            <a:bodyPr rtlCol="0" anchor="ctr"/>
+            <a:lstStyle/>
+            <a:p>
+              <a:pPr algn="ctr"/>
+              <a:endParaRPr lang="en-US"/>
+            </a:p>
+          </p:txBody>
+        </p:sp>
+        <p:sp>
+          <p:nvSpPr>
+            <p:cNvPr id="17" name="Rectangle 16"/>
+            <p:cNvSpPr/>
+            <p:nvPr/>
+          </p:nvSpPr>
+          <p:spPr>
+            <a:xfrm>
+              <a:off x="587829" y="2499436"/>
+              <a:ext cx="391884" cy="132536"/>
+            </a:xfrm>
+            <a:prstGeom prst="rect">
+              <a:avLst/>
+            </a:prstGeom>
+            <a:solidFill>
+              <a:srgbClr val="FFC000"/>
+            </a:solidFill>
+          </p:spPr>
+          <p:style>
+            <a:lnRef idx="2">
+              <a:schemeClr val="accent1">
+                <a:shade val="50000"/>
+              </a:schemeClr>
+            </a:lnRef>
+            <a:fillRef idx="1">
+              <a:schemeClr val="accent1"/>
+            </a:fillRef>
+            <a:effectRef idx="0">
+              <a:schemeClr val="accent1"/>
+            </a:effectRef>
+            <a:fontRef idx="minor">
+              <a:schemeClr val="lt1"/>
+            </a:fontRef>
+          </p:style>
+          <p:txBody>
+            <a:bodyPr rtlCol="0" anchor="ctr"/>
+            <a:lstStyle/>
+            <a:p>
+              <a:pPr algn="ctr"/>
+              <a:endParaRPr lang="en-US"/>
+            </a:p>
+          </p:txBody>
+        </p:sp>
+        <p:sp>
+          <p:nvSpPr>
+            <p:cNvPr id="18" name="Rectangle 17"/>
+            <p:cNvSpPr/>
+            <p:nvPr/>
+          </p:nvSpPr>
+          <p:spPr>
+            <a:xfrm>
+              <a:off x="1012371" y="2890004"/>
+              <a:ext cx="293914" cy="231943"/>
+            </a:xfrm>
+            <a:prstGeom prst="rect">
+              <a:avLst/>
+            </a:prstGeom>
+            <a:solidFill>
+              <a:srgbClr val="44B563"/>
+            </a:solidFill>
+          </p:spPr>
+          <p:style>
+            <a:lnRef idx="2">
+              <a:schemeClr val="accent1">
+                <a:shade val="50000"/>
+              </a:schemeClr>
+            </a:lnRef>
+            <a:fillRef idx="1">
+              <a:schemeClr val="accent1"/>
+            </a:fillRef>
+            <a:effectRef idx="0">
+              <a:schemeClr val="accent1"/>
+            </a:effectRef>
+            <a:fontRef idx="minor">
+              <a:schemeClr val="lt1"/>
+            </a:fontRef>
+          </p:style>
+          <p:txBody>
+            <a:bodyPr rtlCol="0" anchor="ctr"/>
+            <a:lstStyle/>
+            <a:p>
+              <a:pPr algn="ctr"/>
+              <a:endParaRPr lang="en-US"/>
+            </a:p>
+          </p:txBody>
+        </p:sp>
+        <p:sp>
+          <p:nvSpPr>
+            <p:cNvPr id="19" name="5-Point Star 18"/>
+            <p:cNvSpPr/>
+            <p:nvPr/>
+          </p:nvSpPr>
+          <p:spPr>
+            <a:xfrm>
+              <a:off x="1502228" y="2193654"/>
+              <a:ext cx="248194" cy="246786"/>
+            </a:xfrm>
+            <a:prstGeom prst="star5">
+              <a:avLst/>
+            </a:prstGeom>
+            <a:ln>
+              <a:solidFill>
+                <a:schemeClr val="tx1">
+                  <a:lumMod val="95000"/>
+                  <a:lumOff val="5000"/>
+                </a:schemeClr>
+              </a:solidFill>
+            </a:ln>
+          </p:spPr>
+          <p:style>
+            <a:lnRef idx="1">
+              <a:schemeClr val="accent5"/>
+            </a:lnRef>
+            <a:fillRef idx="2">
+              <a:schemeClr val="accent5"/>
+            </a:fillRef>
+            <a:effectRef idx="1">
+              <a:schemeClr val="accent5"/>
+            </a:effectRef>
+            <a:fontRef idx="minor">
+              <a:schemeClr val="dk1"/>
+            </a:fontRef>
+          </p:style>
+          <p:txBody>
+            <a:bodyPr rtlCol="0" anchor="ctr"/>
+            <a:lstStyle/>
+            <a:p>
+              <a:pPr algn="ctr"/>
+              <a:endParaRPr lang="en-US"/>
+            </a:p>
+          </p:txBody>
+        </p:sp>
+        <p:sp>
+          <p:nvSpPr>
+            <p:cNvPr id="20" name="5-Point Star 19"/>
+            <p:cNvSpPr/>
+            <p:nvPr/>
+          </p:nvSpPr>
+          <p:spPr>
+            <a:xfrm>
+              <a:off x="349432" y="2266664"/>
+              <a:ext cx="248194" cy="246786"/>
+            </a:xfrm>
+            <a:prstGeom prst="star5">
+              <a:avLst/>
+            </a:prstGeom>
+          </p:spPr>
+          <p:style>
+            <a:lnRef idx="2">
+              <a:schemeClr val="accent3">
+                <a:shade val="50000"/>
+              </a:schemeClr>
+            </a:lnRef>
+            <a:fillRef idx="1">
+              <a:schemeClr val="accent3"/>
+            </a:fillRef>
+            <a:effectRef idx="0">
+              <a:schemeClr val="accent3"/>
+            </a:effectRef>
+            <a:fontRef idx="minor">
+              <a:schemeClr val="lt1"/>
+            </a:fontRef>
+          </p:style>
+          <p:txBody>
+            <a:bodyPr rtlCol="0" anchor="ctr"/>
+            <a:lstStyle/>
+            <a:p>
+              <a:pPr algn="ctr"/>
+              <a:endParaRPr lang="en-US"/>
+            </a:p>
+          </p:txBody>
+        </p:sp>
+        <p:sp>
+          <p:nvSpPr>
+            <p:cNvPr id="21" name="5-Point Star 20"/>
+            <p:cNvSpPr/>
+            <p:nvPr/>
+          </p:nvSpPr>
+          <p:spPr>
+            <a:xfrm>
+              <a:off x="421276" y="2692441"/>
+              <a:ext cx="248194" cy="246786"/>
+            </a:xfrm>
+            <a:prstGeom prst="star5">
+              <a:avLst/>
+            </a:prstGeom>
+          </p:spPr>
+          <p:style>
+            <a:lnRef idx="2">
+              <a:schemeClr val="accent1">
+                <a:shade val="50000"/>
+              </a:schemeClr>
+            </a:lnRef>
+            <a:fillRef idx="1">
+              <a:schemeClr val="accent1"/>
+            </a:fillRef>
+            <a:effectRef idx="0">
+              <a:schemeClr val="accent1"/>
+            </a:effectRef>
+            <a:fontRef idx="minor">
+              <a:schemeClr val="lt1"/>
+            </a:fontRef>
+          </p:style>
+          <p:txBody>
+            <a:bodyPr rtlCol="0" anchor="ctr"/>
+            <a:lstStyle/>
+            <a:p>
+              <a:pPr algn="ctr"/>
+              <a:endParaRPr lang="en-US"/>
+            </a:p>
+          </p:txBody>
+        </p:sp>
+        <p:sp>
+          <p:nvSpPr>
+            <p:cNvPr id="22" name="Hexagon 21"/>
+            <p:cNvSpPr/>
+            <p:nvPr/>
+          </p:nvSpPr>
+          <p:spPr>
+            <a:xfrm>
+              <a:off x="1639388" y="2571832"/>
+              <a:ext cx="222068" cy="227540"/>
+            </a:xfrm>
+            <a:prstGeom prst="hexagon">
+              <a:avLst/>
+            </a:prstGeom>
+            <a:ln>
+              <a:solidFill>
+                <a:schemeClr val="tx1"/>
+              </a:solidFill>
+            </a:ln>
+          </p:spPr>
+          <p:style>
+            <a:lnRef idx="1">
+              <a:schemeClr val="accent2"/>
+            </a:lnRef>
+            <a:fillRef idx="3">
+              <a:schemeClr val="accent2"/>
+            </a:fillRef>
+            <a:effectRef idx="2">
+              <a:schemeClr val="accent2"/>
+            </a:effectRef>
+            <a:fontRef idx="minor">
+              <a:schemeClr val="lt1"/>
+            </a:fontRef>
+          </p:style>
+          <p:txBody>
+            <a:bodyPr rtlCol="0" anchor="ctr"/>
+            <a:lstStyle/>
+            <a:p>
+              <a:pPr algn="ctr"/>
+              <a:endParaRPr lang="en-US"/>
+            </a:p>
+          </p:txBody>
+        </p:sp>
+      </p:grpSp>
+      <p:sp>
+        <p:nvSpPr>
+          <p:cNvPr id="26" name="Rectangle 25"/>
+          <p:cNvSpPr/>
+          <p:nvPr/>
+        </p:nvSpPr>
+        <p:spPr>
+          <a:xfrm>
+            <a:off x="2352401" y="2330575"/>
+            <a:ext cx="9232014" cy="1200329"/>
+          </a:xfrm>
+          <a:prstGeom prst="rect">
+            <a:avLst/>
+          </a:prstGeom>
+        </p:spPr>
+        <p:txBody>
+          <a:bodyPr wrap="none">
+            <a:spAutoFit/>
+          </a:bodyPr>
+          <a:lstStyle/>
+          <a:p>
+            <a:pPr algn="r" rtl="1"/>
+            <a:r>
+              <a:rPr lang="fa-IR" dirty="0" smtClean="0">
+                <a:solidFill>
+                  <a:srgbClr val="111111"/>
+                </a:solidFill>
+                <a:latin typeface="IRANSans"/>
+                <a:cs typeface="B Nazanin" panose="00000400000000000000" pitchFamily="2" charset="-78"/>
+              </a:rPr>
+              <a:t>فستینگر می‌گوید که </a:t>
+            </a:r>
+            <a:r>
+              <a:rPr lang="fa-IR" b="1" i="1" dirty="0" smtClean="0">
+                <a:solidFill>
+                  <a:srgbClr val="111111"/>
+                </a:solidFill>
+                <a:latin typeface="IRANSans"/>
+                <a:cs typeface="B Nazanin" panose="00000400000000000000" pitchFamily="2" charset="-78"/>
+              </a:rPr>
+              <a:t>هر دو قطعه‌ی </a:t>
+            </a:r>
+            <a:r>
+              <a:rPr lang="fa-IR" dirty="0" smtClean="0">
+                <a:solidFill>
+                  <a:srgbClr val="111111"/>
+                </a:solidFill>
+                <a:latin typeface="IRANSans"/>
+                <a:cs typeface="B Nazanin" panose="00000400000000000000" pitchFamily="2" charset="-78"/>
+              </a:rPr>
+              <a:t>کوچکی از این توده‌ی انباشته‌ی شناخت را بردارید، رابطه‌ی بین آن‌ها از سه حالت خارج نیست:</a:t>
+            </a:r>
+          </a:p>
+          <a:p>
+            <a:pPr marL="285750" indent="-285750" algn="r" rtl="1">
+              <a:buFont typeface="Wingdings" panose="05000000000000000000" pitchFamily="2" charset="2"/>
+              <a:buChar char="ü"/>
+            </a:pPr>
+            <a:r>
+              <a:rPr lang="fa-IR" b="1" dirty="0" smtClean="0">
+                <a:solidFill>
+                  <a:srgbClr val="111111"/>
+                </a:solidFill>
+                <a:latin typeface="IRANSans"/>
+                <a:cs typeface="B Nazanin" panose="00000400000000000000" pitchFamily="2" charset="-78"/>
+              </a:rPr>
+              <a:t>به هم هیچ ارتباطی ندارند</a:t>
+            </a:r>
+            <a:r>
+              <a:rPr lang="fa-IR" dirty="0" smtClean="0">
+                <a:solidFill>
+                  <a:srgbClr val="111111"/>
+                </a:solidFill>
+                <a:latin typeface="IRANSans"/>
+                <a:cs typeface="B Nazanin" panose="00000400000000000000" pitchFamily="2" charset="-78"/>
+              </a:rPr>
+              <a:t>: </a:t>
+            </a:r>
+            <a:r>
+              <a:rPr lang="fa-IR" sz="1600" dirty="0" smtClean="0">
+                <a:solidFill>
+                  <a:srgbClr val="0070C0"/>
+                </a:solidFill>
+                <a:latin typeface="IRANSans"/>
+                <a:cs typeface="B Nazanin" panose="00000400000000000000" pitchFamily="2" charset="-78"/>
+              </a:rPr>
+              <a:t>مثال</a:t>
+            </a:r>
+            <a:r>
+              <a:rPr lang="fa-IR" dirty="0" smtClean="0">
+                <a:solidFill>
+                  <a:srgbClr val="111111"/>
+                </a:solidFill>
+                <a:latin typeface="IRANSans"/>
+                <a:cs typeface="B Nazanin" panose="00000400000000000000" pitchFamily="2" charset="-78"/>
+              </a:rPr>
+              <a:t> : من می‌دانم پیراهنم آبی است. هم‌چنین می‌دانم تهران پایتخت ایران است.</a:t>
+            </a:r>
+          </a:p>
+          <a:p>
+            <a:pPr marL="285750" indent="-285750" algn="r" rtl="1">
+              <a:buFont typeface="Wingdings" panose="05000000000000000000" pitchFamily="2" charset="2"/>
+              <a:buChar char="ü"/>
+            </a:pPr>
+            <a:r>
+              <a:rPr lang="fa-IR" b="1" dirty="0" smtClean="0">
+                <a:solidFill>
+                  <a:srgbClr val="111111"/>
+                </a:solidFill>
+                <a:latin typeface="IRANSans"/>
+                <a:cs typeface="B Nazanin" panose="00000400000000000000" pitchFamily="2" charset="-78"/>
+              </a:rPr>
+              <a:t>با هم ارتباط دارند و هماهنگ هم هستند</a:t>
+            </a:r>
+            <a:r>
+              <a:rPr lang="fa-IR" dirty="0" smtClean="0">
+                <a:solidFill>
+                  <a:srgbClr val="111111"/>
+                </a:solidFill>
+                <a:latin typeface="IRANSans"/>
+                <a:cs typeface="B Nazanin" panose="00000400000000000000" pitchFamily="2" charset="-78"/>
+              </a:rPr>
+              <a:t>: </a:t>
+            </a:r>
+            <a:r>
+              <a:rPr lang="fa-IR" sz="1600" dirty="0" smtClean="0">
+                <a:solidFill>
+                  <a:srgbClr val="0070C0"/>
+                </a:solidFill>
+                <a:latin typeface="IRANSans"/>
+                <a:cs typeface="B Nazanin" panose="00000400000000000000" pitchFamily="2" charset="-78"/>
+              </a:rPr>
+              <a:t>مثال</a:t>
+            </a:r>
+            <a:r>
+              <a:rPr lang="fa-IR" dirty="0" smtClean="0">
+                <a:solidFill>
+                  <a:srgbClr val="111111"/>
+                </a:solidFill>
+                <a:latin typeface="IRANSans"/>
+                <a:cs typeface="B Nazanin" panose="00000400000000000000" pitchFamily="2" charset="-78"/>
+              </a:rPr>
+              <a:t> : من می‌دانم سیگار ضرر دارد. ضمناً سیگار نمی‌کشم.</a:t>
+            </a:r>
+          </a:p>
+          <a:p>
+            <a:pPr marL="285750" indent="-285750" algn="r" rtl="1">
+              <a:buFont typeface="Wingdings" panose="05000000000000000000" pitchFamily="2" charset="2"/>
+              <a:buChar char="ü"/>
+            </a:pPr>
+            <a:r>
+              <a:rPr lang="fa-IR" b="1" dirty="0" smtClean="0">
+                <a:solidFill>
+                  <a:srgbClr val="FF0000"/>
+                </a:solidFill>
+                <a:latin typeface="IRANSans"/>
+                <a:cs typeface="B Nazanin" panose="00000400000000000000" pitchFamily="2" charset="-78"/>
+              </a:rPr>
+              <a:t>با هم ارتباط دارند اما ناهماهنگ هستند</a:t>
+            </a:r>
+            <a:r>
+              <a:rPr lang="fa-IR" dirty="0" smtClean="0">
+                <a:solidFill>
+                  <a:srgbClr val="111111"/>
+                </a:solidFill>
+                <a:latin typeface="IRANSans"/>
+                <a:cs typeface="B Nazanin" panose="00000400000000000000" pitchFamily="2" charset="-78"/>
+              </a:rPr>
+              <a:t>: </a:t>
+            </a:r>
+            <a:r>
+              <a:rPr lang="fa-IR" sz="1600" dirty="0" smtClean="0">
+                <a:solidFill>
+                  <a:srgbClr val="0070C0"/>
+                </a:solidFill>
+                <a:latin typeface="IRANSans"/>
+                <a:cs typeface="B Nazanin" panose="00000400000000000000" pitchFamily="2" charset="-78"/>
+              </a:rPr>
+              <a:t>مثال</a:t>
+            </a:r>
+            <a:r>
+              <a:rPr lang="fa-IR" dirty="0" smtClean="0">
+                <a:solidFill>
+                  <a:srgbClr val="111111"/>
+                </a:solidFill>
+                <a:latin typeface="IRANSans"/>
+                <a:cs typeface="B Nazanin" panose="00000400000000000000" pitchFamily="2" charset="-78"/>
+              </a:rPr>
+              <a:t> : من از رشوه دادن بدم می‌آید. امروز رشوه دادم.</a:t>
+            </a:r>
+            <a:endParaRPr lang="fa-IR" dirty="0">
+              <a:solidFill>
+                <a:srgbClr val="111111"/>
+              </a:solidFill>
+              <a:latin typeface="IRANSans"/>
+              <a:cs typeface="B Nazanin" panose="00000400000000000000" pitchFamily="2" charset="-78"/>
+            </a:endParaRPr>
+          </a:p>
+        </p:txBody>
+      </p:sp>
+      <p:pic>
+        <p:nvPicPr>
+          <p:cNvPr id="9" name="Picture 8"/>
+          <p:cNvPicPr>
+            <a:picLocks noChangeAspect="1"/>
+          </p:cNvPicPr>
+          <p:nvPr/>
+        </p:nvPicPr>
+        <p:blipFill rotWithShape="1">
+          <a:blip r:embed="rId2"/>
+          <a:srcRect r="5109"/>
+          <a:stretch/>
+        </p:blipFill>
+        <p:spPr>
+          <a:xfrm>
+            <a:off x="370247" y="2477758"/>
+            <a:ext cx="909913" cy="666593"/>
+          </a:xfrm>
+          <a:prstGeom prst="rect">
+            <a:avLst/>
+          </a:prstGeom>
+        </p:spPr>
+      </p:pic>
+      <p:sp>
+        <p:nvSpPr>
+          <p:cNvPr id="39" name="Arc 38"/>
+          <p:cNvSpPr/>
+          <p:nvPr/>
+        </p:nvSpPr>
+        <p:spPr>
+          <a:xfrm rot="4450312">
+            <a:off x="11130793" y="3301466"/>
+            <a:ext cx="640080" cy="729549"/>
+          </a:xfrm>
+          <a:prstGeom prst="arc">
+            <a:avLst>
+              <a:gd name="adj1" fmla="val 12512993"/>
+              <a:gd name="adj2" fmla="val 3054637"/>
+            </a:avLst>
+          </a:prstGeom>
+          <a:ln w="38100">
+            <a:headEnd type="none" w="med" len="med"/>
+            <a:tailEnd type="triangle" w="med" len="med"/>
+          </a:ln>
+        </p:spPr>
+        <p:style>
+          <a:lnRef idx="1">
+            <a:schemeClr val="accent2"/>
+          </a:lnRef>
+          <a:fillRef idx="0">
+            <a:schemeClr val="accent2"/>
+          </a:fillRef>
+          <a:effectRef idx="0">
+            <a:schemeClr val="accent2"/>
+          </a:effectRef>
+          <a:fontRef idx="minor">
+            <a:schemeClr val="tx1"/>
+          </a:fontRef>
+        </p:style>
+        <p:txBody>
+          <a:bodyPr rtlCol="0" anchor="ctr"/>
+          <a:lstStyle/>
+          <a:p>
+            <a:pPr algn="ctr"/>
+            <a:endParaRPr lang="en-US"/>
+          </a:p>
+        </p:txBody>
+      </p:sp>
+      <p:sp>
+        <p:nvSpPr>
+          <p:cNvPr id="40" name="Rectangle 39"/>
+          <p:cNvSpPr/>
+          <p:nvPr/>
+        </p:nvSpPr>
+        <p:spPr>
+          <a:xfrm>
+            <a:off x="9352929" y="3677789"/>
+            <a:ext cx="1936749" cy="461665"/>
+          </a:xfrm>
+          <a:prstGeom prst="rect">
+            <a:avLst/>
+          </a:prstGeom>
+        </p:spPr>
+        <p:txBody>
+          <a:bodyPr wrap="none">
+            <a:spAutoFit/>
+          </a:bodyPr>
+          <a:lstStyle/>
+          <a:p>
+            <a:r>
+              <a:rPr lang="fa-IR" sz="2400" b="1" dirty="0" smtClean="0">
+                <a:solidFill>
+                  <a:srgbClr val="0070C0"/>
+                </a:solidFill>
+                <a:latin typeface="IRANSans"/>
+                <a:cs typeface="B Nazanin" panose="00000400000000000000" pitchFamily="2" charset="-78"/>
+              </a:rPr>
+              <a:t>تعارض شناختی  </a:t>
+            </a:r>
+            <a:endParaRPr lang="en-US" sz="2400" b="1" dirty="0">
+              <a:solidFill>
+                <a:srgbClr val="0070C0"/>
+              </a:solidFill>
+            </a:endParaRPr>
+          </a:p>
+        </p:txBody>
+      </p:sp>
+      <p:sp>
+        <p:nvSpPr>
+          <p:cNvPr id="42" name="Title 1">
+            <a:extLst>
+              <a:ext uri="{FF2B5EF4-FFF2-40B4-BE49-F238E27FC236}">
+                <a16:creationId xmlns:a16="http://schemas.microsoft.com/office/drawing/2014/main" id="{BB4B6193-F9F1-4C54-838F-77350B9FC5DC}"/>
+              </a:ext>
+            </a:extLst>
+          </p:cNvPr>
+          <p:cNvSpPr>
+            <a:spLocks noGrp="1"/>
+          </p:cNvSpPr>
+          <p:nvPr>
+            <p:ph type="title"/>
+          </p:nvPr>
+        </p:nvSpPr>
+        <p:spPr>
+          <a:xfrm>
+            <a:off x="1449977" y="412236"/>
+            <a:ext cx="9875520" cy="709749"/>
+          </a:xfrm>
+        </p:spPr>
+        <p:txBody>
+          <a:bodyPr vert="horz" lIns="91440" tIns="45720" rIns="91440" bIns="45720" rtlCol="0" anchor="ctr">
+            <a:normAutofit/>
+          </a:bodyPr>
+          <a:lstStyle/>
+          <a:p>
+            <a:pPr algn="r"/>
+            <a:r>
+              <a:rPr lang="fa-IR" sz="3600" dirty="0">
+                <a:cs typeface="B Nazanin" panose="00000400000000000000" pitchFamily="2" charset="-78"/>
+              </a:rPr>
+              <a:t>تعارض شناختی (ناهماهنگی شناختی)</a:t>
+            </a:r>
+          </a:p>
+        </p:txBody>
+      </p:sp>
+      <p:sp>
+        <p:nvSpPr>
+          <p:cNvPr id="43" name="Rectangle 42"/>
+          <p:cNvSpPr/>
+          <p:nvPr/>
+        </p:nvSpPr>
+        <p:spPr>
+          <a:xfrm>
+            <a:off x="5882346" y="3642360"/>
+            <a:ext cx="3483646" cy="461665"/>
+          </a:xfrm>
+          <a:prstGeom prst="rect">
+            <a:avLst/>
+          </a:prstGeom>
+        </p:spPr>
+        <p:txBody>
+          <a:bodyPr wrap="none">
+            <a:spAutoFit/>
+          </a:bodyPr>
+          <a:lstStyle/>
+          <a:p>
+            <a:r>
+              <a:rPr lang="en-US" sz="2400" b="1" dirty="0">
+                <a:ln w="12700" cmpd="sng">
+                  <a:solidFill>
+                    <a:schemeClr val="accent4"/>
+                  </a:solidFill>
+                  <a:prstDash val="solid"/>
+                </a:ln>
+                <a:gradFill>
+                  <a:gsLst>
+                    <a:gs pos="0">
+                      <a:schemeClr val="accent4"/>
+                    </a:gs>
+                    <a:gs pos="4000">
+                      <a:schemeClr val="accent4">
+                        <a:lumMod val="60000"/>
+                        <a:lumOff val="40000"/>
+                      </a:schemeClr>
+                    </a:gs>
+                    <a:gs pos="87000">
+                      <a:schemeClr val="accent4">
+                        <a:lumMod val="20000"/>
+                        <a:lumOff val="80000"/>
+                      </a:schemeClr>
+                    </a:gs>
+                  </a:gsLst>
+                  <a:lin ang="5400000"/>
+                </a:gradFill>
+                <a:effectLst>
+                  <a:outerShdw blurRad="38100" dist="38100" dir="2700000" algn="tl">
+                    <a:srgbClr val="000000">
+                      <a:alpha val="43137"/>
+                    </a:srgbClr>
+                  </a:outerShdw>
+                </a:effectLst>
+                <a:latin typeface="IRANSans"/>
+              </a:rPr>
+              <a:t> Cognitive Dissonance</a:t>
+            </a:r>
+          </a:p>
+        </p:txBody>
+      </p:sp>
+      <p:sp>
+        <p:nvSpPr>
+          <p:cNvPr id="45" name="Rectangle 44"/>
+          <p:cNvSpPr/>
+          <p:nvPr/>
+        </p:nvSpPr>
+        <p:spPr>
+          <a:xfrm>
+            <a:off x="222069" y="3482285"/>
+            <a:ext cx="4101736" cy="307777"/>
+          </a:xfrm>
+          <a:prstGeom prst="rect">
+            <a:avLst/>
+          </a:prstGeom>
+        </p:spPr>
+        <p:txBody>
+          <a:bodyPr wrap="square">
+            <a:spAutoFit/>
+          </a:bodyPr>
+          <a:lstStyle/>
+          <a:p>
+            <a:pPr marL="285750" indent="-285750" algn="just" rtl="1">
+              <a:buFont typeface="Wingdings" panose="05000000000000000000" pitchFamily="2" charset="2"/>
+              <a:buChar char="ü"/>
+            </a:pPr>
+            <a:r>
+              <a:rPr lang="fa-IR" sz="1400" b="1" dirty="0">
+                <a:solidFill>
+                  <a:srgbClr val="111111"/>
+                </a:solidFill>
+                <a:latin typeface="IRANSans"/>
+                <a:cs typeface="B Nazanin" panose="00000400000000000000" pitchFamily="2" charset="-78"/>
+              </a:rPr>
+              <a:t> این ناهماهنگی‌ها، نوعی فشار ذهنی ایجاد </a:t>
+            </a:r>
+            <a:r>
+              <a:rPr lang="fa-IR" sz="1400" b="1" dirty="0" smtClean="0">
+                <a:solidFill>
+                  <a:srgbClr val="111111"/>
+                </a:solidFill>
+                <a:latin typeface="IRANSans"/>
+                <a:cs typeface="B Nazanin" panose="00000400000000000000" pitchFamily="2" charset="-78"/>
+              </a:rPr>
+              <a:t>می‌کنند</a:t>
+            </a:r>
+            <a:r>
+              <a:rPr lang="en-US" sz="1400" b="1" dirty="0" smtClean="0">
+                <a:solidFill>
+                  <a:srgbClr val="111111"/>
+                </a:solidFill>
+                <a:latin typeface="IRANSans"/>
+                <a:cs typeface="B Nazanin" panose="00000400000000000000" pitchFamily="2" charset="-78"/>
+              </a:rPr>
+              <a:t> .</a:t>
+            </a:r>
+            <a:endParaRPr lang="en-US" sz="1400" b="1" dirty="0">
+              <a:solidFill>
+                <a:srgbClr val="111111"/>
+              </a:solidFill>
+              <a:latin typeface="IRANSans"/>
+              <a:cs typeface="B Nazanin" panose="00000400000000000000" pitchFamily="2" charset="-78"/>
+            </a:endParaRPr>
+          </a:p>
+        </p:txBody>
+      </p:sp>
+      <p:sp>
+        <p:nvSpPr>
+          <p:cNvPr id="48" name="Rectangle 47"/>
+          <p:cNvSpPr/>
+          <p:nvPr/>
+        </p:nvSpPr>
+        <p:spPr>
+          <a:xfrm>
+            <a:off x="187365" y="3780977"/>
+            <a:ext cx="4628190" cy="307777"/>
+          </a:xfrm>
+          <a:prstGeom prst="rect">
+            <a:avLst/>
+          </a:prstGeom>
+        </p:spPr>
+        <p:txBody>
+          <a:bodyPr wrap="square">
+            <a:spAutoFit/>
+          </a:bodyPr>
+          <a:lstStyle/>
+          <a:p>
+            <a:pPr marL="285750" indent="-285750" algn="just" rtl="1">
+              <a:buFont typeface="Wingdings" panose="05000000000000000000" pitchFamily="2" charset="2"/>
+              <a:buChar char="ü"/>
+            </a:pPr>
+            <a:r>
+              <a:rPr lang="fa-IR" sz="1400" b="1" dirty="0">
+                <a:solidFill>
+                  <a:srgbClr val="111111"/>
+                </a:solidFill>
+                <a:latin typeface="IRANSans"/>
+                <a:cs typeface="B Nazanin" panose="00000400000000000000" pitchFamily="2" charset="-78"/>
+              </a:rPr>
+              <a:t>تحمل این ناهماهنگی‌ها برای مدت طولانی امکان‌پذیر نیست.</a:t>
+            </a:r>
+            <a:endParaRPr lang="en-US" sz="1400" b="1" dirty="0">
+              <a:solidFill>
+                <a:srgbClr val="111111"/>
+              </a:solidFill>
+              <a:latin typeface="IRANSans"/>
+              <a:cs typeface="B Nazanin" panose="00000400000000000000" pitchFamily="2" charset="-78"/>
+            </a:endParaRPr>
+          </a:p>
+        </p:txBody>
+      </p:sp>
+      <p:sp>
+        <p:nvSpPr>
+          <p:cNvPr id="49" name="Rectangle 48"/>
+          <p:cNvSpPr/>
+          <p:nvPr/>
+        </p:nvSpPr>
+        <p:spPr>
+          <a:xfrm>
+            <a:off x="-39187" y="4107356"/>
+            <a:ext cx="5614271" cy="307777"/>
+          </a:xfrm>
+          <a:prstGeom prst="rect">
+            <a:avLst/>
+          </a:prstGeom>
+        </p:spPr>
+        <p:txBody>
+          <a:bodyPr wrap="square">
+            <a:spAutoFit/>
+          </a:bodyPr>
+          <a:lstStyle/>
+          <a:p>
+            <a:pPr marL="285750" indent="-285750" algn="just" rtl="1">
+              <a:buFont typeface="Wingdings" panose="05000000000000000000" pitchFamily="2" charset="2"/>
+              <a:buChar char="ü"/>
+            </a:pPr>
+            <a:r>
+              <a:rPr lang="fa-IR" sz="1400" b="1" dirty="0">
+                <a:solidFill>
+                  <a:srgbClr val="111111"/>
+                </a:solidFill>
+                <a:latin typeface="IRANSans"/>
+                <a:cs typeface="B Nazanin" panose="00000400000000000000" pitchFamily="2" charset="-78"/>
+              </a:rPr>
+              <a:t>مکانیزم‌های متعددی برای </a:t>
+            </a:r>
+            <a:r>
+              <a:rPr lang="fa-IR" sz="1400" b="1" dirty="0">
+                <a:solidFill>
+                  <a:srgbClr val="C00000"/>
+                </a:solidFill>
+                <a:latin typeface="IRANSans"/>
+                <a:cs typeface="B Nazanin" panose="00000400000000000000" pitchFamily="2" charset="-78"/>
+              </a:rPr>
+              <a:t>کاهش و حذف این </a:t>
+            </a:r>
+            <a:r>
+              <a:rPr lang="fa-IR" sz="1400" b="1" dirty="0" smtClean="0">
+                <a:solidFill>
+                  <a:srgbClr val="C00000"/>
+                </a:solidFill>
+                <a:latin typeface="IRANSans"/>
+                <a:cs typeface="B Nazanin" panose="00000400000000000000" pitchFamily="2" charset="-78"/>
+              </a:rPr>
+              <a:t>تعارض‌ها </a:t>
+            </a:r>
+            <a:r>
+              <a:rPr lang="fa-IR" sz="1400" b="1" dirty="0">
+                <a:solidFill>
+                  <a:srgbClr val="111111"/>
+                </a:solidFill>
+                <a:latin typeface="IRANSans"/>
+                <a:cs typeface="B Nazanin" panose="00000400000000000000" pitchFamily="2" charset="-78"/>
+              </a:rPr>
+              <a:t>در ذهن وجود دارد</a:t>
+            </a:r>
+            <a:endParaRPr lang="en-US" sz="1400" b="1" dirty="0">
+              <a:solidFill>
+                <a:srgbClr val="111111"/>
+              </a:solidFill>
+              <a:latin typeface="IRANSans"/>
+              <a:cs typeface="B Nazanin" panose="00000400000000000000" pitchFamily="2" charset="-78"/>
+            </a:endParaRPr>
+          </a:p>
+        </p:txBody>
+      </p:sp>
+      <p:cxnSp>
+        <p:nvCxnSpPr>
+          <p:cNvPr id="51" name="Straight Arrow Connector 50"/>
+          <p:cNvCxnSpPr/>
+          <p:nvPr/>
+        </p:nvCxnSpPr>
+        <p:spPr>
+          <a:xfrm flipH="1" flipV="1">
+            <a:off x="4558939" y="3642360"/>
+            <a:ext cx="1401785" cy="230833"/>
+          </a:xfrm>
+          <a:prstGeom prst="straightConnector1">
+            <a:avLst/>
+          </a:prstGeom>
+          <a:ln w="28575">
+            <a:tailEnd type="triangle"/>
+          </a:ln>
+        </p:spPr>
+        <p:style>
+          <a:lnRef idx="2">
+            <a:schemeClr val="accent4"/>
+          </a:lnRef>
+          <a:fillRef idx="0">
+            <a:schemeClr val="accent4"/>
+          </a:fillRef>
+          <a:effectRef idx="1">
+            <a:schemeClr val="accent4"/>
+          </a:effectRef>
+          <a:fontRef idx="minor">
+            <a:schemeClr val="tx1"/>
+          </a:fontRef>
+        </p:style>
+      </p:cxnSp>
+      <p:cxnSp>
+        <p:nvCxnSpPr>
+          <p:cNvPr id="53" name="Straight Arrow Connector 52"/>
+          <p:cNvCxnSpPr/>
+          <p:nvPr/>
+        </p:nvCxnSpPr>
+        <p:spPr>
+          <a:xfrm flipH="1">
+            <a:off x="5037626" y="3873193"/>
+            <a:ext cx="857783" cy="77061"/>
+          </a:xfrm>
+          <a:prstGeom prst="straightConnector1">
+            <a:avLst/>
+          </a:prstGeom>
+          <a:ln w="28575">
+            <a:tailEnd type="triangle"/>
+          </a:ln>
+        </p:spPr>
+        <p:style>
+          <a:lnRef idx="2">
+            <a:schemeClr val="accent4"/>
+          </a:lnRef>
+          <a:fillRef idx="0">
+            <a:schemeClr val="accent4"/>
+          </a:fillRef>
+          <a:effectRef idx="1">
+            <a:schemeClr val="accent4"/>
+          </a:effectRef>
+          <a:fontRef idx="minor">
+            <a:schemeClr val="tx1"/>
+          </a:fontRef>
+        </p:style>
+      </p:cxnSp>
+      <p:cxnSp>
+        <p:nvCxnSpPr>
+          <p:cNvPr id="55" name="Straight Arrow Connector 54"/>
+          <p:cNvCxnSpPr/>
+          <p:nvPr/>
+        </p:nvCxnSpPr>
+        <p:spPr>
+          <a:xfrm flipH="1">
+            <a:off x="5561575" y="3860130"/>
+            <a:ext cx="386087" cy="279324"/>
+          </a:xfrm>
+          <a:prstGeom prst="straightConnector1">
+            <a:avLst/>
+          </a:prstGeom>
+          <a:ln w="28575">
+            <a:tailEnd type="triangle"/>
+          </a:ln>
+        </p:spPr>
+        <p:style>
+          <a:lnRef idx="2">
+            <a:schemeClr val="accent4"/>
+          </a:lnRef>
+          <a:fillRef idx="0">
+            <a:schemeClr val="accent4"/>
+          </a:fillRef>
+          <a:effectRef idx="1">
+            <a:schemeClr val="accent4"/>
+          </a:effectRef>
+          <a:fontRef idx="minor">
+            <a:schemeClr val="tx1"/>
+          </a:fontRef>
+        </p:style>
+      </p:cxnSp>
+      <p:cxnSp>
+        <p:nvCxnSpPr>
+          <p:cNvPr id="57" name="Straight Arrow Connector 56"/>
+          <p:cNvCxnSpPr/>
+          <p:nvPr/>
+        </p:nvCxnSpPr>
+        <p:spPr>
+          <a:xfrm flipH="1">
+            <a:off x="2111454" y="4463710"/>
+            <a:ext cx="508019" cy="356627"/>
+          </a:xfrm>
+          <a:prstGeom prst="straightConnector1">
+            <a:avLst/>
+          </a:prstGeom>
+          <a:ln w="28575">
+            <a:tailEnd type="triangle"/>
+          </a:ln>
+        </p:spPr>
+        <p:style>
+          <a:lnRef idx="1">
+            <a:schemeClr val="accent2"/>
+          </a:lnRef>
+          <a:fillRef idx="0">
+            <a:schemeClr val="accent2"/>
+          </a:fillRef>
+          <a:effectRef idx="0">
+            <a:schemeClr val="accent2"/>
+          </a:effectRef>
+          <a:fontRef idx="minor">
+            <a:schemeClr val="tx1"/>
+          </a:fontRef>
+        </p:style>
+      </p:cxnSp>
+      <p:sp>
+        <p:nvSpPr>
+          <p:cNvPr id="58" name="Rectangle 57"/>
+          <p:cNvSpPr/>
+          <p:nvPr/>
+        </p:nvSpPr>
+        <p:spPr>
+          <a:xfrm>
+            <a:off x="4884898" y="4879526"/>
+            <a:ext cx="595035" cy="369332"/>
+          </a:xfrm>
+          <a:prstGeom prst="rect">
+            <a:avLst/>
+          </a:prstGeom>
+        </p:spPr>
+        <p:txBody>
+          <a:bodyPr wrap="none">
+            <a:spAutoFit/>
+          </a:bodyPr>
+          <a:lstStyle/>
+          <a:p>
+            <a:r>
+              <a:rPr lang="fa-IR" b="1" dirty="0" smtClean="0">
+                <a:solidFill>
+                  <a:srgbClr val="111111"/>
+                </a:solidFill>
+                <a:latin typeface="IRANSans"/>
+                <a:cs typeface="B Nazanin" panose="00000400000000000000" pitchFamily="2" charset="-78"/>
+              </a:rPr>
+              <a:t>انکار </a:t>
+            </a:r>
+            <a:endParaRPr lang="en-US" b="1" dirty="0">
+              <a:cs typeface="B Nazanin" panose="00000400000000000000" pitchFamily="2" charset="-78"/>
+            </a:endParaRPr>
+          </a:p>
+        </p:txBody>
+      </p:sp>
+      <p:sp>
+        <p:nvSpPr>
+          <p:cNvPr id="59" name="Rectangle 58"/>
+          <p:cNvSpPr/>
+          <p:nvPr/>
+        </p:nvSpPr>
+        <p:spPr>
+          <a:xfrm>
+            <a:off x="2975822" y="4892589"/>
+            <a:ext cx="1654620" cy="338554"/>
+          </a:xfrm>
+          <a:prstGeom prst="rect">
+            <a:avLst/>
+          </a:prstGeom>
+        </p:spPr>
+        <p:txBody>
+          <a:bodyPr wrap="none">
+            <a:spAutoFit/>
+          </a:bodyPr>
+          <a:lstStyle/>
+          <a:p>
+            <a:r>
+              <a:rPr lang="fa-IR" sz="1600" b="1" dirty="0">
+                <a:solidFill>
+                  <a:srgbClr val="111111"/>
+                </a:solidFill>
+                <a:latin typeface="IRANSans"/>
+                <a:cs typeface="B Nazanin" panose="00000400000000000000" pitchFamily="2" charset="-78"/>
+              </a:rPr>
+              <a:t>تغییر رفتار و عادت‌ها</a:t>
+            </a:r>
+            <a:endParaRPr lang="en-US" sz="1600" b="1" dirty="0">
+              <a:solidFill>
+                <a:srgbClr val="111111"/>
+              </a:solidFill>
+              <a:latin typeface="IRANSans"/>
+              <a:cs typeface="B Nazanin" panose="00000400000000000000" pitchFamily="2" charset="-78"/>
+            </a:endParaRPr>
+          </a:p>
+        </p:txBody>
+      </p:sp>
+      <p:sp>
+        <p:nvSpPr>
+          <p:cNvPr id="60" name="Rectangle 59"/>
+          <p:cNvSpPr/>
+          <p:nvPr/>
+        </p:nvSpPr>
+        <p:spPr>
+          <a:xfrm>
+            <a:off x="218697" y="4851142"/>
+            <a:ext cx="2365625" cy="523220"/>
+          </a:xfrm>
+          <a:prstGeom prst="rect">
+            <a:avLst/>
+          </a:prstGeom>
+        </p:spPr>
+        <p:txBody>
+          <a:bodyPr wrap="square">
+            <a:spAutoFit/>
+          </a:bodyPr>
+          <a:lstStyle/>
+          <a:p>
+            <a:pPr algn="ctr"/>
+            <a:r>
+              <a:rPr lang="fa-IR" sz="1400" b="1" dirty="0">
+                <a:solidFill>
+                  <a:srgbClr val="111111"/>
+                </a:solidFill>
+                <a:latin typeface="IRANSans"/>
+                <a:cs typeface="B Nazanin" panose="00000400000000000000" pitchFamily="2" charset="-78"/>
+              </a:rPr>
+              <a:t>گردآوری یا ایجاد اطلاعات جدید (توسعه‌ی شناخت)</a:t>
+            </a:r>
+            <a:endParaRPr lang="en-US" sz="1400" b="1" dirty="0">
+              <a:solidFill>
+                <a:srgbClr val="111111"/>
+              </a:solidFill>
+              <a:latin typeface="IRANSans"/>
+              <a:cs typeface="B Nazanin" panose="00000400000000000000" pitchFamily="2" charset="-78"/>
+            </a:endParaRPr>
+          </a:p>
+        </p:txBody>
+      </p:sp>
+      <p:cxnSp>
+        <p:nvCxnSpPr>
+          <p:cNvPr id="61" name="Straight Arrow Connector 60"/>
+          <p:cNvCxnSpPr/>
+          <p:nvPr/>
+        </p:nvCxnSpPr>
+        <p:spPr>
+          <a:xfrm>
+            <a:off x="2627356" y="4485987"/>
+            <a:ext cx="506351" cy="390959"/>
+          </a:xfrm>
+          <a:prstGeom prst="straightConnector1">
+            <a:avLst/>
+          </a:prstGeom>
+          <a:ln w="28575">
+            <a:tailEnd type="triangle"/>
+          </a:ln>
+        </p:spPr>
+        <p:style>
+          <a:lnRef idx="1">
+            <a:schemeClr val="accent2"/>
+          </a:lnRef>
+          <a:fillRef idx="0">
+            <a:schemeClr val="accent2"/>
+          </a:fillRef>
+          <a:effectRef idx="0">
+            <a:schemeClr val="accent2"/>
+          </a:effectRef>
+          <a:fontRef idx="minor">
+            <a:schemeClr val="tx1"/>
+          </a:fontRef>
+        </p:style>
+      </p:cxnSp>
+      <p:cxnSp>
+        <p:nvCxnSpPr>
+          <p:cNvPr id="64" name="Straight Arrow Connector 63"/>
+          <p:cNvCxnSpPr/>
+          <p:nvPr/>
+        </p:nvCxnSpPr>
+        <p:spPr>
+          <a:xfrm>
+            <a:off x="2645153" y="4465948"/>
+            <a:ext cx="2262972" cy="453022"/>
+          </a:xfrm>
+          <a:prstGeom prst="straightConnector1">
+            <a:avLst/>
+          </a:prstGeom>
+          <a:ln w="28575">
+            <a:tailEnd type="triangle"/>
+          </a:ln>
+        </p:spPr>
+        <p:style>
+          <a:lnRef idx="1">
+            <a:schemeClr val="accent2"/>
+          </a:lnRef>
+          <a:fillRef idx="0">
+            <a:schemeClr val="accent2"/>
+          </a:fillRef>
+          <a:effectRef idx="0">
+            <a:schemeClr val="accent2"/>
+          </a:effectRef>
+          <a:fontRef idx="minor">
+            <a:schemeClr val="tx1"/>
+          </a:fontRef>
+        </p:style>
+      </p:cxnSp>
+      <p:sp>
+        <p:nvSpPr>
+          <p:cNvPr id="67" name="Rectangle 66"/>
+          <p:cNvSpPr/>
+          <p:nvPr/>
+        </p:nvSpPr>
+        <p:spPr>
+          <a:xfrm>
+            <a:off x="4713326" y="5395282"/>
+            <a:ext cx="1613177" cy="461665"/>
+          </a:xfrm>
+          <a:prstGeom prst="rect">
+            <a:avLst/>
+          </a:prstGeom>
+        </p:spPr>
+        <p:txBody>
+          <a:bodyPr wrap="square">
+            <a:spAutoFit/>
+          </a:bodyPr>
+          <a:lstStyle/>
+          <a:p>
+            <a:pPr algn="ctr"/>
+            <a:r>
+              <a:rPr lang="fa-IR" sz="1200" dirty="0" smtClean="0">
+                <a:solidFill>
+                  <a:srgbClr val="111111"/>
+                </a:solidFill>
+                <a:latin typeface="IRANSans"/>
+                <a:cs typeface="B Nazanin" panose="00000400000000000000" pitchFamily="2" charset="-78"/>
+              </a:rPr>
+              <a:t>من نگفتم سیگار نمیکشم گفتم کمتر میکشم .</a:t>
+            </a:r>
+            <a:endParaRPr lang="en-US" sz="1200" dirty="0"/>
+          </a:p>
+        </p:txBody>
+      </p:sp>
+      <p:sp>
+        <p:nvSpPr>
+          <p:cNvPr id="68" name="Rectangle 67"/>
+          <p:cNvSpPr/>
+          <p:nvPr/>
+        </p:nvSpPr>
+        <p:spPr>
+          <a:xfrm>
+            <a:off x="3238210" y="5430302"/>
+            <a:ext cx="1613177" cy="461665"/>
+          </a:xfrm>
+          <a:prstGeom prst="rect">
+            <a:avLst/>
+          </a:prstGeom>
+        </p:spPr>
+        <p:txBody>
+          <a:bodyPr wrap="square">
+            <a:spAutoFit/>
+          </a:bodyPr>
+          <a:lstStyle/>
+          <a:p>
+            <a:pPr algn="ctr" rtl="1"/>
+            <a:r>
+              <a:rPr lang="fa-IR" sz="1200" dirty="0" smtClean="0">
+                <a:solidFill>
+                  <a:srgbClr val="111111"/>
+                </a:solidFill>
+                <a:latin typeface="IRANSans"/>
+                <a:cs typeface="B Nazanin" panose="00000400000000000000" pitchFamily="2" charset="-78"/>
+              </a:rPr>
+              <a:t>از این به بعد سیگار رو ترک میکنم .</a:t>
+            </a:r>
+            <a:endParaRPr lang="en-US" sz="1200" dirty="0"/>
+          </a:p>
+        </p:txBody>
+      </p:sp>
+      <p:sp>
+        <p:nvSpPr>
+          <p:cNvPr id="69" name="Rectangle 68"/>
+          <p:cNvSpPr/>
+          <p:nvPr/>
+        </p:nvSpPr>
+        <p:spPr>
+          <a:xfrm>
+            <a:off x="130629" y="5430302"/>
+            <a:ext cx="3304903" cy="461665"/>
+          </a:xfrm>
+          <a:prstGeom prst="rect">
+            <a:avLst/>
+          </a:prstGeom>
+        </p:spPr>
+        <p:txBody>
+          <a:bodyPr wrap="square">
+            <a:spAutoFit/>
+          </a:bodyPr>
+          <a:lstStyle/>
+          <a:p>
+            <a:pPr algn="ctr"/>
+            <a:r>
+              <a:rPr lang="fa-IR" sz="1200" dirty="0">
+                <a:solidFill>
+                  <a:srgbClr val="111111"/>
+                </a:solidFill>
+                <a:latin typeface="IRANSans"/>
+                <a:cs typeface="B Nazanin" panose="00000400000000000000" pitchFamily="2" charset="-78"/>
+              </a:rPr>
+              <a:t>اصلاً همین که من در شبکه‌های اجتماعی عضو هستم و چند اکانت بسیار فاخر و علمی را دنبال می‌کنم، خود شکلی از مطالعه است</a:t>
+            </a:r>
+            <a:endParaRPr lang="en-US" sz="1200" dirty="0">
+              <a:solidFill>
+                <a:srgbClr val="111111"/>
+              </a:solidFill>
+              <a:latin typeface="IRANSans"/>
+              <a:cs typeface="B Nazanin" panose="00000400000000000000" pitchFamily="2" charset="-78"/>
+            </a:endParaRPr>
+          </a:p>
+        </p:txBody>
+      </p:sp>
+      <p:sp>
+        <p:nvSpPr>
+          <p:cNvPr id="70" name="Rectangle 69"/>
+          <p:cNvSpPr/>
+          <p:nvPr/>
+        </p:nvSpPr>
+        <p:spPr>
+          <a:xfrm>
+            <a:off x="192625" y="6040267"/>
+            <a:ext cx="3180909" cy="461665"/>
+          </a:xfrm>
+          <a:prstGeom prst="rect">
+            <a:avLst/>
+          </a:prstGeom>
+        </p:spPr>
+        <p:txBody>
+          <a:bodyPr wrap="square">
+            <a:spAutoFit/>
+          </a:bodyPr>
+          <a:lstStyle/>
+          <a:p>
+            <a:pPr algn="ctr" rtl="1"/>
+            <a:r>
+              <a:rPr lang="fa-IR" sz="1200" dirty="0" smtClean="0">
+                <a:solidFill>
+                  <a:srgbClr val="111111"/>
+                </a:solidFill>
+                <a:latin typeface="IRANSans"/>
+                <a:cs typeface="B Nazanin" panose="00000400000000000000" pitchFamily="2" charset="-78"/>
+              </a:rPr>
+              <a:t>اصلاً </a:t>
+            </a:r>
+            <a:r>
+              <a:rPr lang="fa-IR" sz="1200" dirty="0">
+                <a:solidFill>
+                  <a:srgbClr val="111111"/>
+                </a:solidFill>
+                <a:latin typeface="IRANSans"/>
+                <a:cs typeface="B Nazanin" panose="00000400000000000000" pitchFamily="2" charset="-78"/>
+              </a:rPr>
+              <a:t>چیزی که من دادم، رشوه نبود؛ چون ارزش مادی چندانی </a:t>
+            </a:r>
+            <a:r>
+              <a:rPr lang="fa-IR" sz="1200" dirty="0" smtClean="0">
+                <a:solidFill>
+                  <a:srgbClr val="111111"/>
+                </a:solidFill>
+                <a:latin typeface="IRANSans"/>
+                <a:cs typeface="B Nazanin" panose="00000400000000000000" pitchFamily="2" charset="-78"/>
+              </a:rPr>
+              <a:t>نداشت . من زیرکانه نگاهش رو تغییر دادم </a:t>
+            </a:r>
+            <a:endParaRPr lang="en-US" sz="1200" dirty="0">
+              <a:solidFill>
+                <a:srgbClr val="111111"/>
+              </a:solidFill>
+              <a:latin typeface="IRANSans"/>
+              <a:cs typeface="B Nazanin" panose="00000400000000000000" pitchFamily="2" charset="-78"/>
+            </a:endParaRPr>
+          </a:p>
+        </p:txBody>
+      </p:sp>
+      <p:sp>
+        <p:nvSpPr>
+          <p:cNvPr id="71" name="Rectangle 70"/>
+          <p:cNvSpPr/>
+          <p:nvPr/>
+        </p:nvSpPr>
+        <p:spPr>
+          <a:xfrm>
+            <a:off x="3305365" y="5965840"/>
+            <a:ext cx="1579534" cy="461665"/>
+          </a:xfrm>
+          <a:prstGeom prst="rect">
+            <a:avLst/>
+          </a:prstGeom>
+        </p:spPr>
+        <p:txBody>
+          <a:bodyPr wrap="square">
+            <a:spAutoFit/>
+          </a:bodyPr>
+          <a:lstStyle/>
+          <a:p>
+            <a:pPr algn="ctr" rtl="1"/>
+            <a:r>
+              <a:rPr lang="fa-IR" sz="1200" dirty="0" smtClean="0">
+                <a:solidFill>
+                  <a:srgbClr val="111111"/>
+                </a:solidFill>
+                <a:latin typeface="IRANSans"/>
+                <a:cs typeface="B Nazanin" panose="00000400000000000000" pitchFamily="2" charset="-78"/>
+              </a:rPr>
+              <a:t>سعی میکنم زمانی رو برای مطالعه بیشتر پیدا کنم .</a:t>
+            </a:r>
+            <a:endParaRPr lang="en-US" sz="1200" dirty="0"/>
+          </a:p>
+        </p:txBody>
+      </p:sp>
+      <p:cxnSp>
+        <p:nvCxnSpPr>
+          <p:cNvPr id="76" name="Straight Connector 75"/>
+          <p:cNvCxnSpPr/>
+          <p:nvPr/>
+        </p:nvCxnSpPr>
+        <p:spPr>
+          <a:xfrm>
+            <a:off x="3354217" y="5436357"/>
+            <a:ext cx="81315" cy="1127130"/>
+          </a:xfrm>
+          <a:prstGeom prst="line">
+            <a:avLst/>
+          </a:prstGeom>
+          <a:ln w="28575">
+            <a:prstDash val="sysDash"/>
+          </a:ln>
+        </p:spPr>
+        <p:style>
+          <a:lnRef idx="1">
+            <a:schemeClr val="accent1"/>
+          </a:lnRef>
+          <a:fillRef idx="0">
+            <a:schemeClr val="accent1"/>
+          </a:fillRef>
+          <a:effectRef idx="0">
+            <a:schemeClr val="accent1"/>
+          </a:effectRef>
+          <a:fontRef idx="minor">
+            <a:schemeClr val="tx1"/>
+          </a:fontRef>
+        </p:style>
+      </p:cxnSp>
+      <p:cxnSp>
+        <p:nvCxnSpPr>
+          <p:cNvPr id="77" name="Straight Connector 76"/>
+          <p:cNvCxnSpPr/>
+          <p:nvPr/>
+        </p:nvCxnSpPr>
+        <p:spPr>
+          <a:xfrm>
+            <a:off x="4789813" y="5486024"/>
+            <a:ext cx="107725" cy="1077463"/>
+          </a:xfrm>
+          <a:prstGeom prst="line">
+            <a:avLst/>
+          </a:prstGeom>
+          <a:ln w="28575">
+            <a:prstDash val="sysDash"/>
+          </a:ln>
+        </p:spPr>
+        <p:style>
+          <a:lnRef idx="1">
+            <a:schemeClr val="accent1"/>
+          </a:lnRef>
+          <a:fillRef idx="0">
+            <a:schemeClr val="accent1"/>
+          </a:fillRef>
+          <a:effectRef idx="0">
+            <a:schemeClr val="accent1"/>
+          </a:effectRef>
+          <a:fontRef idx="minor">
+            <a:schemeClr val="tx1"/>
+          </a:fontRef>
+        </p:style>
+      </p:cxnSp>
+      <p:sp>
+        <p:nvSpPr>
+          <p:cNvPr id="83" name="Rectangle 82"/>
+          <p:cNvSpPr/>
+          <p:nvPr/>
+        </p:nvSpPr>
+        <p:spPr>
+          <a:xfrm>
+            <a:off x="6016361" y="5529251"/>
+            <a:ext cx="5760720" cy="646331"/>
+          </a:xfrm>
+          <a:prstGeom prst="rect">
+            <a:avLst/>
+          </a:prstGeom>
+        </p:spPr>
+        <p:txBody>
+          <a:bodyPr wrap="square">
+            <a:spAutoFit/>
+          </a:bodyPr>
+          <a:lstStyle/>
+          <a:p>
+            <a:pPr algn="ctr"/>
+            <a:r>
+              <a:rPr lang="fa-IR" b="1" dirty="0">
+                <a:solidFill>
+                  <a:srgbClr val="111111"/>
+                </a:solidFill>
+                <a:latin typeface="IRANSans"/>
+                <a:cs typeface="B Nazanin" panose="00000400000000000000" pitchFamily="2" charset="-78"/>
+              </a:rPr>
+              <a:t>یکی از مهمترین نتایح </a:t>
+            </a:r>
+            <a:r>
+              <a:rPr lang="fa-IR" b="1" dirty="0" smtClean="0">
+                <a:solidFill>
+                  <a:srgbClr val="111111"/>
+                </a:solidFill>
+                <a:latin typeface="IRANSans"/>
+                <a:cs typeface="B Nazanin" panose="00000400000000000000" pitchFamily="2" charset="-78"/>
+              </a:rPr>
+              <a:t>ناهماهنگی یا تعارض شناختی که به</a:t>
+            </a:r>
+            <a:r>
+              <a:rPr lang="fa-IR" b="1" dirty="0">
+                <a:solidFill>
+                  <a:srgbClr val="111111"/>
+                </a:solidFill>
+                <a:latin typeface="IRANSans"/>
+                <a:cs typeface="B Nazanin" panose="00000400000000000000" pitchFamily="2" charset="-78"/>
+              </a:rPr>
+              <a:t> تصمیم </a:t>
+            </a:r>
+            <a:r>
+              <a:rPr lang="fa-IR" b="1" dirty="0" smtClean="0">
+                <a:solidFill>
+                  <a:srgbClr val="111111"/>
+                </a:solidFill>
+                <a:latin typeface="IRANSans"/>
+                <a:cs typeface="B Nazanin" panose="00000400000000000000" pitchFamily="2" charset="-78"/>
+              </a:rPr>
+              <a:t>گیری </a:t>
+            </a:r>
+            <a:r>
+              <a:rPr lang="fa-IR" b="1" dirty="0">
+                <a:solidFill>
+                  <a:srgbClr val="111111"/>
+                </a:solidFill>
+                <a:latin typeface="IRANSans"/>
+                <a:cs typeface="B Nazanin" panose="00000400000000000000" pitchFamily="2" charset="-78"/>
+              </a:rPr>
+              <a:t>ارتباط دارد، </a:t>
+            </a:r>
+            <a:r>
+              <a:rPr lang="fa-IR" b="1" dirty="0">
+                <a:solidFill>
+                  <a:srgbClr val="C00000"/>
+                </a:solidFill>
+                <a:latin typeface="IRANSans"/>
+                <a:cs typeface="B Nazanin" panose="00000400000000000000" pitchFamily="2" charset="-78"/>
+              </a:rPr>
+              <a:t>کوری تصمیم گیری</a:t>
+            </a:r>
+            <a:r>
+              <a:rPr lang="fa-IR" b="1" dirty="0">
+                <a:solidFill>
+                  <a:srgbClr val="111111"/>
+                </a:solidFill>
+                <a:latin typeface="IRANSans"/>
+                <a:cs typeface="B Nazanin" panose="00000400000000000000" pitchFamily="2" charset="-78"/>
+              </a:rPr>
+              <a:t> یا </a:t>
+            </a:r>
+            <a:r>
+              <a:rPr lang="fa-IR" b="1" dirty="0">
+                <a:solidFill>
+                  <a:srgbClr val="C00000"/>
+                </a:solidFill>
+                <a:latin typeface="IRANSans"/>
+                <a:cs typeface="B Nazanin" panose="00000400000000000000" pitchFamily="2" charset="-78"/>
+              </a:rPr>
+              <a:t>نابینایی در تحلیل </a:t>
+            </a:r>
+            <a:r>
+              <a:rPr lang="fa-IR" b="1" dirty="0" smtClean="0">
+                <a:solidFill>
+                  <a:srgbClr val="C00000"/>
+                </a:solidFill>
+                <a:latin typeface="IRANSans"/>
+                <a:cs typeface="B Nazanin" panose="00000400000000000000" pitchFamily="2" charset="-78"/>
+              </a:rPr>
+              <a:t>انتخاب‌ها </a:t>
+            </a:r>
+            <a:r>
+              <a:rPr lang="fa-IR" b="1" dirty="0" smtClean="0">
+                <a:solidFill>
+                  <a:srgbClr val="111111"/>
+                </a:solidFill>
+                <a:latin typeface="IRANSans"/>
+                <a:cs typeface="B Nazanin" panose="00000400000000000000" pitchFamily="2" charset="-78"/>
+              </a:rPr>
+              <a:t>ست</a:t>
+            </a:r>
+            <a:r>
+              <a:rPr lang="fa-IR" b="1" dirty="0">
+                <a:solidFill>
+                  <a:srgbClr val="111111"/>
+                </a:solidFill>
+                <a:latin typeface="IRANSans"/>
+                <a:cs typeface="B Nazanin" panose="00000400000000000000" pitchFamily="2" charset="-78"/>
+              </a:rPr>
+              <a:t>.</a:t>
+            </a:r>
+            <a:endParaRPr lang="en-US" b="1" dirty="0">
+              <a:solidFill>
+                <a:srgbClr val="111111"/>
+              </a:solidFill>
+              <a:latin typeface="IRANSans"/>
+              <a:cs typeface="B Nazanin" panose="00000400000000000000" pitchFamily="2" charset="-78"/>
+            </a:endParaRPr>
+          </a:p>
+        </p:txBody>
+      </p:sp>
+      <p:sp>
+        <p:nvSpPr>
+          <p:cNvPr id="84" name="Rectangle 83"/>
+          <p:cNvSpPr/>
+          <p:nvPr/>
+        </p:nvSpPr>
+        <p:spPr>
+          <a:xfrm>
+            <a:off x="6954780" y="6175582"/>
+            <a:ext cx="1673856" cy="338554"/>
+          </a:xfrm>
+          <a:prstGeom prst="rect">
+            <a:avLst/>
+          </a:prstGeom>
+        </p:spPr>
+        <p:txBody>
+          <a:bodyPr wrap="none">
+            <a:spAutoFit/>
+          </a:bodyPr>
+          <a:lstStyle/>
+          <a:p>
+            <a:r>
+              <a:rPr lang="en-US" sz="1600" b="1" dirty="0" smtClean="0"/>
+              <a:t>Choice </a:t>
+            </a:r>
+            <a:r>
+              <a:rPr lang="en-US" sz="1600" b="1" dirty="0"/>
+              <a:t>Blindness</a:t>
+            </a:r>
+          </a:p>
+        </p:txBody>
+      </p:sp>
+      <p:sp>
+        <p:nvSpPr>
+          <p:cNvPr id="85" name="Rectangle 84"/>
+          <p:cNvSpPr/>
+          <p:nvPr/>
+        </p:nvSpPr>
+        <p:spPr>
+          <a:xfrm>
+            <a:off x="8896721" y="6175582"/>
+            <a:ext cx="1872629" cy="338554"/>
+          </a:xfrm>
+          <a:prstGeom prst="rect">
+            <a:avLst/>
+          </a:prstGeom>
+        </p:spPr>
+        <p:txBody>
+          <a:bodyPr wrap="none">
+            <a:spAutoFit/>
+          </a:bodyPr>
+          <a:lstStyle/>
+          <a:p>
+            <a:r>
+              <a:rPr lang="en-US" sz="1600" b="1" dirty="0"/>
+              <a:t>Decision Blindness </a:t>
+            </a:r>
+          </a:p>
+        </p:txBody>
+      </p:sp>
     </p:spTree>
     <p:extLst>
       <p:ext uri="{BB962C8B-B14F-4D97-AF65-F5344CB8AC3E}">
-        <p14:creationId xmlns:p14="http://schemas.microsoft.com/office/powerpoint/2010/main" val="3908961793"/>
+        <p14:creationId xmlns:p14="http://schemas.microsoft.com/office/powerpoint/2010/main" val="872637532"/>
       </p:ext>
     </p:extLst>
   </p:cSld>
@@ -12478,24 +14623,48 @@
         </p:nvSpPr>
         <p:spPr>
           <a:xfrm>
-            <a:off x="1169125" y="425299"/>
+            <a:off x="1449977" y="412236"/>
             <a:ext cx="9875520" cy="709749"/>
           </a:xfrm>
         </p:spPr>
         <p:txBody>
-          <a:bodyPr>
-            <a:normAutofit fontScale="90000"/>
+          <a:bodyPr vert="horz" lIns="91440" tIns="45720" rIns="91440" bIns="45720" rtlCol="0" anchor="ctr">
+            <a:normAutofit/>
           </a:bodyPr>
           <a:lstStyle/>
           <a:p>
             <a:pPr algn="r"/>
             <a:r>
-              <a:rPr lang="fa-IR" sz="4800" dirty="0" smtClean="0">
-                <a:cs typeface="B Nazanin" panose="00000400000000000000" pitchFamily="2" charset="-78"/>
-              </a:rPr>
-              <a:t>تصمیم گیری چیست ؟</a:t>
-            </a:r>
-            <a:endParaRPr lang="en-US" sz="4800" dirty="0">
+              <a:rPr lang="fa-IR" sz="3600" dirty="0">
+                <a:cs typeface="B Nazanin" panose="00000400000000000000" pitchFamily="2" charset="-78"/>
+              </a:rPr>
+              <a:t>تعارض </a:t>
+            </a:r>
+            <a:r>
+              <a:rPr lang="fa-IR" sz="3600" dirty="0">
+                <a:cs typeface="B Nazanin" panose="00000400000000000000" pitchFamily="2" charset="-78"/>
+              </a:rPr>
+              <a:t>شناختی </a:t>
+            </a:r>
+            <a:r>
+              <a:rPr lang="fa-IR" sz="3600" dirty="0">
+                <a:cs typeface="B Nazanin" panose="00000400000000000000" pitchFamily="2" charset="-78"/>
+              </a:rPr>
+              <a:t>( کوری </a:t>
+            </a:r>
+            <a:r>
+              <a:rPr lang="fa-IR" sz="3600" dirty="0">
+                <a:cs typeface="B Nazanin" panose="00000400000000000000" pitchFamily="2" charset="-78"/>
+              </a:rPr>
+              <a:t>تصمیم </a:t>
+            </a:r>
+            <a:r>
+              <a:rPr lang="fa-IR" sz="3600" dirty="0">
+                <a:cs typeface="B Nazanin" panose="00000400000000000000" pitchFamily="2" charset="-78"/>
+              </a:rPr>
+              <a:t>گیری )</a:t>
+            </a:r>
+            <a:endParaRPr lang="fa-IR" sz="3600" dirty="0">
               <a:cs typeface="B Nazanin" panose="00000400000000000000" pitchFamily="2" charset="-78"/>
             </a:endParaRPr>
           </a:p>
@@ -12531,10 +14700,914 @@
           </a:fontRef>
         </p:style>
       </p:cxnSp>
+      <p:sp>
+        <p:nvSpPr>
+          <p:cNvPr id="3" name="Rectangle 2"/>
+          <p:cNvSpPr/>
+          <p:nvPr/>
+        </p:nvSpPr>
+        <p:spPr>
+          <a:xfrm>
+            <a:off x="698861" y="1449364"/>
+            <a:ext cx="10816045" cy="646331"/>
+          </a:xfrm>
+          <a:prstGeom prst="rect">
+            <a:avLst/>
+          </a:prstGeom>
+        </p:spPr>
+        <p:txBody>
+          <a:bodyPr wrap="square">
+            <a:spAutoFit/>
+          </a:bodyPr>
+          <a:lstStyle/>
+          <a:p>
+            <a:pPr algn="justLow" rtl="1"/>
+            <a:r>
+              <a:rPr lang="fa-IR" b="1" dirty="0">
+                <a:solidFill>
+                  <a:srgbClr val="C00000"/>
+                </a:solidFill>
+                <a:latin typeface="IRANSans"/>
+                <a:cs typeface="B Nazanin" panose="00000400000000000000" pitchFamily="2" charset="-78"/>
+              </a:rPr>
+              <a:t>کوری تصمیم گیری</a:t>
+            </a:r>
+            <a:r>
+              <a:rPr lang="fa-IR" dirty="0">
+                <a:solidFill>
+                  <a:srgbClr val="111111"/>
+                </a:solidFill>
+                <a:latin typeface="IRANSans"/>
+                <a:cs typeface="B Nazanin" panose="00000400000000000000" pitchFamily="2" charset="-78"/>
+              </a:rPr>
+              <a:t> به این معناست که ما گاهی خاطرات مربوط به شرایط تصمیم‌گیری خود را (خصوصاً با گذر زمان و فراموش کردن جزئیات) فراموش می‌کنیم. اما متوجه این وضعیت نمی‌شویم و درک نمی‌کنیم که اکنون نسبت به مکانیزم انتخاب خود در گذشته، بینایی کافی نداریم.</a:t>
+            </a:r>
+            <a:endParaRPr lang="en-US" dirty="0">
+              <a:solidFill>
+                <a:srgbClr val="111111"/>
+              </a:solidFill>
+              <a:latin typeface="IRANSans"/>
+              <a:cs typeface="B Nazanin" panose="00000400000000000000" pitchFamily="2" charset="-78"/>
+            </a:endParaRPr>
+          </a:p>
+        </p:txBody>
+      </p:sp>
+      <p:grpSp>
+        <p:nvGrpSpPr>
+          <p:cNvPr id="6" name="Group 5"/>
+          <p:cNvGrpSpPr/>
+          <p:nvPr/>
+        </p:nvGrpSpPr>
+        <p:grpSpPr>
+          <a:xfrm>
+            <a:off x="698862" y="2264897"/>
+            <a:ext cx="10816045" cy="1785105"/>
+            <a:chOff x="613954" y="2686482"/>
+            <a:chExt cx="10816045" cy="1785105"/>
+          </a:xfrm>
+        </p:grpSpPr>
+        <p:sp>
+          <p:nvSpPr>
+            <p:cNvPr id="4" name="Rectangle 3"/>
+            <p:cNvSpPr/>
+            <p:nvPr/>
+          </p:nvSpPr>
+          <p:spPr>
+            <a:xfrm>
+              <a:off x="613954" y="2686482"/>
+              <a:ext cx="10816045" cy="400110"/>
+            </a:xfrm>
+            <a:prstGeom prst="rect">
+              <a:avLst/>
+            </a:prstGeom>
+            <a:solidFill>
+              <a:schemeClr val="accent4">
+                <a:lumMod val="40000"/>
+                <a:lumOff val="60000"/>
+              </a:schemeClr>
+            </a:solidFill>
+          </p:spPr>
+          <p:style>
+            <a:lnRef idx="2">
+              <a:schemeClr val="accent2"/>
+            </a:lnRef>
+            <a:fillRef idx="1">
+              <a:schemeClr val="lt1"/>
+            </a:fillRef>
+            <a:effectRef idx="0">
+              <a:schemeClr val="accent2"/>
+            </a:effectRef>
+            <a:fontRef idx="minor">
+              <a:schemeClr val="dk1"/>
+            </a:fontRef>
+          </p:style>
+          <p:txBody>
+            <a:bodyPr wrap="square">
+              <a:spAutoFit/>
+            </a:bodyPr>
+            <a:lstStyle/>
+            <a:p>
+              <a:pPr algn="justLow" rtl="1"/>
+              <a:r>
+                <a:rPr lang="fa-IR" sz="2000" b="1" dirty="0">
+                  <a:solidFill>
+                    <a:schemeClr val="tx1">
+                      <a:lumMod val="95000"/>
+                      <a:lumOff val="5000"/>
+                    </a:schemeClr>
+                  </a:solidFill>
+                  <a:latin typeface="IRANSans"/>
+                  <a:cs typeface="B Nazanin" panose="00000400000000000000" pitchFamily="2" charset="-78"/>
+                </a:rPr>
+                <a:t>آزمایش پیتر یوهانسن و </a:t>
+              </a:r>
+              <a:r>
+                <a:rPr lang="fa-IR" sz="2000" b="1" dirty="0" smtClean="0">
+                  <a:solidFill>
+                    <a:schemeClr val="tx1">
+                      <a:lumMod val="95000"/>
+                      <a:lumOff val="5000"/>
+                    </a:schemeClr>
+                  </a:solidFill>
+                  <a:latin typeface="IRANSans"/>
+                  <a:cs typeface="B Nazanin" panose="00000400000000000000" pitchFamily="2" charset="-78"/>
+                </a:rPr>
+                <a:t>همکارانش</a:t>
+              </a:r>
+            </a:p>
+          </p:txBody>
+        </p:sp>
+        <p:sp>
+          <p:nvSpPr>
+            <p:cNvPr id="5" name="Rectangle 4"/>
+            <p:cNvSpPr/>
+            <p:nvPr/>
+          </p:nvSpPr>
+          <p:spPr>
+            <a:xfrm>
+              <a:off x="613954" y="3086592"/>
+              <a:ext cx="10816045" cy="1384995"/>
+            </a:xfrm>
+            <a:prstGeom prst="rect">
+              <a:avLst/>
+            </a:prstGeom>
+            <a:solidFill>
+              <a:schemeClr val="accent4">
+                <a:lumMod val="20000"/>
+                <a:lumOff val="80000"/>
+              </a:schemeClr>
+            </a:solidFill>
+          </p:spPr>
+          <p:style>
+            <a:lnRef idx="2">
+              <a:schemeClr val="accent2"/>
+            </a:lnRef>
+            <a:fillRef idx="1">
+              <a:schemeClr val="lt1"/>
+            </a:fillRef>
+            <a:effectRef idx="0">
+              <a:schemeClr val="accent2"/>
+            </a:effectRef>
+            <a:fontRef idx="minor">
+              <a:schemeClr val="dk1"/>
+            </a:fontRef>
+          </p:style>
+          <p:txBody>
+            <a:bodyPr wrap="square">
+              <a:spAutoFit/>
+            </a:bodyPr>
+            <a:lstStyle/>
+            <a:p>
+              <a:pPr algn="justLow" rtl="1"/>
+              <a:r>
+                <a:rPr lang="fa-IR" sz="1400" b="1" dirty="0">
+                  <a:solidFill>
+                    <a:schemeClr val="tx1">
+                      <a:lumMod val="95000"/>
+                      <a:lumOff val="5000"/>
+                    </a:schemeClr>
+                  </a:solidFill>
+                  <a:latin typeface="IRANSans"/>
+                  <a:cs typeface="B Nazanin" panose="00000400000000000000" pitchFamily="2" charset="-78"/>
+                </a:rPr>
+                <a:t>پیتر یوهانسن و همکارانش چند زوج عکس چهره را به افراد مختلف نشان می‌دادند و می‌گفتند که در هر زوج، کدام چهره زیباتر است؟</a:t>
+              </a:r>
+            </a:p>
+            <a:p>
+              <a:pPr algn="justLow" rtl="1"/>
+              <a:r>
+                <a:rPr lang="fa-IR" sz="1400" b="1" dirty="0">
+                  <a:solidFill>
+                    <a:schemeClr val="tx1">
+                      <a:lumMod val="95000"/>
+                      <a:lumOff val="5000"/>
+                    </a:schemeClr>
+                  </a:solidFill>
+                  <a:latin typeface="IRANSans"/>
+                  <a:cs typeface="B Nazanin" panose="00000400000000000000" pitchFamily="2" charset="-78"/>
+                </a:rPr>
+                <a:t>بعد از مدتی، عکسی را دوباره به همان افراد نشان دادند و پرسیدند: چرا این چهره را انتخاب کردی؟</a:t>
+              </a:r>
+            </a:p>
+            <a:p>
+              <a:pPr algn="justLow" rtl="1"/>
+              <a:r>
+                <a:rPr lang="fa-IR" sz="1400" b="1" dirty="0">
+                  <a:solidFill>
+                    <a:schemeClr val="tx1">
+                      <a:lumMod val="95000"/>
+                      <a:lumOff val="5000"/>
+                    </a:schemeClr>
+                  </a:solidFill>
+                  <a:latin typeface="IRANSans"/>
+                  <a:cs typeface="B Nazanin" panose="00000400000000000000" pitchFamily="2" charset="-78"/>
+                </a:rPr>
+                <a:t>اما یک کار زیرکانه انجام شده بود: عکس‌هایی که به افراد نشان می‌دادند، عکس‌های انتخاب شده‌ی آن‌ها نبود.</a:t>
+              </a:r>
+            </a:p>
+            <a:p>
+              <a:pPr algn="justLow" rtl="1"/>
+              <a:r>
+                <a:rPr lang="fa-IR" sz="1400" b="1" dirty="0">
+                  <a:solidFill>
+                    <a:schemeClr val="tx1">
+                      <a:lumMod val="95000"/>
+                      <a:lumOff val="5000"/>
+                    </a:schemeClr>
+                  </a:solidFill>
+                  <a:latin typeface="IRANSans"/>
+                  <a:cs typeface="B Nazanin" panose="00000400000000000000" pitchFamily="2" charset="-78"/>
+                </a:rPr>
+                <a:t>جز درصد کمی از افراد (حدود ۱۰٪)، هیچ‌کس نفهمید که این عکس‌ها را انتخاب نکرده بوده و اتفاقاً همگی، با انواع توضیحات و توصیفات، علت زیباتر بودنِ عکس را شرح دادند.</a:t>
+              </a:r>
+            </a:p>
+            <a:p>
+              <a:pPr algn="justLow" rtl="1"/>
+              <a:r>
+                <a:rPr lang="fa-IR" sz="1400" b="1" dirty="0">
+                  <a:solidFill>
+                    <a:schemeClr val="tx1">
+                      <a:lumMod val="95000"/>
+                      <a:lumOff val="5000"/>
+                    </a:schemeClr>
+                  </a:solidFill>
+                  <a:latin typeface="IRANSans"/>
+                  <a:cs typeface="B Nazanin" panose="00000400000000000000" pitchFamily="2" charset="-78"/>
+                </a:rPr>
+                <a:t>جالب این‌جاست که ۸۴٪ شرکت‌کنندگان در پایان آزمایش، در پاسخ به این سوال که آیا تعویض عکس‌ها را متوجه می‌شوید، گفته بودند که حتماً تغییر و تعویض عکس‌ها را متوجه خواهند شد.</a:t>
+              </a:r>
+              <a:endParaRPr lang="fa-IR" sz="1400" b="1" dirty="0">
+                <a:solidFill>
+                  <a:schemeClr val="tx1">
+                    <a:lumMod val="95000"/>
+                    <a:lumOff val="5000"/>
+                  </a:schemeClr>
+                </a:solidFill>
+                <a:latin typeface="IRANSans"/>
+                <a:cs typeface="B Nazanin" panose="00000400000000000000" pitchFamily="2" charset="-78"/>
+              </a:endParaRPr>
+            </a:p>
+          </p:txBody>
+        </p:sp>
+      </p:grpSp>
+      <p:sp>
+        <p:nvSpPr>
+          <p:cNvPr id="7" name="Rectangle 6"/>
+          <p:cNvSpPr/>
+          <p:nvPr/>
+        </p:nvSpPr>
+        <p:spPr>
+          <a:xfrm>
+            <a:off x="698861" y="4554616"/>
+            <a:ext cx="10816045" cy="1169551"/>
+          </a:xfrm>
+          <a:prstGeom prst="rect">
+            <a:avLst/>
+          </a:prstGeom>
+          <a:solidFill>
+            <a:schemeClr val="accent1">
+              <a:lumMod val="20000"/>
+              <a:lumOff val="80000"/>
+            </a:schemeClr>
+          </a:solidFill>
+        </p:spPr>
+        <p:style>
+          <a:lnRef idx="2">
+            <a:schemeClr val="accent2"/>
+          </a:lnRef>
+          <a:fillRef idx="1">
+            <a:schemeClr val="lt1"/>
+          </a:fillRef>
+          <a:effectRef idx="0">
+            <a:schemeClr val="accent2"/>
+          </a:effectRef>
+          <a:fontRef idx="minor">
+            <a:schemeClr val="dk1"/>
+          </a:fontRef>
+        </p:style>
+        <p:txBody>
+          <a:bodyPr wrap="square">
+            <a:spAutoFit/>
+          </a:bodyPr>
+          <a:lstStyle/>
+          <a:p>
+            <a:pPr algn="justLow" rtl="1"/>
+            <a:r>
+              <a:rPr lang="fa-IR" sz="1400" b="1" dirty="0">
+                <a:solidFill>
+                  <a:schemeClr val="tx1">
+                    <a:lumMod val="95000"/>
+                    <a:lumOff val="5000"/>
+                  </a:schemeClr>
+                </a:solidFill>
+                <a:latin typeface="IRANSans"/>
+                <a:cs typeface="B Nazanin" panose="00000400000000000000" pitchFamily="2" charset="-78"/>
+              </a:rPr>
+              <a:t>برای انجام یک فعالیت مشخص، با جستجو در وب به دو نرم‌افزار </a:t>
+            </a:r>
+            <a:r>
+              <a:rPr lang="en-US" sz="1400" b="1" dirty="0">
+                <a:solidFill>
+                  <a:schemeClr val="tx1">
+                    <a:lumMod val="95000"/>
+                    <a:lumOff val="5000"/>
+                  </a:schemeClr>
+                </a:solidFill>
+                <a:latin typeface="IRANSans"/>
+                <a:cs typeface="B Nazanin" panose="00000400000000000000" pitchFamily="2" charset="-78"/>
+              </a:rPr>
+              <a:t>X </a:t>
+            </a:r>
+            <a:r>
+              <a:rPr lang="fa-IR" sz="1400" b="1" dirty="0">
+                <a:solidFill>
+                  <a:schemeClr val="tx1">
+                    <a:lumMod val="95000"/>
+                    <a:lumOff val="5000"/>
+                  </a:schemeClr>
+                </a:solidFill>
+                <a:latin typeface="IRANSans"/>
+                <a:cs typeface="B Nazanin" panose="00000400000000000000" pitchFamily="2" charset="-78"/>
+              </a:rPr>
+              <a:t>و </a:t>
+            </a:r>
+            <a:r>
+              <a:rPr lang="en-US" sz="1400" b="1" dirty="0">
+                <a:solidFill>
+                  <a:schemeClr val="tx1">
+                    <a:lumMod val="95000"/>
+                    <a:lumOff val="5000"/>
+                  </a:schemeClr>
+                </a:solidFill>
+                <a:latin typeface="IRANSans"/>
+                <a:cs typeface="B Nazanin" panose="00000400000000000000" pitchFamily="2" charset="-78"/>
+              </a:rPr>
+              <a:t>Y </a:t>
+            </a:r>
+            <a:r>
+              <a:rPr lang="fa-IR" sz="1400" b="1" dirty="0">
+                <a:solidFill>
+                  <a:schemeClr val="tx1">
+                    <a:lumMod val="95000"/>
+                    <a:lumOff val="5000"/>
+                  </a:schemeClr>
+                </a:solidFill>
+                <a:latin typeface="IRANSans"/>
+                <a:cs typeface="B Nazanin" panose="00000400000000000000" pitchFamily="2" charset="-78"/>
+              </a:rPr>
+              <a:t>می‌رسید</a:t>
+            </a:r>
+            <a:r>
+              <a:rPr lang="fa-IR" sz="1400" b="1" dirty="0">
+                <a:solidFill>
+                  <a:schemeClr val="tx1">
+                    <a:lumMod val="95000"/>
+                    <a:lumOff val="5000"/>
+                  </a:schemeClr>
+                </a:solidFill>
+                <a:latin typeface="IRANSans"/>
+                <a:cs typeface="B Nazanin" panose="00000400000000000000" pitchFamily="2" charset="-78"/>
+              </a:rPr>
+              <a:t>نرم‌افزار </a:t>
+            </a:r>
+            <a:r>
+              <a:rPr lang="en-US" sz="1400" b="1" dirty="0">
+                <a:solidFill>
+                  <a:schemeClr val="tx1">
+                    <a:lumMod val="95000"/>
+                    <a:lumOff val="5000"/>
+                  </a:schemeClr>
+                </a:solidFill>
+                <a:latin typeface="IRANSans"/>
+                <a:cs typeface="B Nazanin" panose="00000400000000000000" pitchFamily="2" charset="-78"/>
+              </a:rPr>
+              <a:t>X</a:t>
+            </a:r>
+            <a:r>
+              <a:rPr lang="fa-IR" sz="1400" b="1" dirty="0">
+                <a:solidFill>
+                  <a:schemeClr val="tx1">
+                    <a:lumMod val="95000"/>
+                    <a:lumOff val="5000"/>
+                  </a:schemeClr>
+                </a:solidFill>
+                <a:latin typeface="IRANSans"/>
+                <a:cs typeface="B Nazanin" panose="00000400000000000000" pitchFamily="2" charset="-78"/>
+              </a:rPr>
+              <a:t> </a:t>
+            </a:r>
+            <a:r>
+              <a:rPr lang="en-US" sz="1400" b="1" dirty="0">
+                <a:solidFill>
+                  <a:schemeClr val="tx1">
+                    <a:lumMod val="95000"/>
+                    <a:lumOff val="5000"/>
+                  </a:schemeClr>
+                </a:solidFill>
+                <a:latin typeface="IRANSans"/>
+                <a:cs typeface="B Nazanin" panose="00000400000000000000" pitchFamily="2" charset="-78"/>
+              </a:rPr>
+              <a:t> </a:t>
+            </a:r>
+            <a:r>
+              <a:rPr lang="fa-IR" sz="1400" b="1" dirty="0">
+                <a:solidFill>
+                  <a:schemeClr val="tx1">
+                    <a:lumMod val="95000"/>
+                    <a:lumOff val="5000"/>
+                  </a:schemeClr>
+                </a:solidFill>
+                <a:latin typeface="IRANSans"/>
+                <a:cs typeface="B Nazanin" panose="00000400000000000000" pitchFamily="2" charset="-78"/>
+              </a:rPr>
+              <a:t>از همان ابتدا از شما می‌خواهد که مبلغ مشخصی را پرداخت کرده و آن را خریداری </a:t>
+            </a:r>
+            <a:r>
+              <a:rPr lang="fa-IR" sz="1400" b="1" dirty="0" smtClean="0">
+                <a:solidFill>
+                  <a:schemeClr val="tx1">
+                    <a:lumMod val="95000"/>
+                    <a:lumOff val="5000"/>
+                  </a:schemeClr>
+                </a:solidFill>
+                <a:latin typeface="IRANSans"/>
+                <a:cs typeface="B Nazanin" panose="00000400000000000000" pitchFamily="2" charset="-78"/>
+              </a:rPr>
+              <a:t>کنید. اما </a:t>
+            </a:r>
+            <a:r>
+              <a:rPr lang="fa-IR" sz="1400" b="1" dirty="0">
+                <a:solidFill>
+                  <a:schemeClr val="tx1">
+                    <a:lumMod val="95000"/>
+                    <a:lumOff val="5000"/>
+                  </a:schemeClr>
+                </a:solidFill>
+                <a:latin typeface="IRANSans"/>
+                <a:cs typeface="B Nazanin" panose="00000400000000000000" pitchFamily="2" charset="-78"/>
+              </a:rPr>
+              <a:t>نرم‌افزار </a:t>
+            </a:r>
+            <a:r>
+              <a:rPr lang="en-US" sz="1400" b="1" dirty="0" smtClean="0">
+                <a:solidFill>
+                  <a:schemeClr val="tx1">
+                    <a:lumMod val="95000"/>
+                    <a:lumOff val="5000"/>
+                  </a:schemeClr>
+                </a:solidFill>
+                <a:latin typeface="IRANSans"/>
+                <a:cs typeface="B Nazanin" panose="00000400000000000000" pitchFamily="2" charset="-78"/>
+              </a:rPr>
+              <a:t>Y</a:t>
+            </a:r>
+            <a:r>
+              <a:rPr lang="fa-IR" sz="1400" b="1" dirty="0" smtClean="0">
+                <a:solidFill>
+                  <a:schemeClr val="tx1">
+                    <a:lumMod val="95000"/>
+                    <a:lumOff val="5000"/>
+                  </a:schemeClr>
+                </a:solidFill>
+                <a:latin typeface="IRANSans"/>
+                <a:cs typeface="B Nazanin" panose="00000400000000000000" pitchFamily="2" charset="-78"/>
+              </a:rPr>
+              <a:t> </a:t>
+            </a:r>
+            <a:r>
+              <a:rPr lang="en-US" sz="1400" b="1" dirty="0" smtClean="0">
+                <a:solidFill>
+                  <a:schemeClr val="tx1">
+                    <a:lumMod val="95000"/>
+                    <a:lumOff val="5000"/>
+                  </a:schemeClr>
+                </a:solidFill>
+                <a:latin typeface="IRANSans"/>
+                <a:cs typeface="B Nazanin" panose="00000400000000000000" pitchFamily="2" charset="-78"/>
+              </a:rPr>
+              <a:t> </a:t>
+            </a:r>
+            <a:r>
+              <a:rPr lang="fa-IR" sz="1400" b="1" dirty="0">
+                <a:solidFill>
+                  <a:schemeClr val="tx1">
+                    <a:lumMod val="95000"/>
+                    <a:lumOff val="5000"/>
+                  </a:schemeClr>
+                </a:solidFill>
+                <a:latin typeface="IRANSans"/>
+                <a:cs typeface="B Nazanin" panose="00000400000000000000" pitchFamily="2" charset="-78"/>
+              </a:rPr>
+              <a:t>نسخه‌ی آزمایشی دارد و به شما اجازه می‌دهد تا مدتی از آن استفاده کنید.</a:t>
+            </a:r>
+          </a:p>
+          <a:p>
+            <a:pPr algn="justLow" rtl="1"/>
+            <a:r>
+              <a:rPr lang="fa-IR" sz="1400" b="1" dirty="0">
+                <a:solidFill>
+                  <a:schemeClr val="tx1">
+                    <a:lumMod val="95000"/>
+                    <a:lumOff val="5000"/>
+                  </a:schemeClr>
+                </a:solidFill>
+                <a:latin typeface="IRANSans"/>
+                <a:cs typeface="B Nazanin" panose="00000400000000000000" pitchFamily="2" charset="-78"/>
+              </a:rPr>
+              <a:t>جدای از این‌ نکته‌ی بدیهی که استفاده از نسخه‌ی آزمایشی، فرصتی برای آشناتر شدن بیشتر با نرم‌افزار است، نابینایی تصمیم‌گیری هم می‌تواند به کمک فروشنده بیاید.</a:t>
+            </a:r>
+          </a:p>
+          <a:p>
+            <a:pPr algn="justLow" rtl="1"/>
+            <a:r>
+              <a:rPr lang="fa-IR" sz="1400" b="1" dirty="0">
+                <a:solidFill>
+                  <a:schemeClr val="tx1">
+                    <a:lumMod val="95000"/>
+                    <a:lumOff val="5000"/>
+                  </a:schemeClr>
+                </a:solidFill>
+                <a:latin typeface="IRANSans"/>
+                <a:cs typeface="B Nazanin" panose="00000400000000000000" pitchFamily="2" charset="-78"/>
+              </a:rPr>
+              <a:t>مدتی بعد، ممکن است به خاطر نیاورید که علت انتخاب </a:t>
+            </a:r>
+            <a:r>
+              <a:rPr lang="en-US" sz="1400" b="1" dirty="0" smtClean="0">
+                <a:solidFill>
+                  <a:schemeClr val="tx1">
+                    <a:lumMod val="95000"/>
+                    <a:lumOff val="5000"/>
+                  </a:schemeClr>
+                </a:solidFill>
+                <a:latin typeface="IRANSans"/>
+                <a:cs typeface="B Nazanin" panose="00000400000000000000" pitchFamily="2" charset="-78"/>
+              </a:rPr>
+              <a:t>Y</a:t>
+            </a:r>
+            <a:r>
+              <a:rPr lang="fa-IR" sz="1400" b="1" dirty="0" smtClean="0">
+                <a:solidFill>
+                  <a:schemeClr val="tx1">
+                    <a:lumMod val="95000"/>
+                    <a:lumOff val="5000"/>
+                  </a:schemeClr>
+                </a:solidFill>
+                <a:latin typeface="IRANSans"/>
+                <a:cs typeface="B Nazanin" panose="00000400000000000000" pitchFamily="2" charset="-78"/>
+              </a:rPr>
+              <a:t> </a:t>
+            </a:r>
+            <a:r>
+              <a:rPr lang="en-US" sz="1400" b="1" dirty="0" smtClean="0">
+                <a:solidFill>
+                  <a:schemeClr val="tx1">
+                    <a:lumMod val="95000"/>
+                    <a:lumOff val="5000"/>
+                  </a:schemeClr>
+                </a:solidFill>
+                <a:latin typeface="IRANSans"/>
+                <a:cs typeface="B Nazanin" panose="00000400000000000000" pitchFamily="2" charset="-78"/>
+              </a:rPr>
+              <a:t> </a:t>
+            </a:r>
+            <a:r>
+              <a:rPr lang="fa-IR" sz="1400" b="1" dirty="0">
+                <a:solidFill>
+                  <a:schemeClr val="tx1">
+                    <a:lumMod val="95000"/>
+                    <a:lumOff val="5000"/>
+                  </a:schemeClr>
+                </a:solidFill>
+                <a:latin typeface="IRANSans"/>
+                <a:cs typeface="B Nazanin" panose="00000400000000000000" pitchFamily="2" charset="-78"/>
+              </a:rPr>
+              <a:t>به جای </a:t>
+            </a:r>
+            <a:r>
+              <a:rPr lang="en-US" sz="1400" b="1" dirty="0" smtClean="0">
+                <a:solidFill>
+                  <a:schemeClr val="tx1">
+                    <a:lumMod val="95000"/>
+                    <a:lumOff val="5000"/>
+                  </a:schemeClr>
+                </a:solidFill>
+                <a:latin typeface="IRANSans"/>
+                <a:cs typeface="B Nazanin" panose="00000400000000000000" pitchFamily="2" charset="-78"/>
+              </a:rPr>
+              <a:t>X</a:t>
+            </a:r>
+            <a:r>
+              <a:rPr lang="fa-IR" sz="1400" b="1" dirty="0" smtClean="0">
+                <a:solidFill>
+                  <a:schemeClr val="tx1">
+                    <a:lumMod val="95000"/>
+                    <a:lumOff val="5000"/>
+                  </a:schemeClr>
+                </a:solidFill>
+                <a:latin typeface="IRANSans"/>
+                <a:cs typeface="B Nazanin" panose="00000400000000000000" pitchFamily="2" charset="-78"/>
+              </a:rPr>
+              <a:t> </a:t>
+            </a:r>
+            <a:r>
+              <a:rPr lang="en-US" sz="1400" b="1" dirty="0" smtClean="0">
+                <a:solidFill>
+                  <a:schemeClr val="tx1">
+                    <a:lumMod val="95000"/>
+                    <a:lumOff val="5000"/>
+                  </a:schemeClr>
+                </a:solidFill>
+                <a:latin typeface="IRANSans"/>
+                <a:cs typeface="B Nazanin" panose="00000400000000000000" pitchFamily="2" charset="-78"/>
+              </a:rPr>
+              <a:t>، </a:t>
+            </a:r>
+            <a:r>
+              <a:rPr lang="fa-IR" sz="1400" b="1" dirty="0">
+                <a:solidFill>
+                  <a:schemeClr val="tx1">
+                    <a:lumMod val="95000"/>
+                    <a:lumOff val="5000"/>
+                  </a:schemeClr>
+                </a:solidFill>
+                <a:latin typeface="IRANSans"/>
+                <a:cs typeface="B Nazanin" panose="00000400000000000000" pitchFamily="2" charset="-78"/>
+              </a:rPr>
+              <a:t>پولی بودن </a:t>
+            </a:r>
+            <a:r>
+              <a:rPr lang="en-US" sz="1400" b="1" dirty="0" smtClean="0">
+                <a:solidFill>
+                  <a:schemeClr val="tx1">
+                    <a:lumMod val="95000"/>
+                    <a:lumOff val="5000"/>
+                  </a:schemeClr>
+                </a:solidFill>
+                <a:latin typeface="IRANSans"/>
+                <a:cs typeface="B Nazanin" panose="00000400000000000000" pitchFamily="2" charset="-78"/>
+              </a:rPr>
+              <a:t>X</a:t>
+            </a:r>
+            <a:r>
+              <a:rPr lang="fa-IR" sz="1400" b="1" dirty="0" smtClean="0">
+                <a:solidFill>
+                  <a:schemeClr val="tx1">
+                    <a:lumMod val="95000"/>
+                    <a:lumOff val="5000"/>
+                  </a:schemeClr>
+                </a:solidFill>
+                <a:latin typeface="IRANSans"/>
+                <a:cs typeface="B Nazanin" panose="00000400000000000000" pitchFamily="2" charset="-78"/>
+              </a:rPr>
+              <a:t> </a:t>
+            </a:r>
+            <a:r>
+              <a:rPr lang="en-US" sz="1400" b="1" dirty="0" smtClean="0">
+                <a:solidFill>
+                  <a:schemeClr val="tx1">
+                    <a:lumMod val="95000"/>
+                    <a:lumOff val="5000"/>
+                  </a:schemeClr>
+                </a:solidFill>
+                <a:latin typeface="IRANSans"/>
+                <a:cs typeface="B Nazanin" panose="00000400000000000000" pitchFamily="2" charset="-78"/>
+              </a:rPr>
+              <a:t> </a:t>
+            </a:r>
+            <a:r>
+              <a:rPr lang="fa-IR" sz="1400" b="1" dirty="0">
+                <a:solidFill>
+                  <a:schemeClr val="tx1">
+                    <a:lumMod val="95000"/>
+                    <a:lumOff val="5000"/>
+                  </a:schemeClr>
+                </a:solidFill>
+                <a:latin typeface="IRANSans"/>
+                <a:cs typeface="B Nazanin" panose="00000400000000000000" pitchFamily="2" charset="-78"/>
+              </a:rPr>
+              <a:t>بوده است. </a:t>
+            </a:r>
+            <a:r>
+              <a:rPr lang="fa-IR" sz="1400" b="1" dirty="0">
+                <a:solidFill>
+                  <a:schemeClr val="tx1">
+                    <a:lumMod val="95000"/>
+                    <a:lumOff val="5000"/>
+                  </a:schemeClr>
+                </a:solidFill>
+                <a:latin typeface="IRANSans"/>
+                <a:cs typeface="B Nazanin" panose="00000400000000000000" pitchFamily="2" charset="-78"/>
+              </a:rPr>
+              <a:t>بلکه ذهن شما یک روایتِ هماهنگ از ماجرا ساخته و شما، مجموعه‌ای از نقاط قوت و قابلیت‌ها را به عنوان علت انتخاب </a:t>
+            </a:r>
+            <a:r>
+              <a:rPr lang="en-US" sz="1400" b="1" dirty="0" smtClean="0">
+                <a:solidFill>
+                  <a:schemeClr val="tx1">
+                    <a:lumMod val="95000"/>
+                    <a:lumOff val="5000"/>
+                  </a:schemeClr>
+                </a:solidFill>
+                <a:latin typeface="IRANSans"/>
+                <a:cs typeface="B Nazanin" panose="00000400000000000000" pitchFamily="2" charset="-78"/>
+              </a:rPr>
+              <a:t>Y</a:t>
+            </a:r>
+            <a:r>
+              <a:rPr lang="fa-IR" sz="1400" b="1" dirty="0" smtClean="0">
+                <a:solidFill>
+                  <a:schemeClr val="tx1">
+                    <a:lumMod val="95000"/>
+                    <a:lumOff val="5000"/>
+                  </a:schemeClr>
+                </a:solidFill>
+                <a:latin typeface="IRANSans"/>
+                <a:cs typeface="B Nazanin" panose="00000400000000000000" pitchFamily="2" charset="-78"/>
+              </a:rPr>
+              <a:t> </a:t>
+            </a:r>
+            <a:r>
+              <a:rPr lang="en-US" sz="1400" b="1" dirty="0" smtClean="0">
+                <a:solidFill>
+                  <a:schemeClr val="tx1">
+                    <a:lumMod val="95000"/>
+                    <a:lumOff val="5000"/>
+                  </a:schemeClr>
+                </a:solidFill>
+                <a:latin typeface="IRANSans"/>
+                <a:cs typeface="B Nazanin" panose="00000400000000000000" pitchFamily="2" charset="-78"/>
+              </a:rPr>
+              <a:t> </a:t>
+            </a:r>
+            <a:r>
+              <a:rPr lang="fa-IR" sz="1400" b="1" dirty="0">
+                <a:solidFill>
+                  <a:schemeClr val="tx1">
+                    <a:lumMod val="95000"/>
+                    <a:lumOff val="5000"/>
+                  </a:schemeClr>
+                </a:solidFill>
+                <a:latin typeface="IRANSans"/>
+                <a:cs typeface="B Nazanin" panose="00000400000000000000" pitchFamily="2" charset="-78"/>
+              </a:rPr>
+              <a:t>بیان می‌کنید.</a:t>
+            </a:r>
+          </a:p>
+        </p:txBody>
+      </p:sp>
+      <p:sp>
+        <p:nvSpPr>
+          <p:cNvPr id="9" name="Rectangle 8"/>
+          <p:cNvSpPr/>
+          <p:nvPr/>
+        </p:nvSpPr>
+        <p:spPr>
+          <a:xfrm>
+            <a:off x="698861" y="4154506"/>
+            <a:ext cx="10816045" cy="400110"/>
+          </a:xfrm>
+          <a:prstGeom prst="rect">
+            <a:avLst/>
+          </a:prstGeom>
+          <a:solidFill>
+            <a:schemeClr val="accent1">
+              <a:lumMod val="60000"/>
+              <a:lumOff val="40000"/>
+            </a:schemeClr>
+          </a:solidFill>
+        </p:spPr>
+        <p:style>
+          <a:lnRef idx="2">
+            <a:schemeClr val="accent2"/>
+          </a:lnRef>
+          <a:fillRef idx="1">
+            <a:schemeClr val="lt1"/>
+          </a:fillRef>
+          <a:effectRef idx="0">
+            <a:schemeClr val="accent2"/>
+          </a:effectRef>
+          <a:fontRef idx="minor">
+            <a:schemeClr val="dk1"/>
+          </a:fontRef>
+        </p:style>
+        <p:txBody>
+          <a:bodyPr wrap="square">
+            <a:spAutoFit/>
+          </a:bodyPr>
+          <a:lstStyle/>
+          <a:p>
+            <a:pPr algn="justLow" rtl="1"/>
+            <a:r>
+              <a:rPr lang="fa-IR" sz="2000" b="1" dirty="0" smtClean="0">
+                <a:solidFill>
+                  <a:schemeClr val="tx1">
+                    <a:lumMod val="95000"/>
+                    <a:lumOff val="5000"/>
+                  </a:schemeClr>
+                </a:solidFill>
+                <a:latin typeface="IRANSans"/>
+                <a:cs typeface="B Nazanin" panose="00000400000000000000" pitchFamily="2" charset="-78"/>
+              </a:rPr>
+              <a:t>انتخاب بین دو محصول نرم افزاری </a:t>
+            </a:r>
+          </a:p>
+        </p:txBody>
+      </p:sp>
+      <p:sp>
+        <p:nvSpPr>
+          <p:cNvPr id="10" name="Rectangle 9"/>
+          <p:cNvSpPr/>
+          <p:nvPr/>
+        </p:nvSpPr>
+        <p:spPr>
+          <a:xfrm>
+            <a:off x="1615440" y="5952675"/>
+            <a:ext cx="8961120" cy="369332"/>
+          </a:xfrm>
+          <a:prstGeom prst="rect">
+            <a:avLst/>
+          </a:prstGeom>
+        </p:spPr>
+        <p:style>
+          <a:lnRef idx="2">
+            <a:schemeClr val="dk1"/>
+          </a:lnRef>
+          <a:fillRef idx="1">
+            <a:schemeClr val="lt1"/>
+          </a:fillRef>
+          <a:effectRef idx="0">
+            <a:schemeClr val="dk1"/>
+          </a:effectRef>
+          <a:fontRef idx="minor">
+            <a:schemeClr val="dk1"/>
+          </a:fontRef>
+        </p:style>
+        <p:txBody>
+          <a:bodyPr wrap="square">
+            <a:spAutoFit/>
+          </a:bodyPr>
+          <a:lstStyle/>
+          <a:p>
+            <a:pPr algn="ctr"/>
+            <a:r>
+              <a:rPr lang="fa-IR" dirty="0">
+                <a:solidFill>
+                  <a:srgbClr val="000000"/>
+                </a:solidFill>
+                <a:latin typeface="IRANSans" panose="02040503050201020203" pitchFamily="18" charset="-78"/>
+                <a:cs typeface="IRANSans" panose="02040503050201020203" pitchFamily="18" charset="-78"/>
+              </a:rPr>
+              <a:t>یکی از کاربردهای </a:t>
+            </a:r>
+            <a:r>
+              <a:rPr lang="fa-IR" dirty="0">
+                <a:solidFill>
+                  <a:srgbClr val="C4161C"/>
+                </a:solidFill>
+                <a:latin typeface="IRANSans" panose="02040503050201020203" pitchFamily="18" charset="-78"/>
+                <a:cs typeface="IRANSans" panose="02040503050201020203" pitchFamily="18" charset="-78"/>
+              </a:rPr>
+              <a:t>تکنیک ثبت و مرور تصمیم‌ها</a:t>
+            </a:r>
+            <a:r>
+              <a:rPr lang="fa-IR" dirty="0">
+                <a:solidFill>
+                  <a:srgbClr val="000000"/>
+                </a:solidFill>
+                <a:latin typeface="IRANSans" panose="02040503050201020203" pitchFamily="18" charset="-78"/>
+                <a:cs typeface="IRANSans" panose="02040503050201020203" pitchFamily="18" charset="-78"/>
+              </a:rPr>
+              <a:t> هم، اتفاقاً کاهش اثر این خطای شناختی است.</a:t>
+            </a:r>
+            <a:endParaRPr lang="en-US" dirty="0"/>
+          </a:p>
+        </p:txBody>
+      </p:sp>
     </p:spTree>
     <p:extLst>
       <p:ext uri="{BB962C8B-B14F-4D97-AF65-F5344CB8AC3E}">
-        <p14:creationId xmlns:p14="http://schemas.microsoft.com/office/powerpoint/2010/main" val="872637532"/>
+        <p14:creationId xmlns:p14="http://schemas.microsoft.com/office/powerpoint/2010/main" val="3908961793"/>
       </p:ext>
     </p:extLst>
   </p:cSld>
@@ -12586,36 +15659,23 @@
         </p:nvSpPr>
         <p:spPr>
           <a:xfrm>
-            <a:off x="1169125" y="425299"/>
+            <a:off x="1449977" y="412236"/>
             <a:ext cx="9875520" cy="709749"/>
           </a:xfrm>
         </p:spPr>
         <p:txBody>
-          <a:bodyPr>
-            <a:normAutofit fontScale="90000"/>
+          <a:bodyPr vert="horz" lIns="91440" tIns="45720" rIns="91440" bIns="45720" rtlCol="0" anchor="ctr">
+            <a:normAutofit/>
           </a:bodyPr>
           <a:lstStyle/>
           <a:p>
-            <a:pPr algn="r" rtl="1"/>
-            <a:r>
-              <a:rPr lang="fa-IR" sz="4800" dirty="0" smtClean="0">
-                <a:cs typeface="B Nazanin" panose="00000400000000000000" pitchFamily="2" charset="-78"/>
-              </a:rPr>
-              <a:t>سوگیری (</a:t>
-            </a:r>
-            <a:r>
-              <a:rPr lang="en-US" dirty="0" smtClean="0"/>
-              <a:t>Bias</a:t>
-            </a:r>
-            <a:r>
-              <a:rPr lang="fa-IR" sz="4800" dirty="0" smtClean="0">
-                <a:cs typeface="B Nazanin" panose="00000400000000000000" pitchFamily="2" charset="-78"/>
-              </a:rPr>
-              <a:t>)  </a:t>
-            </a:r>
-            <a:endParaRPr lang="en-US" sz="4800" dirty="0">
-              <a:cs typeface="B Nazanin" panose="00000400000000000000" pitchFamily="2" charset="-78"/>
-            </a:endParaRPr>
+            <a:pPr algn="r"/>
+            <a:r>
+              <a:rPr lang="fa-IR" sz="3600" dirty="0">
+                <a:cs typeface="B Nazanin" panose="00000400000000000000" pitchFamily="2" charset="-78"/>
+              </a:rPr>
+              <a:t>تعارض شناختی (ناهماهنگی شناختی)</a:t>
+            </a:r>
           </a:p>
         </p:txBody>
       </p:sp>
@@ -12649,115 +15709,10 @@
           </a:fontRef>
         </p:style>
       </p:cxnSp>
-      <p:sp>
-        <p:nvSpPr>
-          <p:cNvPr id="3" name="Rectangle 2"/>
-          <p:cNvSpPr/>
-          <p:nvPr/>
-        </p:nvSpPr>
-        <p:spPr>
-          <a:xfrm>
-            <a:off x="3341914" y="1548676"/>
-            <a:ext cx="7702731" cy="369332"/>
-          </a:xfrm>
-          <a:prstGeom prst="rect">
-            <a:avLst/>
-          </a:prstGeom>
-        </p:spPr>
-        <p:txBody>
-          <a:bodyPr wrap="square">
-            <a:spAutoFit/>
-          </a:bodyPr>
-          <a:lstStyle/>
-          <a:p>
-            <a:pPr marL="285750" indent="-285750" algn="r" rtl="1">
-              <a:buFont typeface="Wingdings" panose="05000000000000000000" pitchFamily="2" charset="2"/>
-              <a:buChar char="ü"/>
-            </a:pPr>
-            <a:r>
-              <a:rPr lang="fa-IR" b="1" dirty="0">
-                <a:solidFill>
-                  <a:srgbClr val="FF0000"/>
-                </a:solidFill>
-                <a:latin typeface="IRANSans"/>
-                <a:cs typeface="B Nazanin" panose="00000400000000000000" pitchFamily="2" charset="-78"/>
-              </a:rPr>
-              <a:t>سوگیری</a:t>
-            </a:r>
-            <a:r>
-              <a:rPr lang="fa-IR" dirty="0">
-                <a:solidFill>
-                  <a:srgbClr val="000000"/>
-                </a:solidFill>
-                <a:latin typeface="IRANSans"/>
-                <a:cs typeface="B Nazanin" panose="00000400000000000000" pitchFamily="2" charset="-78"/>
-              </a:rPr>
-              <a:t> یا </a:t>
-            </a:r>
-            <a:r>
-              <a:rPr lang="fa-IR" dirty="0" smtClean="0">
-                <a:solidFill>
-                  <a:srgbClr val="000000"/>
-                </a:solidFill>
-                <a:latin typeface="IRANSans"/>
-                <a:cs typeface="B Nazanin" panose="00000400000000000000" pitchFamily="2" charset="-78"/>
-              </a:rPr>
-              <a:t>بایاس ، </a:t>
-            </a:r>
-            <a:r>
-              <a:rPr lang="fa-IR" dirty="0">
-                <a:solidFill>
-                  <a:srgbClr val="000000"/>
-                </a:solidFill>
-                <a:latin typeface="IRANSans"/>
-                <a:cs typeface="B Nazanin" panose="00000400000000000000" pitchFamily="2" charset="-78"/>
-              </a:rPr>
-              <a:t>به معنای </a:t>
-            </a:r>
-            <a:r>
-              <a:rPr lang="fa-IR" b="1" dirty="0">
-                <a:solidFill>
-                  <a:srgbClr val="FF0000"/>
-                </a:solidFill>
-                <a:latin typeface="IRANSans"/>
-                <a:cs typeface="B Nazanin" panose="00000400000000000000" pitchFamily="2" charset="-78"/>
-              </a:rPr>
-              <a:t>خنثی نبودن نسبت</a:t>
-            </a:r>
-            <a:r>
-              <a:rPr lang="fa-IR" dirty="0">
-                <a:solidFill>
-                  <a:srgbClr val="000000"/>
-                </a:solidFill>
-                <a:latin typeface="IRANSans"/>
-                <a:cs typeface="B Nazanin" panose="00000400000000000000" pitchFamily="2" charset="-78"/>
-              </a:rPr>
-              <a:t> به یک پدیده یا رویداد یا باور یا ارزش یا … است</a:t>
-            </a:r>
-            <a:r>
-              <a:rPr lang="fa-IR" dirty="0" smtClean="0">
-                <a:solidFill>
-                  <a:srgbClr val="000000"/>
-                </a:solidFill>
-                <a:latin typeface="IRANSans"/>
-                <a:cs typeface="B Nazanin" panose="00000400000000000000" pitchFamily="2" charset="-78"/>
-              </a:rPr>
-              <a:t>.</a:t>
-            </a:r>
-            <a:endParaRPr lang="en-US" dirty="0">
-              <a:solidFill>
-                <a:srgbClr val="000000"/>
-              </a:solidFill>
-              <a:latin typeface="IRANSans"/>
-              <a:cs typeface="B Nazanin" panose="00000400000000000000" pitchFamily="2" charset="-78"/>
-            </a:endParaRPr>
-          </a:p>
-        </p:txBody>
-      </p:sp>
     </p:spTree>
     <p:extLst>
       <p:ext uri="{BB962C8B-B14F-4D97-AF65-F5344CB8AC3E}">
-        <p14:creationId xmlns:p14="http://schemas.microsoft.com/office/powerpoint/2010/main" val="3599509212"/>
+        <p14:creationId xmlns:p14="http://schemas.microsoft.com/office/powerpoint/2010/main" val="1050772379"/>
       </p:ext>
     </p:extLst>
   </p:cSld>
@@ -14017,6 +16972,229 @@
 <file path=ppt/slides/slide20.xml><?xml version="1.0" encoding="utf-8"?>
 <p:sld xmlns:a="http://schemas.openxmlformats.org/drawingml/2006/main" xmlns:r="http://schemas.openxmlformats.org/officeDocument/2006/relationships" xmlns:p="http://schemas.openxmlformats.org/presentationml/2006/main">
   <p:cSld>
+    <p:spTree>
+      <p:nvGrpSpPr>
+        <p:cNvPr id="1" name=""/>
+        <p:cNvGrpSpPr/>
+        <p:nvPr/>
+      </p:nvGrpSpPr>
+      <p:grpSpPr>
+        <a:xfrm>
+          <a:off x="0" y="0"/>
+          <a:ext cx="0" cy="0"/>
+          <a:chOff x="0" y="0"/>
+          <a:chExt cx="0" cy="0"/>
+        </a:xfrm>
+      </p:grpSpPr>
+      <p:sp>
+        <p:nvSpPr>
+          <p:cNvPr id="2" name="Title 1">
+            <a:extLst>
+              <a:ext uri="{FF2B5EF4-FFF2-40B4-BE49-F238E27FC236}">
+                <a16:creationId xmlns:a16="http://schemas.microsoft.com/office/drawing/2014/main" id="{BB4B6193-F9F1-4C54-838F-77350B9FC5DC}"/>
+              </a:ext>
+            </a:extLst>
+          </p:cNvPr>
+          <p:cNvSpPr>
+            <a:spLocks noGrp="1"/>
+          </p:cNvSpPr>
+          <p:nvPr>
+            <p:ph type="title"/>
+          </p:nvPr>
+        </p:nvSpPr>
+        <p:spPr>
+          <a:xfrm>
+            <a:off x="1169125" y="425299"/>
+            <a:ext cx="9875520" cy="709749"/>
+          </a:xfrm>
+        </p:spPr>
+        <p:txBody>
+          <a:bodyPr>
+            <a:normAutofit fontScale="90000"/>
+          </a:bodyPr>
+          <a:lstStyle/>
+          <a:p>
+            <a:pPr algn="r" rtl="1"/>
+            <a:r>
+              <a:rPr lang="fa-IR" sz="4800" dirty="0" smtClean="0">
+                <a:cs typeface="B Nazanin" panose="00000400000000000000" pitchFamily="2" charset="-78"/>
+              </a:rPr>
+              <a:t>سوگیری (</a:t>
+            </a:r>
+            <a:r>
+              <a:rPr lang="en-US" dirty="0" smtClean="0"/>
+              <a:t>Bias</a:t>
+            </a:r>
+            <a:r>
+              <a:rPr lang="fa-IR" sz="4800" dirty="0" smtClean="0">
+                <a:cs typeface="B Nazanin" panose="00000400000000000000" pitchFamily="2" charset="-78"/>
+              </a:rPr>
+              <a:t>)  </a:t>
+            </a:r>
+            <a:endParaRPr lang="en-US" sz="4800" dirty="0">
+              <a:cs typeface="B Nazanin" panose="00000400000000000000" pitchFamily="2" charset="-78"/>
+            </a:endParaRPr>
+          </a:p>
+        </p:txBody>
+      </p:sp>
+      <p:cxnSp>
+        <p:nvCxnSpPr>
+          <p:cNvPr id="8" name="Straight Connector 7"/>
+          <p:cNvCxnSpPr/>
+          <p:nvPr/>
+        </p:nvCxnSpPr>
+        <p:spPr>
+          <a:xfrm>
+            <a:off x="888274" y="1240973"/>
+            <a:ext cx="10437223" cy="13063"/>
+          </a:xfrm>
+          <a:prstGeom prst="line">
+            <a:avLst/>
+          </a:prstGeom>
+        </p:spPr>
+        <p:style>
+          <a:lnRef idx="3">
+            <a:schemeClr val="accent1"/>
+          </a:lnRef>
+          <a:fillRef idx="0">
+            <a:schemeClr val="accent1"/>
+          </a:fillRef>
+          <a:effectRef idx="2">
+            <a:schemeClr val="accent1"/>
+          </a:effectRef>
+          <a:fontRef idx="minor">
+            <a:schemeClr val="tx1"/>
+          </a:fontRef>
+        </p:style>
+      </p:cxnSp>
+      <p:sp>
+        <p:nvSpPr>
+          <p:cNvPr id="3" name="Rectangle 2"/>
+          <p:cNvSpPr/>
+          <p:nvPr/>
+        </p:nvSpPr>
+        <p:spPr>
+          <a:xfrm>
+            <a:off x="3341914" y="1548676"/>
+            <a:ext cx="7702731" cy="369332"/>
+          </a:xfrm>
+          <a:prstGeom prst="rect">
+            <a:avLst/>
+          </a:prstGeom>
+        </p:spPr>
+        <p:txBody>
+          <a:bodyPr wrap="square">
+            <a:spAutoFit/>
+          </a:bodyPr>
+          <a:lstStyle/>
+          <a:p>
+            <a:pPr marL="285750" indent="-285750" algn="r" rtl="1">
+              <a:buFont typeface="Wingdings" panose="05000000000000000000" pitchFamily="2" charset="2"/>
+              <a:buChar char="ü"/>
+            </a:pPr>
+            <a:r>
+              <a:rPr lang="fa-IR" b="1" dirty="0">
+                <a:solidFill>
+                  <a:srgbClr val="FF0000"/>
+                </a:solidFill>
+                <a:latin typeface="IRANSans"/>
+                <a:cs typeface="B Nazanin" panose="00000400000000000000" pitchFamily="2" charset="-78"/>
+              </a:rPr>
+              <a:t>سوگیری</a:t>
+            </a:r>
+            <a:r>
+              <a:rPr lang="fa-IR" dirty="0">
+                <a:solidFill>
+                  <a:srgbClr val="000000"/>
+                </a:solidFill>
+                <a:latin typeface="IRANSans"/>
+                <a:cs typeface="B Nazanin" panose="00000400000000000000" pitchFamily="2" charset="-78"/>
+              </a:rPr>
+              <a:t> یا </a:t>
+            </a:r>
+            <a:r>
+              <a:rPr lang="fa-IR" dirty="0" smtClean="0">
+                <a:solidFill>
+                  <a:srgbClr val="000000"/>
+                </a:solidFill>
+                <a:latin typeface="IRANSans"/>
+                <a:cs typeface="B Nazanin" panose="00000400000000000000" pitchFamily="2" charset="-78"/>
+              </a:rPr>
+              <a:t>بایاس ، </a:t>
+            </a:r>
+            <a:r>
+              <a:rPr lang="fa-IR" dirty="0">
+                <a:solidFill>
+                  <a:srgbClr val="000000"/>
+                </a:solidFill>
+                <a:latin typeface="IRANSans"/>
+                <a:cs typeface="B Nazanin" panose="00000400000000000000" pitchFamily="2" charset="-78"/>
+              </a:rPr>
+              <a:t>به معنای </a:t>
+            </a:r>
+            <a:r>
+              <a:rPr lang="fa-IR" b="1" dirty="0">
+                <a:solidFill>
+                  <a:srgbClr val="FF0000"/>
+                </a:solidFill>
+                <a:latin typeface="IRANSans"/>
+                <a:cs typeface="B Nazanin" panose="00000400000000000000" pitchFamily="2" charset="-78"/>
+              </a:rPr>
+              <a:t>خنثی نبودن نسبت</a:t>
+            </a:r>
+            <a:r>
+              <a:rPr lang="fa-IR" dirty="0">
+                <a:solidFill>
+                  <a:srgbClr val="000000"/>
+                </a:solidFill>
+                <a:latin typeface="IRANSans"/>
+                <a:cs typeface="B Nazanin" panose="00000400000000000000" pitchFamily="2" charset="-78"/>
+              </a:rPr>
+              <a:t> به یک پدیده یا رویداد یا باور یا ارزش یا … است</a:t>
+            </a:r>
+            <a:r>
+              <a:rPr lang="fa-IR" dirty="0" smtClean="0">
+                <a:solidFill>
+                  <a:srgbClr val="000000"/>
+                </a:solidFill>
+                <a:latin typeface="IRANSans"/>
+                <a:cs typeface="B Nazanin" panose="00000400000000000000" pitchFamily="2" charset="-78"/>
+              </a:rPr>
+              <a:t>.</a:t>
+            </a:r>
+            <a:endParaRPr lang="en-US" dirty="0">
+              <a:solidFill>
+                <a:srgbClr val="000000"/>
+              </a:solidFill>
+              <a:latin typeface="IRANSans"/>
+              <a:cs typeface="B Nazanin" panose="00000400000000000000" pitchFamily="2" charset="-78"/>
+            </a:endParaRPr>
+          </a:p>
+        </p:txBody>
+      </p:sp>
+    </p:spTree>
+    <p:extLst>
+      <p:ext uri="{BB962C8B-B14F-4D97-AF65-F5344CB8AC3E}">
+        <p14:creationId xmlns:p14="http://schemas.microsoft.com/office/powerpoint/2010/main" val="3599509212"/>
+      </p:ext>
+    </p:extLst>
+  </p:cSld>
+  <p:clrMapOvr>
+    <a:masterClrMapping/>
+  </p:clrMapOvr>
+  <p:timing>
+    <p:tnLst>
+      <p:par>
+        <p:cTn id="1" dur="indefinite" restart="never" nodeType="tmRoot"/>
+      </p:par>
+    </p:tnLst>
+  </p:timing>
+</p:sld>
+</file>
+
+<file path=ppt/slides/slide21.xml><?xml version="1.0" encoding="utf-8"?>
+<p:sld xmlns:a="http://schemas.openxmlformats.org/drawingml/2006/main" xmlns:r="http://schemas.openxmlformats.org/officeDocument/2006/relationships" xmlns:p="http://schemas.openxmlformats.org/presentationml/2006/main">
+  <p:cSld>
     <p:bg>
       <p:bgPr>
         <a:solidFill>
@@ -14047,7 +17225,7 @@
                 <a16:creationId xmlns:a16="http://schemas.microsoft.com/office/drawing/2014/main" id="{E3DC42C2-6B58-404C-B339-2C72808A5BE1}"/>
               </a:ext>
               <a:ext uri="{C183D7F6-B498-43B3-948B-1728B52AA6E4}">
-                <adec:decorative xmlns="" xmlns:adec="http://schemas.microsoft.com/office/drawing/2017/decorative" val="1"/>
+                <adec:decorative xmlns:adec="http://schemas.microsoft.com/office/drawing/2017/decorative" xmlns="" val="1"/>
               </a:ext>
             </a:extLst>
           </p:cNvPr>
@@ -14241,7 +17419,7 @@
                 <a16:creationId xmlns:a16="http://schemas.microsoft.com/office/drawing/2014/main" id="{FCF82941-5589-49BF-B6B1-76122B2D0EA6}"/>
               </a:ext>
               <a:ext uri="{C183D7F6-B498-43B3-948B-1728B52AA6E4}">
-                <adec:decorative xmlns="" xmlns:adec="http://schemas.microsoft.com/office/drawing/2017/decorative" val="1"/>
+                <adec:decorative xmlns:adec="http://schemas.microsoft.com/office/drawing/2017/decorative" xmlns="" val="1"/>
               </a:ext>
             </a:extLst>
           </p:cNvPr>
@@ -23148,20 +26326,20 @@
 </file>
 
 <file path=customXml/item1.xml><?xml version="1.0" encoding="utf-8"?>
+<p:properties xmlns:p="http://schemas.microsoft.com/office/2006/metadata/properties" xmlns:xsi="http://www.w3.org/2001/XMLSchema-instance" xmlns:pc="http://schemas.microsoft.com/office/infopath/2007/PartnerControls">
+  <documentManagement>
+    <MediaServiceKeyPoints xmlns="71af3243-3dd4-4a8d-8c0d-dd76da1f02a5" xsi:nil="true"/>
+  </documentManagement>
+</p:properties>
+</file>
+
+<file path=customXml/item2.xml><?xml version="1.0" encoding="utf-8"?>
 <?mso-contentType ?>
 <FormTemplates xmlns="http://schemas.microsoft.com/sharepoint/v3/contenttype/forms">
   <Display>DocumentLibraryForm</Display>
   <Edit>DocumentLibraryForm</Edit>
   <New>DocumentLibraryForm</New>
 </FormTemplates>
-</file>
-
-<file path=customXml/item2.xml><?xml version="1.0" encoding="utf-8"?>
-<p:properties xmlns:p="http://schemas.microsoft.com/office/2006/metadata/properties" xmlns:xsi="http://www.w3.org/2001/XMLSchema-instance" xmlns:pc="http://schemas.microsoft.com/office/infopath/2007/PartnerControls">
-  <documentManagement>
-    <MediaServiceKeyPoints xmlns="71af3243-3dd4-4a8d-8c0d-dd76da1f02a5" xsi:nil="true"/>
-  </documentManagement>
-</p:properties>
 </file>
 
 <file path=customXml/item3.xml><?xml version="1.0" encoding="utf-8"?>
@@ -23376,26 +26554,26 @@
 </file>
 
 <file path=customXml/itemProps1.xml><?xml version="1.0" encoding="utf-8"?>
-<ds:datastoreItem xmlns:ds="http://schemas.openxmlformats.org/officeDocument/2006/customXml" ds:itemID="{204E1485-0760-4ABF-A612-28A97B86DF09}">
+<ds:datastoreItem xmlns:ds="http://schemas.openxmlformats.org/officeDocument/2006/customXml" ds:itemID="{4965EBD3-98B5-4FD2-8FAF-5D4022A9F7F4}">
   <ds:schemaRefs>
-    <ds:schemaRef ds:uri="http://schemas.microsoft.com/sharepoint/v3/contenttype/forms"/>
+    <ds:schemaRef ds:uri="http://schemas.openxmlformats.org/package/2006/metadata/core-properties"/>
+    <ds:schemaRef ds:uri="http://schemas.microsoft.com/office/2006/documentManagement/types"/>
+    <ds:schemaRef ds:uri="http://purl.org/dc/dcmitype/"/>
+    <ds:schemaRef ds:uri="71af3243-3dd4-4a8d-8c0d-dd76da1f02a5"/>
+    <ds:schemaRef ds:uri="http://schemas.microsoft.com/office/2006/metadata/properties"/>
+    <ds:schemaRef ds:uri="http://schemas.microsoft.com/office/infopath/2007/PartnerControls"/>
+    <ds:schemaRef ds:uri="http://purl.org/dc/terms/"/>
+    <ds:schemaRef ds:uri="16c05727-aa75-4e4a-9b5f-8a80a1165891"/>
+    <ds:schemaRef ds:uri="http://www.w3.org/XML/1998/namespace"/>
+    <ds:schemaRef ds:uri="http://purl.org/dc/elements/1.1/"/>
   </ds:schemaRefs>
 </ds:datastoreItem>
 </file>
 
 <file path=customXml/itemProps2.xml><?xml version="1.0" encoding="utf-8"?>
-<ds:datastoreItem xmlns:ds="http://schemas.openxmlformats.org/officeDocument/2006/customXml" ds:itemID="{4965EBD3-98B5-4FD2-8FAF-5D4022A9F7F4}">
+<ds:datastoreItem xmlns:ds="http://schemas.openxmlformats.org/officeDocument/2006/customXml" ds:itemID="{204E1485-0760-4ABF-A612-28A97B86DF09}">
   <ds:schemaRefs>
-    <ds:schemaRef ds:uri="16c05727-aa75-4e4a-9b5f-8a80a1165891"/>
-    <ds:schemaRef ds:uri="71af3243-3dd4-4a8d-8c0d-dd76da1f02a5"/>
-    <ds:schemaRef ds:uri="http://schemas.microsoft.com/office/infopath/2007/PartnerControls"/>
-    <ds:schemaRef ds:uri="http://www.w3.org/XML/1998/namespace"/>
-    <ds:schemaRef ds:uri="http://purl.org/dc/elements/1.1/"/>
-    <ds:schemaRef ds:uri="http://purl.org/dc/terms/"/>
-    <ds:schemaRef ds:uri="http://purl.org/dc/dcmitype/"/>
-    <ds:schemaRef ds:uri="http://schemas.microsoft.com/office/2006/documentManagement/types"/>
-    <ds:schemaRef ds:uri="http://schemas.openxmlformats.org/package/2006/metadata/core-properties"/>
-    <ds:schemaRef ds:uri="http://schemas.microsoft.com/office/2006/metadata/properties"/>
+    <ds:schemaRef ds:uri="http://schemas.microsoft.com/sharepoint/v3/contenttype/forms"/>
   </ds:schemaRefs>
 </ds:datastoreItem>
 </file>

--- a/MyTraining/Individual development/مهارت تصمیم گیری درست.pptx
+++ b/MyTraining/Individual development/مهارت تصمیم گیری درست.pptx
@@ -24,8 +24,9 @@
     <p:sldId id="277" r:id="rId21"/>
     <p:sldId id="276" r:id="rId22"/>
     <p:sldId id="278" r:id="rId23"/>
-    <p:sldId id="271" r:id="rId24"/>
-    <p:sldId id="260" r:id="rId25"/>
+    <p:sldId id="279" r:id="rId24"/>
+    <p:sldId id="271" r:id="rId25"/>
+    <p:sldId id="260" r:id="rId26"/>
   </p:sldIdLst>
   <p:sldSz cx="12192000" cy="6858000"/>
   <p:notesSz cx="6858000" cy="9144000"/>
@@ -328,7 +329,7 @@
           <a:p>
             <a:fld id="{9AB3A824-1A51-4B26-AD58-A6D8E14F6C04}" type="datetimeFigureOut">
               <a:rPr lang="en-US" noProof="0" smtClean="0"/>
-              <a:t>4/20/2019</a:t>
+              <a:t>4/22/2019</a:t>
             </a:fld>
             <a:endParaRPr lang="en-US" noProof="0" dirty="0"/>
           </a:p>
@@ -553,7 +554,7 @@
           <a:p>
             <a:fld id="{D857E33E-8B18-4087-B112-809917729534}" type="datetimeFigureOut">
               <a:rPr lang="en-US" noProof="0" smtClean="0"/>
-              <a:t>4/20/2019</a:t>
+              <a:t>4/22/2019</a:t>
             </a:fld>
             <a:endParaRPr lang="en-US" noProof="0" dirty="0"/>
           </a:p>
@@ -737,7 +738,7 @@
           <a:p>
             <a:fld id="{D3FFE419-2371-464F-8239-3959401C3561}" type="datetimeFigureOut">
               <a:rPr lang="en-US" noProof="0" smtClean="0"/>
-              <a:t>4/20/2019</a:t>
+              <a:t>4/22/2019</a:t>
             </a:fld>
             <a:endParaRPr lang="en-US" noProof="0" dirty="0"/>
           </a:p>
@@ -911,7 +912,7 @@
           <a:p>
             <a:fld id="{97D162C4-EDD9-4389-A98B-B87ECEA2A816}" type="datetimeFigureOut">
               <a:rPr lang="en-US" noProof="0" smtClean="0"/>
-              <a:t>4/20/2019</a:t>
+              <a:t>4/22/2019</a:t>
             </a:fld>
             <a:endParaRPr lang="en-US" noProof="0" dirty="0"/>
           </a:p>
@@ -1166,7 +1167,7 @@
           <a:p>
             <a:fld id="{3E5059C3-6A89-4494-99FF-5A4D6FFD50EB}" type="datetimeFigureOut">
               <a:rPr lang="en-US" noProof="0" smtClean="0"/>
-              <a:t>4/20/2019</a:t>
+              <a:t>4/22/2019</a:t>
             </a:fld>
             <a:endParaRPr lang="en-US" noProof="0" dirty="0"/>
           </a:p>
@@ -1493,7 +1494,7 @@
           <a:p>
             <a:fld id="{CA954B2F-12DE-47F5-8894-472B206D2E1E}" type="datetimeFigureOut">
               <a:rPr lang="en-US" noProof="0" smtClean="0"/>
-              <a:t>4/20/2019</a:t>
+              <a:t>4/22/2019</a:t>
             </a:fld>
             <a:endParaRPr lang="en-US" noProof="0" dirty="0"/>
           </a:p>
@@ -1921,7 +1922,7 @@
           <a:p>
             <a:fld id="{3CBC1C18-307B-4F68-A007-B5B542270E8D}" type="datetimeFigureOut">
               <a:rPr lang="en-US" noProof="0" smtClean="0"/>
-              <a:t>4/20/2019</a:t>
+              <a:t>4/22/2019</a:t>
             </a:fld>
             <a:endParaRPr lang="en-US" noProof="0" dirty="0"/>
           </a:p>
@@ -2045,7 +2046,7 @@
           <a:p>
             <a:fld id="{1FAF3416-4057-4DAA-829D-4CA07428D088}" type="datetimeFigureOut">
               <a:rPr lang="en-US" noProof="0" smtClean="0"/>
-              <a:t>4/20/2019</a:t>
+              <a:t>4/22/2019</a:t>
             </a:fld>
             <a:endParaRPr lang="en-US" noProof="0" dirty="0"/>
           </a:p>
@@ -2144,7 +2145,7 @@
           <a:p>
             <a:fld id="{921D9284-D300-4297-87F7-E791DCC15DB1}" type="datetimeFigureOut">
               <a:rPr lang="en-US" noProof="0" smtClean="0"/>
-              <a:t>4/20/2019</a:t>
+              <a:t>4/22/2019</a:t>
             </a:fld>
             <a:endParaRPr lang="en-US" noProof="0" dirty="0"/>
           </a:p>
@@ -2438,7 +2439,7 @@
           <a:p>
             <a:fld id="{37D525BB-DA17-4BA0-B3C8-3AC3ABC827E6}" type="datetimeFigureOut">
               <a:rPr lang="en-US" noProof="0" smtClean="0"/>
-              <a:t>4/20/2019</a:t>
+              <a:t>4/22/2019</a:t>
             </a:fld>
             <a:endParaRPr lang="en-US" noProof="0" dirty="0"/>
           </a:p>
@@ -2714,7 +2715,7 @@
           <a:p>
             <a:fld id="{B16C4C9A-3960-41CF-A4E9-2A8FB932454B}" type="datetimeFigureOut">
               <a:rPr lang="en-US" noProof="0" smtClean="0"/>
-              <a:t>4/20/2019</a:t>
+              <a:t>4/22/2019</a:t>
             </a:fld>
             <a:endParaRPr lang="en-US" noProof="0" dirty="0"/>
           </a:p>
@@ -2971,7 +2972,7 @@
           <a:p>
             <a:fld id="{3CBC1C18-307B-4F68-A007-B5B542270E8D}" type="datetimeFigureOut">
               <a:rPr lang="en-US" noProof="0" smtClean="0"/>
-              <a:t>4/20/2019</a:t>
+              <a:t>4/22/2019</a:t>
             </a:fld>
             <a:endParaRPr lang="en-US" noProof="0" dirty="0"/>
           </a:p>
@@ -3454,7 +3455,7 @@
                 <a16:creationId xmlns:a16="http://schemas.microsoft.com/office/drawing/2014/main" id="{63FED537-3AF1-4C36-9904-77B6A54D27B5}"/>
               </a:ext>
               <a:ext uri="{C183D7F6-B498-43B3-948B-1728B52AA6E4}">
-                <adec:decorative xmlns:adec="http://schemas.microsoft.com/office/drawing/2017/decorative" xmlns="" val="1"/>
+                <adec:decorative xmlns="" xmlns:adec="http://schemas.microsoft.com/office/drawing/2017/decorative" val="1"/>
               </a:ext>
             </a:extLst>
           </p:cNvPr>
@@ -14638,35 +14639,8 @@
               <a:rPr lang="fa-IR" sz="3600" dirty="0">
                 <a:cs typeface="B Nazanin" panose="00000400000000000000" pitchFamily="2" charset="-78"/>
               </a:rPr>
-              <a:t>تعارض </a:t>
-            </a:r>
-            <a:r>
-              <a:rPr lang="fa-IR" sz="3600" dirty="0">
-                <a:cs typeface="B Nazanin" panose="00000400000000000000" pitchFamily="2" charset="-78"/>
-              </a:rPr>
-              <a:t>شناختی </a:t>
-            </a:r>
-            <a:r>
-              <a:rPr lang="fa-IR" sz="3600" dirty="0">
-                <a:cs typeface="B Nazanin" panose="00000400000000000000" pitchFamily="2" charset="-78"/>
-              </a:rPr>
-              <a:t>( کوری </a:t>
-            </a:r>
-            <a:r>
-              <a:rPr lang="fa-IR" sz="3600" dirty="0">
-                <a:cs typeface="B Nazanin" panose="00000400000000000000" pitchFamily="2" charset="-78"/>
-              </a:rPr>
-              <a:t>تصمیم </a:t>
-            </a:r>
-            <a:r>
-              <a:rPr lang="fa-IR" sz="3600" dirty="0">
-                <a:cs typeface="B Nazanin" panose="00000400000000000000" pitchFamily="2" charset="-78"/>
-              </a:rPr>
-              <a:t>گیری )</a:t>
-            </a:r>
-            <a:endParaRPr lang="fa-IR" sz="3600" dirty="0">
-              <a:cs typeface="B Nazanin" panose="00000400000000000000" pitchFamily="2" charset="-78"/>
-            </a:endParaRPr>
+              <a:t>تعارض شناختی ( کوری تصمیم گیری )</a:t>
+            </a:r>
           </a:p>
         </p:txBody>
       </p:sp>
@@ -14956,16 +14930,6 @@
                 </a:rPr>
                 <a:t>جالب این‌جاست که ۸۴٪ شرکت‌کنندگان در پایان آزمایش، در پاسخ به این سوال که آیا تعویض عکس‌ها را متوجه می‌شوید، گفته بودند که حتماً تغییر و تعویض عکس‌ها را متوجه خواهند شد.</a:t>
               </a:r>
-              <a:endParaRPr lang="fa-IR" sz="1400" b="1" dirty="0">
-                <a:solidFill>
-                  <a:schemeClr val="tx1">
-                    <a:lumMod val="95000"/>
-                    <a:lumOff val="5000"/>
-                  </a:schemeClr>
-                </a:solidFill>
-                <a:latin typeface="IRANSans"/>
-                <a:cs typeface="B Nazanin" panose="00000400000000000000" pitchFamily="2" charset="-78"/>
-              </a:endParaRPr>
             </a:p>
           </p:txBody>
         </p:sp>
@@ -15075,10 +15039,10 @@
                 <a:latin typeface="IRANSans"/>
                 <a:cs typeface="B Nazanin" panose="00000400000000000000" pitchFamily="2" charset="-78"/>
               </a:rPr>
-              <a:t>می‌رسید</a:t>
-            </a:r>
-            <a:r>
-              <a:rPr lang="fa-IR" sz="1400" b="1" dirty="0">
+              <a:t>می‌رسیدنرم‌افزار </a:t>
+            </a:r>
+            <a:r>
+              <a:rPr lang="en-US" sz="1400" b="1" dirty="0">
                 <a:solidFill>
                   <a:schemeClr val="tx1">
                     <a:lumMod val="95000"/>
@@ -15088,10 +15052,10 @@
                 <a:latin typeface="IRANSans"/>
                 <a:cs typeface="B Nazanin" panose="00000400000000000000" pitchFamily="2" charset="-78"/>
               </a:rPr>
-              <a:t>نرم‌افزار </a:t>
-            </a:r>
-            <a:r>
-              <a:rPr lang="en-US" sz="1400" b="1" dirty="0">
+              <a:t>X</a:t>
+            </a:r>
+            <a:r>
+              <a:rPr lang="fa-IR" sz="1400" b="1" dirty="0">
                 <a:solidFill>
                   <a:schemeClr val="tx1">
                     <a:lumMod val="95000"/>
@@ -15101,10 +15065,10 @@
                 <a:latin typeface="IRANSans"/>
                 <a:cs typeface="B Nazanin" panose="00000400000000000000" pitchFamily="2" charset="-78"/>
               </a:rPr>
-              <a:t>X</a:t>
-            </a:r>
-            <a:r>
-              <a:rPr lang="fa-IR" sz="1400" b="1" dirty="0">
+              <a:t> </a:t>
+            </a:r>
+            <a:r>
+              <a:rPr lang="en-US" sz="1400" b="1" dirty="0">
                 <a:solidFill>
                   <a:schemeClr val="tx1">
                     <a:lumMod val="95000"/>
@@ -15117,7 +15081,7 @@
               <a:t> </a:t>
             </a:r>
             <a:r>
-              <a:rPr lang="en-US" sz="1400" b="1" dirty="0">
+              <a:rPr lang="fa-IR" sz="1400" b="1" dirty="0">
                 <a:solidFill>
                   <a:schemeClr val="tx1">
                     <a:lumMod val="95000"/>
@@ -15127,10 +15091,10 @@
                 <a:latin typeface="IRANSans"/>
                 <a:cs typeface="B Nazanin" panose="00000400000000000000" pitchFamily="2" charset="-78"/>
               </a:rPr>
-              <a:t> </a:t>
-            </a:r>
-            <a:r>
-              <a:rPr lang="fa-IR" sz="1400" b="1" dirty="0">
+              <a:t>از همان ابتدا از شما می‌خواهد که مبلغ مشخصی را پرداخت کرده و آن را خریداری </a:t>
+            </a:r>
+            <a:r>
+              <a:rPr lang="fa-IR" sz="1400" b="1" dirty="0" smtClean="0">
                 <a:solidFill>
                   <a:schemeClr val="tx1">
                     <a:lumMod val="95000"/>
@@ -15140,10 +15104,10 @@
                 <a:latin typeface="IRANSans"/>
                 <a:cs typeface="B Nazanin" panose="00000400000000000000" pitchFamily="2" charset="-78"/>
               </a:rPr>
-              <a:t>از همان ابتدا از شما می‌خواهد که مبلغ مشخصی را پرداخت کرده و آن را خریداری </a:t>
-            </a:r>
-            <a:r>
-              <a:rPr lang="fa-IR" sz="1400" b="1" dirty="0" smtClean="0">
+              <a:t>کنید. اما </a:t>
+            </a:r>
+            <a:r>
+              <a:rPr lang="fa-IR" sz="1400" b="1" dirty="0">
                 <a:solidFill>
                   <a:schemeClr val="tx1">
                     <a:lumMod val="95000"/>
@@ -15153,10 +15117,10 @@
                 <a:latin typeface="IRANSans"/>
                 <a:cs typeface="B Nazanin" panose="00000400000000000000" pitchFamily="2" charset="-78"/>
               </a:rPr>
-              <a:t>کنید. اما </a:t>
-            </a:r>
-            <a:r>
-              <a:rPr lang="fa-IR" sz="1400" b="1" dirty="0">
+              <a:t>نرم‌افزار </a:t>
+            </a:r>
+            <a:r>
+              <a:rPr lang="en-US" sz="1400" b="1" dirty="0" smtClean="0">
                 <a:solidFill>
                   <a:schemeClr val="tx1">
                     <a:lumMod val="95000"/>
@@ -15166,10 +15130,10 @@
                 <a:latin typeface="IRANSans"/>
                 <a:cs typeface="B Nazanin" panose="00000400000000000000" pitchFamily="2" charset="-78"/>
               </a:rPr>
-              <a:t>نرم‌افزار </a:t>
-            </a:r>
-            <a:r>
-              <a:rPr lang="en-US" sz="1400" b="1" dirty="0" smtClean="0">
+              <a:t>Y</a:t>
+            </a:r>
+            <a:r>
+              <a:rPr lang="fa-IR" sz="1400" b="1" dirty="0" smtClean="0">
                 <a:solidFill>
                   <a:schemeClr val="tx1">
                     <a:lumMod val="95000"/>
@@ -15179,10 +15143,10 @@
                 <a:latin typeface="IRANSans"/>
                 <a:cs typeface="B Nazanin" panose="00000400000000000000" pitchFamily="2" charset="-78"/>
               </a:rPr>
-              <a:t>Y</a:t>
-            </a:r>
-            <a:r>
-              <a:rPr lang="fa-IR" sz="1400" b="1" dirty="0" smtClean="0">
+              <a:t> </a:t>
+            </a:r>
+            <a:r>
+              <a:rPr lang="en-US" sz="1400" b="1" dirty="0" smtClean="0">
                 <a:solidFill>
                   <a:schemeClr val="tx1">
                     <a:lumMod val="95000"/>
@@ -15195,7 +15159,7 @@
               <a:t> </a:t>
             </a:r>
             <a:r>
-              <a:rPr lang="en-US" sz="1400" b="1" dirty="0" smtClean="0">
+              <a:rPr lang="fa-IR" sz="1400" b="1" dirty="0">
                 <a:solidFill>
                   <a:schemeClr val="tx1">
                     <a:lumMod val="95000"/>
@@ -15205,8 +15169,11 @@
                 <a:latin typeface="IRANSans"/>
                 <a:cs typeface="B Nazanin" panose="00000400000000000000" pitchFamily="2" charset="-78"/>
               </a:rPr>
-              <a:t> </a:t>
-            </a:r>
+              <a:t>نسخه‌ی آزمایشی دارد و به شما اجازه می‌دهد تا مدتی از آن استفاده کنید.</a:t>
+            </a:r>
+          </a:p>
+          <a:p>
+            <a:pPr algn="justLow" rtl="1"/>
             <a:r>
               <a:rPr lang="fa-IR" sz="1400" b="1" dirty="0">
                 <a:solidFill>
@@ -15218,7 +15185,7 @@
                 <a:latin typeface="IRANSans"/>
                 <a:cs typeface="B Nazanin" panose="00000400000000000000" pitchFamily="2" charset="-78"/>
               </a:rPr>
-              <a:t>نسخه‌ی آزمایشی دارد و به شما اجازه می‌دهد تا مدتی از آن استفاده کنید.</a:t>
+              <a:t>جدای از این‌ نکته‌ی بدیهی که استفاده از نسخه‌ی آزمایشی، فرصتی برای آشناتر شدن بیشتر با نرم‌افزار است، نابینایی تصمیم‌گیری هم می‌تواند به کمک فروشنده بیاید.</a:t>
             </a:r>
           </a:p>
           <a:p>
@@ -15234,13 +15201,10 @@
                 <a:latin typeface="IRANSans"/>
                 <a:cs typeface="B Nazanin" panose="00000400000000000000" pitchFamily="2" charset="-78"/>
               </a:rPr>
-              <a:t>جدای از این‌ نکته‌ی بدیهی که استفاده از نسخه‌ی آزمایشی، فرصتی برای آشناتر شدن بیشتر با نرم‌افزار است، نابینایی تصمیم‌گیری هم می‌تواند به کمک فروشنده بیاید.</a:t>
-            </a:r>
-          </a:p>
-          <a:p>
-            <a:pPr algn="justLow" rtl="1"/>
-            <a:r>
-              <a:rPr lang="fa-IR" sz="1400" b="1" dirty="0">
+              <a:t>مدتی بعد، ممکن است به خاطر نیاورید که علت انتخاب </a:t>
+            </a:r>
+            <a:r>
+              <a:rPr lang="en-US" sz="1400" b="1" dirty="0" smtClean="0">
                 <a:solidFill>
                   <a:schemeClr val="tx1">
                     <a:lumMod val="95000"/>
@@ -15250,10 +15214,10 @@
                 <a:latin typeface="IRANSans"/>
                 <a:cs typeface="B Nazanin" panose="00000400000000000000" pitchFamily="2" charset="-78"/>
               </a:rPr>
-              <a:t>مدتی بعد، ممکن است به خاطر نیاورید که علت انتخاب </a:t>
-            </a:r>
-            <a:r>
-              <a:rPr lang="en-US" sz="1400" b="1" dirty="0" smtClean="0">
+              <a:t>Y</a:t>
+            </a:r>
+            <a:r>
+              <a:rPr lang="fa-IR" sz="1400" b="1" dirty="0" smtClean="0">
                 <a:solidFill>
                   <a:schemeClr val="tx1">
                     <a:lumMod val="95000"/>
@@ -15263,10 +15227,10 @@
                 <a:latin typeface="IRANSans"/>
                 <a:cs typeface="B Nazanin" panose="00000400000000000000" pitchFamily="2" charset="-78"/>
               </a:rPr>
-              <a:t>Y</a:t>
-            </a:r>
-            <a:r>
-              <a:rPr lang="fa-IR" sz="1400" b="1" dirty="0" smtClean="0">
+              <a:t> </a:t>
+            </a:r>
+            <a:r>
+              <a:rPr lang="en-US" sz="1400" b="1" dirty="0" smtClean="0">
                 <a:solidFill>
                   <a:schemeClr val="tx1">
                     <a:lumMod val="95000"/>
@@ -15279,7 +15243,7 @@
               <a:t> </a:t>
             </a:r>
             <a:r>
-              <a:rPr lang="en-US" sz="1400" b="1" dirty="0" smtClean="0">
+              <a:rPr lang="fa-IR" sz="1400" b="1" dirty="0">
                 <a:solidFill>
                   <a:schemeClr val="tx1">
                     <a:lumMod val="95000"/>
@@ -15289,10 +15253,10 @@
                 <a:latin typeface="IRANSans"/>
                 <a:cs typeface="B Nazanin" panose="00000400000000000000" pitchFamily="2" charset="-78"/>
               </a:rPr>
-              <a:t> </a:t>
-            </a:r>
-            <a:r>
-              <a:rPr lang="fa-IR" sz="1400" b="1" dirty="0">
+              <a:t>به جای </a:t>
+            </a:r>
+            <a:r>
+              <a:rPr lang="en-US" sz="1400" b="1" dirty="0" smtClean="0">
                 <a:solidFill>
                   <a:schemeClr val="tx1">
                     <a:lumMod val="95000"/>
@@ -15302,10 +15266,10 @@
                 <a:latin typeface="IRANSans"/>
                 <a:cs typeface="B Nazanin" panose="00000400000000000000" pitchFamily="2" charset="-78"/>
               </a:rPr>
-              <a:t>به جای </a:t>
-            </a:r>
-            <a:r>
-              <a:rPr lang="en-US" sz="1400" b="1" dirty="0" smtClean="0">
+              <a:t>X</a:t>
+            </a:r>
+            <a:r>
+              <a:rPr lang="fa-IR" sz="1400" b="1" dirty="0" smtClean="0">
                 <a:solidFill>
                   <a:schemeClr val="tx1">
                     <a:lumMod val="95000"/>
@@ -15315,10 +15279,10 @@
                 <a:latin typeface="IRANSans"/>
                 <a:cs typeface="B Nazanin" panose="00000400000000000000" pitchFamily="2" charset="-78"/>
               </a:rPr>
-              <a:t>X</a:t>
-            </a:r>
-            <a:r>
-              <a:rPr lang="fa-IR" sz="1400" b="1" dirty="0" smtClean="0">
+              <a:t> </a:t>
+            </a:r>
+            <a:r>
+              <a:rPr lang="en-US" sz="1400" b="1" dirty="0" smtClean="0">
                 <a:solidFill>
                   <a:schemeClr val="tx1">
                     <a:lumMod val="95000"/>
@@ -15328,10 +15292,10 @@
                 <a:latin typeface="IRANSans"/>
                 <a:cs typeface="B Nazanin" panose="00000400000000000000" pitchFamily="2" charset="-78"/>
               </a:rPr>
-              <a:t> </a:t>
-            </a:r>
-            <a:r>
-              <a:rPr lang="en-US" sz="1400" b="1" dirty="0" smtClean="0">
+              <a:t>، </a:t>
+            </a:r>
+            <a:r>
+              <a:rPr lang="fa-IR" sz="1400" b="1" dirty="0">
                 <a:solidFill>
                   <a:schemeClr val="tx1">
                     <a:lumMod val="95000"/>
@@ -15341,10 +15305,10 @@
                 <a:latin typeface="IRANSans"/>
                 <a:cs typeface="B Nazanin" panose="00000400000000000000" pitchFamily="2" charset="-78"/>
               </a:rPr>
-              <a:t>، </a:t>
-            </a:r>
-            <a:r>
-              <a:rPr lang="fa-IR" sz="1400" b="1" dirty="0">
+              <a:t>پولی بودن </a:t>
+            </a:r>
+            <a:r>
+              <a:rPr lang="en-US" sz="1400" b="1" dirty="0" smtClean="0">
                 <a:solidFill>
                   <a:schemeClr val="tx1">
                     <a:lumMod val="95000"/>
@@ -15354,10 +15318,10 @@
                 <a:latin typeface="IRANSans"/>
                 <a:cs typeface="B Nazanin" panose="00000400000000000000" pitchFamily="2" charset="-78"/>
               </a:rPr>
-              <a:t>پولی بودن </a:t>
-            </a:r>
-            <a:r>
-              <a:rPr lang="en-US" sz="1400" b="1" dirty="0" smtClean="0">
+              <a:t>X</a:t>
+            </a:r>
+            <a:r>
+              <a:rPr lang="fa-IR" sz="1400" b="1" dirty="0" smtClean="0">
                 <a:solidFill>
                   <a:schemeClr val="tx1">
                     <a:lumMod val="95000"/>
@@ -15367,10 +15331,10 @@
                 <a:latin typeface="IRANSans"/>
                 <a:cs typeface="B Nazanin" panose="00000400000000000000" pitchFamily="2" charset="-78"/>
               </a:rPr>
-              <a:t>X</a:t>
-            </a:r>
-            <a:r>
-              <a:rPr lang="fa-IR" sz="1400" b="1" dirty="0" smtClean="0">
+              <a:t> </a:t>
+            </a:r>
+            <a:r>
+              <a:rPr lang="en-US" sz="1400" b="1" dirty="0" smtClean="0">
                 <a:solidFill>
                   <a:schemeClr val="tx1">
                     <a:lumMod val="95000"/>
@@ -15383,7 +15347,7 @@
               <a:t> </a:t>
             </a:r>
             <a:r>
-              <a:rPr lang="en-US" sz="1400" b="1" dirty="0" smtClean="0">
+              <a:rPr lang="fa-IR" sz="1400" b="1" dirty="0">
                 <a:solidFill>
                   <a:schemeClr val="tx1">
                     <a:lumMod val="95000"/>
@@ -15393,33 +15357,7 @@
                 <a:latin typeface="IRANSans"/>
                 <a:cs typeface="B Nazanin" panose="00000400000000000000" pitchFamily="2" charset="-78"/>
               </a:rPr>
-              <a:t> </a:t>
-            </a:r>
-            <a:r>
-              <a:rPr lang="fa-IR" sz="1400" b="1" dirty="0">
-                <a:solidFill>
-                  <a:schemeClr val="tx1">
-                    <a:lumMod val="95000"/>
-                    <a:lumOff val="5000"/>
-                  </a:schemeClr>
-                </a:solidFill>
-                <a:latin typeface="IRANSans"/>
-                <a:cs typeface="B Nazanin" panose="00000400000000000000" pitchFamily="2" charset="-78"/>
-              </a:rPr>
-              <a:t>بوده است. </a:t>
-            </a:r>
-            <a:r>
-              <a:rPr lang="fa-IR" sz="1400" b="1" dirty="0">
-                <a:solidFill>
-                  <a:schemeClr val="tx1">
-                    <a:lumMod val="95000"/>
-                    <a:lumOff val="5000"/>
-                  </a:schemeClr>
-                </a:solidFill>
-                <a:latin typeface="IRANSans"/>
-                <a:cs typeface="B Nazanin" panose="00000400000000000000" pitchFamily="2" charset="-78"/>
-              </a:rPr>
-              <a:t>بلکه ذهن شما یک روایتِ هماهنگ از ماجرا ساخته و شما، مجموعه‌ای از نقاط قوت و قابلیت‌ها را به عنوان علت انتخاب </a:t>
+              <a:t>بوده است. بلکه ذهن شما یک روایتِ هماهنگ از ماجرا ساخته و شما، مجموعه‌ای از نقاط قوت و قابلیت‌ها را به عنوان علت انتخاب </a:t>
             </a:r>
             <a:r>
               <a:rPr lang="en-US" sz="1400" b="1" dirty="0" smtClean="0">
@@ -15543,7 +15481,7 @@
         <p:spPr>
           <a:xfrm>
             <a:off x="1615440" y="5952675"/>
-            <a:ext cx="8961120" cy="369332"/>
+            <a:ext cx="8961120" cy="461665"/>
           </a:xfrm>
           <a:prstGeom prst="rect">
             <a:avLst/>
@@ -15571,36 +15509,38 @@
           <a:p>
             <a:pPr algn="ctr"/>
             <a:r>
-              <a:rPr lang="fa-IR" dirty="0">
+              <a:rPr lang="fa-IR" sz="2400" dirty="0">
                 <a:solidFill>
                   <a:srgbClr val="000000"/>
                 </a:solidFill>
                 <a:latin typeface="IRANSans" panose="02040503050201020203" pitchFamily="18" charset="-78"/>
-                <a:cs typeface="IRANSans" panose="02040503050201020203" pitchFamily="18" charset="-78"/>
+                <a:cs typeface="B Nazanin" panose="00000400000000000000" pitchFamily="2" charset="-78"/>
               </a:rPr>
               <a:t>یکی از کاربردهای </a:t>
             </a:r>
             <a:r>
-              <a:rPr lang="fa-IR" dirty="0">
+              <a:rPr lang="fa-IR" sz="2400" dirty="0">
                 <a:solidFill>
                   <a:srgbClr val="C4161C"/>
                 </a:solidFill>
                 <a:latin typeface="IRANSans" panose="02040503050201020203" pitchFamily="18" charset="-78"/>
-                <a:cs typeface="IRANSans" panose="02040503050201020203" pitchFamily="18" charset="-78"/>
+                <a:cs typeface="B Nazanin" panose="00000400000000000000" pitchFamily="2" charset="-78"/>
               </a:rPr>
               <a:t>تکنیک ثبت و مرور تصمیم‌ها</a:t>
             </a:r>
             <a:r>
-              <a:rPr lang="fa-IR" dirty="0">
+              <a:rPr lang="fa-IR" sz="2400" dirty="0">
                 <a:solidFill>
                   <a:srgbClr val="000000"/>
                 </a:solidFill>
                 <a:latin typeface="IRANSans" panose="02040503050201020203" pitchFamily="18" charset="-78"/>
-                <a:cs typeface="IRANSans" panose="02040503050201020203" pitchFamily="18" charset="-78"/>
+                <a:cs typeface="B Nazanin" panose="00000400000000000000" pitchFamily="2" charset="-78"/>
               </a:rPr>
               <a:t> هم، اتفاقاً کاهش اثر این خطای شناختی است.</a:t>
             </a:r>
-            <a:endParaRPr lang="en-US" dirty="0"/>
+            <a:endParaRPr lang="en-US" sz="2400" dirty="0">
+              <a:cs typeface="B Nazanin" panose="00000400000000000000" pitchFamily="2" charset="-78"/>
+            </a:endParaRPr>
           </a:p>
         </p:txBody>
       </p:sp>
@@ -15659,23 +15599,38 @@
         </p:nvSpPr>
         <p:spPr>
           <a:xfrm>
-            <a:off x="1449977" y="412236"/>
+            <a:off x="1449977" y="492035"/>
             <a:ext cx="9875520" cy="709749"/>
           </a:xfrm>
         </p:spPr>
         <p:txBody>
           <a:bodyPr vert="horz" lIns="91440" tIns="45720" rIns="91440" bIns="45720" rtlCol="0" anchor="ctr">
-            <a:normAutofit/>
+            <a:noAutofit/>
           </a:bodyPr>
           <a:lstStyle/>
           <a:p>
             <a:pPr algn="r"/>
             <a:r>
-              <a:rPr lang="fa-IR" sz="3600" dirty="0">
-                <a:cs typeface="B Nazanin" panose="00000400000000000000" pitchFamily="2" charset="-78"/>
-              </a:rPr>
-              <a:t>تعارض شناختی (ناهماهنگی شناختی)</a:t>
-            </a:r>
+              <a:rPr lang="fa-IR" sz="3200" dirty="0">
+                <a:cs typeface="B Nazanin" panose="00000400000000000000" pitchFamily="2" charset="-78"/>
+              </a:rPr>
+              <a:t>خطای </a:t>
+            </a:r>
+            <a:r>
+              <a:rPr lang="fa-IR" sz="3200" dirty="0">
+                <a:cs typeface="B Nazanin" panose="00000400000000000000" pitchFamily="2" charset="-78"/>
+              </a:rPr>
+              <a:t>درک نادرست دامنه ارزیابی و مقیاس </a:t>
+            </a:r>
+            <a:r>
+              <a:rPr lang="fa-IR" sz="3200" dirty="0" smtClean="0">
+                <a:cs typeface="B Nazanin" panose="00000400000000000000" pitchFamily="2" charset="-78"/>
+              </a:rPr>
+              <a:t>مسئله</a:t>
+            </a:r>
+            <a:endParaRPr lang="fa-IR" sz="3200" dirty="0">
+              <a:cs typeface="B Nazanin" panose="00000400000000000000" pitchFamily="2" charset="-78"/>
+            </a:endParaRPr>
           </a:p>
         </p:txBody>
       </p:sp>
@@ -15709,6 +15664,869 @@
           </a:fontRef>
         </p:style>
       </p:cxnSp>
+      <p:pic>
+        <p:nvPicPr>
+          <p:cNvPr id="4" name="Picture 3"/>
+          <p:cNvPicPr>
+            <a:picLocks noChangeAspect="1"/>
+          </p:cNvPicPr>
+          <p:nvPr/>
+        </p:nvPicPr>
+        <p:blipFill rotWithShape="1">
+          <a:blip r:embed="rId2"/>
+          <a:srcRect r="24133"/>
+          <a:stretch/>
+        </p:blipFill>
+        <p:spPr>
+          <a:xfrm>
+            <a:off x="10811765" y="1977343"/>
+            <a:ext cx="748863" cy="658055"/>
+          </a:xfrm>
+          <a:prstGeom prst="rect">
+            <a:avLst/>
+          </a:prstGeom>
+          <a:ln w="6350">
+            <a:solidFill>
+              <a:srgbClr val="006181"/>
+            </a:solidFill>
+          </a:ln>
+        </p:spPr>
+      </p:pic>
+      <p:pic>
+        <p:nvPicPr>
+          <p:cNvPr id="3" name="Picture 2"/>
+          <p:cNvPicPr>
+            <a:picLocks noChangeAspect="1"/>
+          </p:cNvPicPr>
+          <p:nvPr/>
+        </p:nvPicPr>
+        <p:blipFill>
+          <a:blip r:embed="rId3"/>
+          <a:stretch>
+            <a:fillRect/>
+          </a:stretch>
+        </p:blipFill>
+        <p:spPr>
+          <a:xfrm>
+            <a:off x="8912270" y="1418272"/>
+            <a:ext cx="1185319" cy="1776199"/>
+          </a:xfrm>
+          <a:prstGeom prst="rect">
+            <a:avLst/>
+          </a:prstGeom>
+        </p:spPr>
+      </p:pic>
+      <p:cxnSp>
+        <p:nvCxnSpPr>
+          <p:cNvPr id="6" name="Straight Arrow Connector 5"/>
+          <p:cNvCxnSpPr/>
+          <p:nvPr/>
+        </p:nvCxnSpPr>
+        <p:spPr>
+          <a:xfrm flipH="1">
+            <a:off x="10162902" y="2306371"/>
+            <a:ext cx="570485" cy="0"/>
+          </a:xfrm>
+          <a:prstGeom prst="straightConnector1">
+            <a:avLst/>
+          </a:prstGeom>
+          <a:ln w="38100">
+            <a:tailEnd type="triangle"/>
+          </a:ln>
+        </p:spPr>
+        <p:style>
+          <a:lnRef idx="2">
+            <a:schemeClr val="accent2"/>
+          </a:lnRef>
+          <a:fillRef idx="0">
+            <a:schemeClr val="accent2"/>
+          </a:fillRef>
+          <a:effectRef idx="1">
+            <a:schemeClr val="accent2"/>
+          </a:effectRef>
+          <a:fontRef idx="minor">
+            <a:schemeClr val="tx1"/>
+          </a:fontRef>
+        </p:style>
+      </p:cxnSp>
+      <p:cxnSp>
+        <p:nvCxnSpPr>
+          <p:cNvPr id="9" name="Straight Arrow Connector 8"/>
+          <p:cNvCxnSpPr/>
+          <p:nvPr/>
+        </p:nvCxnSpPr>
+        <p:spPr>
+          <a:xfrm flipH="1">
+            <a:off x="7955280" y="2306370"/>
+            <a:ext cx="857868" cy="0"/>
+          </a:xfrm>
+          <a:prstGeom prst="straightConnector1">
+            <a:avLst/>
+          </a:prstGeom>
+          <a:ln w="38100">
+            <a:tailEnd type="triangle"/>
+          </a:ln>
+        </p:spPr>
+        <p:style>
+          <a:lnRef idx="2">
+            <a:schemeClr val="accent2"/>
+          </a:lnRef>
+          <a:fillRef idx="0">
+            <a:schemeClr val="accent2"/>
+          </a:fillRef>
+          <a:effectRef idx="1">
+            <a:schemeClr val="accent2"/>
+          </a:effectRef>
+          <a:fontRef idx="minor">
+            <a:schemeClr val="tx1"/>
+          </a:fontRef>
+        </p:style>
+      </p:cxnSp>
+      <p:sp>
+        <p:nvSpPr>
+          <p:cNvPr id="10" name="Rectangle 9"/>
+          <p:cNvSpPr/>
+          <p:nvPr/>
+        </p:nvSpPr>
+        <p:spPr>
+          <a:xfrm>
+            <a:off x="698861" y="1449364"/>
+            <a:ext cx="7073539" cy="1200329"/>
+          </a:xfrm>
+          <a:prstGeom prst="rect">
+            <a:avLst/>
+          </a:prstGeom>
+        </p:spPr>
+        <p:txBody>
+          <a:bodyPr wrap="square">
+            <a:spAutoFit/>
+          </a:bodyPr>
+          <a:lstStyle/>
+          <a:p>
+            <a:pPr algn="justLow" rtl="1"/>
+            <a:r>
+              <a:rPr lang="fa-IR" dirty="0" smtClean="0">
+                <a:solidFill>
+                  <a:srgbClr val="111111"/>
+                </a:solidFill>
+                <a:latin typeface="IRANSans"/>
+                <a:cs typeface="B Nazanin" panose="00000400000000000000" pitchFamily="2" charset="-78"/>
+              </a:rPr>
+              <a:t>از یک دسته از افراد دوستدار محیط زیست پرسیدند که برای حل فلان مشکل محیط زیست و نجات جان سالانه </a:t>
+            </a:r>
+            <a:r>
+              <a:rPr lang="fa-IR" b="1" dirty="0" smtClean="0">
+                <a:solidFill>
+                  <a:srgbClr val="FF0000"/>
+                </a:solidFill>
+                <a:latin typeface="IRANSans"/>
+                <a:cs typeface="B Nazanin" panose="00000400000000000000" pitchFamily="2" charset="-78"/>
+              </a:rPr>
+              <a:t>2000 پرنده </a:t>
+            </a:r>
+            <a:r>
+              <a:rPr lang="fa-IR" dirty="0" smtClean="0">
+                <a:solidFill>
+                  <a:srgbClr val="111111"/>
+                </a:solidFill>
+                <a:latin typeface="IRANSans"/>
+                <a:cs typeface="B Nazanin" panose="00000400000000000000" pitchFamily="2" charset="-78"/>
+              </a:rPr>
+              <a:t>حاضر هستید چقدر بیشتر مالیات بدهید و همین سوال را از دسته دیگری از افراد مشابه جهت نجات جان </a:t>
+            </a:r>
+            <a:r>
+              <a:rPr lang="fa-IR" b="1" dirty="0" smtClean="0">
+                <a:solidFill>
+                  <a:srgbClr val="006181"/>
+                </a:solidFill>
+                <a:latin typeface="IRANSans"/>
+                <a:cs typeface="B Nazanin" panose="00000400000000000000" pitchFamily="2" charset="-78"/>
+              </a:rPr>
+              <a:t>20000 پرنده </a:t>
+            </a:r>
+            <a:r>
+              <a:rPr lang="fa-IR" dirty="0" smtClean="0">
+                <a:solidFill>
+                  <a:srgbClr val="111111"/>
+                </a:solidFill>
+                <a:latin typeface="IRANSans"/>
+                <a:cs typeface="B Nazanin" panose="00000400000000000000" pitchFamily="2" charset="-78"/>
+              </a:rPr>
+              <a:t>پرسیدند . از دسته سوم هم همین سوال برای </a:t>
+            </a:r>
+            <a:r>
+              <a:rPr lang="fa-IR" b="1" dirty="0" smtClean="0">
+                <a:solidFill>
+                  <a:schemeClr val="accent1">
+                    <a:lumMod val="50000"/>
+                  </a:schemeClr>
+                </a:solidFill>
+                <a:latin typeface="IRANSans"/>
+                <a:cs typeface="B Nazanin" panose="00000400000000000000" pitchFamily="2" charset="-78"/>
+              </a:rPr>
+              <a:t>200000</a:t>
+            </a:r>
+            <a:r>
+              <a:rPr lang="fa-IR" dirty="0" smtClean="0">
+                <a:solidFill>
+                  <a:srgbClr val="111111"/>
+                </a:solidFill>
+                <a:latin typeface="IRANSans"/>
+                <a:cs typeface="B Nazanin" panose="00000400000000000000" pitchFamily="2" charset="-78"/>
+              </a:rPr>
+              <a:t> </a:t>
+            </a:r>
+            <a:r>
+              <a:rPr lang="fa-IR" b="1" dirty="0" smtClean="0">
+                <a:solidFill>
+                  <a:schemeClr val="accent1">
+                    <a:lumMod val="50000"/>
+                  </a:schemeClr>
+                </a:solidFill>
+                <a:latin typeface="IRANSans"/>
+                <a:cs typeface="B Nazanin" panose="00000400000000000000" pitchFamily="2" charset="-78"/>
+              </a:rPr>
+              <a:t>پرنده</a:t>
+            </a:r>
+            <a:r>
+              <a:rPr lang="fa-IR" dirty="0" smtClean="0">
+                <a:solidFill>
+                  <a:srgbClr val="111111"/>
+                </a:solidFill>
+                <a:latin typeface="IRANSans"/>
+                <a:cs typeface="B Nazanin" panose="00000400000000000000" pitchFamily="2" charset="-78"/>
+              </a:rPr>
+              <a:t> مطرح شد . جوابها تقریبا به هم نزدیک بود . </a:t>
+            </a:r>
+            <a:endParaRPr lang="en-US" dirty="0">
+              <a:solidFill>
+                <a:srgbClr val="111111"/>
+              </a:solidFill>
+              <a:latin typeface="IRANSans"/>
+              <a:cs typeface="B Nazanin" panose="00000400000000000000" pitchFamily="2" charset="-78"/>
+            </a:endParaRPr>
+          </a:p>
+        </p:txBody>
+      </p:sp>
+      <p:sp>
+        <p:nvSpPr>
+          <p:cNvPr id="11" name="Rectangle 10"/>
+          <p:cNvSpPr/>
+          <p:nvPr/>
+        </p:nvSpPr>
+        <p:spPr>
+          <a:xfrm>
+            <a:off x="4836658" y="2660355"/>
+            <a:ext cx="2253345" cy="369332"/>
+          </a:xfrm>
+          <a:prstGeom prst="rect">
+            <a:avLst/>
+          </a:prstGeom>
+        </p:spPr>
+        <p:txBody>
+          <a:bodyPr wrap="square">
+            <a:spAutoFit/>
+          </a:bodyPr>
+          <a:lstStyle/>
+          <a:p>
+            <a:pPr algn="justLow" rtl="1"/>
+            <a:r>
+              <a:rPr lang="fa-IR" dirty="0" smtClean="0">
+                <a:solidFill>
+                  <a:srgbClr val="111111"/>
+                </a:solidFill>
+                <a:latin typeface="IRANSans"/>
+                <a:cs typeface="B Nazanin" panose="00000400000000000000" pitchFamily="2" charset="-78"/>
+              </a:rPr>
+              <a:t>میانگین گروه دوم : 78 دلار </a:t>
+            </a:r>
+            <a:endParaRPr lang="en-US" dirty="0">
+              <a:solidFill>
+                <a:srgbClr val="111111"/>
+              </a:solidFill>
+              <a:latin typeface="IRANSans"/>
+              <a:cs typeface="B Nazanin" panose="00000400000000000000" pitchFamily="2" charset="-78"/>
+            </a:endParaRPr>
+          </a:p>
+        </p:txBody>
+      </p:sp>
+      <p:sp>
+        <p:nvSpPr>
+          <p:cNvPr id="12" name="Rectangle 11"/>
+          <p:cNvSpPr/>
+          <p:nvPr/>
+        </p:nvSpPr>
+        <p:spPr>
+          <a:xfrm>
+            <a:off x="1332411" y="2660355"/>
+            <a:ext cx="2364377" cy="369332"/>
+          </a:xfrm>
+          <a:prstGeom prst="rect">
+            <a:avLst/>
+          </a:prstGeom>
+        </p:spPr>
+        <p:txBody>
+          <a:bodyPr wrap="square">
+            <a:spAutoFit/>
+          </a:bodyPr>
+          <a:lstStyle/>
+          <a:p>
+            <a:pPr algn="justLow" rtl="1"/>
+            <a:r>
+              <a:rPr lang="fa-IR" dirty="0" smtClean="0">
+                <a:solidFill>
+                  <a:srgbClr val="111111"/>
+                </a:solidFill>
+                <a:latin typeface="IRANSans"/>
+                <a:cs typeface="B Nazanin" panose="00000400000000000000" pitchFamily="2" charset="-78"/>
+              </a:rPr>
+              <a:t>میانگین گروه سوم  : 88 دلار </a:t>
+            </a:r>
+            <a:endParaRPr lang="en-US" dirty="0">
+              <a:solidFill>
+                <a:srgbClr val="111111"/>
+              </a:solidFill>
+              <a:latin typeface="IRANSans"/>
+              <a:cs typeface="B Nazanin" panose="00000400000000000000" pitchFamily="2" charset="-78"/>
+            </a:endParaRPr>
+          </a:p>
+        </p:txBody>
+      </p:sp>
+      <p:sp>
+        <p:nvSpPr>
+          <p:cNvPr id="13" name="Rectangle 12"/>
+          <p:cNvSpPr/>
+          <p:nvPr/>
+        </p:nvSpPr>
+        <p:spPr>
+          <a:xfrm>
+            <a:off x="695732" y="3378861"/>
+            <a:ext cx="9924371" cy="369332"/>
+          </a:xfrm>
+          <a:prstGeom prst="rect">
+            <a:avLst/>
+          </a:prstGeom>
+        </p:spPr>
+        <p:txBody>
+          <a:bodyPr wrap="square">
+            <a:spAutoFit/>
+          </a:bodyPr>
+          <a:lstStyle/>
+          <a:p>
+            <a:pPr algn="justLow" rtl="1"/>
+            <a:r>
+              <a:rPr lang="fa-IR" dirty="0">
+                <a:solidFill>
+                  <a:srgbClr val="111111"/>
+                </a:solidFill>
+                <a:latin typeface="IRANSans"/>
+                <a:cs typeface="B Nazanin" panose="00000400000000000000" pitchFamily="2" charset="-78"/>
+              </a:rPr>
+              <a:t>مبلغ پیشنهادی مردم، تقریباً مقدار مشخصی </a:t>
+            </a:r>
+            <a:r>
+              <a:rPr lang="fa-IR" dirty="0" smtClean="0">
+                <a:solidFill>
+                  <a:srgbClr val="111111"/>
+                </a:solidFill>
+                <a:latin typeface="IRANSans"/>
+                <a:cs typeface="B Nazanin" panose="00000400000000000000" pitchFamily="2" charset="-78"/>
+              </a:rPr>
+              <a:t>(حدود۸۰ </a:t>
+            </a:r>
+            <a:r>
+              <a:rPr lang="fa-IR" dirty="0">
+                <a:solidFill>
+                  <a:srgbClr val="111111"/>
+                </a:solidFill>
+                <a:latin typeface="IRANSans"/>
+                <a:cs typeface="B Nazanin" panose="00000400000000000000" pitchFamily="2" charset="-78"/>
+              </a:rPr>
+              <a:t>دلار) بود</a:t>
+            </a:r>
+            <a:r>
+              <a:rPr lang="fa-IR" dirty="0">
+                <a:solidFill>
+                  <a:srgbClr val="FF0000"/>
+                </a:solidFill>
+                <a:latin typeface="IRANSans"/>
+                <a:cs typeface="B Nazanin" panose="00000400000000000000" pitchFamily="2" charset="-78"/>
+              </a:rPr>
+              <a:t>. </a:t>
+            </a:r>
+            <a:r>
+              <a:rPr lang="fa-IR" dirty="0">
+                <a:solidFill>
+                  <a:srgbClr val="FF0000"/>
+                </a:solidFill>
+                <a:latin typeface="IRANSans"/>
+                <a:cs typeface="B Nazanin" panose="00000400000000000000" pitchFamily="2" charset="-78"/>
+              </a:rPr>
+              <a:t>مستقل از اینکه واقعاً این پروژه به چه میزان بودجه نیاز داشته باشد</a:t>
+            </a:r>
+            <a:r>
+              <a:rPr lang="fa-IR" dirty="0">
+                <a:solidFill>
+                  <a:srgbClr val="111111"/>
+                </a:solidFill>
+                <a:latin typeface="IRANSans"/>
+                <a:cs typeface="B Nazanin" panose="00000400000000000000" pitchFamily="2" charset="-78"/>
+              </a:rPr>
+              <a:t>.</a:t>
+            </a:r>
+            <a:endParaRPr lang="en-US" dirty="0">
+              <a:solidFill>
+                <a:srgbClr val="111111"/>
+              </a:solidFill>
+              <a:latin typeface="IRANSans"/>
+              <a:cs typeface="B Nazanin" panose="00000400000000000000" pitchFamily="2" charset="-78"/>
+            </a:endParaRPr>
+          </a:p>
+        </p:txBody>
+      </p:sp>
+      <p:sp>
+        <p:nvSpPr>
+          <p:cNvPr id="14" name="Rectangle 13"/>
+          <p:cNvSpPr/>
+          <p:nvPr/>
+        </p:nvSpPr>
+        <p:spPr>
+          <a:xfrm>
+            <a:off x="10620104" y="3384831"/>
+            <a:ext cx="688048" cy="369332"/>
+          </a:xfrm>
+          <a:prstGeom prst="rect">
+            <a:avLst/>
+          </a:prstGeom>
+        </p:spPr>
+        <p:style>
+          <a:lnRef idx="2">
+            <a:schemeClr val="accent2"/>
+          </a:lnRef>
+          <a:fillRef idx="1">
+            <a:schemeClr val="lt1"/>
+          </a:fillRef>
+          <a:effectRef idx="0">
+            <a:schemeClr val="accent2"/>
+          </a:effectRef>
+          <a:fontRef idx="minor">
+            <a:schemeClr val="dk1"/>
+          </a:fontRef>
+        </p:style>
+        <p:txBody>
+          <a:bodyPr wrap="square">
+            <a:spAutoFit/>
+          </a:bodyPr>
+          <a:lstStyle/>
+          <a:p>
+            <a:pPr algn="justLow" rtl="1"/>
+            <a:r>
+              <a:rPr lang="fa-IR" dirty="0" smtClean="0">
+                <a:solidFill>
+                  <a:srgbClr val="111111"/>
+                </a:solidFill>
+                <a:latin typeface="IRANSans"/>
+                <a:cs typeface="B Nazanin" panose="00000400000000000000" pitchFamily="2" charset="-78"/>
+              </a:rPr>
+              <a:t>نتیجه</a:t>
+            </a:r>
+            <a:endParaRPr lang="en-US" dirty="0">
+              <a:solidFill>
+                <a:srgbClr val="111111"/>
+              </a:solidFill>
+              <a:latin typeface="IRANSans"/>
+              <a:cs typeface="B Nazanin" panose="00000400000000000000" pitchFamily="2" charset="-78"/>
+            </a:endParaRPr>
+          </a:p>
+        </p:txBody>
+      </p:sp>
+      <p:sp>
+        <p:nvSpPr>
+          <p:cNvPr id="15" name="Rectangle 14"/>
+          <p:cNvSpPr/>
+          <p:nvPr/>
+        </p:nvSpPr>
+        <p:spPr>
+          <a:xfrm>
+            <a:off x="1495696" y="3904102"/>
+            <a:ext cx="7176781" cy="1200329"/>
+          </a:xfrm>
+          <a:prstGeom prst="rect">
+            <a:avLst/>
+          </a:prstGeom>
+        </p:spPr>
+        <p:txBody>
+          <a:bodyPr wrap="square">
+            <a:spAutoFit/>
+          </a:bodyPr>
+          <a:lstStyle/>
+          <a:p>
+            <a:pPr marL="285750" indent="-285750" algn="justLow" rtl="1">
+              <a:buFont typeface="Wingdings" panose="05000000000000000000" pitchFamily="2" charset="2"/>
+              <a:buChar char="ü"/>
+            </a:pPr>
+            <a:r>
+              <a:rPr lang="fa-IR" dirty="0" smtClean="0">
+                <a:solidFill>
+                  <a:srgbClr val="111111"/>
+                </a:solidFill>
+                <a:latin typeface="IRANSans"/>
+                <a:cs typeface="B Nazanin" panose="00000400000000000000" pitchFamily="2" charset="-78"/>
+              </a:rPr>
+              <a:t>سخنرانی که تعداد افراد </a:t>
+            </a:r>
+            <a:r>
+              <a:rPr lang="en-US" dirty="0" smtClean="0">
+                <a:solidFill>
+                  <a:srgbClr val="111111"/>
+                </a:solidFill>
+                <a:latin typeface="IRANSans"/>
+                <a:cs typeface="B Nazanin" panose="00000400000000000000" pitchFamily="2" charset="-78"/>
+              </a:rPr>
+              <a:t>x </a:t>
+            </a:r>
+            <a:r>
+              <a:rPr lang="fa-IR" dirty="0" smtClean="0">
+                <a:solidFill>
+                  <a:srgbClr val="111111"/>
+                </a:solidFill>
+                <a:latin typeface="IRANSans"/>
+                <a:cs typeface="B Nazanin" panose="00000400000000000000" pitchFamily="2" charset="-78"/>
+              </a:rPr>
+              <a:t> را در جهان بین 500 هزار نفر یا 500 میلیون نفر میداند . </a:t>
+            </a:r>
+          </a:p>
+          <a:p>
+            <a:pPr marL="285750" indent="-285750" algn="justLow" rtl="1">
+              <a:buFont typeface="Wingdings" panose="05000000000000000000" pitchFamily="2" charset="2"/>
+              <a:buChar char="ü"/>
+            </a:pPr>
+            <a:r>
+              <a:rPr lang="fa-IR" dirty="0" smtClean="0">
+                <a:solidFill>
+                  <a:srgbClr val="111111"/>
+                </a:solidFill>
+                <a:latin typeface="IRANSans"/>
+                <a:cs typeface="B Nazanin" panose="00000400000000000000" pitchFamily="2" charset="-78"/>
+              </a:rPr>
+              <a:t>مدیر پروژه ای که نفر ساعت یک پروژه 8000 ساعته را 80000 نفر ساعت اعلام میکند . </a:t>
+            </a:r>
+          </a:p>
+          <a:p>
+            <a:pPr marL="285750" indent="-285750" algn="justLow" rtl="1">
+              <a:buFont typeface="Wingdings" panose="05000000000000000000" pitchFamily="2" charset="2"/>
+              <a:buChar char="ü"/>
+            </a:pPr>
+            <a:r>
+              <a:rPr lang="fa-IR" dirty="0" smtClean="0">
+                <a:solidFill>
+                  <a:srgbClr val="111111"/>
+                </a:solidFill>
+                <a:latin typeface="IRANSans"/>
+                <a:cs typeface="B Nazanin" panose="00000400000000000000" pitchFamily="2" charset="-78"/>
+              </a:rPr>
+              <a:t>ارزیابی که حدود خسارات وارده را از 20 میلیاد تومان تا 500 میلیاد تومان اعلام میکند .</a:t>
+            </a:r>
+          </a:p>
+          <a:p>
+            <a:pPr marL="285750" indent="-285750" algn="justLow" rtl="1">
+              <a:buFont typeface="Wingdings" panose="05000000000000000000" pitchFamily="2" charset="2"/>
+              <a:buChar char="ü"/>
+            </a:pPr>
+            <a:r>
+              <a:rPr lang="fa-IR" dirty="0" smtClean="0">
+                <a:solidFill>
+                  <a:srgbClr val="111111"/>
+                </a:solidFill>
+                <a:latin typeface="IRANSans"/>
+                <a:cs typeface="B Nazanin" panose="00000400000000000000" pitchFamily="2" charset="-78"/>
+              </a:rPr>
+              <a:t>و ..... </a:t>
+            </a:r>
+            <a:endParaRPr lang="en-US" dirty="0">
+              <a:solidFill>
+                <a:srgbClr val="111111"/>
+              </a:solidFill>
+              <a:latin typeface="IRANSans"/>
+              <a:cs typeface="B Nazanin" panose="00000400000000000000" pitchFamily="2" charset="-78"/>
+            </a:endParaRPr>
+          </a:p>
+        </p:txBody>
+      </p:sp>
+      <p:sp>
+        <p:nvSpPr>
+          <p:cNvPr id="16" name="Title 1">
+            <a:extLst>
+              <a:ext uri="{FF2B5EF4-FFF2-40B4-BE49-F238E27FC236}">
+                <a16:creationId xmlns:a16="http://schemas.microsoft.com/office/drawing/2014/main" id="{BB4B6193-F9F1-4C54-838F-77350B9FC5DC}"/>
+              </a:ext>
+            </a:extLst>
+          </p:cNvPr>
+          <p:cNvSpPr txBox="1">
+            <a:spLocks/>
+          </p:cNvSpPr>
+          <p:nvPr/>
+        </p:nvSpPr>
+        <p:spPr>
+          <a:xfrm>
+            <a:off x="8797833" y="4123267"/>
+            <a:ext cx="2730137" cy="709749"/>
+          </a:xfrm>
+          <a:prstGeom prst="rect">
+            <a:avLst/>
+          </a:prstGeom>
+        </p:spPr>
+        <p:txBody>
+          <a:bodyPr vert="horz" lIns="91440" tIns="45720" rIns="91440" bIns="45720" rtlCol="0" anchor="ctr">
+            <a:noAutofit/>
+          </a:bodyPr>
+          <a:lstStyle>
+            <a:lvl1pPr algn="l" defTabSz="914400" rtl="0" eaLnBrk="1" latinLnBrk="0" hangingPunct="1">
+              <a:lnSpc>
+                <a:spcPct val="90000"/>
+              </a:lnSpc>
+              <a:spcBef>
+                <a:spcPct val="0"/>
+              </a:spcBef>
+              <a:buNone/>
+              <a:defRPr sz="4400" kern="1200">
+                <a:solidFill>
+                  <a:schemeClr val="accent1"/>
+                </a:solidFill>
+                <a:latin typeface="+mj-lt"/>
+                <a:ea typeface="+mj-ea"/>
+                <a:cs typeface="+mj-cs"/>
+              </a:defRPr>
+            </a:lvl1pPr>
+          </a:lstStyle>
+          <a:p>
+            <a:pPr algn="ctr" rtl="1"/>
+            <a:r>
+              <a:rPr lang="fa-IR" sz="1800" b="1" dirty="0" smtClean="0">
+                <a:solidFill>
+                  <a:schemeClr val="accent1">
+                    <a:lumMod val="50000"/>
+                  </a:schemeClr>
+                </a:solidFill>
+                <a:cs typeface="B Nazanin" panose="00000400000000000000" pitchFamily="2" charset="-78"/>
+              </a:rPr>
+              <a:t>نمونه کسانی که احتمالا گرفتار خطای درک نادرست دامنه ارزیابی و مقیاس مسئله هستند : </a:t>
+            </a:r>
+            <a:endParaRPr lang="fa-IR" sz="1800" b="1" dirty="0">
+              <a:solidFill>
+                <a:schemeClr val="accent1">
+                  <a:lumMod val="50000"/>
+                </a:schemeClr>
+              </a:solidFill>
+              <a:cs typeface="B Nazanin" panose="00000400000000000000" pitchFamily="2" charset="-78"/>
+            </a:endParaRPr>
+          </a:p>
+        </p:txBody>
+      </p:sp>
+      <p:sp>
+        <p:nvSpPr>
+          <p:cNvPr id="17" name="Rectangle 16"/>
+          <p:cNvSpPr/>
+          <p:nvPr/>
+        </p:nvSpPr>
+        <p:spPr>
+          <a:xfrm>
+            <a:off x="690766" y="5873018"/>
+            <a:ext cx="10832238" cy="646331"/>
+          </a:xfrm>
+          <a:prstGeom prst="rect">
+            <a:avLst/>
+          </a:prstGeom>
+          <a:solidFill>
+            <a:schemeClr val="accent2">
+              <a:lumMod val="20000"/>
+              <a:lumOff val="80000"/>
+            </a:schemeClr>
+          </a:solidFill>
+        </p:spPr>
+        <p:style>
+          <a:lnRef idx="2">
+            <a:schemeClr val="accent2"/>
+          </a:lnRef>
+          <a:fillRef idx="1">
+            <a:schemeClr val="lt1"/>
+          </a:fillRef>
+          <a:effectRef idx="0">
+            <a:schemeClr val="accent2"/>
+          </a:effectRef>
+          <a:fontRef idx="minor">
+            <a:schemeClr val="dk1"/>
+          </a:fontRef>
+        </p:style>
+        <p:txBody>
+          <a:bodyPr wrap="square">
+            <a:spAutoFit/>
+          </a:bodyPr>
+          <a:lstStyle/>
+          <a:p>
+            <a:pPr algn="justLow" rtl="1"/>
+            <a:r>
+              <a:rPr lang="fa-IR" b="1" dirty="0" smtClean="0">
+                <a:solidFill>
+                  <a:srgbClr val="111111"/>
+                </a:solidFill>
+                <a:latin typeface="IRANSans"/>
+                <a:cs typeface="B Nazanin" panose="00000400000000000000" pitchFamily="2" charset="-78"/>
+              </a:rPr>
+              <a:t>این خطای ذهنی شاید برای جمع آوری کمک برای سیل زدگان ( با خرابی در حد بسیار زیاد ) برای افراد عادی (کمک کنندگان) مفید هم باشد . اما </a:t>
+            </a:r>
+            <a:r>
+              <a:rPr lang="fa-IR" b="1" dirty="0" smtClean="0">
+                <a:solidFill>
+                  <a:srgbClr val="C00000"/>
+                </a:solidFill>
+                <a:latin typeface="IRANSans"/>
+                <a:cs typeface="B Nazanin" panose="00000400000000000000" pitchFamily="2" charset="-78"/>
+              </a:rPr>
+              <a:t>برای یک مدیر که تصمیمات مهمی را اتخاذ میکند </a:t>
+            </a:r>
+            <a:r>
+              <a:rPr lang="fa-IR" b="1" dirty="0" smtClean="0">
+                <a:solidFill>
+                  <a:srgbClr val="111111"/>
+                </a:solidFill>
+                <a:latin typeface="IRANSans"/>
+                <a:cs typeface="B Nazanin" panose="00000400000000000000" pitchFamily="2" charset="-78"/>
+              </a:rPr>
+              <a:t>، میتواند بسیار گمراه کننده باشد .  </a:t>
+            </a:r>
+            <a:endParaRPr lang="en-US" b="1" dirty="0">
+              <a:solidFill>
+                <a:srgbClr val="111111"/>
+              </a:solidFill>
+              <a:latin typeface="IRANSans"/>
+              <a:cs typeface="B Nazanin" panose="00000400000000000000" pitchFamily="2" charset="-78"/>
+            </a:endParaRPr>
+          </a:p>
+        </p:txBody>
+      </p:sp>
+      <p:sp>
+        <p:nvSpPr>
+          <p:cNvPr id="18" name="Rectangle 17"/>
+          <p:cNvSpPr/>
+          <p:nvPr/>
+        </p:nvSpPr>
+        <p:spPr>
+          <a:xfrm>
+            <a:off x="695732" y="5154512"/>
+            <a:ext cx="10832238" cy="646331"/>
+          </a:xfrm>
+          <a:prstGeom prst="rect">
+            <a:avLst/>
+          </a:prstGeom>
+          <a:solidFill>
+            <a:schemeClr val="accent5">
+              <a:lumMod val="40000"/>
+              <a:lumOff val="60000"/>
+            </a:schemeClr>
+          </a:solidFill>
+        </p:spPr>
+        <p:style>
+          <a:lnRef idx="2">
+            <a:schemeClr val="accent6"/>
+          </a:lnRef>
+          <a:fillRef idx="1">
+            <a:schemeClr val="lt1"/>
+          </a:fillRef>
+          <a:effectRef idx="0">
+            <a:schemeClr val="accent6"/>
+          </a:effectRef>
+          <a:fontRef idx="minor">
+            <a:schemeClr val="dk1"/>
+          </a:fontRef>
+        </p:style>
+        <p:txBody>
+          <a:bodyPr wrap="square">
+            <a:spAutoFit/>
+          </a:bodyPr>
+          <a:lstStyle/>
+          <a:p>
+            <a:pPr algn="justLow" rtl="1"/>
+            <a:r>
+              <a:rPr lang="fa-IR" dirty="0">
+                <a:solidFill>
+                  <a:srgbClr val="111111"/>
+                </a:solidFill>
+                <a:latin typeface="IRANSans"/>
+                <a:cs typeface="B Nazanin" panose="00000400000000000000" pitchFamily="2" charset="-78"/>
+              </a:rPr>
+              <a:t> چه بپسندیم و چه نپسندیم، بسیاری از تصمیم‌ها و ارزیابی‌های ما، بیش از آنکه با توجه </a:t>
+            </a:r>
+            <a:r>
+              <a:rPr lang="fa-IR" dirty="0" smtClean="0">
+                <a:solidFill>
+                  <a:srgbClr val="111111"/>
+                </a:solidFill>
+                <a:latin typeface="IRANSans"/>
+                <a:cs typeface="B Nazanin" panose="00000400000000000000" pitchFamily="2" charset="-78"/>
+              </a:rPr>
+              <a:t>به صورت </a:t>
+            </a:r>
+            <a:r>
+              <a:rPr lang="fa-IR" b="1" dirty="0" smtClean="0">
+                <a:solidFill>
+                  <a:srgbClr val="111111"/>
+                </a:solidFill>
+                <a:latin typeface="IRANSans"/>
+                <a:cs typeface="B Nazanin" panose="00000400000000000000" pitchFamily="2" charset="-78"/>
+              </a:rPr>
+              <a:t>مسئله بیرونی </a:t>
+            </a:r>
+            <a:r>
+              <a:rPr lang="fa-IR" dirty="0" smtClean="0">
+                <a:solidFill>
+                  <a:srgbClr val="111111"/>
+                </a:solidFill>
+                <a:latin typeface="IRANSans"/>
+                <a:cs typeface="B Nazanin" panose="00000400000000000000" pitchFamily="2" charset="-78"/>
+              </a:rPr>
+              <a:t>انجام </a:t>
+            </a:r>
+            <a:r>
+              <a:rPr lang="fa-IR" dirty="0">
+                <a:solidFill>
+                  <a:srgbClr val="111111"/>
+                </a:solidFill>
+                <a:latin typeface="IRANSans"/>
+                <a:cs typeface="B Nazanin" panose="00000400000000000000" pitchFamily="2" charset="-78"/>
+              </a:rPr>
+              <a:t>شوند با توجه به </a:t>
+            </a:r>
+            <a:r>
+              <a:rPr lang="fa-IR" b="1" dirty="0">
+                <a:solidFill>
+                  <a:srgbClr val="111111"/>
+                </a:solidFill>
+                <a:latin typeface="IRANSans"/>
+                <a:cs typeface="B Nazanin" panose="00000400000000000000" pitchFamily="2" charset="-78"/>
+              </a:rPr>
+              <a:t>احساس درونی </a:t>
+            </a:r>
+            <a:r>
+              <a:rPr lang="fa-IR" dirty="0">
+                <a:solidFill>
+                  <a:srgbClr val="111111"/>
+                </a:solidFill>
+                <a:latin typeface="IRANSans"/>
+                <a:cs typeface="B Nazanin" panose="00000400000000000000" pitchFamily="2" charset="-78"/>
+              </a:rPr>
+              <a:t>ما انجام می‌شوند. </a:t>
+            </a:r>
+            <a:endParaRPr lang="en-US" dirty="0">
+              <a:solidFill>
+                <a:srgbClr val="111111"/>
+              </a:solidFill>
+              <a:latin typeface="IRANSans"/>
+              <a:cs typeface="B Nazanin" panose="00000400000000000000" pitchFamily="2" charset="-78"/>
+            </a:endParaRPr>
+          </a:p>
+        </p:txBody>
+      </p:sp>
     </p:spTree>
     <p:extLst>
       <p:ext uri="{BB962C8B-B14F-4D97-AF65-F5344CB8AC3E}">
@@ -17175,6 +17993,124 @@
     </p:spTree>
     <p:extLst>
       <p:ext uri="{BB962C8B-B14F-4D97-AF65-F5344CB8AC3E}">
+        <p14:creationId xmlns:p14="http://schemas.microsoft.com/office/powerpoint/2010/main" val="1456627843"/>
+      </p:ext>
+    </p:extLst>
+  </p:cSld>
+  <p:clrMapOvr>
+    <a:masterClrMapping/>
+  </p:clrMapOvr>
+  <p:timing>
+    <p:tnLst>
+      <p:par>
+        <p:cTn id="1" dur="indefinite" restart="never" nodeType="tmRoot"/>
+      </p:par>
+    </p:tnLst>
+  </p:timing>
+</p:sld>
+</file>
+
+<file path=ppt/slides/slide21.xml><?xml version="1.0" encoding="utf-8"?>
+<p:sld xmlns:a="http://schemas.openxmlformats.org/drawingml/2006/main" xmlns:r="http://schemas.openxmlformats.org/officeDocument/2006/relationships" xmlns:p="http://schemas.openxmlformats.org/presentationml/2006/main">
+  <p:cSld>
+    <p:spTree>
+      <p:nvGrpSpPr>
+        <p:cNvPr id="1" name=""/>
+        <p:cNvGrpSpPr/>
+        <p:nvPr/>
+      </p:nvGrpSpPr>
+      <p:grpSpPr>
+        <a:xfrm>
+          <a:off x="0" y="0"/>
+          <a:ext cx="0" cy="0"/>
+          <a:chOff x="0" y="0"/>
+          <a:chExt cx="0" cy="0"/>
+        </a:xfrm>
+      </p:grpSpPr>
+      <p:sp>
+        <p:nvSpPr>
+          <p:cNvPr id="2" name="Title 1">
+            <a:extLst>
+              <a:ext uri="{FF2B5EF4-FFF2-40B4-BE49-F238E27FC236}">
+                <a16:creationId xmlns:a16="http://schemas.microsoft.com/office/drawing/2014/main" id="{BB4B6193-F9F1-4C54-838F-77350B9FC5DC}"/>
+              </a:ext>
+            </a:extLst>
+          </p:cNvPr>
+          <p:cNvSpPr>
+            <a:spLocks noGrp="1"/>
+          </p:cNvSpPr>
+          <p:nvPr>
+            <p:ph type="title"/>
+          </p:nvPr>
+        </p:nvSpPr>
+        <p:spPr>
+          <a:xfrm>
+            <a:off x="1169125" y="425299"/>
+            <a:ext cx="9875520" cy="709749"/>
+          </a:xfrm>
+        </p:spPr>
+        <p:txBody>
+          <a:bodyPr>
+            <a:normAutofit fontScale="90000"/>
+          </a:bodyPr>
+          <a:lstStyle/>
+          <a:p>
+            <a:pPr algn="r" rtl="1"/>
+            <a:r>
+              <a:rPr lang="fa-IR" sz="4800" dirty="0" smtClean="0">
+                <a:cs typeface="B Nazanin" panose="00000400000000000000" pitchFamily="2" charset="-78"/>
+              </a:rPr>
+              <a:t>سوگیری (</a:t>
+            </a:r>
+            <a:r>
+              <a:rPr lang="en-US" dirty="0" smtClean="0"/>
+              <a:t>Bias</a:t>
+            </a:r>
+            <a:r>
+              <a:rPr lang="fa-IR" sz="4800" dirty="0" smtClean="0">
+                <a:cs typeface="B Nazanin" panose="00000400000000000000" pitchFamily="2" charset="-78"/>
+              </a:rPr>
+              <a:t>)  </a:t>
+            </a:r>
+            <a:endParaRPr lang="en-US" sz="4800" dirty="0">
+              <a:cs typeface="B Nazanin" panose="00000400000000000000" pitchFamily="2" charset="-78"/>
+            </a:endParaRPr>
+          </a:p>
+        </p:txBody>
+      </p:sp>
+      <p:cxnSp>
+        <p:nvCxnSpPr>
+          <p:cNvPr id="8" name="Straight Connector 7"/>
+          <p:cNvCxnSpPr/>
+          <p:nvPr/>
+        </p:nvCxnSpPr>
+        <p:spPr>
+          <a:xfrm>
+            <a:off x="888274" y="1240973"/>
+            <a:ext cx="10437223" cy="13063"/>
+          </a:xfrm>
+          <a:prstGeom prst="line">
+            <a:avLst/>
+          </a:prstGeom>
+        </p:spPr>
+        <p:style>
+          <a:lnRef idx="3">
+            <a:schemeClr val="accent1"/>
+          </a:lnRef>
+          <a:fillRef idx="0">
+            <a:schemeClr val="accent1"/>
+          </a:fillRef>
+          <a:effectRef idx="2">
+            <a:schemeClr val="accent1"/>
+          </a:effectRef>
+          <a:fontRef idx="minor">
+            <a:schemeClr val="tx1"/>
+          </a:fontRef>
+        </p:style>
+      </p:cxnSp>
+    </p:spTree>
+    <p:extLst>
+      <p:ext uri="{BB962C8B-B14F-4D97-AF65-F5344CB8AC3E}">
         <p14:creationId xmlns:p14="http://schemas.microsoft.com/office/powerpoint/2010/main" val="3599509212"/>
       </p:ext>
     </p:extLst>
@@ -17192,7 +18128,7 @@
 </p:sld>
 </file>
 
-<file path=ppt/slides/slide21.xml><?xml version="1.0" encoding="utf-8"?>
+<file path=ppt/slides/slide22.xml><?xml version="1.0" encoding="utf-8"?>
 <p:sld xmlns:a="http://schemas.openxmlformats.org/drawingml/2006/main" xmlns:r="http://schemas.openxmlformats.org/officeDocument/2006/relationships" xmlns:p="http://schemas.openxmlformats.org/presentationml/2006/main">
   <p:cSld>
     <p:bg>
@@ -17225,7 +18161,7 @@
                 <a16:creationId xmlns:a16="http://schemas.microsoft.com/office/drawing/2014/main" id="{E3DC42C2-6B58-404C-B339-2C72808A5BE1}"/>
               </a:ext>
               <a:ext uri="{C183D7F6-B498-43B3-948B-1728B52AA6E4}">
-                <adec:decorative xmlns:adec="http://schemas.microsoft.com/office/drawing/2017/decorative" xmlns="" val="1"/>
+                <adec:decorative xmlns="" xmlns:adec="http://schemas.microsoft.com/office/drawing/2017/decorative" val="1"/>
               </a:ext>
             </a:extLst>
           </p:cNvPr>
@@ -17419,7 +18355,7 @@
                 <a16:creationId xmlns:a16="http://schemas.microsoft.com/office/drawing/2014/main" id="{FCF82941-5589-49BF-B6B1-76122B2D0EA6}"/>
               </a:ext>
               <a:ext uri="{C183D7F6-B498-43B3-948B-1728B52AA6E4}">
-                <adec:decorative xmlns:adec="http://schemas.microsoft.com/office/drawing/2017/decorative" xmlns="" val="1"/>
+                <adec:decorative xmlns="" xmlns:adec="http://schemas.microsoft.com/office/drawing/2017/decorative" val="1"/>
               </a:ext>
             </a:extLst>
           </p:cNvPr>
@@ -26326,20 +27262,20 @@
 </file>
 
 <file path=customXml/item1.xml><?xml version="1.0" encoding="utf-8"?>
-<p:properties xmlns:p="http://schemas.microsoft.com/office/2006/metadata/properties" xmlns:xsi="http://www.w3.org/2001/XMLSchema-instance" xmlns:pc="http://schemas.microsoft.com/office/infopath/2007/PartnerControls">
-  <documentManagement>
-    <MediaServiceKeyPoints xmlns="71af3243-3dd4-4a8d-8c0d-dd76da1f02a5" xsi:nil="true"/>
-  </documentManagement>
-</p:properties>
-</file>
-
-<file path=customXml/item2.xml><?xml version="1.0" encoding="utf-8"?>
 <?mso-contentType ?>
 <FormTemplates xmlns="http://schemas.microsoft.com/sharepoint/v3/contenttype/forms">
   <Display>DocumentLibraryForm</Display>
   <Edit>DocumentLibraryForm</Edit>
   <New>DocumentLibraryForm</New>
 </FormTemplates>
+</file>
+
+<file path=customXml/item2.xml><?xml version="1.0" encoding="utf-8"?>
+<p:properties xmlns:p="http://schemas.microsoft.com/office/2006/metadata/properties" xmlns:xsi="http://www.w3.org/2001/XMLSchema-instance" xmlns:pc="http://schemas.microsoft.com/office/infopath/2007/PartnerControls">
+  <documentManagement>
+    <MediaServiceKeyPoints xmlns="71af3243-3dd4-4a8d-8c0d-dd76da1f02a5" xsi:nil="true"/>
+  </documentManagement>
+</p:properties>
 </file>
 
 <file path=customXml/item3.xml><?xml version="1.0" encoding="utf-8"?>
@@ -26554,6 +27490,14 @@
 </file>
 
 <file path=customXml/itemProps1.xml><?xml version="1.0" encoding="utf-8"?>
+<ds:datastoreItem xmlns:ds="http://schemas.openxmlformats.org/officeDocument/2006/customXml" ds:itemID="{204E1485-0760-4ABF-A612-28A97B86DF09}">
+  <ds:schemaRefs>
+    <ds:schemaRef ds:uri="http://schemas.microsoft.com/sharepoint/v3/contenttype/forms"/>
+  </ds:schemaRefs>
+</ds:datastoreItem>
+</file>
+
+<file path=customXml/itemProps2.xml><?xml version="1.0" encoding="utf-8"?>
 <ds:datastoreItem xmlns:ds="http://schemas.openxmlformats.org/officeDocument/2006/customXml" ds:itemID="{4965EBD3-98B5-4FD2-8FAF-5D4022A9F7F4}">
   <ds:schemaRefs>
     <ds:schemaRef ds:uri="http://schemas.openxmlformats.org/package/2006/metadata/core-properties"/>
@@ -26566,14 +27510,6 @@
     <ds:schemaRef ds:uri="16c05727-aa75-4e4a-9b5f-8a80a1165891"/>
     <ds:schemaRef ds:uri="http://www.w3.org/XML/1998/namespace"/>
     <ds:schemaRef ds:uri="http://purl.org/dc/elements/1.1/"/>
-  </ds:schemaRefs>
-</ds:datastoreItem>
-</file>
-
-<file path=customXml/itemProps2.xml><?xml version="1.0" encoding="utf-8"?>
-<ds:datastoreItem xmlns:ds="http://schemas.openxmlformats.org/officeDocument/2006/customXml" ds:itemID="{204E1485-0760-4ABF-A612-28A97B86DF09}">
-  <ds:schemaRefs>
-    <ds:schemaRef ds:uri="http://schemas.microsoft.com/sharepoint/v3/contenttype/forms"/>
   </ds:schemaRefs>
 </ds:datastoreItem>
 </file>

--- a/MyTraining/Individual development/مهارت تصمیم گیری درست.pptx
+++ b/MyTraining/Individual development/مهارت تصمیم گیری درست.pptx
@@ -24,9 +24,12 @@
     <p:sldId id="277" r:id="rId21"/>
     <p:sldId id="276" r:id="rId22"/>
     <p:sldId id="278" r:id="rId23"/>
-    <p:sldId id="279" r:id="rId24"/>
-    <p:sldId id="271" r:id="rId25"/>
-    <p:sldId id="260" r:id="rId26"/>
+    <p:sldId id="271" r:id="rId24"/>
+    <p:sldId id="280" r:id="rId25"/>
+    <p:sldId id="281" r:id="rId26"/>
+    <p:sldId id="282" r:id="rId27"/>
+    <p:sldId id="279" r:id="rId28"/>
+    <p:sldId id="260" r:id="rId29"/>
   </p:sldIdLst>
   <p:sldSz cx="12192000" cy="6858000"/>
   <p:notesSz cx="6858000" cy="9144000"/>
@@ -329,7 +332,7 @@
           <a:p>
             <a:fld id="{9AB3A824-1A51-4B26-AD58-A6D8E14F6C04}" type="datetimeFigureOut">
               <a:rPr lang="en-US" noProof="0" smtClean="0"/>
-              <a:t>4/22/2019</a:t>
+              <a:t>4/27/2019</a:t>
             </a:fld>
             <a:endParaRPr lang="en-US" noProof="0" dirty="0"/>
           </a:p>
@@ -554,7 +557,7 @@
           <a:p>
             <a:fld id="{D857E33E-8B18-4087-B112-809917729534}" type="datetimeFigureOut">
               <a:rPr lang="en-US" noProof="0" smtClean="0"/>
-              <a:t>4/22/2019</a:t>
+              <a:t>4/27/2019</a:t>
             </a:fld>
             <a:endParaRPr lang="en-US" noProof="0" dirty="0"/>
           </a:p>
@@ -738,7 +741,7 @@
           <a:p>
             <a:fld id="{D3FFE419-2371-464F-8239-3959401C3561}" type="datetimeFigureOut">
               <a:rPr lang="en-US" noProof="0" smtClean="0"/>
-              <a:t>4/22/2019</a:t>
+              <a:t>4/27/2019</a:t>
             </a:fld>
             <a:endParaRPr lang="en-US" noProof="0" dirty="0"/>
           </a:p>
@@ -912,7 +915,7 @@
           <a:p>
             <a:fld id="{97D162C4-EDD9-4389-A98B-B87ECEA2A816}" type="datetimeFigureOut">
               <a:rPr lang="en-US" noProof="0" smtClean="0"/>
-              <a:t>4/22/2019</a:t>
+              <a:t>4/27/2019</a:t>
             </a:fld>
             <a:endParaRPr lang="en-US" noProof="0" dirty="0"/>
           </a:p>
@@ -1167,7 +1170,7 @@
           <a:p>
             <a:fld id="{3E5059C3-6A89-4494-99FF-5A4D6FFD50EB}" type="datetimeFigureOut">
               <a:rPr lang="en-US" noProof="0" smtClean="0"/>
-              <a:t>4/22/2019</a:t>
+              <a:t>4/27/2019</a:t>
             </a:fld>
             <a:endParaRPr lang="en-US" noProof="0" dirty="0"/>
           </a:p>
@@ -1494,7 +1497,7 @@
           <a:p>
             <a:fld id="{CA954B2F-12DE-47F5-8894-472B206D2E1E}" type="datetimeFigureOut">
               <a:rPr lang="en-US" noProof="0" smtClean="0"/>
-              <a:t>4/22/2019</a:t>
+              <a:t>4/27/2019</a:t>
             </a:fld>
             <a:endParaRPr lang="en-US" noProof="0" dirty="0"/>
           </a:p>
@@ -1922,7 +1925,7 @@
           <a:p>
             <a:fld id="{3CBC1C18-307B-4F68-A007-B5B542270E8D}" type="datetimeFigureOut">
               <a:rPr lang="en-US" noProof="0" smtClean="0"/>
-              <a:t>4/22/2019</a:t>
+              <a:t>4/27/2019</a:t>
             </a:fld>
             <a:endParaRPr lang="en-US" noProof="0" dirty="0"/>
           </a:p>
@@ -2046,7 +2049,7 @@
           <a:p>
             <a:fld id="{1FAF3416-4057-4DAA-829D-4CA07428D088}" type="datetimeFigureOut">
               <a:rPr lang="en-US" noProof="0" smtClean="0"/>
-              <a:t>4/22/2019</a:t>
+              <a:t>4/27/2019</a:t>
             </a:fld>
             <a:endParaRPr lang="en-US" noProof="0" dirty="0"/>
           </a:p>
@@ -2145,7 +2148,7 @@
           <a:p>
             <a:fld id="{921D9284-D300-4297-87F7-E791DCC15DB1}" type="datetimeFigureOut">
               <a:rPr lang="en-US" noProof="0" smtClean="0"/>
-              <a:t>4/22/2019</a:t>
+              <a:t>4/27/2019</a:t>
             </a:fld>
             <a:endParaRPr lang="en-US" noProof="0" dirty="0"/>
           </a:p>
@@ -2439,7 +2442,7 @@
           <a:p>
             <a:fld id="{37D525BB-DA17-4BA0-B3C8-3AC3ABC827E6}" type="datetimeFigureOut">
               <a:rPr lang="en-US" noProof="0" smtClean="0"/>
-              <a:t>4/22/2019</a:t>
+              <a:t>4/27/2019</a:t>
             </a:fld>
             <a:endParaRPr lang="en-US" noProof="0" dirty="0"/>
           </a:p>
@@ -2715,7 +2718,7 @@
           <a:p>
             <a:fld id="{B16C4C9A-3960-41CF-A4E9-2A8FB932454B}" type="datetimeFigureOut">
               <a:rPr lang="en-US" noProof="0" smtClean="0"/>
-              <a:t>4/22/2019</a:t>
+              <a:t>4/27/2019</a:t>
             </a:fld>
             <a:endParaRPr lang="en-US" noProof="0" dirty="0"/>
           </a:p>
@@ -2972,7 +2975,7 @@
           <a:p>
             <a:fld id="{3CBC1C18-307B-4F68-A007-B5B542270E8D}" type="datetimeFigureOut">
               <a:rPr lang="en-US" noProof="0" smtClean="0"/>
-              <a:t>4/22/2019</a:t>
+              <a:t>4/27/2019</a:t>
             </a:fld>
             <a:endParaRPr lang="en-US" noProof="0" dirty="0"/>
           </a:p>
@@ -3455,7 +3458,7 @@
                 <a16:creationId xmlns:a16="http://schemas.microsoft.com/office/drawing/2014/main" id="{63FED537-3AF1-4C36-9904-77B6A54D27B5}"/>
               </a:ext>
               <a:ext uri="{C183D7F6-B498-43B3-948B-1728B52AA6E4}">
-                <adec:decorative xmlns="" xmlns:adec="http://schemas.microsoft.com/office/drawing/2017/decorative" val="1"/>
+                <adec:decorative xmlns:adec="http://schemas.microsoft.com/office/drawing/2017/decorative" xmlns="" val="1"/>
               </a:ext>
             </a:extLst>
           </p:cNvPr>
@@ -15614,13 +15617,7 @@
               <a:rPr lang="fa-IR" sz="3200" dirty="0">
                 <a:cs typeface="B Nazanin" panose="00000400000000000000" pitchFamily="2" charset="-78"/>
               </a:rPr>
-              <a:t>خطای </a:t>
-            </a:r>
-            <a:r>
-              <a:rPr lang="fa-IR" sz="3200" dirty="0">
-                <a:cs typeface="B Nazanin" panose="00000400000000000000" pitchFamily="2" charset="-78"/>
-              </a:rPr>
-              <a:t>درک نادرست دامنه ارزیابی و مقیاس </a:t>
+              <a:t>خطای درک نادرست دامنه ارزیابی و مقیاس </a:t>
             </a:r>
             <a:r>
               <a:rPr lang="fa-IR" sz="3200" dirty="0" smtClean="0">
@@ -16052,17 +16049,7 @@
                 <a:latin typeface="IRANSans"/>
                 <a:cs typeface="B Nazanin" panose="00000400000000000000" pitchFamily="2" charset="-78"/>
               </a:rPr>
-              <a:t>. </a:t>
-            </a:r>
-            <a:r>
-              <a:rPr lang="fa-IR" dirty="0">
-                <a:solidFill>
-                  <a:srgbClr val="FF0000"/>
-                </a:solidFill>
-                <a:latin typeface="IRANSans"/>
-                <a:cs typeface="B Nazanin" panose="00000400000000000000" pitchFamily="2" charset="-78"/>
-              </a:rPr>
-              <a:t>مستقل از اینکه واقعاً این پروژه به چه میزان بودجه نیاز داشته باشد</a:t>
+              <a:t>. مستقل از اینکه واقعاً این پروژه به چه میزان بودجه نیاز داشته باشد</a:t>
             </a:r>
             <a:r>
               <a:rPr lang="fa-IR" dirty="0">
@@ -17822,7 +17809,7 @@
         </p:nvSpPr>
         <p:spPr>
           <a:xfrm>
-            <a:off x="1169125" y="425299"/>
+            <a:off x="1247503" y="425299"/>
             <a:ext cx="9875520" cy="709749"/>
           </a:xfrm>
         </p:spPr>
@@ -17837,17 +17824,7 @@
               <a:rPr lang="fa-IR" sz="4800" dirty="0" smtClean="0">
                 <a:cs typeface="B Nazanin" panose="00000400000000000000" pitchFamily="2" charset="-78"/>
               </a:rPr>
-              <a:t>سوگیری (</a:t>
-            </a:r>
-            <a:r>
-              <a:rPr lang="en-US" dirty="0" smtClean="0"/>
-              <a:t>Bias</a:t>
-            </a:r>
-            <a:r>
-              <a:rPr lang="fa-IR" sz="4800" dirty="0" smtClean="0">
-                <a:cs typeface="B Nazanin" panose="00000400000000000000" pitchFamily="2" charset="-78"/>
-              </a:rPr>
-              <a:t>)  </a:t>
+              <a:t>استریوتایپ</a:t>
             </a:r>
             <a:endParaRPr lang="en-US" sz="4800" dirty="0">
               <a:cs typeface="B Nazanin" panose="00000400000000000000" pitchFamily="2" charset="-78"/>
@@ -17863,7 +17840,7 @@
         </p:nvCxnSpPr>
         <p:spPr>
           <a:xfrm>
-            <a:off x="888274" y="1240973"/>
+            <a:off x="966652" y="1240973"/>
             <a:ext cx="10437223" cy="13063"/>
           </a:xfrm>
           <a:prstGeom prst="line">
@@ -17887,102 +17864,1031 @@
       </p:cxnSp>
       <p:sp>
         <p:nvSpPr>
-          <p:cNvPr id="3" name="Rectangle 2"/>
+          <p:cNvPr id="4" name="Rectangle 3"/>
           <p:cNvSpPr/>
           <p:nvPr/>
         </p:nvSpPr>
         <p:spPr>
           <a:xfrm>
-            <a:off x="3341914" y="1548676"/>
-            <a:ext cx="7702731" cy="369332"/>
+            <a:off x="3788229" y="1553179"/>
+            <a:ext cx="5747659" cy="830997"/>
           </a:xfrm>
           <a:prstGeom prst="rect">
             <a:avLst/>
           </a:prstGeom>
         </p:spPr>
+        <p:style>
+          <a:lnRef idx="2">
+            <a:schemeClr val="accent4"/>
+          </a:lnRef>
+          <a:fillRef idx="1">
+            <a:schemeClr val="lt1"/>
+          </a:fillRef>
+          <a:effectRef idx="0">
+            <a:schemeClr val="accent4"/>
+          </a:effectRef>
+          <a:fontRef idx="minor">
+            <a:schemeClr val="dk1"/>
+          </a:fontRef>
+        </p:style>
         <p:txBody>
           <a:bodyPr wrap="square">
             <a:spAutoFit/>
           </a:bodyPr>
           <a:lstStyle/>
           <a:p>
-            <a:pPr marL="285750" indent="-285750" algn="r" rtl="1">
+            <a:pPr algn="justLow" rtl="1"/>
+            <a:r>
+              <a:rPr lang="fa-IR" sz="2000" dirty="0" smtClean="0">
+                <a:solidFill>
+                  <a:srgbClr val="111111"/>
+                </a:solidFill>
+                <a:latin typeface="IRANSans"/>
+                <a:cs typeface="B Nazanin" panose="00000400000000000000" pitchFamily="2" charset="-78"/>
+              </a:rPr>
+              <a:t>ما انسانها برای تحلیل سریعتر و قضاوت سریعتر در مورد دیگران و روش جالب و </a:t>
+            </a:r>
+            <a:r>
+              <a:rPr lang="fa-IR" sz="2000" b="1" dirty="0" smtClean="0">
+                <a:latin typeface="IRANSans"/>
+                <a:cs typeface="B Nazanin" panose="00000400000000000000" pitchFamily="2" charset="-78"/>
+              </a:rPr>
+              <a:t>کاربردی</a:t>
+            </a:r>
+            <a:r>
+              <a:rPr lang="fa-IR" sz="2000" dirty="0" smtClean="0">
+                <a:solidFill>
+                  <a:srgbClr val="111111"/>
+                </a:solidFill>
+                <a:latin typeface="IRANSans"/>
+                <a:cs typeface="B Nazanin" panose="00000400000000000000" pitchFamily="2" charset="-78"/>
+              </a:rPr>
+              <a:t> و البته </a:t>
+            </a:r>
+            <a:r>
+              <a:rPr lang="fa-IR" sz="2000" b="1" dirty="0" smtClean="0">
+                <a:solidFill>
+                  <a:srgbClr val="FF0000"/>
+                </a:solidFill>
+                <a:latin typeface="IRANSans"/>
+                <a:cs typeface="B Nazanin" panose="00000400000000000000" pitchFamily="2" charset="-78"/>
+              </a:rPr>
+              <a:t>خطرناکی</a:t>
+            </a:r>
+            <a:r>
+              <a:rPr lang="fa-IR" sz="2000" dirty="0" smtClean="0">
+                <a:solidFill>
+                  <a:srgbClr val="111111"/>
+                </a:solidFill>
+                <a:latin typeface="IRANSans"/>
+                <a:cs typeface="B Nazanin" panose="00000400000000000000" pitchFamily="2" charset="-78"/>
+              </a:rPr>
+              <a:t> آموخته ایم به نام </a:t>
+            </a:r>
+            <a:r>
+              <a:rPr lang="fa-IR" sz="2800" b="1" dirty="0" smtClean="0">
+                <a:solidFill>
+                  <a:srgbClr val="0070C0"/>
+                </a:solidFill>
+                <a:latin typeface="IRANSans"/>
+                <a:cs typeface="B Nazanin" panose="00000400000000000000" pitchFamily="2" charset="-78"/>
+              </a:rPr>
+              <a:t>طبقه بندی </a:t>
+            </a:r>
+            <a:endParaRPr lang="en-US" sz="2000" b="1" dirty="0">
+              <a:solidFill>
+                <a:srgbClr val="0070C0"/>
+              </a:solidFill>
+              <a:latin typeface="IRANSans"/>
+              <a:cs typeface="B Nazanin" panose="00000400000000000000" pitchFamily="2" charset="-78"/>
+            </a:endParaRPr>
+          </a:p>
+        </p:txBody>
+      </p:sp>
+      <p:sp>
+        <p:nvSpPr>
+          <p:cNvPr id="5" name="Rectangle 4"/>
+          <p:cNvSpPr/>
+          <p:nvPr/>
+        </p:nvSpPr>
+        <p:spPr>
+          <a:xfrm>
+            <a:off x="9294223" y="1527215"/>
+            <a:ext cx="2429692" cy="1169551"/>
+          </a:xfrm>
+          <a:prstGeom prst="rect">
+            <a:avLst/>
+          </a:prstGeom>
+        </p:spPr>
+        <p:txBody>
+          <a:bodyPr wrap="square">
+            <a:spAutoFit/>
+          </a:bodyPr>
+          <a:lstStyle/>
+          <a:p>
+            <a:pPr marL="342900" indent="-342900" algn="justLow" rtl="1">
               <a:buFont typeface="Wingdings" panose="05000000000000000000" pitchFamily="2" charset="2"/>
               <a:buChar char="ü"/>
             </a:pPr>
             <a:r>
+              <a:rPr lang="fa-IR" sz="1400" b="1" dirty="0" smtClean="0">
+                <a:solidFill>
+                  <a:srgbClr val="111111"/>
+                </a:solidFill>
+                <a:latin typeface="IRANSans"/>
+                <a:cs typeface="B Nazanin" panose="00000400000000000000" pitchFamily="2" charset="-78"/>
+              </a:rPr>
+              <a:t>شیرازی ها ... هستند </a:t>
+            </a:r>
+          </a:p>
+          <a:p>
+            <a:pPr marL="342900" indent="-342900" algn="justLow" rtl="1">
+              <a:buFont typeface="Wingdings" panose="05000000000000000000" pitchFamily="2" charset="2"/>
+              <a:buChar char="ü"/>
+            </a:pPr>
+            <a:r>
+              <a:rPr lang="fa-IR" sz="1400" b="1" dirty="0" smtClean="0">
+                <a:solidFill>
+                  <a:srgbClr val="111111"/>
+                </a:solidFill>
+                <a:latin typeface="IRANSans"/>
+                <a:cs typeface="B Nazanin" panose="00000400000000000000" pitchFamily="2" charset="-78"/>
+              </a:rPr>
+              <a:t>زن ها ...... هستند </a:t>
+            </a:r>
+          </a:p>
+          <a:p>
+            <a:pPr marL="342900" indent="-342900" algn="justLow" rtl="1">
+              <a:buFont typeface="Wingdings" panose="05000000000000000000" pitchFamily="2" charset="2"/>
+              <a:buChar char="ü"/>
+            </a:pPr>
+            <a:r>
+              <a:rPr lang="fa-IR" sz="1400" b="1" dirty="0" smtClean="0">
+                <a:solidFill>
+                  <a:srgbClr val="111111"/>
+                </a:solidFill>
+                <a:latin typeface="IRANSans"/>
+                <a:cs typeface="B Nazanin" panose="00000400000000000000" pitchFamily="2" charset="-78"/>
+              </a:rPr>
+              <a:t>متولدین ماه مهر ...... </a:t>
+            </a:r>
+          </a:p>
+          <a:p>
+            <a:pPr marL="342900" indent="-342900" algn="justLow" rtl="1">
+              <a:buFont typeface="Wingdings" panose="05000000000000000000" pitchFamily="2" charset="2"/>
+              <a:buChar char="ü"/>
+            </a:pPr>
+            <a:r>
+              <a:rPr lang="fa-IR" sz="1400" b="1" dirty="0" smtClean="0">
+                <a:solidFill>
+                  <a:srgbClr val="111111"/>
+                </a:solidFill>
+                <a:latin typeface="IRANSans"/>
+                <a:cs typeface="B Nazanin" panose="00000400000000000000" pitchFamily="2" charset="-78"/>
+              </a:rPr>
+              <a:t>ایرانی ها ...... خارجی ها ......</a:t>
+            </a:r>
+          </a:p>
+          <a:p>
+            <a:pPr marL="342900" indent="-342900" algn="justLow" rtl="1">
+              <a:buFont typeface="Wingdings" panose="05000000000000000000" pitchFamily="2" charset="2"/>
+              <a:buChar char="ü"/>
+            </a:pPr>
+            <a:r>
+              <a:rPr lang="fa-IR" sz="1400" b="1" dirty="0" smtClean="0">
+                <a:solidFill>
+                  <a:srgbClr val="111111"/>
+                </a:solidFill>
+                <a:latin typeface="IRANSans"/>
+                <a:cs typeface="B Nazanin" panose="00000400000000000000" pitchFamily="2" charset="-78"/>
+              </a:rPr>
+              <a:t>گوشی های سامسونگ .....  </a:t>
+            </a:r>
+          </a:p>
+        </p:txBody>
+      </p:sp>
+      <p:sp>
+        <p:nvSpPr>
+          <p:cNvPr id="3" name="Rectangle 2"/>
+          <p:cNvSpPr/>
+          <p:nvPr/>
+        </p:nvSpPr>
+        <p:spPr>
+          <a:xfrm>
+            <a:off x="3788229" y="2831197"/>
+            <a:ext cx="7785463" cy="707886"/>
+          </a:xfrm>
+          <a:prstGeom prst="rect">
+            <a:avLst/>
+          </a:prstGeom>
+          <a:solidFill>
+            <a:schemeClr val="accent4">
+              <a:lumMod val="20000"/>
+              <a:lumOff val="80000"/>
+            </a:schemeClr>
+          </a:solidFill>
+        </p:spPr>
+        <p:style>
+          <a:lnRef idx="2">
+            <a:schemeClr val="accent4"/>
+          </a:lnRef>
+          <a:fillRef idx="1">
+            <a:schemeClr val="lt1"/>
+          </a:fillRef>
+          <a:effectRef idx="0">
+            <a:schemeClr val="accent4"/>
+          </a:effectRef>
+          <a:fontRef idx="minor">
+            <a:schemeClr val="dk1"/>
+          </a:fontRef>
+        </p:style>
+        <p:txBody>
+          <a:bodyPr wrap="square">
+            <a:spAutoFit/>
+          </a:bodyPr>
+          <a:lstStyle/>
+          <a:p>
+            <a:pPr marL="342900" indent="-342900" algn="justLow" rtl="1">
+              <a:buFont typeface="Wingdings" panose="05000000000000000000" pitchFamily="2" charset="2"/>
+              <a:buChar char="v"/>
+            </a:pPr>
+            <a:r>
+              <a:rPr lang="fa-IR" sz="2000" dirty="0">
+                <a:solidFill>
+                  <a:srgbClr val="111111"/>
+                </a:solidFill>
+                <a:latin typeface="IRANSans"/>
+                <a:cs typeface="B Nazanin" panose="00000400000000000000" pitchFamily="2" charset="-78"/>
+              </a:rPr>
+              <a:t> ما انسانها به صورت ذاتی از ابهام فرار می‌کنیم و </a:t>
+            </a:r>
+            <a:r>
+              <a:rPr lang="fa-IR" sz="2000" b="1" dirty="0">
+                <a:solidFill>
+                  <a:srgbClr val="0070C0"/>
+                </a:solidFill>
+                <a:latin typeface="IRANSans"/>
+                <a:cs typeface="B Nazanin" panose="00000400000000000000" pitchFamily="2" charset="-78"/>
+              </a:rPr>
+              <a:t>طبقه‌بندی</a:t>
+            </a:r>
+            <a:r>
+              <a:rPr lang="fa-IR" sz="2000" dirty="0">
+                <a:solidFill>
+                  <a:srgbClr val="111111"/>
+                </a:solidFill>
+                <a:latin typeface="IRANSans"/>
+                <a:cs typeface="B Nazanin" panose="00000400000000000000" pitchFamily="2" charset="-78"/>
+              </a:rPr>
+              <a:t> یکی از بهترین شیوه‌هایی است که مغز انسان برای کاستن از ابهام دنیای اطراف خود فرا گرفته است</a:t>
+            </a:r>
+            <a:endParaRPr lang="en-US" sz="2000" dirty="0">
+              <a:solidFill>
+                <a:srgbClr val="111111"/>
+              </a:solidFill>
+              <a:latin typeface="IRANSans"/>
+              <a:cs typeface="B Nazanin" panose="00000400000000000000" pitchFamily="2" charset="-78"/>
+            </a:endParaRPr>
+          </a:p>
+        </p:txBody>
+      </p:sp>
+      <p:pic>
+        <p:nvPicPr>
+          <p:cNvPr id="6" name="Picture 5"/>
+          <p:cNvPicPr>
+            <a:picLocks noChangeAspect="1"/>
+          </p:cNvPicPr>
+          <p:nvPr/>
+        </p:nvPicPr>
+        <p:blipFill>
+          <a:blip r:embed="rId2"/>
+          <a:stretch>
+            <a:fillRect/>
+          </a:stretch>
+        </p:blipFill>
+        <p:spPr>
+          <a:xfrm>
+            <a:off x="359773" y="1449364"/>
+            <a:ext cx="3350078" cy="2512559"/>
+          </a:xfrm>
+          <a:prstGeom prst="rect">
+            <a:avLst/>
+          </a:prstGeom>
+          <a:ln>
+            <a:solidFill>
+              <a:schemeClr val="accent4">
+                <a:lumMod val="60000"/>
+                <a:lumOff val="40000"/>
+              </a:schemeClr>
+            </a:solidFill>
+          </a:ln>
+        </p:spPr>
+      </p:pic>
+      <p:sp>
+        <p:nvSpPr>
+          <p:cNvPr id="11" name="Rectangle 10"/>
+          <p:cNvSpPr/>
+          <p:nvPr/>
+        </p:nvSpPr>
+        <p:spPr>
+          <a:xfrm>
+            <a:off x="359773" y="3986104"/>
+            <a:ext cx="3587644" cy="369332"/>
+          </a:xfrm>
+          <a:prstGeom prst="rect">
+            <a:avLst/>
+          </a:prstGeom>
+          <a:ln>
+            <a:noFill/>
+          </a:ln>
+        </p:spPr>
+        <p:style>
+          <a:lnRef idx="2">
+            <a:schemeClr val="accent2"/>
+          </a:lnRef>
+          <a:fillRef idx="1">
+            <a:schemeClr val="lt1"/>
+          </a:fillRef>
+          <a:effectRef idx="0">
+            <a:schemeClr val="accent2"/>
+          </a:effectRef>
+          <a:fontRef idx="minor">
+            <a:schemeClr val="dk1"/>
+          </a:fontRef>
+        </p:style>
+        <p:txBody>
+          <a:bodyPr wrap="square">
+            <a:spAutoFit/>
+          </a:bodyPr>
+          <a:lstStyle/>
+          <a:p>
+            <a:pPr marL="285750" indent="-285750" algn="justLow" rtl="1">
+              <a:buFont typeface="Wingdings" panose="05000000000000000000" pitchFamily="2" charset="2"/>
+              <a:buChar char="ü"/>
+            </a:pPr>
+            <a:r>
+              <a:rPr lang="fa-IR" sz="1600" dirty="0">
+                <a:solidFill>
+                  <a:srgbClr val="111111"/>
+                </a:solidFill>
+                <a:latin typeface="IRANSans"/>
+                <a:cs typeface="B Nazanin" panose="00000400000000000000" pitchFamily="2" charset="-78"/>
+              </a:rPr>
+              <a:t>تصور ذهنی شما از این فرد برای </a:t>
+            </a:r>
+            <a:r>
+              <a:rPr lang="fa-IR" dirty="0" smtClean="0">
+                <a:solidFill>
+                  <a:srgbClr val="111111"/>
+                </a:solidFill>
+                <a:latin typeface="IRANSans"/>
+                <a:cs typeface="B Nazanin" panose="00000400000000000000" pitchFamily="2" charset="-78"/>
+              </a:rPr>
+              <a:t>....</a:t>
+            </a:r>
+            <a:r>
+              <a:rPr lang="fa-IR" sz="1600" dirty="0" smtClean="0">
+                <a:solidFill>
+                  <a:srgbClr val="111111"/>
+                </a:solidFill>
+                <a:latin typeface="IRANSans"/>
+                <a:cs typeface="B Nazanin" panose="00000400000000000000" pitchFamily="2" charset="-78"/>
+              </a:rPr>
+              <a:t>  چیست ؟</a:t>
+            </a:r>
+            <a:endParaRPr lang="en-US" sz="1600" dirty="0">
+              <a:solidFill>
+                <a:srgbClr val="111111"/>
+              </a:solidFill>
+              <a:latin typeface="IRANSans"/>
+              <a:cs typeface="B Nazanin" panose="00000400000000000000" pitchFamily="2" charset="-78"/>
+            </a:endParaRPr>
+          </a:p>
+        </p:txBody>
+      </p:sp>
+      <p:sp>
+        <p:nvSpPr>
+          <p:cNvPr id="12" name="Rectangle 11"/>
+          <p:cNvSpPr/>
+          <p:nvPr/>
+        </p:nvSpPr>
+        <p:spPr>
+          <a:xfrm>
+            <a:off x="2471955" y="4388010"/>
+            <a:ext cx="1448568" cy="738664"/>
+          </a:xfrm>
+          <a:prstGeom prst="rect">
+            <a:avLst/>
+          </a:prstGeom>
+          <a:ln>
+            <a:noFill/>
+          </a:ln>
+        </p:spPr>
+        <p:style>
+          <a:lnRef idx="2">
+            <a:schemeClr val="accent2"/>
+          </a:lnRef>
+          <a:fillRef idx="1">
+            <a:schemeClr val="lt1"/>
+          </a:fillRef>
+          <a:effectRef idx="0">
+            <a:schemeClr val="accent2"/>
+          </a:effectRef>
+          <a:fontRef idx="minor">
+            <a:schemeClr val="dk1"/>
+          </a:fontRef>
+        </p:style>
+        <p:txBody>
+          <a:bodyPr wrap="square">
+            <a:spAutoFit/>
+          </a:bodyPr>
+          <a:lstStyle/>
+          <a:p>
+            <a:pPr marL="285750" indent="-285750" algn="justLow" rtl="1">
+              <a:buFont typeface="Arial" panose="020B0604020202020204" pitchFamily="34" charset="0"/>
+              <a:buChar char="•"/>
+            </a:pPr>
+            <a:r>
+              <a:rPr lang="fa-IR" sz="1400" b="1" dirty="0" smtClean="0">
+                <a:solidFill>
+                  <a:srgbClr val="111111"/>
+                </a:solidFill>
+                <a:latin typeface="IRANSans"/>
+                <a:cs typeface="B Nazanin" panose="00000400000000000000" pitchFamily="2" charset="-78"/>
+              </a:rPr>
+              <a:t>شراکت کاری </a:t>
+            </a:r>
+          </a:p>
+          <a:p>
+            <a:pPr marL="285750" indent="-285750" algn="justLow" rtl="1">
+              <a:buFont typeface="Arial" panose="020B0604020202020204" pitchFamily="34" charset="0"/>
+              <a:buChar char="•"/>
+            </a:pPr>
+            <a:r>
+              <a:rPr lang="fa-IR" sz="1400" b="1" dirty="0" smtClean="0">
+                <a:solidFill>
+                  <a:srgbClr val="111111"/>
+                </a:solidFill>
+                <a:latin typeface="IRANSans"/>
+                <a:cs typeface="B Nazanin" panose="00000400000000000000" pitchFamily="2" charset="-78"/>
+              </a:rPr>
+              <a:t>وصلت خانوادگی </a:t>
+            </a:r>
+          </a:p>
+          <a:p>
+            <a:pPr marL="285750" indent="-285750" algn="justLow" rtl="1">
+              <a:buFont typeface="Arial" panose="020B0604020202020204" pitchFamily="34" charset="0"/>
+              <a:buChar char="•"/>
+            </a:pPr>
+            <a:r>
+              <a:rPr lang="fa-IR" sz="1400" b="1" dirty="0" smtClean="0">
+                <a:solidFill>
+                  <a:srgbClr val="111111"/>
+                </a:solidFill>
+                <a:latin typeface="IRANSans"/>
+                <a:cs typeface="B Nazanin" panose="00000400000000000000" pitchFamily="2" charset="-78"/>
+              </a:rPr>
+              <a:t>همسایه شدن </a:t>
+            </a:r>
+            <a:endParaRPr lang="en-US" sz="1400" b="1" dirty="0">
+              <a:solidFill>
+                <a:srgbClr val="111111"/>
+              </a:solidFill>
+              <a:latin typeface="IRANSans"/>
+              <a:cs typeface="B Nazanin" panose="00000400000000000000" pitchFamily="2" charset="-78"/>
+            </a:endParaRPr>
+          </a:p>
+        </p:txBody>
+      </p:sp>
+      <p:sp>
+        <p:nvSpPr>
+          <p:cNvPr id="13" name="Rectangle 12"/>
+          <p:cNvSpPr/>
+          <p:nvPr/>
+        </p:nvSpPr>
+        <p:spPr>
+          <a:xfrm>
+            <a:off x="359772" y="4388010"/>
+            <a:ext cx="1747703" cy="523220"/>
+          </a:xfrm>
+          <a:prstGeom prst="rect">
+            <a:avLst/>
+          </a:prstGeom>
+          <a:ln>
+            <a:noFill/>
+          </a:ln>
+        </p:spPr>
+        <p:style>
+          <a:lnRef idx="2">
+            <a:schemeClr val="accent2"/>
+          </a:lnRef>
+          <a:fillRef idx="1">
+            <a:schemeClr val="lt1"/>
+          </a:fillRef>
+          <a:effectRef idx="0">
+            <a:schemeClr val="accent2"/>
+          </a:effectRef>
+          <a:fontRef idx="minor">
+            <a:schemeClr val="dk1"/>
+          </a:fontRef>
+        </p:style>
+        <p:txBody>
+          <a:bodyPr wrap="square">
+            <a:spAutoFit/>
+          </a:bodyPr>
+          <a:lstStyle/>
+          <a:p>
+            <a:pPr marL="285750" indent="-285750" algn="justLow" rtl="1">
+              <a:buFont typeface="Arial" panose="020B0604020202020204" pitchFamily="34" charset="0"/>
+              <a:buChar char="•"/>
+            </a:pPr>
+            <a:r>
+              <a:rPr lang="fa-IR" sz="1400" b="1" dirty="0" smtClean="0">
+                <a:solidFill>
+                  <a:srgbClr val="111111"/>
+                </a:solidFill>
+                <a:latin typeface="IRANSans"/>
+                <a:cs typeface="B Nazanin" panose="00000400000000000000" pitchFamily="2" charset="-78"/>
+              </a:rPr>
+              <a:t>رئیس شما</a:t>
+            </a:r>
+          </a:p>
+          <a:p>
+            <a:pPr marL="285750" indent="-285750" algn="justLow" rtl="1">
+              <a:buFont typeface="Arial" panose="020B0604020202020204" pitchFamily="34" charset="0"/>
+              <a:buChar char="•"/>
+            </a:pPr>
+            <a:r>
+              <a:rPr lang="fa-IR" sz="1400" b="1" dirty="0" smtClean="0">
+                <a:solidFill>
+                  <a:srgbClr val="111111"/>
+                </a:solidFill>
+                <a:latin typeface="IRANSans"/>
+                <a:cs typeface="B Nazanin" panose="00000400000000000000" pitchFamily="2" charset="-78"/>
+              </a:rPr>
+              <a:t>مسئول انجمن خیریه </a:t>
+            </a:r>
+            <a:endParaRPr lang="en-US" sz="1400" b="1" dirty="0">
+              <a:solidFill>
+                <a:srgbClr val="111111"/>
+              </a:solidFill>
+              <a:latin typeface="IRANSans"/>
+              <a:cs typeface="B Nazanin" panose="00000400000000000000" pitchFamily="2" charset="-78"/>
+            </a:endParaRPr>
+          </a:p>
+        </p:txBody>
+      </p:sp>
+      <p:sp>
+        <p:nvSpPr>
+          <p:cNvPr id="14" name="Rectangle 13"/>
+          <p:cNvSpPr/>
+          <p:nvPr/>
+        </p:nvSpPr>
+        <p:spPr>
+          <a:xfrm>
+            <a:off x="3911280" y="3845414"/>
+            <a:ext cx="774571" cy="1569660"/>
+          </a:xfrm>
+          <a:prstGeom prst="rect">
+            <a:avLst/>
+          </a:prstGeom>
+        </p:spPr>
+        <p:txBody>
+          <a:bodyPr wrap="none">
+            <a:spAutoFit/>
+          </a:bodyPr>
+          <a:lstStyle/>
+          <a:p>
+            <a:r>
+              <a:rPr lang="fa-IR" sz="9600" dirty="0" smtClean="0">
+                <a:solidFill>
+                  <a:srgbClr val="7030A0"/>
+                </a:solidFill>
+                <a:latin typeface="IRANSans"/>
+                <a:cs typeface="B Nazanin" panose="00000400000000000000" pitchFamily="2" charset="-78"/>
+              </a:rPr>
+              <a:t>{</a:t>
+            </a:r>
+            <a:endParaRPr lang="en-US" sz="9600" dirty="0">
+              <a:solidFill>
+                <a:srgbClr val="7030A0"/>
+              </a:solidFill>
+            </a:endParaRPr>
+          </a:p>
+        </p:txBody>
+      </p:sp>
+      <p:sp>
+        <p:nvSpPr>
+          <p:cNvPr id="15" name="Rectangle 14"/>
+          <p:cNvSpPr/>
+          <p:nvPr/>
+        </p:nvSpPr>
+        <p:spPr>
+          <a:xfrm>
+            <a:off x="454896" y="5320945"/>
+            <a:ext cx="11269019" cy="400110"/>
+          </a:xfrm>
+          <a:prstGeom prst="rect">
+            <a:avLst/>
+          </a:prstGeom>
+          <a:solidFill>
+            <a:schemeClr val="accent5">
+              <a:lumMod val="40000"/>
+              <a:lumOff val="60000"/>
+            </a:schemeClr>
+          </a:solidFill>
+        </p:spPr>
+        <p:style>
+          <a:lnRef idx="2">
+            <a:schemeClr val="accent4"/>
+          </a:lnRef>
+          <a:fillRef idx="1">
+            <a:schemeClr val="lt1"/>
+          </a:fillRef>
+          <a:effectRef idx="0">
+            <a:schemeClr val="accent4"/>
+          </a:effectRef>
+          <a:fontRef idx="minor">
+            <a:schemeClr val="dk1"/>
+          </a:fontRef>
+        </p:style>
+        <p:txBody>
+          <a:bodyPr wrap="square">
+            <a:spAutoFit/>
+          </a:bodyPr>
+          <a:lstStyle/>
+          <a:p>
+            <a:pPr marL="342900" indent="-342900" algn="justLow" rtl="1">
+              <a:buFont typeface="Wingdings" panose="05000000000000000000" pitchFamily="2" charset="2"/>
+              <a:buChar char="v"/>
+            </a:pPr>
+            <a:r>
+              <a:rPr lang="fa-IR" sz="2000" b="1" dirty="0">
+                <a:solidFill>
+                  <a:srgbClr val="7030A0"/>
+                </a:solidFill>
+                <a:latin typeface="IRANSans"/>
+                <a:cs typeface="B Nazanin" panose="00000400000000000000" pitchFamily="2" charset="-78"/>
+              </a:rPr>
+              <a:t>استریوتایپ</a:t>
+            </a:r>
+            <a:r>
+              <a:rPr lang="fa-IR" sz="2000" dirty="0">
+                <a:solidFill>
+                  <a:srgbClr val="111111"/>
+                </a:solidFill>
+                <a:latin typeface="IRANSans"/>
+                <a:cs typeface="B Nazanin" panose="00000400000000000000" pitchFamily="2" charset="-78"/>
+              </a:rPr>
+              <a:t>، یعنی پیش‌داوری در مورد افراد بر اساس </a:t>
+            </a:r>
+            <a:r>
+              <a:rPr lang="fa-IR" sz="2000" b="1" dirty="0">
+                <a:solidFill>
+                  <a:srgbClr val="4372C2"/>
+                </a:solidFill>
+                <a:latin typeface="IRANSans"/>
+                <a:cs typeface="B Nazanin" panose="00000400000000000000" pitchFamily="2" charset="-78"/>
+              </a:rPr>
+              <a:t>گروه یا جامعه‌ای</a:t>
+            </a:r>
+            <a:r>
+              <a:rPr lang="fa-IR" sz="2000" dirty="0">
+                <a:solidFill>
+                  <a:srgbClr val="111111"/>
+                </a:solidFill>
+                <a:latin typeface="IRANSans"/>
+                <a:cs typeface="B Nazanin" panose="00000400000000000000" pitchFamily="2" charset="-78"/>
+              </a:rPr>
+              <a:t> که به آن تعلق دارند.</a:t>
+            </a:r>
+            <a:endParaRPr lang="en-US" sz="2000" dirty="0">
+              <a:solidFill>
+                <a:srgbClr val="111111"/>
+              </a:solidFill>
+              <a:latin typeface="IRANSans"/>
+              <a:cs typeface="B Nazanin" panose="00000400000000000000" pitchFamily="2" charset="-78"/>
+            </a:endParaRPr>
+          </a:p>
+        </p:txBody>
+      </p:sp>
+      <p:sp>
+        <p:nvSpPr>
+          <p:cNvPr id="16" name="Rectangle 15"/>
+          <p:cNvSpPr/>
+          <p:nvPr/>
+        </p:nvSpPr>
+        <p:spPr>
+          <a:xfrm>
+            <a:off x="5027023" y="4083915"/>
+            <a:ext cx="6096000" cy="923330"/>
+          </a:xfrm>
+          <a:prstGeom prst="rect">
+            <a:avLst/>
+          </a:prstGeom>
+          <a:ln>
+            <a:noFill/>
+          </a:ln>
+        </p:spPr>
+        <p:style>
+          <a:lnRef idx="2">
+            <a:schemeClr val="accent2"/>
+          </a:lnRef>
+          <a:fillRef idx="1">
+            <a:schemeClr val="lt1"/>
+          </a:fillRef>
+          <a:effectRef idx="0">
+            <a:schemeClr val="accent2"/>
+          </a:effectRef>
+          <a:fontRef idx="minor">
+            <a:schemeClr val="dk1"/>
+          </a:fontRef>
+        </p:style>
+        <p:txBody>
+          <a:bodyPr wrap="square">
+            <a:spAutoFit/>
+          </a:bodyPr>
+          <a:lstStyle/>
+          <a:p>
+            <a:pPr algn="justLow" rtl="1"/>
+            <a:r>
+              <a:rPr lang="fa-IR" dirty="0">
+                <a:solidFill>
+                  <a:srgbClr val="111111"/>
+                </a:solidFill>
+                <a:latin typeface="IRANSans"/>
+                <a:cs typeface="B Nazanin" panose="00000400000000000000" pitchFamily="2" charset="-78"/>
+              </a:rPr>
+              <a:t>من </a:t>
+            </a:r>
+            <a:r>
               <a:rPr lang="fa-IR" b="1" dirty="0">
                 <a:solidFill>
-                  <a:srgbClr val="FF0000"/>
-                </a:solidFill>
-                <a:latin typeface="IRANSans"/>
-                <a:cs typeface="B Nazanin" panose="00000400000000000000" pitchFamily="2" charset="-78"/>
-              </a:rPr>
-              <a:t>سوگیری</a:t>
+                  <a:srgbClr val="111111"/>
+                </a:solidFill>
+                <a:latin typeface="IRANSans"/>
+                <a:cs typeface="B Nazanin" panose="00000400000000000000" pitchFamily="2" charset="-78"/>
+              </a:rPr>
+              <a:t>مرد</a:t>
             </a:r>
             <a:r>
               <a:rPr lang="fa-IR" dirty="0">
                 <a:solidFill>
-                  <a:srgbClr val="000000"/>
-                </a:solidFill>
-                <a:latin typeface="IRANSans"/>
-                <a:cs typeface="B Nazanin" panose="00000400000000000000" pitchFamily="2" charset="-78"/>
-              </a:rPr>
-              <a:t> یا </a:t>
-            </a:r>
-            <a:r>
-              <a:rPr lang="fa-IR" dirty="0" smtClean="0">
-                <a:solidFill>
-                  <a:srgbClr val="000000"/>
-                </a:solidFill>
-                <a:latin typeface="IRANSans"/>
-                <a:cs typeface="B Nazanin" panose="00000400000000000000" pitchFamily="2" charset="-78"/>
-              </a:rPr>
-              <a:t>بایاس ، </a:t>
+                  <a:srgbClr val="111111"/>
+                </a:solidFill>
+                <a:latin typeface="IRANSans"/>
+                <a:cs typeface="B Nazanin" panose="00000400000000000000" pitchFamily="2" charset="-78"/>
+              </a:rPr>
+              <a:t> هستم. </a:t>
+            </a:r>
+            <a:r>
+              <a:rPr lang="fa-IR" b="1" dirty="0">
+                <a:solidFill>
+                  <a:srgbClr val="0070C0"/>
+                </a:solidFill>
+                <a:latin typeface="IRANSans"/>
+                <a:cs typeface="B Nazanin" panose="00000400000000000000" pitchFamily="2" charset="-78"/>
+              </a:rPr>
+              <a:t>مسلمان</a:t>
             </a:r>
             <a:r>
               <a:rPr lang="fa-IR" dirty="0">
                 <a:solidFill>
-                  <a:srgbClr val="000000"/>
-                </a:solidFill>
-                <a:latin typeface="IRANSans"/>
-                <a:cs typeface="B Nazanin" panose="00000400000000000000" pitchFamily="2" charset="-78"/>
-              </a:rPr>
-              <a:t>به معنای </a:t>
+                  <a:srgbClr val="111111"/>
+                </a:solidFill>
+                <a:latin typeface="IRANSans"/>
+                <a:cs typeface="B Nazanin" panose="00000400000000000000" pitchFamily="2" charset="-78"/>
+              </a:rPr>
+              <a:t> هستم. در </a:t>
             </a:r>
             <a:r>
               <a:rPr lang="fa-IR" b="1" dirty="0">
                 <a:solidFill>
-                  <a:srgbClr val="FF0000"/>
-                </a:solidFill>
-                <a:latin typeface="IRANSans"/>
-                <a:cs typeface="B Nazanin" panose="00000400000000000000" pitchFamily="2" charset="-78"/>
-              </a:rPr>
-              <a:t>خنثی نبودن نسبت</a:t>
+                  <a:srgbClr val="44B565"/>
+                </a:solidFill>
+                <a:latin typeface="IRANSans"/>
+                <a:cs typeface="B Nazanin" panose="00000400000000000000" pitchFamily="2" charset="-78"/>
+              </a:rPr>
+              <a:t>دهه‌ی پنجم زندگی </a:t>
             </a:r>
             <a:r>
               <a:rPr lang="fa-IR" dirty="0">
                 <a:solidFill>
-                  <a:srgbClr val="000000"/>
-                </a:solidFill>
-                <a:latin typeface="IRANSans"/>
-                <a:cs typeface="B Nazanin" panose="00000400000000000000" pitchFamily="2" charset="-78"/>
-              </a:rPr>
-              <a:t> به یک پدیده یا رویداد یا باور یا ارزش یا … است</a:t>
-            </a:r>
-            <a:r>
-              <a:rPr lang="fa-IR" dirty="0" smtClean="0">
-                <a:solidFill>
-                  <a:srgbClr val="000000"/>
-                </a:solidFill>
-                <a:latin typeface="IRANSans"/>
-                <a:cs typeface="B Nazanin" panose="00000400000000000000" pitchFamily="2" charset="-78"/>
-              </a:rPr>
-              <a:t>.</a:t>
+                  <a:srgbClr val="111111"/>
+                </a:solidFill>
+                <a:latin typeface="IRANSans"/>
+                <a:cs typeface="B Nazanin" panose="00000400000000000000" pitchFamily="2" charset="-78"/>
+              </a:rPr>
+              <a:t>خود به سر می‌برم. </a:t>
+            </a:r>
+            <a:r>
+              <a:rPr lang="fa-IR" b="1" dirty="0">
+                <a:solidFill>
+                  <a:srgbClr val="C00000"/>
+                </a:solidFill>
+                <a:latin typeface="IRANSans"/>
+                <a:cs typeface="B Nazanin" panose="00000400000000000000" pitchFamily="2" charset="-78"/>
+              </a:rPr>
+              <a:t>مدیرعامل</a:t>
+            </a:r>
+            <a:r>
+              <a:rPr lang="fa-IR" dirty="0">
+                <a:solidFill>
+                  <a:srgbClr val="111111"/>
+                </a:solidFill>
+                <a:latin typeface="IRANSans"/>
+                <a:cs typeface="B Nazanin" panose="00000400000000000000" pitchFamily="2" charset="-78"/>
+              </a:rPr>
+              <a:t> و مالک یک شرکت هستم. </a:t>
+            </a:r>
+            <a:r>
+              <a:rPr lang="fa-IR" b="1" dirty="0">
+                <a:solidFill>
+                  <a:srgbClr val="7030A0"/>
+                </a:solidFill>
+                <a:latin typeface="IRANSans"/>
+                <a:cs typeface="B Nazanin" panose="00000400000000000000" pitchFamily="2" charset="-78"/>
+              </a:rPr>
+              <a:t>متاهل</a:t>
+            </a:r>
+            <a:r>
+              <a:rPr lang="fa-IR" dirty="0">
+                <a:solidFill>
+                  <a:srgbClr val="111111"/>
+                </a:solidFill>
+                <a:latin typeface="IRANSans"/>
+                <a:cs typeface="B Nazanin" panose="00000400000000000000" pitchFamily="2" charset="-78"/>
+              </a:rPr>
+              <a:t> هستم. </a:t>
+            </a:r>
+            <a:r>
+              <a:rPr lang="fa-IR" b="1" dirty="0">
+                <a:solidFill>
+                  <a:srgbClr val="111111"/>
+                </a:solidFill>
+                <a:latin typeface="IRANSans"/>
+                <a:cs typeface="B Nazanin" panose="00000400000000000000" pitchFamily="2" charset="-78"/>
+              </a:rPr>
+              <a:t>دو فرزند </a:t>
+            </a:r>
+            <a:r>
+              <a:rPr lang="fa-IR" dirty="0">
+                <a:solidFill>
+                  <a:srgbClr val="111111"/>
+                </a:solidFill>
+                <a:latin typeface="IRANSans"/>
+                <a:cs typeface="B Nazanin" panose="00000400000000000000" pitchFamily="2" charset="-78"/>
+              </a:rPr>
+              <a:t>دارم. در یک </a:t>
+            </a:r>
+            <a:r>
+              <a:rPr lang="fa-IR" b="1" dirty="0">
+                <a:solidFill>
+                  <a:srgbClr val="002060"/>
+                </a:solidFill>
+                <a:latin typeface="IRANSans"/>
+                <a:cs typeface="B Nazanin" panose="00000400000000000000" pitchFamily="2" charset="-78"/>
+              </a:rPr>
+              <a:t>شهر بزرگ </a:t>
+            </a:r>
+            <a:r>
+              <a:rPr lang="fa-IR" dirty="0">
+                <a:solidFill>
+                  <a:srgbClr val="111111"/>
+                </a:solidFill>
+                <a:latin typeface="IRANSans"/>
+                <a:cs typeface="B Nazanin" panose="00000400000000000000" pitchFamily="2" charset="-78"/>
+              </a:rPr>
+              <a:t>زندگی می‌کنم.</a:t>
             </a:r>
             <a:endParaRPr lang="en-US" dirty="0">
               <a:solidFill>
-                <a:srgbClr val="000000"/>
+                <a:srgbClr val="111111"/>
+              </a:solidFill>
+              <a:latin typeface="IRANSans"/>
+              <a:cs typeface="B Nazanin" panose="00000400000000000000" pitchFamily="2" charset="-78"/>
+            </a:endParaRPr>
+          </a:p>
+        </p:txBody>
+      </p:sp>
+      <p:sp>
+        <p:nvSpPr>
+          <p:cNvPr id="17" name="Rectangle 16"/>
+          <p:cNvSpPr/>
+          <p:nvPr/>
+        </p:nvSpPr>
+        <p:spPr>
+          <a:xfrm>
+            <a:off x="454896" y="5802048"/>
+            <a:ext cx="11269019" cy="707886"/>
+          </a:xfrm>
+          <a:prstGeom prst="rect">
+            <a:avLst/>
+          </a:prstGeom>
+          <a:solidFill>
+            <a:schemeClr val="accent5">
+              <a:lumMod val="40000"/>
+              <a:lumOff val="60000"/>
+            </a:schemeClr>
+          </a:solidFill>
+        </p:spPr>
+        <p:style>
+          <a:lnRef idx="2">
+            <a:schemeClr val="accent4"/>
+          </a:lnRef>
+          <a:fillRef idx="1">
+            <a:schemeClr val="lt1"/>
+          </a:fillRef>
+          <a:effectRef idx="0">
+            <a:schemeClr val="accent4"/>
+          </a:effectRef>
+          <a:fontRef idx="minor">
+            <a:schemeClr val="dk1"/>
+          </a:fontRef>
+        </p:style>
+        <p:txBody>
+          <a:bodyPr wrap="square">
+            <a:spAutoFit/>
+          </a:bodyPr>
+          <a:lstStyle/>
+          <a:p>
+            <a:pPr marL="342900" indent="-342900" algn="justLow" rtl="1">
+              <a:buFont typeface="Wingdings" panose="05000000000000000000" pitchFamily="2" charset="2"/>
+              <a:buChar char="v"/>
+            </a:pPr>
+            <a:r>
+              <a:rPr lang="fa-IR" sz="2000" b="1" dirty="0" smtClean="0">
+                <a:solidFill>
+                  <a:srgbClr val="FF0000"/>
+                </a:solidFill>
+                <a:latin typeface="IRANSans"/>
+                <a:cs typeface="B Nazanin" panose="00000400000000000000" pitchFamily="2" charset="-78"/>
+              </a:rPr>
+              <a:t>خطر</a:t>
+            </a:r>
+            <a:r>
+              <a:rPr lang="fa-IR" sz="2000" b="1" dirty="0" smtClean="0">
+                <a:solidFill>
+                  <a:srgbClr val="7030A0"/>
+                </a:solidFill>
+                <a:latin typeface="IRANSans"/>
+                <a:cs typeface="B Nazanin" panose="00000400000000000000" pitchFamily="2" charset="-78"/>
+              </a:rPr>
+              <a:t> </a:t>
+            </a:r>
+            <a:r>
+              <a:rPr lang="fa-IR" sz="2000" b="1" dirty="0">
+                <a:solidFill>
+                  <a:srgbClr val="7030A0"/>
+                </a:solidFill>
+                <a:latin typeface="IRANSans"/>
+                <a:cs typeface="B Nazanin" panose="00000400000000000000" pitchFamily="2" charset="-78"/>
+              </a:rPr>
+              <a:t>استریوتایپ</a:t>
+            </a:r>
+            <a:r>
+              <a:rPr lang="fa-IR" sz="2000" dirty="0">
+                <a:solidFill>
+                  <a:srgbClr val="111111"/>
+                </a:solidFill>
+                <a:latin typeface="IRANSans"/>
+                <a:cs typeface="B Nazanin" panose="00000400000000000000" pitchFamily="2" charset="-78"/>
+              </a:rPr>
+              <a:t> در تصمیمات مهم ما این است که </a:t>
+            </a:r>
+            <a:r>
+              <a:rPr lang="fa-IR" sz="2000" dirty="0">
+                <a:solidFill>
+                  <a:srgbClr val="111111"/>
+                </a:solidFill>
+                <a:latin typeface="IRANSans"/>
+                <a:cs typeface="B Nazanin" panose="00000400000000000000" pitchFamily="2" charset="-78"/>
+              </a:rPr>
+              <a:t>ما معمولاً استریوتایپ‌های خود را نه بر اساس مطالعات دقیق </a:t>
+            </a:r>
+            <a:r>
+              <a:rPr lang="fa-IR" sz="2000" dirty="0" smtClean="0">
+                <a:solidFill>
+                  <a:srgbClr val="111111"/>
+                </a:solidFill>
+                <a:latin typeface="IRANSans"/>
+                <a:cs typeface="B Nazanin" panose="00000400000000000000" pitchFamily="2" charset="-78"/>
+              </a:rPr>
+              <a:t>علمی یا آماری </a:t>
+            </a:r>
+            <a:r>
+              <a:rPr lang="fa-IR" sz="2000" dirty="0">
+                <a:solidFill>
+                  <a:srgbClr val="111111"/>
+                </a:solidFill>
+                <a:latin typeface="IRANSans"/>
+                <a:cs typeface="B Nazanin" panose="00000400000000000000" pitchFamily="2" charset="-78"/>
+              </a:rPr>
+              <a:t>بلکه بر اساس تجربیات محدود شخصی خود و اطرافیان شکل می‌دهیم.  </a:t>
+            </a:r>
+            <a:endParaRPr lang="en-US" sz="2000" dirty="0">
+              <a:solidFill>
+                <a:srgbClr val="111111"/>
               </a:solidFill>
               <a:latin typeface="IRANSans"/>
               <a:cs typeface="B Nazanin" panose="00000400000000000000" pitchFamily="2" charset="-78"/>
@@ -17993,7 +18899,7 @@
     </p:spTree>
     <p:extLst>
       <p:ext uri="{BB962C8B-B14F-4D97-AF65-F5344CB8AC3E}">
-        <p14:creationId xmlns:p14="http://schemas.microsoft.com/office/powerpoint/2010/main" val="1456627843"/>
+        <p14:creationId xmlns:p14="http://schemas.microsoft.com/office/powerpoint/2010/main" val="3599509212"/>
       </p:ext>
     </p:extLst>
   </p:cSld>
@@ -18045,6 +18951,739 @@
         </p:nvSpPr>
         <p:spPr>
           <a:xfrm>
+            <a:off x="1449977" y="425299"/>
+            <a:ext cx="9875520" cy="709749"/>
+          </a:xfrm>
+        </p:spPr>
+        <p:txBody>
+          <a:bodyPr vert="horz" lIns="91440" tIns="45720" rIns="91440" bIns="45720" rtlCol="0" anchor="ctr">
+            <a:normAutofit/>
+          </a:bodyPr>
+          <a:lstStyle/>
+          <a:p>
+            <a:pPr algn="r" rtl="1"/>
+            <a:r>
+              <a:rPr lang="fa-IR" sz="4000" dirty="0">
+                <a:cs typeface="B Nazanin" panose="00000400000000000000" pitchFamily="2" charset="-78"/>
+              </a:rPr>
+              <a:t>خطای هاله ای یا اثر هاله </a:t>
+            </a:r>
+            <a:r>
+              <a:rPr lang="fa-IR" sz="4000" dirty="0">
+                <a:cs typeface="B Nazanin" panose="00000400000000000000" pitchFamily="2" charset="-78"/>
+              </a:rPr>
+              <a:t>ای</a:t>
+            </a:r>
+            <a:endParaRPr lang="en-US" sz="4000" dirty="0">
+              <a:cs typeface="B Nazanin" panose="00000400000000000000" pitchFamily="2" charset="-78"/>
+            </a:endParaRPr>
+          </a:p>
+        </p:txBody>
+      </p:sp>
+      <p:cxnSp>
+        <p:nvCxnSpPr>
+          <p:cNvPr id="8" name="Straight Connector 7"/>
+          <p:cNvCxnSpPr/>
+          <p:nvPr/>
+        </p:nvCxnSpPr>
+        <p:spPr>
+          <a:xfrm>
+            <a:off x="888274" y="1240973"/>
+            <a:ext cx="10437223" cy="13063"/>
+          </a:xfrm>
+          <a:prstGeom prst="line">
+            <a:avLst/>
+          </a:prstGeom>
+        </p:spPr>
+        <p:style>
+          <a:lnRef idx="3">
+            <a:schemeClr val="accent1"/>
+          </a:lnRef>
+          <a:fillRef idx="0">
+            <a:schemeClr val="accent1"/>
+          </a:fillRef>
+          <a:effectRef idx="2">
+            <a:schemeClr val="accent1"/>
+          </a:effectRef>
+          <a:fontRef idx="minor">
+            <a:schemeClr val="tx1"/>
+          </a:fontRef>
+        </p:style>
+      </p:cxnSp>
+      <p:sp>
+        <p:nvSpPr>
+          <p:cNvPr id="3" name="Rectangle 2"/>
+          <p:cNvSpPr/>
+          <p:nvPr/>
+        </p:nvSpPr>
+        <p:spPr>
+          <a:xfrm>
+            <a:off x="600892" y="1412853"/>
+            <a:ext cx="9627325" cy="707886"/>
+          </a:xfrm>
+          <a:prstGeom prst="rect">
+            <a:avLst/>
+          </a:prstGeom>
+          <a:solidFill>
+            <a:schemeClr val="accent2">
+              <a:lumMod val="20000"/>
+              <a:lumOff val="80000"/>
+            </a:schemeClr>
+          </a:solidFill>
+        </p:spPr>
+        <p:style>
+          <a:lnRef idx="2">
+            <a:schemeClr val="accent4"/>
+          </a:lnRef>
+          <a:fillRef idx="1">
+            <a:schemeClr val="lt1"/>
+          </a:fillRef>
+          <a:effectRef idx="0">
+            <a:schemeClr val="accent4"/>
+          </a:effectRef>
+          <a:fontRef idx="minor">
+            <a:schemeClr val="dk1"/>
+          </a:fontRef>
+        </p:style>
+        <p:txBody>
+          <a:bodyPr wrap="square">
+            <a:spAutoFit/>
+          </a:bodyPr>
+          <a:lstStyle/>
+          <a:p>
+            <a:pPr algn="justLow" rtl="1"/>
+            <a:r>
+              <a:rPr lang="fa-IR" sz="2000" dirty="0" smtClean="0">
+                <a:solidFill>
+                  <a:srgbClr val="111111"/>
+                </a:solidFill>
+                <a:latin typeface="IRANSans"/>
+                <a:cs typeface="B Nazanin" panose="00000400000000000000" pitchFamily="2" charset="-78"/>
+              </a:rPr>
+              <a:t>یک</a:t>
+            </a:r>
+            <a:r>
+              <a:rPr lang="fa-IR" sz="2000" dirty="0">
+                <a:solidFill>
+                  <a:srgbClr val="111111"/>
+                </a:solidFill>
+                <a:latin typeface="IRANSans"/>
+                <a:cs typeface="B Nazanin" panose="00000400000000000000" pitchFamily="2" charset="-78"/>
+              </a:rPr>
+              <a:t> </a:t>
+            </a:r>
+            <a:r>
+              <a:rPr lang="fa-IR" sz="2000" b="1" dirty="0">
+                <a:solidFill>
+                  <a:srgbClr val="111111"/>
+                </a:solidFill>
+                <a:latin typeface="IRANSans"/>
+                <a:cs typeface="B Nazanin" panose="00000400000000000000" pitchFamily="2" charset="-78"/>
+              </a:rPr>
+              <a:t>خطای شناختی</a:t>
+            </a:r>
+            <a:r>
+              <a:rPr lang="fa-IR" sz="2000" dirty="0">
+                <a:solidFill>
+                  <a:srgbClr val="111111"/>
+                </a:solidFill>
+                <a:latin typeface="IRANSans"/>
+                <a:cs typeface="B Nazanin" panose="00000400000000000000" pitchFamily="2" charset="-78"/>
+              </a:rPr>
+              <a:t> است که بر اساس آن، من یکی از ویژگی‌های شما را می‌بینم و بر اساس آن ویژگی در مورد سایر ویژگی‌های شما پیش‌داوری می‌کنم.</a:t>
+            </a:r>
+            <a:endParaRPr lang="en-US" sz="2000" dirty="0">
+              <a:solidFill>
+                <a:srgbClr val="111111"/>
+              </a:solidFill>
+              <a:latin typeface="IRANSans"/>
+              <a:cs typeface="B Nazanin" panose="00000400000000000000" pitchFamily="2" charset="-78"/>
+            </a:endParaRPr>
+          </a:p>
+        </p:txBody>
+      </p:sp>
+      <p:sp>
+        <p:nvSpPr>
+          <p:cNvPr id="4" name="Rectangle 3"/>
+          <p:cNvSpPr/>
+          <p:nvPr/>
+        </p:nvSpPr>
+        <p:spPr>
+          <a:xfrm>
+            <a:off x="10228217" y="1535963"/>
+            <a:ext cx="1369286" cy="461665"/>
+          </a:xfrm>
+          <a:prstGeom prst="rect">
+            <a:avLst/>
+          </a:prstGeom>
+        </p:spPr>
+        <p:txBody>
+          <a:bodyPr wrap="none">
+            <a:spAutoFit/>
+          </a:bodyPr>
+          <a:lstStyle/>
+          <a:p>
+            <a:r>
+              <a:rPr lang="fa-IR" sz="2400" b="1" dirty="0">
+                <a:solidFill>
+                  <a:srgbClr val="FF0000"/>
+                </a:solidFill>
+                <a:latin typeface="IRANSans"/>
+                <a:cs typeface="B Nazanin" panose="00000400000000000000" pitchFamily="2" charset="-78"/>
+              </a:rPr>
+              <a:t>خطای هاله </a:t>
+            </a:r>
+            <a:endParaRPr lang="en-US" sz="2400" b="1" dirty="0">
+              <a:solidFill>
+                <a:srgbClr val="FF0000"/>
+              </a:solidFill>
+            </a:endParaRPr>
+          </a:p>
+        </p:txBody>
+      </p:sp>
+      <p:sp>
+        <p:nvSpPr>
+          <p:cNvPr id="5" name="Rectangle 4"/>
+          <p:cNvSpPr/>
+          <p:nvPr/>
+        </p:nvSpPr>
+        <p:spPr>
+          <a:xfrm>
+            <a:off x="2207624" y="2337191"/>
+            <a:ext cx="9389880" cy="1015663"/>
+          </a:xfrm>
+          <a:prstGeom prst="rect">
+            <a:avLst/>
+          </a:prstGeom>
+          <a:solidFill>
+            <a:schemeClr val="accent5">
+              <a:lumMod val="40000"/>
+              <a:lumOff val="60000"/>
+            </a:schemeClr>
+          </a:solidFill>
+        </p:spPr>
+        <p:style>
+          <a:lnRef idx="2">
+            <a:schemeClr val="accent4"/>
+          </a:lnRef>
+          <a:fillRef idx="1">
+            <a:schemeClr val="lt1"/>
+          </a:fillRef>
+          <a:effectRef idx="0">
+            <a:schemeClr val="accent4"/>
+          </a:effectRef>
+          <a:fontRef idx="minor">
+            <a:schemeClr val="dk1"/>
+          </a:fontRef>
+        </p:style>
+        <p:txBody>
+          <a:bodyPr wrap="square">
+            <a:spAutoFit/>
+          </a:bodyPr>
+          <a:lstStyle/>
+          <a:p>
+            <a:pPr algn="justLow" rtl="1"/>
+            <a:r>
+              <a:rPr lang="fa-IR" sz="2000" dirty="0">
+                <a:solidFill>
+                  <a:srgbClr val="111111"/>
+                </a:solidFill>
+                <a:latin typeface="IRANSans"/>
+                <a:cs typeface="B Nazanin" panose="00000400000000000000" pitchFamily="2" charset="-78"/>
+              </a:rPr>
+              <a:t>ترسیم </a:t>
+            </a:r>
+            <a:r>
+              <a:rPr lang="fa-IR" sz="2000" b="1" dirty="0">
+                <a:solidFill>
+                  <a:srgbClr val="111111"/>
+                </a:solidFill>
+                <a:latin typeface="IRANSans"/>
+                <a:cs typeface="B Nazanin" panose="00000400000000000000" pitchFamily="2" charset="-78"/>
+              </a:rPr>
+              <a:t>هاله‌ی نور به دور سر افراد مقدس</a:t>
+            </a:r>
+            <a:r>
+              <a:rPr lang="fa-IR" sz="2000" dirty="0">
+                <a:solidFill>
+                  <a:srgbClr val="111111"/>
+                </a:solidFill>
+                <a:latin typeface="IRANSans"/>
+                <a:cs typeface="B Nazanin" panose="00000400000000000000" pitchFamily="2" charset="-78"/>
+              </a:rPr>
+              <a:t>، سنتی بود که از زمان نقاشی‌های قرون وسطی رایج شد. </a:t>
+            </a:r>
+            <a:r>
+              <a:rPr lang="fa-IR" sz="2000" dirty="0" smtClean="0">
+                <a:solidFill>
+                  <a:srgbClr val="111111"/>
+                </a:solidFill>
+                <a:latin typeface="IRANSans"/>
+                <a:cs typeface="B Nazanin" panose="00000400000000000000" pitchFamily="2" charset="-78"/>
+              </a:rPr>
+              <a:t>هاله‌ی </a:t>
+            </a:r>
+            <a:r>
+              <a:rPr lang="fa-IR" sz="2000" dirty="0">
+                <a:solidFill>
+                  <a:srgbClr val="111111"/>
+                </a:solidFill>
+                <a:latin typeface="IRANSans"/>
+                <a:cs typeface="B Nazanin" panose="00000400000000000000" pitchFamily="2" charset="-78"/>
+              </a:rPr>
+              <a:t>نور در این نقاشی‌ها گاهی چنان بزرگ و درخشان بود که بخشی از چهره‌ی واقعی فرد هم دیده نمی‌شد و تحت تاثیر آن هاله قرار می‌گرفت</a:t>
+            </a:r>
+            <a:r>
+              <a:rPr lang="fa-IR" sz="2000" dirty="0" smtClean="0">
+                <a:solidFill>
+                  <a:srgbClr val="111111"/>
+                </a:solidFill>
+                <a:latin typeface="IRANSans"/>
+                <a:cs typeface="B Nazanin" panose="00000400000000000000" pitchFamily="2" charset="-78"/>
+              </a:rPr>
+              <a:t>. خطای هاله ای به همین موضوع اشاره میکند ...</a:t>
+            </a:r>
+            <a:endParaRPr lang="fa-IR" sz="2000" dirty="0">
+              <a:solidFill>
+                <a:srgbClr val="111111"/>
+              </a:solidFill>
+              <a:latin typeface="IRANSans"/>
+              <a:cs typeface="B Nazanin" panose="00000400000000000000" pitchFamily="2" charset="-78"/>
+            </a:endParaRPr>
+          </a:p>
+        </p:txBody>
+      </p:sp>
+      <p:pic>
+        <p:nvPicPr>
+          <p:cNvPr id="6" name="Picture 5"/>
+          <p:cNvPicPr>
+            <a:picLocks noChangeAspect="1"/>
+          </p:cNvPicPr>
+          <p:nvPr/>
+        </p:nvPicPr>
+        <p:blipFill rotWithShape="1">
+          <a:blip r:embed="rId2"/>
+          <a:srcRect r="35745"/>
+          <a:stretch/>
+        </p:blipFill>
+        <p:spPr>
+          <a:xfrm>
+            <a:off x="600892" y="2243849"/>
+            <a:ext cx="1386296" cy="1369465"/>
+          </a:xfrm>
+          <a:prstGeom prst="rect">
+            <a:avLst/>
+          </a:prstGeom>
+          <a:solidFill>
+            <a:srgbClr val="FFFFFF">
+              <a:shade val="85000"/>
+            </a:srgbClr>
+          </a:solidFill>
+          <a:ln w="88900" cap="sq">
+            <a:solidFill>
+              <a:srgbClr val="FFFFFF"/>
+            </a:solidFill>
+            <a:miter lim="800000"/>
+          </a:ln>
+          <a:effectLst>
+            <a:outerShdw blurRad="55000" dist="18000" dir="5400000" algn="tl" rotWithShape="0">
+              <a:srgbClr val="000000">
+                <a:alpha val="40000"/>
+              </a:srgbClr>
+            </a:outerShdw>
+          </a:effectLst>
+          <a:scene3d>
+            <a:camera prst="orthographicFront"/>
+            <a:lightRig rig="twoPt" dir="t">
+              <a:rot lat="0" lon="0" rev="7200000"/>
+            </a:lightRig>
+          </a:scene3d>
+          <a:sp3d>
+            <a:bevelT w="25400" h="19050"/>
+            <a:contourClr>
+              <a:srgbClr val="FFFFFF"/>
+            </a:contourClr>
+          </a:sp3d>
+        </p:spPr>
+      </p:pic>
+      <p:sp>
+        <p:nvSpPr>
+          <p:cNvPr id="7" name="Rectangle 6"/>
+          <p:cNvSpPr/>
+          <p:nvPr/>
+        </p:nvSpPr>
+        <p:spPr>
+          <a:xfrm>
+            <a:off x="2207624" y="3613314"/>
+            <a:ext cx="9389879" cy="1015663"/>
+          </a:xfrm>
+          <a:prstGeom prst="rect">
+            <a:avLst/>
+          </a:prstGeom>
+          <a:noFill/>
+          <a:ln w="57150"/>
+        </p:spPr>
+        <p:style>
+          <a:lnRef idx="2">
+            <a:schemeClr val="accent4"/>
+          </a:lnRef>
+          <a:fillRef idx="1">
+            <a:schemeClr val="lt1"/>
+          </a:fillRef>
+          <a:effectRef idx="0">
+            <a:schemeClr val="accent4"/>
+          </a:effectRef>
+          <a:fontRef idx="minor">
+            <a:schemeClr val="dk1"/>
+          </a:fontRef>
+        </p:style>
+        <p:txBody>
+          <a:bodyPr wrap="square">
+            <a:spAutoFit/>
+          </a:bodyPr>
+          <a:lstStyle/>
+          <a:p>
+            <a:pPr algn="justLow" rtl="1"/>
+            <a:r>
+              <a:rPr lang="fa-IR" sz="2000" dirty="0">
+                <a:solidFill>
+                  <a:srgbClr val="111111"/>
+                </a:solidFill>
+                <a:latin typeface="IRANSans"/>
+                <a:cs typeface="B Nazanin" panose="00000400000000000000" pitchFamily="2" charset="-78"/>
+              </a:rPr>
+              <a:t>ممکن است زیبایی یک نفر، چنان زیاد باشد که قضاوت دیگران در مورد هوش او، تحت تاثیر این زیبایی قرار بگیرد. </a:t>
+            </a:r>
+            <a:r>
+              <a:rPr lang="fa-IR" sz="2000" dirty="0">
+                <a:solidFill>
+                  <a:srgbClr val="111111"/>
+                </a:solidFill>
+                <a:latin typeface="IRANSans"/>
+                <a:cs typeface="B Nazanin" panose="00000400000000000000" pitchFamily="2" charset="-78"/>
+              </a:rPr>
+              <a:t>به عبارتی، از میان دو فرد که همه‌ی ویژگی‌های آنها مشابه است و فقط یکی چهره‌ی زیباتری دارد، احتمال بیشتری وجود دارد که مردم، او را تیزهوش‌تر ارزیابی کنند</a:t>
+            </a:r>
+            <a:r>
+              <a:rPr lang="fa-IR" sz="2000" dirty="0" smtClean="0">
+                <a:solidFill>
+                  <a:srgbClr val="111111"/>
+                </a:solidFill>
+                <a:latin typeface="IRANSans"/>
+                <a:cs typeface="B Nazanin" panose="00000400000000000000" pitchFamily="2" charset="-78"/>
+              </a:rPr>
+              <a:t>. </a:t>
+            </a:r>
+            <a:r>
+              <a:rPr lang="fa-IR" sz="2000" b="1" dirty="0" smtClean="0">
+                <a:solidFill>
+                  <a:srgbClr val="FF0000"/>
+                </a:solidFill>
+                <a:latin typeface="IRANSans"/>
+                <a:cs typeface="B Nazanin" panose="00000400000000000000" pitchFamily="2" charset="-78"/>
+              </a:rPr>
+              <a:t>زیبایی </a:t>
+            </a:r>
+            <a:r>
+              <a:rPr lang="fa-IR" sz="2000" b="1" dirty="0">
+                <a:solidFill>
+                  <a:srgbClr val="FF0000"/>
+                </a:solidFill>
+                <a:latin typeface="IRANSans"/>
+                <a:cs typeface="B Nazanin" panose="00000400000000000000" pitchFamily="2" charset="-78"/>
+              </a:rPr>
+              <a:t>بر روی سایر مشخصات او، اثر هاله‌ای داشته است.</a:t>
+            </a:r>
+          </a:p>
+        </p:txBody>
+      </p:sp>
+      <p:pic>
+        <p:nvPicPr>
+          <p:cNvPr id="9" name="Picture 8"/>
+          <p:cNvPicPr>
+            <a:picLocks noChangeAspect="1"/>
+          </p:cNvPicPr>
+          <p:nvPr/>
+        </p:nvPicPr>
+        <p:blipFill rotWithShape="1">
+          <a:blip r:embed="rId3"/>
+          <a:srcRect b="42830"/>
+          <a:stretch/>
+        </p:blipFill>
+        <p:spPr>
+          <a:xfrm>
+            <a:off x="490674" y="3787236"/>
+            <a:ext cx="1606732" cy="789489"/>
+          </a:xfrm>
+          <a:prstGeom prst="rect">
+            <a:avLst/>
+          </a:prstGeom>
+        </p:spPr>
+      </p:pic>
+      <p:pic>
+        <p:nvPicPr>
+          <p:cNvPr id="10" name="Picture 9"/>
+          <p:cNvPicPr>
+            <a:picLocks noChangeAspect="1"/>
+          </p:cNvPicPr>
+          <p:nvPr/>
+        </p:nvPicPr>
+        <p:blipFill>
+          <a:blip r:embed="rId4"/>
+          <a:stretch>
+            <a:fillRect/>
+          </a:stretch>
+        </p:blipFill>
+        <p:spPr>
+          <a:xfrm>
+            <a:off x="490674" y="4750647"/>
+            <a:ext cx="5829300" cy="1743075"/>
+          </a:xfrm>
+          <a:prstGeom prst="rect">
+            <a:avLst/>
+          </a:prstGeom>
+          <a:ln w="38100">
+            <a:solidFill>
+              <a:schemeClr val="accent2">
+                <a:lumMod val="75000"/>
+              </a:schemeClr>
+            </a:solidFill>
+          </a:ln>
+        </p:spPr>
+      </p:pic>
+      <p:sp>
+        <p:nvSpPr>
+          <p:cNvPr id="11" name="Rectangle 10"/>
+          <p:cNvSpPr/>
+          <p:nvPr/>
+        </p:nvSpPr>
+        <p:spPr>
+          <a:xfrm>
+            <a:off x="6453050" y="4750647"/>
+            <a:ext cx="5144453" cy="338554"/>
+          </a:xfrm>
+          <a:prstGeom prst="rect">
+            <a:avLst/>
+          </a:prstGeom>
+          <a:noFill/>
+          <a:ln w="57150">
+            <a:noFill/>
+          </a:ln>
+        </p:spPr>
+        <p:style>
+          <a:lnRef idx="2">
+            <a:schemeClr val="accent4"/>
+          </a:lnRef>
+          <a:fillRef idx="1">
+            <a:schemeClr val="lt1"/>
+          </a:fillRef>
+          <a:effectRef idx="0">
+            <a:schemeClr val="accent4"/>
+          </a:effectRef>
+          <a:fontRef idx="minor">
+            <a:schemeClr val="dk1"/>
+          </a:fontRef>
+        </p:style>
+        <p:txBody>
+          <a:bodyPr wrap="square">
+            <a:spAutoFit/>
+          </a:bodyPr>
+          <a:lstStyle/>
+          <a:p>
+            <a:pPr marL="285750" indent="-285750" algn="justLow" rtl="1">
+              <a:buFont typeface="Wingdings" panose="05000000000000000000" pitchFamily="2" charset="2"/>
+              <a:buChar char="ü"/>
+            </a:pPr>
+            <a:r>
+              <a:rPr lang="fa-IR" sz="1600" b="1" dirty="0" smtClean="0">
+                <a:solidFill>
+                  <a:srgbClr val="111111"/>
+                </a:solidFill>
+                <a:latin typeface="IRANSans"/>
+                <a:cs typeface="B Nazanin" panose="00000400000000000000" pitchFamily="2" charset="-78"/>
+              </a:rPr>
+              <a:t>ما برنامه نویسی که سریعتر تایپ میکند را با دانش بیشتر میبینیم !!!</a:t>
+            </a:r>
+            <a:endParaRPr lang="fa-IR" sz="1600" b="1" dirty="0">
+              <a:solidFill>
+                <a:srgbClr val="FF0000"/>
+              </a:solidFill>
+              <a:latin typeface="IRANSans"/>
+              <a:cs typeface="B Nazanin" panose="00000400000000000000" pitchFamily="2" charset="-78"/>
+            </a:endParaRPr>
+          </a:p>
+        </p:txBody>
+      </p:sp>
+      <p:sp>
+        <p:nvSpPr>
+          <p:cNvPr id="12" name="Rectangle 11"/>
+          <p:cNvSpPr/>
+          <p:nvPr/>
+        </p:nvSpPr>
+        <p:spPr>
+          <a:xfrm>
+            <a:off x="6453050" y="5210871"/>
+            <a:ext cx="5144454" cy="1200329"/>
+          </a:xfrm>
+          <a:prstGeom prst="rect">
+            <a:avLst/>
+          </a:prstGeom>
+          <a:solidFill>
+            <a:schemeClr val="accent4">
+              <a:lumMod val="20000"/>
+              <a:lumOff val="80000"/>
+            </a:schemeClr>
+          </a:solidFill>
+          <a:ln/>
+        </p:spPr>
+        <p:style>
+          <a:lnRef idx="2">
+            <a:schemeClr val="accent6"/>
+          </a:lnRef>
+          <a:fillRef idx="1">
+            <a:schemeClr val="lt1"/>
+          </a:fillRef>
+          <a:effectRef idx="0">
+            <a:schemeClr val="accent6"/>
+          </a:effectRef>
+          <a:fontRef idx="minor">
+            <a:schemeClr val="dk1"/>
+          </a:fontRef>
+        </p:style>
+        <p:txBody>
+          <a:bodyPr wrap="square">
+            <a:spAutoFit/>
+          </a:bodyPr>
+          <a:lstStyle/>
+          <a:p>
+            <a:pPr algn="justLow" rtl="1"/>
+            <a:r>
+              <a:rPr lang="fa-IR" dirty="0">
+                <a:solidFill>
+                  <a:srgbClr val="111111"/>
+                </a:solidFill>
+                <a:latin typeface="IRANSans"/>
+                <a:cs typeface="B Nazanin" panose="00000400000000000000" pitchFamily="2" charset="-78"/>
+              </a:rPr>
+              <a:t> کسانی که در </a:t>
+            </a:r>
+            <a:r>
+              <a:rPr lang="fa-IR" b="1" dirty="0">
+                <a:solidFill>
+                  <a:schemeClr val="accent4">
+                    <a:lumMod val="75000"/>
+                  </a:schemeClr>
+                </a:solidFill>
+                <a:latin typeface="IRANSans"/>
+                <a:cs typeface="B Nazanin" panose="00000400000000000000" pitchFamily="2" charset="-78"/>
+              </a:rPr>
+              <a:t>واحد منابع انسانی </a:t>
+            </a:r>
+            <a:r>
+              <a:rPr lang="fa-IR" dirty="0">
+                <a:solidFill>
+                  <a:srgbClr val="111111"/>
+                </a:solidFill>
+                <a:latin typeface="IRANSans"/>
+                <a:cs typeface="B Nazanin" panose="00000400000000000000" pitchFamily="2" charset="-78"/>
+              </a:rPr>
+              <a:t>کار می‌کنند، مصاحبه‌های شغلی را انجام می‌دهند و یا به هر شیوه‌ و در هر سمت دیگری ارزیابی کارکنان یک سازمان را انجام می‌دهند باید بیشتر از سایرین</a:t>
+            </a:r>
+            <a:r>
+              <a:rPr lang="fa-IR" dirty="0">
+                <a:solidFill>
+                  <a:schemeClr val="tx1"/>
+                </a:solidFill>
+                <a:latin typeface="IRANSans"/>
+                <a:cs typeface="B Nazanin" panose="00000400000000000000" pitchFamily="2" charset="-78"/>
+              </a:rPr>
+              <a:t>،</a:t>
+            </a:r>
+            <a:r>
+              <a:rPr lang="fa-IR" b="1" dirty="0">
+                <a:solidFill>
+                  <a:srgbClr val="FF0000"/>
+                </a:solidFill>
+                <a:latin typeface="IRANSans"/>
+                <a:cs typeface="B Nazanin" panose="00000400000000000000" pitchFamily="2" charset="-78"/>
+              </a:rPr>
+              <a:t> مراقب خطای هاله‌ای در قضاوت‌ها و تصمیم گیری‌های خود </a:t>
+            </a:r>
+            <a:r>
+              <a:rPr lang="fa-IR" dirty="0">
+                <a:solidFill>
+                  <a:srgbClr val="111111"/>
+                </a:solidFill>
+                <a:latin typeface="IRANSans"/>
+                <a:cs typeface="B Nazanin" panose="00000400000000000000" pitchFamily="2" charset="-78"/>
+              </a:rPr>
+              <a:t>باشند. </a:t>
+            </a:r>
+            <a:endParaRPr lang="en-US" dirty="0">
+              <a:solidFill>
+                <a:srgbClr val="111111"/>
+              </a:solidFill>
+              <a:latin typeface="IRANSans"/>
+              <a:cs typeface="B Nazanin" panose="00000400000000000000" pitchFamily="2" charset="-78"/>
+            </a:endParaRPr>
+          </a:p>
+        </p:txBody>
+      </p:sp>
+    </p:spTree>
+    <p:extLst>
+      <p:ext uri="{BB962C8B-B14F-4D97-AF65-F5344CB8AC3E}">
+        <p14:creationId xmlns:p14="http://schemas.microsoft.com/office/powerpoint/2010/main" val="2549565514"/>
+      </p:ext>
+    </p:extLst>
+  </p:cSld>
+  <p:clrMapOvr>
+    <a:masterClrMapping/>
+  </p:clrMapOvr>
+  <p:timing>
+    <p:tnLst>
+      <p:par>
+        <p:cTn id="1" dur="indefinite" restart="never" nodeType="tmRoot"/>
+      </p:par>
+    </p:tnLst>
+  </p:timing>
+</p:sld>
+</file>
+
+<file path=ppt/slides/slide22.xml><?xml version="1.0" encoding="utf-8"?>
+<p:sld xmlns:a="http://schemas.openxmlformats.org/drawingml/2006/main" xmlns:r="http://schemas.openxmlformats.org/officeDocument/2006/relationships" xmlns:p="http://schemas.openxmlformats.org/presentationml/2006/main">
+  <p:cSld>
+    <p:spTree>
+      <p:nvGrpSpPr>
+        <p:cNvPr id="1" name=""/>
+        <p:cNvGrpSpPr/>
+        <p:nvPr/>
+      </p:nvGrpSpPr>
+      <p:grpSpPr>
+        <a:xfrm>
+          <a:off x="0" y="0"/>
+          <a:ext cx="0" cy="0"/>
+          <a:chOff x="0" y="0"/>
+          <a:chExt cx="0" cy="0"/>
+        </a:xfrm>
+      </p:grpSpPr>
+      <p:sp>
+        <p:nvSpPr>
+          <p:cNvPr id="2" name="Title 1">
+            <a:extLst>
+              <a:ext uri="{FF2B5EF4-FFF2-40B4-BE49-F238E27FC236}">
+                <a16:creationId xmlns:a16="http://schemas.microsoft.com/office/drawing/2014/main" id="{BB4B6193-F9F1-4C54-838F-77350B9FC5DC}"/>
+              </a:ext>
+            </a:extLst>
+          </p:cNvPr>
+          <p:cNvSpPr>
+            <a:spLocks noGrp="1"/>
+          </p:cNvSpPr>
+          <p:nvPr>
+            <p:ph type="title"/>
+          </p:nvPr>
+        </p:nvSpPr>
+        <p:spPr>
+          <a:xfrm>
             <a:off x="1169125" y="425299"/>
             <a:ext cx="9875520" cy="709749"/>
           </a:xfrm>
@@ -18111,7 +19750,7 @@
     </p:spTree>
     <p:extLst>
       <p:ext uri="{BB962C8B-B14F-4D97-AF65-F5344CB8AC3E}">
-        <p14:creationId xmlns:p14="http://schemas.microsoft.com/office/powerpoint/2010/main" val="3599509212"/>
+        <p14:creationId xmlns:p14="http://schemas.microsoft.com/office/powerpoint/2010/main" val="2621681348"/>
       </p:ext>
     </p:extLst>
   </p:cSld>
@@ -18128,7 +19767,348 @@
 </p:sld>
 </file>
 
-<file path=ppt/slides/slide22.xml><?xml version="1.0" encoding="utf-8"?>
+<file path=ppt/slides/slide23.xml><?xml version="1.0" encoding="utf-8"?>
+<p:sld xmlns:a="http://schemas.openxmlformats.org/drawingml/2006/main" xmlns:r="http://schemas.openxmlformats.org/officeDocument/2006/relationships" xmlns:p="http://schemas.openxmlformats.org/presentationml/2006/main">
+  <p:cSld>
+    <p:spTree>
+      <p:nvGrpSpPr>
+        <p:cNvPr id="1" name=""/>
+        <p:cNvGrpSpPr/>
+        <p:nvPr/>
+      </p:nvGrpSpPr>
+      <p:grpSpPr>
+        <a:xfrm>
+          <a:off x="0" y="0"/>
+          <a:ext cx="0" cy="0"/>
+          <a:chOff x="0" y="0"/>
+          <a:chExt cx="0" cy="0"/>
+        </a:xfrm>
+      </p:grpSpPr>
+      <p:sp>
+        <p:nvSpPr>
+          <p:cNvPr id="2" name="Title 1">
+            <a:extLst>
+              <a:ext uri="{FF2B5EF4-FFF2-40B4-BE49-F238E27FC236}">
+                <a16:creationId xmlns:a16="http://schemas.microsoft.com/office/drawing/2014/main" id="{BB4B6193-F9F1-4C54-838F-77350B9FC5DC}"/>
+              </a:ext>
+            </a:extLst>
+          </p:cNvPr>
+          <p:cNvSpPr>
+            <a:spLocks noGrp="1"/>
+          </p:cNvSpPr>
+          <p:nvPr>
+            <p:ph type="title"/>
+          </p:nvPr>
+        </p:nvSpPr>
+        <p:spPr>
+          <a:xfrm>
+            <a:off x="1169125" y="425299"/>
+            <a:ext cx="9875520" cy="709749"/>
+          </a:xfrm>
+        </p:spPr>
+        <p:txBody>
+          <a:bodyPr>
+            <a:normAutofit fontScale="90000"/>
+          </a:bodyPr>
+          <a:lstStyle/>
+          <a:p>
+            <a:pPr algn="r" rtl="1"/>
+            <a:r>
+              <a:rPr lang="fa-IR" sz="4800" dirty="0" smtClean="0">
+                <a:cs typeface="B Nazanin" panose="00000400000000000000" pitchFamily="2" charset="-78"/>
+              </a:rPr>
+              <a:t>سوگیری (</a:t>
+            </a:r>
+            <a:r>
+              <a:rPr lang="en-US" dirty="0" smtClean="0"/>
+              <a:t>Bias</a:t>
+            </a:r>
+            <a:r>
+              <a:rPr lang="fa-IR" sz="4800" dirty="0" smtClean="0">
+                <a:cs typeface="B Nazanin" panose="00000400000000000000" pitchFamily="2" charset="-78"/>
+              </a:rPr>
+              <a:t>)  </a:t>
+            </a:r>
+            <a:endParaRPr lang="en-US" sz="4800" dirty="0">
+              <a:cs typeface="B Nazanin" panose="00000400000000000000" pitchFamily="2" charset="-78"/>
+            </a:endParaRPr>
+          </a:p>
+        </p:txBody>
+      </p:sp>
+      <p:cxnSp>
+        <p:nvCxnSpPr>
+          <p:cNvPr id="8" name="Straight Connector 7"/>
+          <p:cNvCxnSpPr/>
+          <p:nvPr/>
+        </p:nvCxnSpPr>
+        <p:spPr>
+          <a:xfrm>
+            <a:off x="888274" y="1240973"/>
+            <a:ext cx="10437223" cy="13063"/>
+          </a:xfrm>
+          <a:prstGeom prst="line">
+            <a:avLst/>
+          </a:prstGeom>
+        </p:spPr>
+        <p:style>
+          <a:lnRef idx="3">
+            <a:schemeClr val="accent1"/>
+          </a:lnRef>
+          <a:fillRef idx="0">
+            <a:schemeClr val="accent1"/>
+          </a:fillRef>
+          <a:effectRef idx="2">
+            <a:schemeClr val="accent1"/>
+          </a:effectRef>
+          <a:fontRef idx="minor">
+            <a:schemeClr val="tx1"/>
+          </a:fontRef>
+        </p:style>
+      </p:cxnSp>
+    </p:spTree>
+    <p:extLst>
+      <p:ext uri="{BB962C8B-B14F-4D97-AF65-F5344CB8AC3E}">
+        <p14:creationId xmlns:p14="http://schemas.microsoft.com/office/powerpoint/2010/main" val="397987722"/>
+      </p:ext>
+    </p:extLst>
+  </p:cSld>
+  <p:clrMapOvr>
+    <a:masterClrMapping/>
+  </p:clrMapOvr>
+  <p:timing>
+    <p:tnLst>
+      <p:par>
+        <p:cTn id="1" dur="indefinite" restart="never" nodeType="tmRoot"/>
+      </p:par>
+    </p:tnLst>
+  </p:timing>
+</p:sld>
+</file>
+
+<file path=ppt/slides/slide24.xml><?xml version="1.0" encoding="utf-8"?>
+<p:sld xmlns:a="http://schemas.openxmlformats.org/drawingml/2006/main" xmlns:r="http://schemas.openxmlformats.org/officeDocument/2006/relationships" xmlns:p="http://schemas.openxmlformats.org/presentationml/2006/main">
+  <p:cSld>
+    <p:spTree>
+      <p:nvGrpSpPr>
+        <p:cNvPr id="1" name=""/>
+        <p:cNvGrpSpPr/>
+        <p:nvPr/>
+      </p:nvGrpSpPr>
+      <p:grpSpPr>
+        <a:xfrm>
+          <a:off x="0" y="0"/>
+          <a:ext cx="0" cy="0"/>
+          <a:chOff x="0" y="0"/>
+          <a:chExt cx="0" cy="0"/>
+        </a:xfrm>
+      </p:grpSpPr>
+      <p:sp>
+        <p:nvSpPr>
+          <p:cNvPr id="2" name="Title 1">
+            <a:extLst>
+              <a:ext uri="{FF2B5EF4-FFF2-40B4-BE49-F238E27FC236}">
+                <a16:creationId xmlns:a16="http://schemas.microsoft.com/office/drawing/2014/main" id="{BB4B6193-F9F1-4C54-838F-77350B9FC5DC}"/>
+              </a:ext>
+            </a:extLst>
+          </p:cNvPr>
+          <p:cNvSpPr>
+            <a:spLocks noGrp="1"/>
+          </p:cNvSpPr>
+          <p:nvPr>
+            <p:ph type="title"/>
+          </p:nvPr>
+        </p:nvSpPr>
+        <p:spPr>
+          <a:xfrm>
+            <a:off x="1169125" y="425299"/>
+            <a:ext cx="9875520" cy="709749"/>
+          </a:xfrm>
+        </p:spPr>
+        <p:txBody>
+          <a:bodyPr>
+            <a:normAutofit fontScale="90000"/>
+          </a:bodyPr>
+          <a:lstStyle/>
+          <a:p>
+            <a:pPr algn="r" rtl="1"/>
+            <a:r>
+              <a:rPr lang="fa-IR" sz="4800" dirty="0" smtClean="0">
+                <a:cs typeface="B Nazanin" panose="00000400000000000000" pitchFamily="2" charset="-78"/>
+              </a:rPr>
+              <a:t>سوگیری (</a:t>
+            </a:r>
+            <a:r>
+              <a:rPr lang="en-US" dirty="0" smtClean="0"/>
+              <a:t>Bias</a:t>
+            </a:r>
+            <a:r>
+              <a:rPr lang="fa-IR" sz="4800" dirty="0" smtClean="0">
+                <a:cs typeface="B Nazanin" panose="00000400000000000000" pitchFamily="2" charset="-78"/>
+              </a:rPr>
+              <a:t>)  </a:t>
+            </a:r>
+            <a:endParaRPr lang="en-US" sz="4800" dirty="0">
+              <a:cs typeface="B Nazanin" panose="00000400000000000000" pitchFamily="2" charset="-78"/>
+            </a:endParaRPr>
+          </a:p>
+        </p:txBody>
+      </p:sp>
+      <p:cxnSp>
+        <p:nvCxnSpPr>
+          <p:cNvPr id="8" name="Straight Connector 7"/>
+          <p:cNvCxnSpPr/>
+          <p:nvPr/>
+        </p:nvCxnSpPr>
+        <p:spPr>
+          <a:xfrm>
+            <a:off x="888274" y="1240973"/>
+            <a:ext cx="10437223" cy="13063"/>
+          </a:xfrm>
+          <a:prstGeom prst="line">
+            <a:avLst/>
+          </a:prstGeom>
+        </p:spPr>
+        <p:style>
+          <a:lnRef idx="3">
+            <a:schemeClr val="accent1"/>
+          </a:lnRef>
+          <a:fillRef idx="0">
+            <a:schemeClr val="accent1"/>
+          </a:fillRef>
+          <a:effectRef idx="2">
+            <a:schemeClr val="accent1"/>
+          </a:effectRef>
+          <a:fontRef idx="minor">
+            <a:schemeClr val="tx1"/>
+          </a:fontRef>
+        </p:style>
+      </p:cxnSp>
+      <p:sp>
+        <p:nvSpPr>
+          <p:cNvPr id="3" name="Rectangle 2"/>
+          <p:cNvSpPr/>
+          <p:nvPr/>
+        </p:nvSpPr>
+        <p:spPr>
+          <a:xfrm>
+            <a:off x="3341914" y="1548676"/>
+            <a:ext cx="7702731" cy="369332"/>
+          </a:xfrm>
+          <a:prstGeom prst="rect">
+            <a:avLst/>
+          </a:prstGeom>
+        </p:spPr>
+        <p:txBody>
+          <a:bodyPr wrap="square">
+            <a:spAutoFit/>
+          </a:bodyPr>
+          <a:lstStyle/>
+          <a:p>
+            <a:pPr marL="285750" indent="-285750" algn="r" rtl="1">
+              <a:buFont typeface="Wingdings" panose="05000000000000000000" pitchFamily="2" charset="2"/>
+              <a:buChar char="ü"/>
+            </a:pPr>
+            <a:r>
+              <a:rPr lang="fa-IR" b="1" dirty="0">
+                <a:solidFill>
+                  <a:srgbClr val="FF0000"/>
+                </a:solidFill>
+                <a:latin typeface="IRANSans"/>
+                <a:cs typeface="B Nazanin" panose="00000400000000000000" pitchFamily="2" charset="-78"/>
+              </a:rPr>
+              <a:t>سوگیری</a:t>
+            </a:r>
+            <a:r>
+              <a:rPr lang="fa-IR" dirty="0">
+                <a:solidFill>
+                  <a:srgbClr val="000000"/>
+                </a:solidFill>
+                <a:latin typeface="IRANSans"/>
+                <a:cs typeface="B Nazanin" panose="00000400000000000000" pitchFamily="2" charset="-78"/>
+              </a:rPr>
+              <a:t> یا </a:t>
+            </a:r>
+            <a:r>
+              <a:rPr lang="fa-IR" dirty="0" smtClean="0">
+                <a:solidFill>
+                  <a:srgbClr val="000000"/>
+                </a:solidFill>
+                <a:latin typeface="IRANSans"/>
+                <a:cs typeface="B Nazanin" panose="00000400000000000000" pitchFamily="2" charset="-78"/>
+              </a:rPr>
+              <a:t>بایاس ، </a:t>
+            </a:r>
+            <a:r>
+              <a:rPr lang="fa-IR" dirty="0">
+                <a:solidFill>
+                  <a:srgbClr val="000000"/>
+                </a:solidFill>
+                <a:latin typeface="IRANSans"/>
+                <a:cs typeface="B Nazanin" panose="00000400000000000000" pitchFamily="2" charset="-78"/>
+              </a:rPr>
+              <a:t>به معنای </a:t>
+            </a:r>
+            <a:r>
+              <a:rPr lang="fa-IR" b="1" dirty="0">
+                <a:solidFill>
+                  <a:srgbClr val="FF0000"/>
+                </a:solidFill>
+                <a:latin typeface="IRANSans"/>
+                <a:cs typeface="B Nazanin" panose="00000400000000000000" pitchFamily="2" charset="-78"/>
+              </a:rPr>
+              <a:t>خنثی نبودن نسبت</a:t>
+            </a:r>
+            <a:r>
+              <a:rPr lang="fa-IR" dirty="0">
+                <a:solidFill>
+                  <a:srgbClr val="000000"/>
+                </a:solidFill>
+                <a:latin typeface="IRANSans"/>
+                <a:cs typeface="B Nazanin" panose="00000400000000000000" pitchFamily="2" charset="-78"/>
+              </a:rPr>
+              <a:t> به یک پدیده یا رویداد یا باور یا ارزش یا … است</a:t>
+            </a:r>
+            <a:r>
+              <a:rPr lang="fa-IR" dirty="0" smtClean="0">
+                <a:solidFill>
+                  <a:srgbClr val="000000"/>
+                </a:solidFill>
+                <a:latin typeface="IRANSans"/>
+                <a:cs typeface="B Nazanin" panose="00000400000000000000" pitchFamily="2" charset="-78"/>
+              </a:rPr>
+              <a:t>.</a:t>
+            </a:r>
+            <a:endParaRPr lang="en-US" dirty="0">
+              <a:solidFill>
+                <a:srgbClr val="000000"/>
+              </a:solidFill>
+              <a:latin typeface="IRANSans"/>
+              <a:cs typeface="B Nazanin" panose="00000400000000000000" pitchFamily="2" charset="-78"/>
+            </a:endParaRPr>
+          </a:p>
+        </p:txBody>
+      </p:sp>
+    </p:spTree>
+    <p:extLst>
+      <p:ext uri="{BB962C8B-B14F-4D97-AF65-F5344CB8AC3E}">
+        <p14:creationId xmlns:p14="http://schemas.microsoft.com/office/powerpoint/2010/main" val="1456627843"/>
+      </p:ext>
+    </p:extLst>
+  </p:cSld>
+  <p:clrMapOvr>
+    <a:masterClrMapping/>
+  </p:clrMapOvr>
+  <p:timing>
+    <p:tnLst>
+      <p:par>
+        <p:cTn id="1" dur="indefinite" restart="never" nodeType="tmRoot"/>
+      </p:par>
+    </p:tnLst>
+  </p:timing>
+</p:sld>
+</file>
+
+<file path=ppt/slides/slide25.xml><?xml version="1.0" encoding="utf-8"?>
 <p:sld xmlns:a="http://schemas.openxmlformats.org/drawingml/2006/main" xmlns:r="http://schemas.openxmlformats.org/officeDocument/2006/relationships" xmlns:p="http://schemas.openxmlformats.org/presentationml/2006/main">
   <p:cSld>
     <p:bg>
@@ -18161,7 +20141,7 @@
                 <a16:creationId xmlns:a16="http://schemas.microsoft.com/office/drawing/2014/main" id="{E3DC42C2-6B58-404C-B339-2C72808A5BE1}"/>
               </a:ext>
               <a:ext uri="{C183D7F6-B498-43B3-948B-1728B52AA6E4}">
-                <adec:decorative xmlns="" xmlns:adec="http://schemas.microsoft.com/office/drawing/2017/decorative" val="1"/>
+                <adec:decorative xmlns:adec="http://schemas.microsoft.com/office/drawing/2017/decorative" xmlns="" val="1"/>
               </a:ext>
             </a:extLst>
           </p:cNvPr>
@@ -18355,7 +20335,7 @@
                 <a16:creationId xmlns:a16="http://schemas.microsoft.com/office/drawing/2014/main" id="{FCF82941-5589-49BF-B6B1-76122B2D0EA6}"/>
               </a:ext>
               <a:ext uri="{C183D7F6-B498-43B3-948B-1728B52AA6E4}">
-                <adec:decorative xmlns="" xmlns:adec="http://schemas.microsoft.com/office/drawing/2017/decorative" val="1"/>
+                <adec:decorative xmlns:adec="http://schemas.microsoft.com/office/drawing/2017/decorative" xmlns="" val="1"/>
               </a:ext>
             </a:extLst>
           </p:cNvPr>
@@ -27262,20 +29242,20 @@
 </file>
 
 <file path=customXml/item1.xml><?xml version="1.0" encoding="utf-8"?>
+<p:properties xmlns:p="http://schemas.microsoft.com/office/2006/metadata/properties" xmlns:xsi="http://www.w3.org/2001/XMLSchema-instance" xmlns:pc="http://schemas.microsoft.com/office/infopath/2007/PartnerControls">
+  <documentManagement>
+    <MediaServiceKeyPoints xmlns="71af3243-3dd4-4a8d-8c0d-dd76da1f02a5" xsi:nil="true"/>
+  </documentManagement>
+</p:properties>
+</file>
+
+<file path=customXml/item2.xml><?xml version="1.0" encoding="utf-8"?>
 <?mso-contentType ?>
 <FormTemplates xmlns="http://schemas.microsoft.com/sharepoint/v3/contenttype/forms">
   <Display>DocumentLibraryForm</Display>
   <Edit>DocumentLibraryForm</Edit>
   <New>DocumentLibraryForm</New>
 </FormTemplates>
-</file>
-
-<file path=customXml/item2.xml><?xml version="1.0" encoding="utf-8"?>
-<p:properties xmlns:p="http://schemas.microsoft.com/office/2006/metadata/properties" xmlns:xsi="http://www.w3.org/2001/XMLSchema-instance" xmlns:pc="http://schemas.microsoft.com/office/infopath/2007/PartnerControls">
-  <documentManagement>
-    <MediaServiceKeyPoints xmlns="71af3243-3dd4-4a8d-8c0d-dd76da1f02a5" xsi:nil="true"/>
-  </documentManagement>
-</p:properties>
 </file>
 
 <file path=customXml/item3.xml><?xml version="1.0" encoding="utf-8"?>
@@ -27490,14 +29470,6 @@
 </file>
 
 <file path=customXml/itemProps1.xml><?xml version="1.0" encoding="utf-8"?>
-<ds:datastoreItem xmlns:ds="http://schemas.openxmlformats.org/officeDocument/2006/customXml" ds:itemID="{204E1485-0760-4ABF-A612-28A97B86DF09}">
-  <ds:schemaRefs>
-    <ds:schemaRef ds:uri="http://schemas.microsoft.com/sharepoint/v3/contenttype/forms"/>
-  </ds:schemaRefs>
-</ds:datastoreItem>
-</file>
-
-<file path=customXml/itemProps2.xml><?xml version="1.0" encoding="utf-8"?>
 <ds:datastoreItem xmlns:ds="http://schemas.openxmlformats.org/officeDocument/2006/customXml" ds:itemID="{4965EBD3-98B5-4FD2-8FAF-5D4022A9F7F4}">
   <ds:schemaRefs>
     <ds:schemaRef ds:uri="http://schemas.openxmlformats.org/package/2006/metadata/core-properties"/>
@@ -27510,6 +29482,14 @@
     <ds:schemaRef ds:uri="16c05727-aa75-4e4a-9b5f-8a80a1165891"/>
     <ds:schemaRef ds:uri="http://www.w3.org/XML/1998/namespace"/>
     <ds:schemaRef ds:uri="http://purl.org/dc/elements/1.1/"/>
+  </ds:schemaRefs>
+</ds:datastoreItem>
+</file>
+
+<file path=customXml/itemProps2.xml><?xml version="1.0" encoding="utf-8"?>
+<ds:datastoreItem xmlns:ds="http://schemas.openxmlformats.org/officeDocument/2006/customXml" ds:itemID="{204E1485-0760-4ABF-A612-28A97B86DF09}">
+  <ds:schemaRefs>
+    <ds:schemaRef ds:uri="http://schemas.microsoft.com/sharepoint/v3/contenttype/forms"/>
   </ds:schemaRefs>
 </ds:datastoreItem>
 </file>

--- a/MyTraining/Individual development/مهارت تصمیم گیری درست.pptx
+++ b/MyTraining/Individual development/مهارت تصمیم گیری درست.pptx
@@ -332,7 +332,7 @@
           <a:p>
             <a:fld id="{9AB3A824-1A51-4B26-AD58-A6D8E14F6C04}" type="datetimeFigureOut">
               <a:rPr lang="en-US" noProof="0" smtClean="0"/>
-              <a:t>4/27/2019</a:t>
+              <a:t>5/3/2019</a:t>
             </a:fld>
             <a:endParaRPr lang="en-US" noProof="0" dirty="0"/>
           </a:p>
@@ -557,7 +557,7 @@
           <a:p>
             <a:fld id="{D857E33E-8B18-4087-B112-809917729534}" type="datetimeFigureOut">
               <a:rPr lang="en-US" noProof="0" smtClean="0"/>
-              <a:t>4/27/2019</a:t>
+              <a:t>5/3/2019</a:t>
             </a:fld>
             <a:endParaRPr lang="en-US" noProof="0" dirty="0"/>
           </a:p>
@@ -741,7 +741,7 @@
           <a:p>
             <a:fld id="{D3FFE419-2371-464F-8239-3959401C3561}" type="datetimeFigureOut">
               <a:rPr lang="en-US" noProof="0" smtClean="0"/>
-              <a:t>4/27/2019</a:t>
+              <a:t>5/3/2019</a:t>
             </a:fld>
             <a:endParaRPr lang="en-US" noProof="0" dirty="0"/>
           </a:p>
@@ -915,7 +915,7 @@
           <a:p>
             <a:fld id="{97D162C4-EDD9-4389-A98B-B87ECEA2A816}" type="datetimeFigureOut">
               <a:rPr lang="en-US" noProof="0" smtClean="0"/>
-              <a:t>4/27/2019</a:t>
+              <a:t>5/3/2019</a:t>
             </a:fld>
             <a:endParaRPr lang="en-US" noProof="0" dirty="0"/>
           </a:p>
@@ -1170,7 +1170,7 @@
           <a:p>
             <a:fld id="{3E5059C3-6A89-4494-99FF-5A4D6FFD50EB}" type="datetimeFigureOut">
               <a:rPr lang="en-US" noProof="0" smtClean="0"/>
-              <a:t>4/27/2019</a:t>
+              <a:t>5/3/2019</a:t>
             </a:fld>
             <a:endParaRPr lang="en-US" noProof="0" dirty="0"/>
           </a:p>
@@ -1497,7 +1497,7 @@
           <a:p>
             <a:fld id="{CA954B2F-12DE-47F5-8894-472B206D2E1E}" type="datetimeFigureOut">
               <a:rPr lang="en-US" noProof="0" smtClean="0"/>
-              <a:t>4/27/2019</a:t>
+              <a:t>5/3/2019</a:t>
             </a:fld>
             <a:endParaRPr lang="en-US" noProof="0" dirty="0"/>
           </a:p>
@@ -1925,7 +1925,7 @@
           <a:p>
             <a:fld id="{3CBC1C18-307B-4F68-A007-B5B542270E8D}" type="datetimeFigureOut">
               <a:rPr lang="en-US" noProof="0" smtClean="0"/>
-              <a:t>4/27/2019</a:t>
+              <a:t>5/3/2019</a:t>
             </a:fld>
             <a:endParaRPr lang="en-US" noProof="0" dirty="0"/>
           </a:p>
@@ -2049,7 +2049,7 @@
           <a:p>
             <a:fld id="{1FAF3416-4057-4DAA-829D-4CA07428D088}" type="datetimeFigureOut">
               <a:rPr lang="en-US" noProof="0" smtClean="0"/>
-              <a:t>4/27/2019</a:t>
+              <a:t>5/3/2019</a:t>
             </a:fld>
             <a:endParaRPr lang="en-US" noProof="0" dirty="0"/>
           </a:p>
@@ -2148,7 +2148,7 @@
           <a:p>
             <a:fld id="{921D9284-D300-4297-87F7-E791DCC15DB1}" type="datetimeFigureOut">
               <a:rPr lang="en-US" noProof="0" smtClean="0"/>
-              <a:t>4/27/2019</a:t>
+              <a:t>5/3/2019</a:t>
             </a:fld>
             <a:endParaRPr lang="en-US" noProof="0" dirty="0"/>
           </a:p>
@@ -2442,7 +2442,7 @@
           <a:p>
             <a:fld id="{37D525BB-DA17-4BA0-B3C8-3AC3ABC827E6}" type="datetimeFigureOut">
               <a:rPr lang="en-US" noProof="0" smtClean="0"/>
-              <a:t>4/27/2019</a:t>
+              <a:t>5/3/2019</a:t>
             </a:fld>
             <a:endParaRPr lang="en-US" noProof="0" dirty="0"/>
           </a:p>
@@ -2718,7 +2718,7 @@
           <a:p>
             <a:fld id="{B16C4C9A-3960-41CF-A4E9-2A8FB932454B}" type="datetimeFigureOut">
               <a:rPr lang="en-US" noProof="0" smtClean="0"/>
-              <a:t>4/27/2019</a:t>
+              <a:t>5/3/2019</a:t>
             </a:fld>
             <a:endParaRPr lang="en-US" noProof="0" dirty="0"/>
           </a:p>
@@ -2975,7 +2975,7 @@
           <a:p>
             <a:fld id="{3CBC1C18-307B-4F68-A007-B5B542270E8D}" type="datetimeFigureOut">
               <a:rPr lang="en-US" noProof="0" smtClean="0"/>
-              <a:t>4/27/2019</a:t>
+              <a:t>5/3/2019</a:t>
             </a:fld>
             <a:endParaRPr lang="en-US" noProof="0" dirty="0"/>
           </a:p>
@@ -3458,7 +3458,7 @@
                 <a16:creationId xmlns:a16="http://schemas.microsoft.com/office/drawing/2014/main" id="{63FED537-3AF1-4C36-9904-77B6A54D27B5}"/>
               </a:ext>
               <a:ext uri="{C183D7F6-B498-43B3-948B-1728B52AA6E4}">
-                <adec:decorative xmlns:adec="http://schemas.microsoft.com/office/drawing/2017/decorative" xmlns="" val="1"/>
+                <adec:decorative xmlns="" xmlns:adec="http://schemas.microsoft.com/office/drawing/2017/decorative" val="1"/>
               </a:ext>
             </a:extLst>
           </p:cNvPr>
@@ -18854,17 +18854,7 @@
                 <a:latin typeface="IRANSans"/>
                 <a:cs typeface="B Nazanin" panose="00000400000000000000" pitchFamily="2" charset="-78"/>
               </a:rPr>
-              <a:t> در تصمیمات مهم ما این است که </a:t>
-            </a:r>
-            <a:r>
-              <a:rPr lang="fa-IR" sz="2000" dirty="0">
-                <a:solidFill>
-                  <a:srgbClr val="111111"/>
-                </a:solidFill>
-                <a:latin typeface="IRANSans"/>
-                <a:cs typeface="B Nazanin" panose="00000400000000000000" pitchFamily="2" charset="-78"/>
-              </a:rPr>
-              <a:t>ما معمولاً استریوتایپ‌های خود را نه بر اساس مطالعات دقیق </a:t>
+              <a:t> در تصمیمات مهم ما این است که ما معمولاً استریوتایپ‌های خود را نه بر اساس مطالعات دقیق </a:t>
             </a:r>
             <a:r>
               <a:rPr lang="fa-IR" sz="2000" dirty="0" smtClean="0">
@@ -18966,13 +18956,7 @@
               <a:rPr lang="fa-IR" sz="4000" dirty="0">
                 <a:cs typeface="B Nazanin" panose="00000400000000000000" pitchFamily="2" charset="-78"/>
               </a:rPr>
-              <a:t>خطای هاله ای یا اثر هاله </a:t>
-            </a:r>
-            <a:r>
-              <a:rPr lang="fa-IR" sz="4000" dirty="0">
-                <a:cs typeface="B Nazanin" panose="00000400000000000000" pitchFamily="2" charset="-78"/>
-              </a:rPr>
-              <a:t>ای</a:t>
+              <a:t>خطای هاله ای یا اثر هاله ای</a:t>
             </a:r>
             <a:endParaRPr lang="en-US" sz="4000" dirty="0">
               <a:cs typeface="B Nazanin" panose="00000400000000000000" pitchFamily="2" charset="-78"/>
@@ -19352,17 +19336,7 @@
                 <a:latin typeface="IRANSans"/>
                 <a:cs typeface="B Nazanin" panose="00000400000000000000" pitchFamily="2" charset="-78"/>
               </a:rPr>
-              <a:t>ممکن است زیبایی یک نفر، چنان زیاد باشد که قضاوت دیگران در مورد هوش او، تحت تاثیر این زیبایی قرار بگیرد. </a:t>
-            </a:r>
-            <a:r>
-              <a:rPr lang="fa-IR" sz="2000" dirty="0">
-                <a:solidFill>
-                  <a:srgbClr val="111111"/>
-                </a:solidFill>
-                <a:latin typeface="IRANSans"/>
-                <a:cs typeface="B Nazanin" panose="00000400000000000000" pitchFamily="2" charset="-78"/>
-              </a:rPr>
-              <a:t>به عبارتی، از میان دو فرد که همه‌ی ویژگی‌های آنها مشابه است و فقط یکی چهره‌ی زیباتری دارد، احتمال بیشتری وجود دارد که مردم، او را تیزهوش‌تر ارزیابی کنند</a:t>
+              <a:t>ممکن است زیبایی یک نفر، چنان زیاد باشد که قضاوت دیگران در مورد هوش او، تحت تاثیر این زیبایی قرار بگیرد. به عبارتی، از میان دو فرد که همه‌ی ویژگی‌های آنها مشابه است و فقط یکی چهره‌ی زیباتری دارد، احتمال بیشتری وجود دارد که مردم، او را تیزهوش‌تر ارزیابی کنند</a:t>
             </a:r>
             <a:r>
               <a:rPr lang="fa-IR" sz="2000" dirty="0" smtClean="0">
@@ -19690,28 +19664,24 @@
         </p:spPr>
         <p:txBody>
           <a:bodyPr>
-            <a:normAutofit fontScale="90000"/>
+            <a:normAutofit/>
           </a:bodyPr>
           <a:lstStyle/>
           <a:p>
             <a:pPr algn="r" rtl="1"/>
             <a:r>
-              <a:rPr lang="fa-IR" sz="4800" dirty="0" smtClean="0">
-                <a:cs typeface="B Nazanin" panose="00000400000000000000" pitchFamily="2" charset="-78"/>
-              </a:rPr>
-              <a:t>سوگیری (</a:t>
-            </a:r>
-            <a:r>
-              <a:rPr lang="en-US" dirty="0" smtClean="0"/>
-              <a:t>Bias</a:t>
-            </a:r>
-            <a:r>
-              <a:rPr lang="fa-IR" sz="4800" dirty="0" smtClean="0">
-                <a:cs typeface="B Nazanin" panose="00000400000000000000" pitchFamily="2" charset="-78"/>
-              </a:rPr>
-              <a:t>)  </a:t>
-            </a:r>
-            <a:endParaRPr lang="en-US" sz="4800" dirty="0">
+              <a:rPr lang="fa-IR" sz="4300" dirty="0">
+                <a:cs typeface="B Nazanin" panose="00000400000000000000" pitchFamily="2" charset="-78"/>
+              </a:rPr>
+              <a:t>سوگیری </a:t>
+            </a:r>
+            <a:r>
+              <a:rPr lang="fa-IR" sz="4300" dirty="0">
+                <a:cs typeface="B Nazanin" panose="00000400000000000000" pitchFamily="2" charset="-78"/>
+              </a:rPr>
+              <a:t>در قضاوت قهرمانان</a:t>
+            </a:r>
+            <a:endParaRPr lang="en-US" sz="4300" dirty="0">
               <a:cs typeface="B Nazanin" panose="00000400000000000000" pitchFamily="2" charset="-78"/>
             </a:endParaRPr>
           </a:p>
@@ -19747,6 +19717,638 @@
           </a:fontRef>
         </p:style>
       </p:cxnSp>
+      <p:sp>
+        <p:nvSpPr>
+          <p:cNvPr id="4" name="Rectangle 3"/>
+          <p:cNvSpPr/>
+          <p:nvPr/>
+        </p:nvSpPr>
+        <p:spPr>
+          <a:xfrm>
+            <a:off x="3341914" y="1821350"/>
+            <a:ext cx="7702731" cy="369332"/>
+          </a:xfrm>
+          <a:prstGeom prst="rect">
+            <a:avLst/>
+          </a:prstGeom>
+        </p:spPr>
+        <p:txBody>
+          <a:bodyPr wrap="square">
+            <a:spAutoFit/>
+          </a:bodyPr>
+          <a:lstStyle/>
+          <a:p>
+            <a:pPr marL="285750" indent="-285750" algn="r" rtl="1">
+              <a:buFont typeface="Wingdings" panose="05000000000000000000" pitchFamily="2" charset="2"/>
+              <a:buChar char="ü"/>
+            </a:pPr>
+            <a:r>
+              <a:rPr lang="fa-IR" b="1" dirty="0">
+                <a:solidFill>
+                  <a:srgbClr val="FF0000"/>
+                </a:solidFill>
+                <a:latin typeface="IRANSans"/>
+                <a:cs typeface="B Nazanin" panose="00000400000000000000" pitchFamily="2" charset="-78"/>
+              </a:rPr>
+              <a:t>سوگیری</a:t>
+            </a:r>
+            <a:r>
+              <a:rPr lang="fa-IR" dirty="0">
+                <a:solidFill>
+                  <a:srgbClr val="000000"/>
+                </a:solidFill>
+                <a:latin typeface="IRANSans"/>
+                <a:cs typeface="B Nazanin" panose="00000400000000000000" pitchFamily="2" charset="-78"/>
+              </a:rPr>
+              <a:t> یا </a:t>
+            </a:r>
+            <a:r>
+              <a:rPr lang="fa-IR" dirty="0" smtClean="0">
+                <a:solidFill>
+                  <a:srgbClr val="000000"/>
+                </a:solidFill>
+                <a:latin typeface="IRANSans"/>
+                <a:cs typeface="B Nazanin" panose="00000400000000000000" pitchFamily="2" charset="-78"/>
+              </a:rPr>
+              <a:t>(</a:t>
+            </a:r>
+            <a:r>
+              <a:rPr lang="en-US" dirty="0" smtClean="0">
+                <a:solidFill>
+                  <a:srgbClr val="000000"/>
+                </a:solidFill>
+                <a:latin typeface="IRANSans"/>
+                <a:cs typeface="B Nazanin" panose="00000400000000000000" pitchFamily="2" charset="-78"/>
+              </a:rPr>
+              <a:t>Bias</a:t>
+            </a:r>
+            <a:r>
+              <a:rPr lang="fa-IR" dirty="0" smtClean="0">
+                <a:solidFill>
+                  <a:srgbClr val="000000"/>
+                </a:solidFill>
+                <a:latin typeface="IRANSans"/>
+                <a:cs typeface="B Nazanin" panose="00000400000000000000" pitchFamily="2" charset="-78"/>
+              </a:rPr>
+              <a:t>) </a:t>
+            </a:r>
+            <a:r>
+              <a:rPr lang="fa-IR" dirty="0" smtClean="0">
+                <a:solidFill>
+                  <a:srgbClr val="000000"/>
+                </a:solidFill>
+                <a:latin typeface="IRANSans"/>
+                <a:cs typeface="B Nazanin" panose="00000400000000000000" pitchFamily="2" charset="-78"/>
+              </a:rPr>
+              <a:t>، </a:t>
+            </a:r>
+            <a:r>
+              <a:rPr lang="fa-IR" dirty="0">
+                <a:solidFill>
+                  <a:srgbClr val="000000"/>
+                </a:solidFill>
+                <a:latin typeface="IRANSans"/>
+                <a:cs typeface="B Nazanin" panose="00000400000000000000" pitchFamily="2" charset="-78"/>
+              </a:rPr>
+              <a:t>به معنای </a:t>
+            </a:r>
+            <a:r>
+              <a:rPr lang="fa-IR" b="1" dirty="0">
+                <a:solidFill>
+                  <a:srgbClr val="FF0000"/>
+                </a:solidFill>
+                <a:latin typeface="IRANSans"/>
+                <a:cs typeface="B Nazanin" panose="00000400000000000000" pitchFamily="2" charset="-78"/>
+              </a:rPr>
+              <a:t>خنثی نبودن نسبت</a:t>
+            </a:r>
+            <a:r>
+              <a:rPr lang="fa-IR" dirty="0">
+                <a:solidFill>
+                  <a:srgbClr val="000000"/>
+                </a:solidFill>
+                <a:latin typeface="IRANSans"/>
+                <a:cs typeface="B Nazanin" panose="00000400000000000000" pitchFamily="2" charset="-78"/>
+              </a:rPr>
+              <a:t> به یک پدیده یا رویداد یا باور یا ارزش </a:t>
+            </a:r>
+            <a:r>
+              <a:rPr lang="fa-IR" dirty="0" smtClean="0">
+                <a:solidFill>
+                  <a:srgbClr val="000000"/>
+                </a:solidFill>
+                <a:latin typeface="IRANSans"/>
+                <a:cs typeface="B Nazanin" panose="00000400000000000000" pitchFamily="2" charset="-78"/>
+              </a:rPr>
+              <a:t>است</a:t>
+            </a:r>
+            <a:r>
+              <a:rPr lang="fa-IR" dirty="0" smtClean="0">
+                <a:solidFill>
+                  <a:srgbClr val="000000"/>
+                </a:solidFill>
+                <a:latin typeface="IRANSans"/>
+                <a:cs typeface="B Nazanin" panose="00000400000000000000" pitchFamily="2" charset="-78"/>
+              </a:rPr>
+              <a:t>.</a:t>
+            </a:r>
+            <a:endParaRPr lang="en-US" dirty="0">
+              <a:solidFill>
+                <a:srgbClr val="000000"/>
+              </a:solidFill>
+              <a:latin typeface="IRANSans"/>
+              <a:cs typeface="B Nazanin" panose="00000400000000000000" pitchFamily="2" charset="-78"/>
+            </a:endParaRPr>
+          </a:p>
+        </p:txBody>
+      </p:sp>
+      <p:sp>
+        <p:nvSpPr>
+          <p:cNvPr id="3" name="Rectangle 2"/>
+          <p:cNvSpPr/>
+          <p:nvPr/>
+        </p:nvSpPr>
+        <p:spPr>
+          <a:xfrm>
+            <a:off x="7400108" y="2510135"/>
+            <a:ext cx="3644537" cy="369332"/>
+          </a:xfrm>
+          <a:prstGeom prst="rect">
+            <a:avLst/>
+          </a:prstGeom>
+        </p:spPr>
+        <p:txBody>
+          <a:bodyPr wrap="square">
+            <a:spAutoFit/>
+          </a:bodyPr>
+          <a:lstStyle/>
+          <a:p>
+            <a:pPr marL="285750" indent="-285750" algn="r" rtl="1">
+              <a:buFont typeface="Wingdings" panose="05000000000000000000" pitchFamily="2" charset="2"/>
+              <a:buChar char="v"/>
+            </a:pPr>
+            <a:r>
+              <a:rPr lang="fa-IR" b="1" dirty="0" smtClean="0">
+                <a:latin typeface="IRANSans"/>
+                <a:cs typeface="B Nazanin" panose="00000400000000000000" pitchFamily="2" charset="-78"/>
+              </a:rPr>
+              <a:t>سوگیری </a:t>
+            </a:r>
+            <a:r>
+              <a:rPr lang="fa-IR" b="1" dirty="0">
+                <a:latin typeface="IRANSans"/>
+                <a:cs typeface="B Nazanin" panose="00000400000000000000" pitchFamily="2" charset="-78"/>
+              </a:rPr>
+              <a:t>قضاوت درباره قهرمانان</a:t>
+            </a:r>
+          </a:p>
+        </p:txBody>
+      </p:sp>
+      <p:sp>
+        <p:nvSpPr>
+          <p:cNvPr id="5" name="Rectangle 4"/>
+          <p:cNvSpPr/>
+          <p:nvPr/>
+        </p:nvSpPr>
+        <p:spPr>
+          <a:xfrm>
+            <a:off x="4528456" y="2510135"/>
+            <a:ext cx="2565126" cy="369332"/>
+          </a:xfrm>
+          <a:prstGeom prst="rect">
+            <a:avLst/>
+          </a:prstGeom>
+        </p:spPr>
+        <p:txBody>
+          <a:bodyPr wrap="none">
+            <a:spAutoFit/>
+          </a:bodyPr>
+          <a:lstStyle/>
+          <a:p>
+            <a:r>
+              <a:rPr lang="fa-IR" dirty="0">
+                <a:solidFill>
+                  <a:srgbClr val="000000"/>
+                </a:solidFill>
+                <a:latin typeface="IRANSans" panose="02040503050201020203"/>
+                <a:cs typeface="B Nazanin" panose="00000400000000000000" pitchFamily="2" charset="-78"/>
+              </a:rPr>
+              <a:t>ویژگی قهرمانان، </a:t>
+            </a:r>
+            <a:r>
+              <a:rPr lang="fa-IR" b="1" dirty="0">
+                <a:solidFill>
+                  <a:srgbClr val="4372C2"/>
+                </a:solidFill>
+                <a:latin typeface="IRANSans" panose="02040503050201020203"/>
+                <a:cs typeface="B Nazanin" panose="00000400000000000000" pitchFamily="2" charset="-78"/>
+              </a:rPr>
+              <a:t>اعتبار</a:t>
+            </a:r>
+            <a:r>
+              <a:rPr lang="fa-IR" b="1" dirty="0">
+                <a:solidFill>
+                  <a:srgbClr val="000000"/>
+                </a:solidFill>
+                <a:latin typeface="IRANSans" panose="02040503050201020203"/>
+                <a:cs typeface="B Nazanin" panose="00000400000000000000" pitchFamily="2" charset="-78"/>
+              </a:rPr>
+              <a:t> </a:t>
+            </a:r>
+            <a:r>
+              <a:rPr lang="fa-IR" dirty="0">
+                <a:solidFill>
+                  <a:srgbClr val="000000"/>
+                </a:solidFill>
+                <a:latin typeface="IRANSans" panose="02040503050201020203"/>
+                <a:cs typeface="B Nazanin" panose="00000400000000000000" pitchFamily="2" charset="-78"/>
+              </a:rPr>
+              <a:t>آنان است.</a:t>
+            </a:r>
+            <a:endParaRPr lang="en-US" dirty="0">
+              <a:cs typeface="B Nazanin" panose="00000400000000000000" pitchFamily="2" charset="-78"/>
+            </a:endParaRPr>
+          </a:p>
+        </p:txBody>
+      </p:sp>
+      <p:sp>
+        <p:nvSpPr>
+          <p:cNvPr id="6" name="Rectangle 5"/>
+          <p:cNvSpPr/>
+          <p:nvPr/>
+        </p:nvSpPr>
+        <p:spPr>
+          <a:xfrm>
+            <a:off x="1748399" y="3286929"/>
+            <a:ext cx="3825086" cy="369332"/>
+          </a:xfrm>
+          <a:prstGeom prst="rect">
+            <a:avLst/>
+          </a:prstGeom>
+        </p:spPr>
+        <p:txBody>
+          <a:bodyPr wrap="none">
+            <a:spAutoFit/>
+          </a:bodyPr>
+          <a:lstStyle/>
+          <a:p>
+            <a:r>
+              <a:rPr lang="fa-IR" b="1" dirty="0">
+                <a:solidFill>
+                  <a:srgbClr val="000000"/>
+                </a:solidFill>
+                <a:latin typeface="IRANSans" panose="02040503050201020203"/>
+                <a:cs typeface="B Nazanin" panose="00000400000000000000" pitchFamily="2" charset="-78"/>
+              </a:rPr>
+              <a:t>رفتارها، تصمیم‌ها </a:t>
+            </a:r>
+            <a:r>
+              <a:rPr lang="fa-IR" dirty="0">
+                <a:solidFill>
+                  <a:srgbClr val="000000"/>
+                </a:solidFill>
+                <a:latin typeface="IRANSans" panose="02040503050201020203"/>
+                <a:cs typeface="B Nazanin" panose="00000400000000000000" pitchFamily="2" charset="-78"/>
+              </a:rPr>
+              <a:t>و </a:t>
+            </a:r>
+            <a:r>
+              <a:rPr lang="fa-IR" b="1" dirty="0">
+                <a:solidFill>
+                  <a:srgbClr val="000000"/>
+                </a:solidFill>
+                <a:latin typeface="IRANSans" panose="02040503050201020203"/>
+                <a:cs typeface="B Nazanin" panose="00000400000000000000" pitchFamily="2" charset="-78"/>
+              </a:rPr>
+              <a:t>دستاوردهای گذشته‌ی آنان</a:t>
+            </a:r>
+            <a:endParaRPr lang="en-US" dirty="0">
+              <a:cs typeface="B Nazanin" panose="00000400000000000000" pitchFamily="2" charset="-78"/>
+            </a:endParaRPr>
+          </a:p>
+        </p:txBody>
+      </p:sp>
+      <p:cxnSp>
+        <p:nvCxnSpPr>
+          <p:cNvPr id="9" name="Elbow Connector 8"/>
+          <p:cNvCxnSpPr/>
+          <p:nvPr/>
+        </p:nvCxnSpPr>
+        <p:spPr>
+          <a:xfrm rot="5400000">
+            <a:off x="5195583" y="2909027"/>
+            <a:ext cx="407461" cy="348342"/>
+          </a:xfrm>
+          <a:prstGeom prst="bentConnector3">
+            <a:avLst/>
+          </a:prstGeom>
+          <a:ln w="38100">
+            <a:tailEnd type="triangle"/>
+          </a:ln>
+        </p:spPr>
+        <p:style>
+          <a:lnRef idx="2">
+            <a:schemeClr val="accent2"/>
+          </a:lnRef>
+          <a:fillRef idx="0">
+            <a:schemeClr val="accent2"/>
+          </a:fillRef>
+          <a:effectRef idx="1">
+            <a:schemeClr val="accent2"/>
+          </a:effectRef>
+          <a:fontRef idx="minor">
+            <a:schemeClr val="tx1"/>
+          </a:fontRef>
+        </p:style>
+      </p:cxnSp>
+      <p:sp>
+        <p:nvSpPr>
+          <p:cNvPr id="10" name="Rectangle 9"/>
+          <p:cNvSpPr/>
+          <p:nvPr/>
+        </p:nvSpPr>
+        <p:spPr>
+          <a:xfrm>
+            <a:off x="731519" y="3778687"/>
+            <a:ext cx="10750732" cy="1754326"/>
+          </a:xfrm>
+          <a:prstGeom prst="rect">
+            <a:avLst/>
+          </a:prstGeom>
+        </p:spPr>
+        <p:style>
+          <a:lnRef idx="2">
+            <a:schemeClr val="accent1"/>
+          </a:lnRef>
+          <a:fillRef idx="1">
+            <a:schemeClr val="lt1"/>
+          </a:fillRef>
+          <a:effectRef idx="0">
+            <a:schemeClr val="accent1"/>
+          </a:effectRef>
+          <a:fontRef idx="minor">
+            <a:schemeClr val="dk1"/>
+          </a:fontRef>
+        </p:style>
+        <p:txBody>
+          <a:bodyPr wrap="square">
+            <a:spAutoFit/>
+          </a:bodyPr>
+          <a:lstStyle/>
+          <a:p>
+            <a:pPr algn="just" rtl="1">
+              <a:lnSpc>
+                <a:spcPct val="150000"/>
+              </a:lnSpc>
+            </a:pPr>
+            <a:r>
+              <a:rPr lang="fa-IR" dirty="0">
+                <a:solidFill>
+                  <a:srgbClr val="000000"/>
+                </a:solidFill>
+                <a:latin typeface="IRANSans" panose="02040503050201020203"/>
+                <a:cs typeface="B Nazanin" panose="00000400000000000000" pitchFamily="2" charset="-78"/>
+              </a:rPr>
+              <a:t>توجه به گذشته‌ی فرد، می‌تواند به ارزیابی رفتار و تصمیم امروز او کمک کند. به شرطی که به خاطر داشته باشیم که </a:t>
+            </a:r>
+            <a:r>
+              <a:rPr lang="fa-IR" b="1" dirty="0">
+                <a:solidFill>
+                  <a:srgbClr val="000000"/>
+                </a:solidFill>
+                <a:latin typeface="IRANSans" panose="02040503050201020203"/>
+                <a:cs typeface="B Nazanin" panose="00000400000000000000" pitchFamily="2" charset="-78"/>
+              </a:rPr>
+              <a:t>ارتباط منطقی </a:t>
+            </a:r>
+            <a:r>
+              <a:rPr lang="fa-IR" dirty="0">
+                <a:solidFill>
+                  <a:srgbClr val="000000"/>
+                </a:solidFill>
+                <a:latin typeface="IRANSans" panose="02040503050201020203"/>
+                <a:cs typeface="B Nazanin" panose="00000400000000000000" pitchFamily="2" charset="-78"/>
+              </a:rPr>
+              <a:t>بین </a:t>
+            </a:r>
+            <a:r>
+              <a:rPr lang="fa-IR" b="1" dirty="0">
+                <a:solidFill>
+                  <a:srgbClr val="C00000"/>
+                </a:solidFill>
+                <a:latin typeface="IRANSans" panose="02040503050201020203"/>
+                <a:cs typeface="B Nazanin" panose="00000400000000000000" pitchFamily="2" charset="-78"/>
+              </a:rPr>
+              <a:t>موفقیت‌های گذشته</a:t>
+            </a:r>
+            <a:r>
+              <a:rPr lang="fa-IR" dirty="0">
+                <a:solidFill>
+                  <a:srgbClr val="000000"/>
+                </a:solidFill>
+                <a:latin typeface="IRANSans" panose="02040503050201020203"/>
+                <a:cs typeface="B Nazanin" panose="00000400000000000000" pitchFamily="2" charset="-78"/>
+              </a:rPr>
+              <a:t> و </a:t>
+            </a:r>
+            <a:r>
+              <a:rPr lang="fa-IR" b="1" dirty="0">
+                <a:solidFill>
+                  <a:srgbClr val="0070C0"/>
+                </a:solidFill>
+                <a:latin typeface="IRANSans" panose="02040503050201020203"/>
+                <a:cs typeface="B Nazanin" panose="00000400000000000000" pitchFamily="2" charset="-78"/>
+              </a:rPr>
+              <a:t>درست بودن حرف یا تحلیل امروز</a:t>
+            </a:r>
+            <a:r>
+              <a:rPr lang="fa-IR" dirty="0">
+                <a:solidFill>
+                  <a:srgbClr val="000000"/>
+                </a:solidFill>
+                <a:latin typeface="IRANSans" panose="02040503050201020203"/>
+                <a:cs typeface="B Nazanin" panose="00000400000000000000" pitchFamily="2" charset="-78"/>
+              </a:rPr>
+              <a:t> وجود ندارد.</a:t>
+            </a:r>
+          </a:p>
+          <a:p>
+            <a:pPr algn="just" rtl="1">
+              <a:lnSpc>
+                <a:spcPct val="150000"/>
+              </a:lnSpc>
+            </a:pPr>
+            <a:r>
+              <a:rPr lang="fa-IR" dirty="0">
+                <a:solidFill>
+                  <a:srgbClr val="000000"/>
+                </a:solidFill>
+                <a:latin typeface="IRANSans" panose="02040503050201020203"/>
+                <a:cs typeface="B Nazanin" panose="00000400000000000000" pitchFamily="2" charset="-78"/>
+              </a:rPr>
+              <a:t>این که شما در گذشته ده‌ها تحلیل درست داشته‌اید، در بهترین حالت این </a:t>
+            </a:r>
+            <a:r>
+              <a:rPr lang="fa-IR" b="1" dirty="0">
+                <a:solidFill>
+                  <a:srgbClr val="000000"/>
+                </a:solidFill>
+                <a:latin typeface="IRANSans" panose="02040503050201020203"/>
+                <a:cs typeface="B Nazanin" panose="00000400000000000000" pitchFamily="2" charset="-78"/>
+              </a:rPr>
+              <a:t>احتمال</a:t>
+            </a:r>
+            <a:r>
+              <a:rPr lang="fa-IR" dirty="0">
+                <a:solidFill>
+                  <a:srgbClr val="000000"/>
+                </a:solidFill>
+                <a:latin typeface="IRANSans" panose="02040503050201020203"/>
+                <a:cs typeface="B Nazanin" panose="00000400000000000000" pitchFamily="2" charset="-78"/>
+              </a:rPr>
+              <a:t> را افزایش می‌دهد که تحلیل امروزتان هم درست باشد؛ اما هرگز باعث نمی‌شود که </a:t>
+            </a:r>
+            <a:r>
+              <a:rPr lang="fa-IR" b="1" dirty="0">
+                <a:solidFill>
+                  <a:srgbClr val="000000"/>
+                </a:solidFill>
+                <a:latin typeface="IRANSans" panose="02040503050201020203"/>
+                <a:cs typeface="B Nazanin" panose="00000400000000000000" pitchFamily="2" charset="-78"/>
+              </a:rPr>
+              <a:t>منطق و زیربنای تصمیم و رفتار امروز شما</a:t>
+            </a:r>
+            <a:r>
+              <a:rPr lang="fa-IR" dirty="0">
+                <a:solidFill>
+                  <a:srgbClr val="000000"/>
+                </a:solidFill>
+                <a:latin typeface="IRANSans" panose="02040503050201020203"/>
+                <a:cs typeface="B Nazanin" panose="00000400000000000000" pitchFamily="2" charset="-78"/>
+              </a:rPr>
+              <a:t> قابل دفاع باشد.</a:t>
+            </a:r>
+          </a:p>
+        </p:txBody>
+      </p:sp>
+      <p:sp>
+        <p:nvSpPr>
+          <p:cNvPr id="11" name="Rectangle 10"/>
+          <p:cNvSpPr/>
+          <p:nvPr/>
+        </p:nvSpPr>
+        <p:spPr>
+          <a:xfrm>
+            <a:off x="731519" y="5689154"/>
+            <a:ext cx="9614262" cy="646331"/>
+          </a:xfrm>
+          <a:prstGeom prst="rect">
+            <a:avLst/>
+          </a:prstGeom>
+        </p:spPr>
+        <p:style>
+          <a:lnRef idx="2">
+            <a:schemeClr val="accent1"/>
+          </a:lnRef>
+          <a:fillRef idx="1">
+            <a:schemeClr val="lt1"/>
+          </a:fillRef>
+          <a:effectRef idx="0">
+            <a:schemeClr val="accent1"/>
+          </a:effectRef>
+          <a:fontRef idx="minor">
+            <a:schemeClr val="dk1"/>
+          </a:fontRef>
+        </p:style>
+        <p:txBody>
+          <a:bodyPr wrap="square">
+            <a:spAutoFit/>
+          </a:bodyPr>
+          <a:lstStyle/>
+          <a:p>
+            <a:pPr algn="just" rtl="1"/>
+            <a:r>
+              <a:rPr lang="fa-IR" dirty="0">
+                <a:solidFill>
+                  <a:srgbClr val="000000"/>
+                </a:solidFill>
+                <a:latin typeface="IRANSans" panose="02040503050201020203"/>
+                <a:cs typeface="B Nazanin" panose="00000400000000000000" pitchFamily="2" charset="-78"/>
+              </a:rPr>
+              <a:t>هر گاه حرف یا تحلیل یا رفتار فرد یا سازمانی را بررسی می‌کنید، در مواردی که نمی‌توانید منطق حرف یا رفتار یا انتخاب را درک کنید، حتماً ابتدا تأکید کنید که من به اعتبار گذشته‌ی این فرد / سازمان، فکر می‌کنم این تصمیم / رفتار درست باشد.</a:t>
+            </a:r>
+            <a:endParaRPr lang="en-US" dirty="0">
+              <a:solidFill>
+                <a:srgbClr val="000000"/>
+              </a:solidFill>
+              <a:latin typeface="IRANSans" panose="02040503050201020203"/>
+              <a:cs typeface="B Nazanin" panose="00000400000000000000" pitchFamily="2" charset="-78"/>
+            </a:endParaRPr>
+          </a:p>
+        </p:txBody>
+      </p:sp>
+      <p:sp>
+        <p:nvSpPr>
+          <p:cNvPr id="12" name="Rectangle 11"/>
+          <p:cNvSpPr/>
+          <p:nvPr/>
+        </p:nvSpPr>
+        <p:spPr>
+          <a:xfrm>
+            <a:off x="10411464" y="5781486"/>
+            <a:ext cx="914033" cy="461665"/>
+          </a:xfrm>
+          <a:prstGeom prst="rect">
+            <a:avLst/>
+          </a:prstGeom>
+        </p:spPr>
+        <p:txBody>
+          <a:bodyPr wrap="none">
+            <a:spAutoFit/>
+          </a:bodyPr>
+          <a:lstStyle/>
+          <a:p>
+            <a:r>
+              <a:rPr lang="fa-IR" sz="2400" b="1" dirty="0" smtClean="0">
+                <a:solidFill>
+                  <a:srgbClr val="C00000"/>
+                </a:solidFill>
+                <a:cs typeface="B Nazanin" panose="00000400000000000000" pitchFamily="2" charset="-78"/>
+              </a:rPr>
+              <a:t>توصیه </a:t>
+            </a:r>
+            <a:endParaRPr lang="en-US" sz="2400" b="1" dirty="0">
+              <a:solidFill>
+                <a:srgbClr val="C00000"/>
+              </a:solidFill>
+            </a:endParaRPr>
+          </a:p>
+        </p:txBody>
+      </p:sp>
+      <p:pic>
+        <p:nvPicPr>
+          <p:cNvPr id="13" name="Picture 12"/>
+          <p:cNvPicPr>
+            <a:picLocks noChangeAspect="1"/>
+          </p:cNvPicPr>
+          <p:nvPr/>
+        </p:nvPicPr>
+        <p:blipFill>
+          <a:blip r:embed="rId2"/>
+          <a:stretch>
+            <a:fillRect/>
+          </a:stretch>
+        </p:blipFill>
+        <p:spPr>
+          <a:xfrm>
+            <a:off x="629271" y="1417155"/>
+            <a:ext cx="2857500" cy="1600200"/>
+          </a:xfrm>
+          <a:prstGeom prst="rect">
+            <a:avLst/>
+          </a:prstGeom>
+        </p:spPr>
+      </p:pic>
     </p:spTree>
     <p:extLst>
       <p:ext uri="{BB962C8B-B14F-4D97-AF65-F5344CB8AC3E}">
@@ -19983,111 +20585,6 @@
           </a:fontRef>
         </p:style>
       </p:cxnSp>
-      <p:sp>
-        <p:nvSpPr>
-          <p:cNvPr id="3" name="Rectangle 2"/>
-          <p:cNvSpPr/>
-          <p:nvPr/>
-        </p:nvSpPr>
-        <p:spPr>
-          <a:xfrm>
-            <a:off x="3341914" y="1548676"/>
-            <a:ext cx="7702731" cy="369332"/>
-          </a:xfrm>
-          <a:prstGeom prst="rect">
-            <a:avLst/>
-          </a:prstGeom>
-        </p:spPr>
-        <p:txBody>
-          <a:bodyPr wrap="square">
-            <a:spAutoFit/>
-          </a:bodyPr>
-          <a:lstStyle/>
-          <a:p>
-            <a:pPr marL="285750" indent="-285750" algn="r" rtl="1">
-              <a:buFont typeface="Wingdings" panose="05000000000000000000" pitchFamily="2" charset="2"/>
-              <a:buChar char="ü"/>
-            </a:pPr>
-            <a:r>
-              <a:rPr lang="fa-IR" b="1" dirty="0">
-                <a:solidFill>
-                  <a:srgbClr val="FF0000"/>
-                </a:solidFill>
-                <a:latin typeface="IRANSans"/>
-                <a:cs typeface="B Nazanin" panose="00000400000000000000" pitchFamily="2" charset="-78"/>
-              </a:rPr>
-              <a:t>سوگیری</a:t>
-            </a:r>
-            <a:r>
-              <a:rPr lang="fa-IR" dirty="0">
-                <a:solidFill>
-                  <a:srgbClr val="000000"/>
-                </a:solidFill>
-                <a:latin typeface="IRANSans"/>
-                <a:cs typeface="B Nazanin" panose="00000400000000000000" pitchFamily="2" charset="-78"/>
-              </a:rPr>
-              <a:t> یا </a:t>
-            </a:r>
-            <a:r>
-              <a:rPr lang="fa-IR" dirty="0" smtClean="0">
-                <a:solidFill>
-                  <a:srgbClr val="000000"/>
-                </a:solidFill>
-                <a:latin typeface="IRANSans"/>
-                <a:cs typeface="B Nazanin" panose="00000400000000000000" pitchFamily="2" charset="-78"/>
-              </a:rPr>
-              <a:t>بایاس ، </a:t>
-            </a:r>
-            <a:r>
-              <a:rPr lang="fa-IR" dirty="0">
-                <a:solidFill>
-                  <a:srgbClr val="000000"/>
-                </a:solidFill>
-                <a:latin typeface="IRANSans"/>
-                <a:cs typeface="B Nazanin" panose="00000400000000000000" pitchFamily="2" charset="-78"/>
-              </a:rPr>
-              <a:t>به معنای </a:t>
-            </a:r>
-            <a:r>
-              <a:rPr lang="fa-IR" b="1" dirty="0">
-                <a:solidFill>
-                  <a:srgbClr val="FF0000"/>
-                </a:solidFill>
-                <a:latin typeface="IRANSans"/>
-                <a:cs typeface="B Nazanin" panose="00000400000000000000" pitchFamily="2" charset="-78"/>
-              </a:rPr>
-              <a:t>خنثی نبودن نسبت</a:t>
-            </a:r>
-            <a:r>
-              <a:rPr lang="fa-IR" dirty="0">
-                <a:solidFill>
-                  <a:srgbClr val="000000"/>
-                </a:solidFill>
-                <a:latin typeface="IRANSans"/>
-                <a:cs typeface="B Nazanin" panose="00000400000000000000" pitchFamily="2" charset="-78"/>
-              </a:rPr>
-              <a:t> به یک پدیده یا رویداد یا باور یا ارزش یا … است</a:t>
-            </a:r>
-            <a:r>
-              <a:rPr lang="fa-IR" dirty="0" smtClean="0">
-                <a:solidFill>
-                  <a:srgbClr val="000000"/>
-                </a:solidFill>
-                <a:latin typeface="IRANSans"/>
-                <a:cs typeface="B Nazanin" panose="00000400000000000000" pitchFamily="2" charset="-78"/>
-              </a:rPr>
-              <a:t>.</a:t>
-            </a:r>
-            <a:endParaRPr lang="en-US" dirty="0">
-              <a:solidFill>
-                <a:srgbClr val="000000"/>
-              </a:solidFill>
-              <a:latin typeface="IRANSans"/>
-              <a:cs typeface="B Nazanin" panose="00000400000000000000" pitchFamily="2" charset="-78"/>
-            </a:endParaRPr>
-          </a:p>
-        </p:txBody>
-      </p:sp>
     </p:spTree>
     <p:extLst>
       <p:ext uri="{BB962C8B-B14F-4D97-AF65-F5344CB8AC3E}">
@@ -20141,7 +20638,7 @@
                 <a16:creationId xmlns:a16="http://schemas.microsoft.com/office/drawing/2014/main" id="{E3DC42C2-6B58-404C-B339-2C72808A5BE1}"/>
               </a:ext>
               <a:ext uri="{C183D7F6-B498-43B3-948B-1728B52AA6E4}">
-                <adec:decorative xmlns:adec="http://schemas.microsoft.com/office/drawing/2017/decorative" xmlns="" val="1"/>
+                <adec:decorative xmlns="" xmlns:adec="http://schemas.microsoft.com/office/drawing/2017/decorative" val="1"/>
               </a:ext>
             </a:extLst>
           </p:cNvPr>
@@ -20335,7 +20832,7 @@
                 <a16:creationId xmlns:a16="http://schemas.microsoft.com/office/drawing/2014/main" id="{FCF82941-5589-49BF-B6B1-76122B2D0EA6}"/>
               </a:ext>
               <a:ext uri="{C183D7F6-B498-43B3-948B-1728B52AA6E4}">
-                <adec:decorative xmlns:adec="http://schemas.microsoft.com/office/drawing/2017/decorative" xmlns="" val="1"/>
+                <adec:decorative xmlns="" xmlns:adec="http://schemas.microsoft.com/office/drawing/2017/decorative" val="1"/>
               </a:ext>
             </a:extLst>
           </p:cNvPr>
@@ -29242,20 +29739,20 @@
 </file>
 
 <file path=customXml/item1.xml><?xml version="1.0" encoding="utf-8"?>
-<p:properties xmlns:p="http://schemas.microsoft.com/office/2006/metadata/properties" xmlns:xsi="http://www.w3.org/2001/XMLSchema-instance" xmlns:pc="http://schemas.microsoft.com/office/infopath/2007/PartnerControls">
-  <documentManagement>
-    <MediaServiceKeyPoints xmlns="71af3243-3dd4-4a8d-8c0d-dd76da1f02a5" xsi:nil="true"/>
-  </documentManagement>
-</p:properties>
-</file>
-
-<file path=customXml/item2.xml><?xml version="1.0" encoding="utf-8"?>
 <?mso-contentType ?>
 <FormTemplates xmlns="http://schemas.microsoft.com/sharepoint/v3/contenttype/forms">
   <Display>DocumentLibraryForm</Display>
   <Edit>DocumentLibraryForm</Edit>
   <New>DocumentLibraryForm</New>
 </FormTemplates>
+</file>
+
+<file path=customXml/item2.xml><?xml version="1.0" encoding="utf-8"?>
+<p:properties xmlns:p="http://schemas.microsoft.com/office/2006/metadata/properties" xmlns:xsi="http://www.w3.org/2001/XMLSchema-instance" xmlns:pc="http://schemas.microsoft.com/office/infopath/2007/PartnerControls">
+  <documentManagement>
+    <MediaServiceKeyPoints xmlns="71af3243-3dd4-4a8d-8c0d-dd76da1f02a5" xsi:nil="true"/>
+  </documentManagement>
+</p:properties>
 </file>
 
 <file path=customXml/item3.xml><?xml version="1.0" encoding="utf-8"?>
@@ -29470,6 +29967,14 @@
 </file>
 
 <file path=customXml/itemProps1.xml><?xml version="1.0" encoding="utf-8"?>
+<ds:datastoreItem xmlns:ds="http://schemas.openxmlformats.org/officeDocument/2006/customXml" ds:itemID="{204E1485-0760-4ABF-A612-28A97B86DF09}">
+  <ds:schemaRefs>
+    <ds:schemaRef ds:uri="http://schemas.microsoft.com/sharepoint/v3/contenttype/forms"/>
+  </ds:schemaRefs>
+</ds:datastoreItem>
+</file>
+
+<file path=customXml/itemProps2.xml><?xml version="1.0" encoding="utf-8"?>
 <ds:datastoreItem xmlns:ds="http://schemas.openxmlformats.org/officeDocument/2006/customXml" ds:itemID="{4965EBD3-98B5-4FD2-8FAF-5D4022A9F7F4}">
   <ds:schemaRefs>
     <ds:schemaRef ds:uri="http://schemas.openxmlformats.org/package/2006/metadata/core-properties"/>
@@ -29482,14 +29987,6 @@
     <ds:schemaRef ds:uri="16c05727-aa75-4e4a-9b5f-8a80a1165891"/>
     <ds:schemaRef ds:uri="http://www.w3.org/XML/1998/namespace"/>
     <ds:schemaRef ds:uri="http://purl.org/dc/elements/1.1/"/>
-  </ds:schemaRefs>
-</ds:datastoreItem>
-</file>
-
-<file path=customXml/itemProps2.xml><?xml version="1.0" encoding="utf-8"?>
-<ds:datastoreItem xmlns:ds="http://schemas.openxmlformats.org/officeDocument/2006/customXml" ds:itemID="{204E1485-0760-4ABF-A612-28A97B86DF09}">
-  <ds:schemaRefs>
-    <ds:schemaRef ds:uri="http://schemas.microsoft.com/sharepoint/v3/contenttype/forms"/>
   </ds:schemaRefs>
 </ds:datastoreItem>
 </file>

--- a/MyTraining/Individual development/مهارت تصمیم گیری درست.pptx
+++ b/MyTraining/Individual development/مهارت تصمیم گیری درست.pptx
@@ -332,7 +332,7 @@
           <a:p>
             <a:fld id="{9AB3A824-1A51-4B26-AD58-A6D8E14F6C04}" type="datetimeFigureOut">
               <a:rPr lang="en-US" noProof="0" smtClean="0"/>
-              <a:t>5/3/2019</a:t>
+              <a:t>5/4/2019</a:t>
             </a:fld>
             <a:endParaRPr lang="en-US" noProof="0" dirty="0"/>
           </a:p>
@@ -557,7 +557,7 @@
           <a:p>
             <a:fld id="{D857E33E-8B18-4087-B112-809917729534}" type="datetimeFigureOut">
               <a:rPr lang="en-US" noProof="0" smtClean="0"/>
-              <a:t>5/3/2019</a:t>
+              <a:t>5/4/2019</a:t>
             </a:fld>
             <a:endParaRPr lang="en-US" noProof="0" dirty="0"/>
           </a:p>
@@ -741,7 +741,7 @@
           <a:p>
             <a:fld id="{D3FFE419-2371-464F-8239-3959401C3561}" type="datetimeFigureOut">
               <a:rPr lang="en-US" noProof="0" smtClean="0"/>
-              <a:t>5/3/2019</a:t>
+              <a:t>5/4/2019</a:t>
             </a:fld>
             <a:endParaRPr lang="en-US" noProof="0" dirty="0"/>
           </a:p>
@@ -915,7 +915,7 @@
           <a:p>
             <a:fld id="{97D162C4-EDD9-4389-A98B-B87ECEA2A816}" type="datetimeFigureOut">
               <a:rPr lang="en-US" noProof="0" smtClean="0"/>
-              <a:t>5/3/2019</a:t>
+              <a:t>5/4/2019</a:t>
             </a:fld>
             <a:endParaRPr lang="en-US" noProof="0" dirty="0"/>
           </a:p>
@@ -1170,7 +1170,7 @@
           <a:p>
             <a:fld id="{3E5059C3-6A89-4494-99FF-5A4D6FFD50EB}" type="datetimeFigureOut">
               <a:rPr lang="en-US" noProof="0" smtClean="0"/>
-              <a:t>5/3/2019</a:t>
+              <a:t>5/4/2019</a:t>
             </a:fld>
             <a:endParaRPr lang="en-US" noProof="0" dirty="0"/>
           </a:p>
@@ -1497,7 +1497,7 @@
           <a:p>
             <a:fld id="{CA954B2F-12DE-47F5-8894-472B206D2E1E}" type="datetimeFigureOut">
               <a:rPr lang="en-US" noProof="0" smtClean="0"/>
-              <a:t>5/3/2019</a:t>
+              <a:t>5/4/2019</a:t>
             </a:fld>
             <a:endParaRPr lang="en-US" noProof="0" dirty="0"/>
           </a:p>
@@ -1925,7 +1925,7 @@
           <a:p>
             <a:fld id="{3CBC1C18-307B-4F68-A007-B5B542270E8D}" type="datetimeFigureOut">
               <a:rPr lang="en-US" noProof="0" smtClean="0"/>
-              <a:t>5/3/2019</a:t>
+              <a:t>5/4/2019</a:t>
             </a:fld>
             <a:endParaRPr lang="en-US" noProof="0" dirty="0"/>
           </a:p>
@@ -2049,7 +2049,7 @@
           <a:p>
             <a:fld id="{1FAF3416-4057-4DAA-829D-4CA07428D088}" type="datetimeFigureOut">
               <a:rPr lang="en-US" noProof="0" smtClean="0"/>
-              <a:t>5/3/2019</a:t>
+              <a:t>5/4/2019</a:t>
             </a:fld>
             <a:endParaRPr lang="en-US" noProof="0" dirty="0"/>
           </a:p>
@@ -2148,7 +2148,7 @@
           <a:p>
             <a:fld id="{921D9284-D300-4297-87F7-E791DCC15DB1}" type="datetimeFigureOut">
               <a:rPr lang="en-US" noProof="0" smtClean="0"/>
-              <a:t>5/3/2019</a:t>
+              <a:t>5/4/2019</a:t>
             </a:fld>
             <a:endParaRPr lang="en-US" noProof="0" dirty="0"/>
           </a:p>
@@ -2442,7 +2442,7 @@
           <a:p>
             <a:fld id="{37D525BB-DA17-4BA0-B3C8-3AC3ABC827E6}" type="datetimeFigureOut">
               <a:rPr lang="en-US" noProof="0" smtClean="0"/>
-              <a:t>5/3/2019</a:t>
+              <a:t>5/4/2019</a:t>
             </a:fld>
             <a:endParaRPr lang="en-US" noProof="0" dirty="0"/>
           </a:p>
@@ -2718,7 +2718,7 @@
           <a:p>
             <a:fld id="{B16C4C9A-3960-41CF-A4E9-2A8FB932454B}" type="datetimeFigureOut">
               <a:rPr lang="en-US" noProof="0" smtClean="0"/>
-              <a:t>5/3/2019</a:t>
+              <a:t>5/4/2019</a:t>
             </a:fld>
             <a:endParaRPr lang="en-US" noProof="0" dirty="0"/>
           </a:p>
@@ -2975,7 +2975,7 @@
           <a:p>
             <a:fld id="{3CBC1C18-307B-4F68-A007-B5B542270E8D}" type="datetimeFigureOut">
               <a:rPr lang="en-US" noProof="0" smtClean="0"/>
-              <a:t>5/3/2019</a:t>
+              <a:t>5/4/2019</a:t>
             </a:fld>
             <a:endParaRPr lang="en-US" noProof="0" dirty="0"/>
           </a:p>
@@ -3458,7 +3458,7 @@
                 <a16:creationId xmlns:a16="http://schemas.microsoft.com/office/drawing/2014/main" id="{63FED537-3AF1-4C36-9904-77B6A54D27B5}"/>
               </a:ext>
               <a:ext uri="{C183D7F6-B498-43B3-948B-1728B52AA6E4}">
-                <adec:decorative xmlns="" xmlns:adec="http://schemas.microsoft.com/office/drawing/2017/decorative" val="1"/>
+                <adec:decorative xmlns:adec="http://schemas.microsoft.com/office/drawing/2017/decorative" xmlns="" val="1"/>
               </a:ext>
             </a:extLst>
           </p:cNvPr>
@@ -19673,13 +19673,7 @@
               <a:rPr lang="fa-IR" sz="4300" dirty="0">
                 <a:cs typeface="B Nazanin" panose="00000400000000000000" pitchFamily="2" charset="-78"/>
               </a:rPr>
-              <a:t>سوگیری </a:t>
-            </a:r>
-            <a:r>
-              <a:rPr lang="fa-IR" sz="4300" dirty="0">
-                <a:cs typeface="B Nazanin" panose="00000400000000000000" pitchFamily="2" charset="-78"/>
-              </a:rPr>
-              <a:t>در قضاوت قهرمانان</a:t>
+              <a:t>سوگیری در قضاوت قهرمانان</a:t>
             </a:r>
             <a:endParaRPr lang="en-US" sz="4300" dirty="0">
               <a:cs typeface="B Nazanin" panose="00000400000000000000" pitchFamily="2" charset="-78"/>
@@ -19790,7 +19784,37 @@
                 <a:latin typeface="IRANSans"/>
                 <a:cs typeface="B Nazanin" panose="00000400000000000000" pitchFamily="2" charset="-78"/>
               </a:rPr>
-              <a:t>) </a:t>
+              <a:t>) ، </a:t>
+            </a:r>
+            <a:r>
+              <a:rPr lang="fa-IR" dirty="0">
+                <a:solidFill>
+                  <a:srgbClr val="000000"/>
+                </a:solidFill>
+                <a:latin typeface="IRANSans"/>
+                <a:cs typeface="B Nazanin" panose="00000400000000000000" pitchFamily="2" charset="-78"/>
+              </a:rPr>
+              <a:t>به معنای </a:t>
+            </a:r>
+            <a:r>
+              <a:rPr lang="fa-IR" b="1" dirty="0">
+                <a:solidFill>
+                  <a:srgbClr val="FF0000"/>
+                </a:solidFill>
+                <a:latin typeface="IRANSans"/>
+                <a:cs typeface="B Nazanin" panose="00000400000000000000" pitchFamily="2" charset="-78"/>
+              </a:rPr>
+              <a:t>خنثی نبودن نسبت</a:t>
+            </a:r>
+            <a:r>
+              <a:rPr lang="fa-IR" dirty="0">
+                <a:solidFill>
+                  <a:srgbClr val="000000"/>
+                </a:solidFill>
+                <a:latin typeface="IRANSans"/>
+                <a:cs typeface="B Nazanin" panose="00000400000000000000" pitchFamily="2" charset="-78"/>
+              </a:rPr>
+              <a:t> به یک پدیده یا رویداد یا باور یا ارزش </a:t>
             </a:r>
             <a:r>
               <a:rPr lang="fa-IR" dirty="0" smtClean="0">
@@ -19800,57 +19824,7 @@
                 <a:latin typeface="IRANSans"/>
                 <a:cs typeface="B Nazanin" panose="00000400000000000000" pitchFamily="2" charset="-78"/>
               </a:rPr>
-              <a:t>، </a:t>
-            </a:r>
-            <a:r>
-              <a:rPr lang="fa-IR" dirty="0">
-                <a:solidFill>
-                  <a:srgbClr val="000000"/>
-                </a:solidFill>
-                <a:latin typeface="IRANSans"/>
-                <a:cs typeface="B Nazanin" panose="00000400000000000000" pitchFamily="2" charset="-78"/>
-              </a:rPr>
-              <a:t>به معنای </a:t>
-            </a:r>
-            <a:r>
-              <a:rPr lang="fa-IR" b="1" dirty="0">
-                <a:solidFill>
-                  <a:srgbClr val="FF0000"/>
-                </a:solidFill>
-                <a:latin typeface="IRANSans"/>
-                <a:cs typeface="B Nazanin" panose="00000400000000000000" pitchFamily="2" charset="-78"/>
-              </a:rPr>
-              <a:t>خنثی نبودن نسبت</a:t>
-            </a:r>
-            <a:r>
-              <a:rPr lang="fa-IR" dirty="0">
-                <a:solidFill>
-                  <a:srgbClr val="000000"/>
-                </a:solidFill>
-                <a:latin typeface="IRANSans"/>
-                <a:cs typeface="B Nazanin" panose="00000400000000000000" pitchFamily="2" charset="-78"/>
-              </a:rPr>
-              <a:t> به یک پدیده یا رویداد یا باور یا ارزش </a:t>
-            </a:r>
-            <a:r>
-              <a:rPr lang="fa-IR" dirty="0" smtClean="0">
-                <a:solidFill>
-                  <a:srgbClr val="000000"/>
-                </a:solidFill>
-                <a:latin typeface="IRANSans"/>
-                <a:cs typeface="B Nazanin" panose="00000400000000000000" pitchFamily="2" charset="-78"/>
-              </a:rPr>
-              <a:t>است</a:t>
-            </a:r>
-            <a:r>
-              <a:rPr lang="fa-IR" dirty="0" smtClean="0">
-                <a:solidFill>
-                  <a:srgbClr val="000000"/>
-                </a:solidFill>
-                <a:latin typeface="IRANSans"/>
-                <a:cs typeface="B Nazanin" panose="00000400000000000000" pitchFamily="2" charset="-78"/>
-              </a:rPr>
-              <a:t>.</a:t>
+              <a:t>است.</a:t>
             </a:r>
             <a:endParaRPr lang="en-US" dirty="0">
               <a:solidFill>
@@ -20349,6 +20323,201 @@
           </a:prstGeom>
         </p:spPr>
       </p:pic>
+      <p:sp>
+        <p:nvSpPr>
+          <p:cNvPr id="7" name="Rectangle 6"/>
+          <p:cNvSpPr/>
+          <p:nvPr/>
+        </p:nvSpPr>
+        <p:spPr>
+          <a:xfrm>
+            <a:off x="9227467" y="3186357"/>
+            <a:ext cx="439544" cy="307777"/>
+          </a:xfrm>
+          <a:prstGeom prst="rect">
+            <a:avLst/>
+          </a:prstGeom>
+        </p:spPr>
+        <p:txBody>
+          <a:bodyPr wrap="none" anchor="ctr">
+            <a:spAutoFit/>
+          </a:bodyPr>
+          <a:lstStyle/>
+          <a:p>
+            <a:r>
+              <a:rPr lang="fa-IR" sz="1400" b="1" dirty="0" smtClean="0">
+                <a:solidFill>
+                  <a:srgbClr val="7030A0"/>
+                </a:solidFill>
+                <a:latin typeface="IRANSans"/>
+                <a:cs typeface="B Nazanin" panose="00000400000000000000" pitchFamily="2" charset="-78"/>
+              </a:rPr>
+              <a:t>فرد </a:t>
+            </a:r>
+            <a:endParaRPr lang="en-US" sz="1400" b="1" dirty="0">
+              <a:solidFill>
+                <a:srgbClr val="7030A0"/>
+              </a:solidFill>
+            </a:endParaRPr>
+          </a:p>
+        </p:txBody>
+      </p:sp>
+      <p:sp>
+        <p:nvSpPr>
+          <p:cNvPr id="14" name="Rectangle 13"/>
+          <p:cNvSpPr/>
+          <p:nvPr/>
+        </p:nvSpPr>
+        <p:spPr>
+          <a:xfrm>
+            <a:off x="8391444" y="3186357"/>
+            <a:ext cx="671979" cy="307777"/>
+          </a:xfrm>
+          <a:prstGeom prst="rect">
+            <a:avLst/>
+          </a:prstGeom>
+        </p:spPr>
+        <p:txBody>
+          <a:bodyPr wrap="none" anchor="ctr">
+            <a:spAutoFit/>
+          </a:bodyPr>
+          <a:lstStyle/>
+          <a:p>
+            <a:r>
+              <a:rPr lang="fa-IR" sz="1400" b="1" dirty="0" smtClean="0">
+                <a:solidFill>
+                  <a:srgbClr val="7030A0"/>
+                </a:solidFill>
+                <a:latin typeface="IRANSans"/>
+                <a:cs typeface="B Nazanin" panose="00000400000000000000" pitchFamily="2" charset="-78"/>
+              </a:rPr>
+              <a:t>سازمان </a:t>
+            </a:r>
+            <a:endParaRPr lang="en-US" sz="1400" b="1" dirty="0">
+              <a:solidFill>
+                <a:srgbClr val="7030A0"/>
+              </a:solidFill>
+            </a:endParaRPr>
+          </a:p>
+        </p:txBody>
+      </p:sp>
+      <p:sp>
+        <p:nvSpPr>
+          <p:cNvPr id="15" name="Rectangle 14"/>
+          <p:cNvSpPr/>
+          <p:nvPr/>
+        </p:nvSpPr>
+        <p:spPr>
+          <a:xfrm>
+            <a:off x="7589023" y="3199057"/>
+            <a:ext cx="659675" cy="307777"/>
+          </a:xfrm>
+          <a:prstGeom prst="rect">
+            <a:avLst/>
+          </a:prstGeom>
+        </p:spPr>
+        <p:txBody>
+          <a:bodyPr wrap="square" anchor="ctr">
+            <a:spAutoFit/>
+          </a:bodyPr>
+          <a:lstStyle/>
+          <a:p>
+            <a:r>
+              <a:rPr lang="fa-IR" sz="1400" b="1" dirty="0" smtClean="0">
+                <a:solidFill>
+                  <a:srgbClr val="7030A0"/>
+                </a:solidFill>
+                <a:latin typeface="IRANSans"/>
+                <a:cs typeface="B Nazanin" panose="00000400000000000000" pitchFamily="2" charset="-78"/>
+              </a:rPr>
+              <a:t>کتاب </a:t>
+            </a:r>
+            <a:endParaRPr lang="en-US" sz="1400" b="1" dirty="0">
+              <a:solidFill>
+                <a:srgbClr val="7030A0"/>
+              </a:solidFill>
+            </a:endParaRPr>
+          </a:p>
+        </p:txBody>
+      </p:sp>
+      <p:sp>
+        <p:nvSpPr>
+          <p:cNvPr id="16" name="Rectangle 15"/>
+          <p:cNvSpPr/>
+          <p:nvPr/>
+        </p:nvSpPr>
+        <p:spPr>
+          <a:xfrm>
+            <a:off x="7008673" y="3215372"/>
+            <a:ext cx="659675" cy="307777"/>
+          </a:xfrm>
+          <a:prstGeom prst="rect">
+            <a:avLst/>
+          </a:prstGeom>
+        </p:spPr>
+        <p:txBody>
+          <a:bodyPr wrap="square" anchor="ctr">
+            <a:spAutoFit/>
+          </a:bodyPr>
+          <a:lstStyle/>
+          <a:p>
+            <a:r>
+              <a:rPr lang="fa-IR" sz="1400" b="1" dirty="0" smtClean="0">
+                <a:solidFill>
+                  <a:srgbClr val="7030A0"/>
+                </a:solidFill>
+                <a:latin typeface="IRANSans"/>
+                <a:cs typeface="B Nazanin" panose="00000400000000000000" pitchFamily="2" charset="-78"/>
+              </a:rPr>
+              <a:t>... </a:t>
+            </a:r>
+            <a:endParaRPr lang="en-US" sz="1400" b="1" dirty="0">
+              <a:solidFill>
+                <a:srgbClr val="7030A0"/>
+              </a:solidFill>
+            </a:endParaRPr>
+          </a:p>
+        </p:txBody>
+      </p:sp>
+      <p:sp>
+        <p:nvSpPr>
+          <p:cNvPr id="19" name="Left Brace 18"/>
+          <p:cNvSpPr/>
+          <p:nvPr/>
+        </p:nvSpPr>
+        <p:spPr>
+          <a:xfrm rot="5400000">
+            <a:off x="8211932" y="1731280"/>
+            <a:ext cx="336727" cy="2573429"/>
+          </a:xfrm>
+          <a:prstGeom prst="leftBrace">
+            <a:avLst/>
+          </a:prstGeom>
+          <a:ln w="28575"/>
+        </p:spPr>
+        <p:style>
+          <a:lnRef idx="2">
+            <a:schemeClr val="accent2"/>
+          </a:lnRef>
+          <a:fillRef idx="0">
+            <a:schemeClr val="accent2"/>
+          </a:fillRef>
+          <a:effectRef idx="1">
+            <a:schemeClr val="accent2"/>
+          </a:effectRef>
+          <a:fontRef idx="minor">
+            <a:schemeClr val="tx1"/>
+          </a:fontRef>
+        </p:style>
+        <p:txBody>
+          <a:bodyPr rtlCol="0" anchor="ctr"/>
+          <a:lstStyle/>
+          <a:p>
+            <a:pPr algn="ctr"/>
+            <a:endParaRPr lang="en-US"/>
+          </a:p>
+        </p:txBody>
+      </p:sp>
     </p:spTree>
     <p:extLst>
       <p:ext uri="{BB962C8B-B14F-4D97-AF65-F5344CB8AC3E}">
@@ -20638,7 +20807,7 @@
                 <a16:creationId xmlns:a16="http://schemas.microsoft.com/office/drawing/2014/main" id="{E3DC42C2-6B58-404C-B339-2C72808A5BE1}"/>
               </a:ext>
               <a:ext uri="{C183D7F6-B498-43B3-948B-1728B52AA6E4}">
-                <adec:decorative xmlns="" xmlns:adec="http://schemas.microsoft.com/office/drawing/2017/decorative" val="1"/>
+                <adec:decorative xmlns:adec="http://schemas.microsoft.com/office/drawing/2017/decorative" xmlns="" val="1"/>
               </a:ext>
             </a:extLst>
           </p:cNvPr>
@@ -20832,7 +21001,7 @@
                 <a16:creationId xmlns:a16="http://schemas.microsoft.com/office/drawing/2014/main" id="{FCF82941-5589-49BF-B6B1-76122B2D0EA6}"/>
               </a:ext>
               <a:ext uri="{C183D7F6-B498-43B3-948B-1728B52AA6E4}">
-                <adec:decorative xmlns="" xmlns:adec="http://schemas.microsoft.com/office/drawing/2017/decorative" val="1"/>
+                <adec:decorative xmlns:adec="http://schemas.microsoft.com/office/drawing/2017/decorative" xmlns="" val="1"/>
               </a:ext>
             </a:extLst>
           </p:cNvPr>
@@ -29739,20 +29908,20 @@
 </file>
 
 <file path=customXml/item1.xml><?xml version="1.0" encoding="utf-8"?>
+<p:properties xmlns:p="http://schemas.microsoft.com/office/2006/metadata/properties" xmlns:xsi="http://www.w3.org/2001/XMLSchema-instance" xmlns:pc="http://schemas.microsoft.com/office/infopath/2007/PartnerControls">
+  <documentManagement>
+    <MediaServiceKeyPoints xmlns="71af3243-3dd4-4a8d-8c0d-dd76da1f02a5" xsi:nil="true"/>
+  </documentManagement>
+</p:properties>
+</file>
+
+<file path=customXml/item2.xml><?xml version="1.0" encoding="utf-8"?>
 <?mso-contentType ?>
 <FormTemplates xmlns="http://schemas.microsoft.com/sharepoint/v3/contenttype/forms">
   <Display>DocumentLibraryForm</Display>
   <Edit>DocumentLibraryForm</Edit>
   <New>DocumentLibraryForm</New>
 </FormTemplates>
-</file>
-
-<file path=customXml/item2.xml><?xml version="1.0" encoding="utf-8"?>
-<p:properties xmlns:p="http://schemas.microsoft.com/office/2006/metadata/properties" xmlns:xsi="http://www.w3.org/2001/XMLSchema-instance" xmlns:pc="http://schemas.microsoft.com/office/infopath/2007/PartnerControls">
-  <documentManagement>
-    <MediaServiceKeyPoints xmlns="71af3243-3dd4-4a8d-8c0d-dd76da1f02a5" xsi:nil="true"/>
-  </documentManagement>
-</p:properties>
 </file>
 
 <file path=customXml/item3.xml><?xml version="1.0" encoding="utf-8"?>
@@ -29967,14 +30136,6 @@
 </file>
 
 <file path=customXml/itemProps1.xml><?xml version="1.0" encoding="utf-8"?>
-<ds:datastoreItem xmlns:ds="http://schemas.openxmlformats.org/officeDocument/2006/customXml" ds:itemID="{204E1485-0760-4ABF-A612-28A97B86DF09}">
-  <ds:schemaRefs>
-    <ds:schemaRef ds:uri="http://schemas.microsoft.com/sharepoint/v3/contenttype/forms"/>
-  </ds:schemaRefs>
-</ds:datastoreItem>
-</file>
-
-<file path=customXml/itemProps2.xml><?xml version="1.0" encoding="utf-8"?>
 <ds:datastoreItem xmlns:ds="http://schemas.openxmlformats.org/officeDocument/2006/customXml" ds:itemID="{4965EBD3-98B5-4FD2-8FAF-5D4022A9F7F4}">
   <ds:schemaRefs>
     <ds:schemaRef ds:uri="http://schemas.openxmlformats.org/package/2006/metadata/core-properties"/>
@@ -29987,6 +30148,14 @@
     <ds:schemaRef ds:uri="16c05727-aa75-4e4a-9b5f-8a80a1165891"/>
     <ds:schemaRef ds:uri="http://www.w3.org/XML/1998/namespace"/>
     <ds:schemaRef ds:uri="http://purl.org/dc/elements/1.1/"/>
+  </ds:schemaRefs>
+</ds:datastoreItem>
+</file>
+
+<file path=customXml/itemProps2.xml><?xml version="1.0" encoding="utf-8"?>
+<ds:datastoreItem xmlns:ds="http://schemas.openxmlformats.org/officeDocument/2006/customXml" ds:itemID="{204E1485-0760-4ABF-A612-28A97B86DF09}">
+  <ds:schemaRefs>
+    <ds:schemaRef ds:uri="http://schemas.microsoft.com/sharepoint/v3/contenttype/forms"/>
   </ds:schemaRefs>
 </ds:datastoreItem>
 </file>

--- a/MyTraining/Individual development/مهارت تصمیم گیری درست.pptx
+++ b/MyTraining/Individual development/مهارت تصمیم گیری درست.pptx
@@ -28,8 +28,10 @@
     <p:sldId id="280" r:id="rId25"/>
     <p:sldId id="281" r:id="rId26"/>
     <p:sldId id="282" r:id="rId27"/>
-    <p:sldId id="279" r:id="rId28"/>
-    <p:sldId id="260" r:id="rId29"/>
+    <p:sldId id="283" r:id="rId28"/>
+    <p:sldId id="284" r:id="rId29"/>
+    <p:sldId id="279" r:id="rId30"/>
+    <p:sldId id="260" r:id="rId31"/>
   </p:sldIdLst>
   <p:sldSz cx="12192000" cy="6858000"/>
   <p:notesSz cx="6858000" cy="9144000"/>
@@ -332,7 +334,7 @@
           <a:p>
             <a:fld id="{9AB3A824-1A51-4B26-AD58-A6D8E14F6C04}" type="datetimeFigureOut">
               <a:rPr lang="en-US" noProof="0" smtClean="0"/>
-              <a:t>5/4/2019</a:t>
+              <a:t>5/6/2019</a:t>
             </a:fld>
             <a:endParaRPr lang="en-US" noProof="0" dirty="0"/>
           </a:p>
@@ -557,7 +559,7 @@
           <a:p>
             <a:fld id="{D857E33E-8B18-4087-B112-809917729534}" type="datetimeFigureOut">
               <a:rPr lang="en-US" noProof="0" smtClean="0"/>
-              <a:t>5/4/2019</a:t>
+              <a:t>5/6/2019</a:t>
             </a:fld>
             <a:endParaRPr lang="en-US" noProof="0" dirty="0"/>
           </a:p>
@@ -741,7 +743,7 @@
           <a:p>
             <a:fld id="{D3FFE419-2371-464F-8239-3959401C3561}" type="datetimeFigureOut">
               <a:rPr lang="en-US" noProof="0" smtClean="0"/>
-              <a:t>5/4/2019</a:t>
+              <a:t>5/6/2019</a:t>
             </a:fld>
             <a:endParaRPr lang="en-US" noProof="0" dirty="0"/>
           </a:p>
@@ -915,7 +917,7 @@
           <a:p>
             <a:fld id="{97D162C4-EDD9-4389-A98B-B87ECEA2A816}" type="datetimeFigureOut">
               <a:rPr lang="en-US" noProof="0" smtClean="0"/>
-              <a:t>5/4/2019</a:t>
+              <a:t>5/6/2019</a:t>
             </a:fld>
             <a:endParaRPr lang="en-US" noProof="0" dirty="0"/>
           </a:p>
@@ -1170,7 +1172,7 @@
           <a:p>
             <a:fld id="{3E5059C3-6A89-4494-99FF-5A4D6FFD50EB}" type="datetimeFigureOut">
               <a:rPr lang="en-US" noProof="0" smtClean="0"/>
-              <a:t>5/4/2019</a:t>
+              <a:t>5/6/2019</a:t>
             </a:fld>
             <a:endParaRPr lang="en-US" noProof="0" dirty="0"/>
           </a:p>
@@ -1497,7 +1499,7 @@
           <a:p>
             <a:fld id="{CA954B2F-12DE-47F5-8894-472B206D2E1E}" type="datetimeFigureOut">
               <a:rPr lang="en-US" noProof="0" smtClean="0"/>
-              <a:t>5/4/2019</a:t>
+              <a:t>5/6/2019</a:t>
             </a:fld>
             <a:endParaRPr lang="en-US" noProof="0" dirty="0"/>
           </a:p>
@@ -1925,7 +1927,7 @@
           <a:p>
             <a:fld id="{3CBC1C18-307B-4F68-A007-B5B542270E8D}" type="datetimeFigureOut">
               <a:rPr lang="en-US" noProof="0" smtClean="0"/>
-              <a:t>5/4/2019</a:t>
+              <a:t>5/6/2019</a:t>
             </a:fld>
             <a:endParaRPr lang="en-US" noProof="0" dirty="0"/>
           </a:p>
@@ -2049,7 +2051,7 @@
           <a:p>
             <a:fld id="{1FAF3416-4057-4DAA-829D-4CA07428D088}" type="datetimeFigureOut">
               <a:rPr lang="en-US" noProof="0" smtClean="0"/>
-              <a:t>5/4/2019</a:t>
+              <a:t>5/6/2019</a:t>
             </a:fld>
             <a:endParaRPr lang="en-US" noProof="0" dirty="0"/>
           </a:p>
@@ -2148,7 +2150,7 @@
           <a:p>
             <a:fld id="{921D9284-D300-4297-87F7-E791DCC15DB1}" type="datetimeFigureOut">
               <a:rPr lang="en-US" noProof="0" smtClean="0"/>
-              <a:t>5/4/2019</a:t>
+              <a:t>5/6/2019</a:t>
             </a:fld>
             <a:endParaRPr lang="en-US" noProof="0" dirty="0"/>
           </a:p>
@@ -2442,7 +2444,7 @@
           <a:p>
             <a:fld id="{37D525BB-DA17-4BA0-B3C8-3AC3ABC827E6}" type="datetimeFigureOut">
               <a:rPr lang="en-US" noProof="0" smtClean="0"/>
-              <a:t>5/4/2019</a:t>
+              <a:t>5/6/2019</a:t>
             </a:fld>
             <a:endParaRPr lang="en-US" noProof="0" dirty="0"/>
           </a:p>
@@ -2718,7 +2720,7 @@
           <a:p>
             <a:fld id="{B16C4C9A-3960-41CF-A4E9-2A8FB932454B}" type="datetimeFigureOut">
               <a:rPr lang="en-US" noProof="0" smtClean="0"/>
-              <a:t>5/4/2019</a:t>
+              <a:t>5/6/2019</a:t>
             </a:fld>
             <a:endParaRPr lang="en-US" noProof="0" dirty="0"/>
           </a:p>
@@ -2975,7 +2977,7 @@
           <a:p>
             <a:fld id="{3CBC1C18-307B-4F68-A007-B5B542270E8D}" type="datetimeFigureOut">
               <a:rPr lang="en-US" noProof="0" smtClean="0"/>
-              <a:t>5/4/2019</a:t>
+              <a:t>5/6/2019</a:t>
             </a:fld>
             <a:endParaRPr lang="en-US" noProof="0" dirty="0"/>
           </a:p>
@@ -3458,7 +3460,7 @@
                 <a16:creationId xmlns:a16="http://schemas.microsoft.com/office/drawing/2014/main" id="{63FED537-3AF1-4C36-9904-77B6A54D27B5}"/>
               </a:ext>
               <a:ext uri="{C183D7F6-B498-43B3-948B-1728B52AA6E4}">
-                <adec:decorative xmlns:adec="http://schemas.microsoft.com/office/drawing/2017/decorative" xmlns="" val="1"/>
+                <adec:decorative xmlns="" xmlns:adec="http://schemas.microsoft.com/office/drawing/2017/decorative" val="1"/>
               </a:ext>
             </a:extLst>
           </p:cNvPr>
@@ -20579,28 +20581,18 @@
         </p:spPr>
         <p:txBody>
           <a:bodyPr>
-            <a:normAutofit fontScale="90000"/>
+            <a:normAutofit/>
           </a:bodyPr>
           <a:lstStyle/>
           <a:p>
             <a:pPr algn="r" rtl="1"/>
             <a:r>
-              <a:rPr lang="fa-IR" sz="4800" dirty="0" smtClean="0">
-                <a:cs typeface="B Nazanin" panose="00000400000000000000" pitchFamily="2" charset="-78"/>
-              </a:rPr>
-              <a:t>سوگیری (</a:t>
-            </a:r>
-            <a:r>
-              <a:rPr lang="en-US" dirty="0" smtClean="0"/>
-              <a:t>Bias</a:t>
-            </a:r>
-            <a:r>
-              <a:rPr lang="fa-IR" sz="4800" dirty="0" smtClean="0">
-                <a:cs typeface="B Nazanin" panose="00000400000000000000" pitchFamily="2" charset="-78"/>
-              </a:rPr>
-              <a:t>)  </a:t>
-            </a:r>
-            <a:endParaRPr lang="en-US" sz="4800" dirty="0">
+              <a:rPr lang="fa-IR" sz="3600" dirty="0" smtClean="0">
+                <a:cs typeface="B Nazanin" panose="00000400000000000000" pitchFamily="2" charset="-78"/>
+              </a:rPr>
+              <a:t>چند نکته در تصمیم گیری </a:t>
+            </a:r>
+            <a:endParaRPr lang="en-US" sz="3600" dirty="0">
               <a:cs typeface="B Nazanin" panose="00000400000000000000" pitchFamily="2" charset="-78"/>
             </a:endParaRPr>
           </a:p>
@@ -20636,6 +20628,721 @@
           </a:fontRef>
         </p:style>
       </p:cxnSp>
+      <p:pic>
+        <p:nvPicPr>
+          <p:cNvPr id="3" name="Picture 2"/>
+          <p:cNvPicPr>
+            <a:picLocks noChangeAspect="1"/>
+          </p:cNvPicPr>
+          <p:nvPr/>
+        </p:nvPicPr>
+        <p:blipFill>
+          <a:blip r:embed="rId2"/>
+          <a:stretch>
+            <a:fillRect/>
+          </a:stretch>
+        </p:blipFill>
+        <p:spPr>
+          <a:xfrm>
+            <a:off x="251459" y="1477873"/>
+            <a:ext cx="5404758" cy="1704442"/>
+          </a:xfrm>
+          <a:prstGeom prst="rect">
+            <a:avLst/>
+          </a:prstGeom>
+        </p:spPr>
+      </p:pic>
+      <p:cxnSp>
+        <p:nvCxnSpPr>
+          <p:cNvPr id="5" name="Straight Connector 4"/>
+          <p:cNvCxnSpPr/>
+          <p:nvPr/>
+        </p:nvCxnSpPr>
+        <p:spPr>
+          <a:xfrm>
+            <a:off x="251459" y="3182315"/>
+            <a:ext cx="5404758" cy="0"/>
+          </a:xfrm>
+          <a:prstGeom prst="line">
+            <a:avLst/>
+          </a:prstGeom>
+        </p:spPr>
+        <p:style>
+          <a:lnRef idx="1">
+            <a:schemeClr val="accent1"/>
+          </a:lnRef>
+          <a:fillRef idx="0">
+            <a:schemeClr val="accent1"/>
+          </a:fillRef>
+          <a:effectRef idx="0">
+            <a:schemeClr val="accent1"/>
+          </a:effectRef>
+          <a:fontRef idx="minor">
+            <a:schemeClr val="tx1"/>
+          </a:fontRef>
+        </p:style>
+      </p:cxnSp>
+      <p:sp>
+        <p:nvSpPr>
+          <p:cNvPr id="7" name="Rectangle 6"/>
+          <p:cNvSpPr/>
+          <p:nvPr/>
+        </p:nvSpPr>
+        <p:spPr>
+          <a:xfrm>
+            <a:off x="5901147" y="2206983"/>
+            <a:ext cx="1789610" cy="338554"/>
+          </a:xfrm>
+          <a:prstGeom prst="rect">
+            <a:avLst/>
+          </a:prstGeom>
+        </p:spPr>
+        <p:style>
+          <a:lnRef idx="1">
+            <a:schemeClr val="accent5"/>
+          </a:lnRef>
+          <a:fillRef idx="2">
+            <a:schemeClr val="accent5"/>
+          </a:fillRef>
+          <a:effectRef idx="1">
+            <a:schemeClr val="accent5"/>
+          </a:effectRef>
+          <a:fontRef idx="minor">
+            <a:schemeClr val="dk1"/>
+          </a:fontRef>
+        </p:style>
+        <p:txBody>
+          <a:bodyPr wrap="square">
+            <a:spAutoFit/>
+          </a:bodyPr>
+          <a:lstStyle/>
+          <a:p>
+            <a:pPr algn="r" rtl="1"/>
+            <a:r>
+              <a:rPr lang="en-US" sz="1600" dirty="0" smtClean="0">
+                <a:solidFill>
+                  <a:srgbClr val="FF0000"/>
+                </a:solidFill>
+                <a:latin typeface="IRANSans"/>
+                <a:cs typeface="B Nazanin" panose="00000400000000000000" pitchFamily="2" charset="-78"/>
+              </a:rPr>
+              <a:t>Skin in the game</a:t>
+            </a:r>
+            <a:endParaRPr lang="en-US" sz="2000" b="1" dirty="0">
+              <a:cs typeface="B Nazanin" panose="00000400000000000000" pitchFamily="2" charset="-78"/>
+            </a:endParaRPr>
+          </a:p>
+        </p:txBody>
+      </p:sp>
+      <p:sp>
+        <p:nvSpPr>
+          <p:cNvPr id="9" name="Rectangle 8"/>
+          <p:cNvSpPr/>
+          <p:nvPr/>
+        </p:nvSpPr>
+        <p:spPr>
+          <a:xfrm>
+            <a:off x="8203475" y="1837651"/>
+            <a:ext cx="3252652" cy="1077218"/>
+          </a:xfrm>
+          <a:prstGeom prst="rect">
+            <a:avLst/>
+          </a:prstGeom>
+        </p:spPr>
+        <p:style>
+          <a:lnRef idx="1">
+            <a:schemeClr val="accent4"/>
+          </a:lnRef>
+          <a:fillRef idx="2">
+            <a:schemeClr val="accent4"/>
+          </a:fillRef>
+          <a:effectRef idx="1">
+            <a:schemeClr val="accent4"/>
+          </a:effectRef>
+          <a:fontRef idx="minor">
+            <a:schemeClr val="dk1"/>
+          </a:fontRef>
+        </p:style>
+        <p:txBody>
+          <a:bodyPr wrap="square">
+            <a:spAutoFit/>
+          </a:bodyPr>
+          <a:lstStyle/>
+          <a:p>
+            <a:pPr algn="justLow" rtl="1"/>
+            <a:r>
+              <a:rPr lang="fa-IR" sz="1600" b="1" dirty="0" smtClean="0">
+                <a:solidFill>
+                  <a:srgbClr val="000000"/>
+                </a:solidFill>
+                <a:cs typeface="B Nazanin" panose="00000400000000000000" pitchFamily="2" charset="-78"/>
+              </a:rPr>
+              <a:t>شاید تصمیم گیری برای فردی که خودش به نحوی ذینفع در تصمیم گیری باشد متفاوت با حالتی</a:t>
+            </a:r>
+            <a:r>
+              <a:rPr lang="en-US" sz="1600" b="1" dirty="0" smtClean="0">
+                <a:solidFill>
+                  <a:srgbClr val="000000"/>
+                </a:solidFill>
+                <a:cs typeface="B Nazanin" panose="00000400000000000000" pitchFamily="2" charset="-78"/>
+              </a:rPr>
+              <a:t> </a:t>
+            </a:r>
+            <a:r>
+              <a:rPr lang="fa-IR" sz="1600" b="1" dirty="0" smtClean="0">
+                <a:solidFill>
+                  <a:srgbClr val="000000"/>
+                </a:solidFill>
+                <a:cs typeface="B Nazanin" panose="00000400000000000000" pitchFamily="2" charset="-78"/>
+              </a:rPr>
+              <a:t>باشد که نتیجه تصمیم هیچ تاثیری در وضعیت وی ندارد .  </a:t>
+            </a:r>
+            <a:endParaRPr lang="en-US" sz="1600" b="1" dirty="0">
+              <a:cs typeface="B Nazanin" panose="00000400000000000000" pitchFamily="2" charset="-78"/>
+            </a:endParaRPr>
+          </a:p>
+        </p:txBody>
+      </p:sp>
+      <p:cxnSp>
+        <p:nvCxnSpPr>
+          <p:cNvPr id="11" name="Straight Connector 10"/>
+          <p:cNvCxnSpPr/>
+          <p:nvPr/>
+        </p:nvCxnSpPr>
+        <p:spPr>
+          <a:xfrm flipV="1">
+            <a:off x="600891" y="3448594"/>
+            <a:ext cx="10855236" cy="49890"/>
+          </a:xfrm>
+          <a:prstGeom prst="line">
+            <a:avLst/>
+          </a:prstGeom>
+          <a:ln w="28575">
+            <a:prstDash val="dashDot"/>
+          </a:ln>
+        </p:spPr>
+        <p:style>
+          <a:lnRef idx="1">
+            <a:schemeClr val="accent1"/>
+          </a:lnRef>
+          <a:fillRef idx="0">
+            <a:schemeClr val="accent1"/>
+          </a:fillRef>
+          <a:effectRef idx="0">
+            <a:schemeClr val="accent1"/>
+          </a:effectRef>
+          <a:fontRef idx="minor">
+            <a:schemeClr val="tx1"/>
+          </a:fontRef>
+        </p:style>
+      </p:cxnSp>
+      <p:sp>
+        <p:nvSpPr>
+          <p:cNvPr id="13" name="Rectangle 12"/>
+          <p:cNvSpPr/>
+          <p:nvPr/>
+        </p:nvSpPr>
+        <p:spPr>
+          <a:xfrm>
+            <a:off x="8203475" y="3764762"/>
+            <a:ext cx="3252652" cy="1077218"/>
+          </a:xfrm>
+          <a:prstGeom prst="rect">
+            <a:avLst/>
+          </a:prstGeom>
+        </p:spPr>
+        <p:style>
+          <a:lnRef idx="1">
+            <a:schemeClr val="accent4"/>
+          </a:lnRef>
+          <a:fillRef idx="2">
+            <a:schemeClr val="accent4"/>
+          </a:fillRef>
+          <a:effectRef idx="1">
+            <a:schemeClr val="accent4"/>
+          </a:effectRef>
+          <a:fontRef idx="minor">
+            <a:schemeClr val="dk1"/>
+          </a:fontRef>
+        </p:style>
+        <p:txBody>
+          <a:bodyPr wrap="square">
+            <a:spAutoFit/>
+          </a:bodyPr>
+          <a:lstStyle/>
+          <a:p>
+            <a:pPr algn="justLow" rtl="1"/>
+            <a:r>
+              <a:rPr lang="fa-IR" sz="1600" b="1" dirty="0" smtClean="0">
+                <a:solidFill>
+                  <a:srgbClr val="000000"/>
+                </a:solidFill>
+                <a:cs typeface="B Nazanin" panose="00000400000000000000" pitchFamily="2" charset="-78"/>
+              </a:rPr>
+              <a:t>در تصمیم گیری ها باید به خاطر داشته باشیم چیزهای مهمتر لزوما </a:t>
+            </a:r>
+            <a:r>
+              <a:rPr lang="fa-IR" sz="1600" b="1" dirty="0" smtClean="0">
+                <a:solidFill>
+                  <a:srgbClr val="FF0000"/>
+                </a:solidFill>
+                <a:cs typeface="B Nazanin" panose="00000400000000000000" pitchFamily="2" charset="-78"/>
+              </a:rPr>
+              <a:t>صدای بلندتری </a:t>
+            </a:r>
+            <a:r>
+              <a:rPr lang="fa-IR" sz="1600" b="1" dirty="0" smtClean="0">
+                <a:solidFill>
+                  <a:srgbClr val="000000"/>
+                </a:solidFill>
+                <a:cs typeface="B Nazanin" panose="00000400000000000000" pitchFamily="2" charset="-78"/>
+              </a:rPr>
+              <a:t>ندارند و فریادشان ممکن است بهتر از دیگران به گوش ما نرسد . </a:t>
+            </a:r>
+            <a:endParaRPr lang="en-US" sz="1600" b="1" dirty="0">
+              <a:cs typeface="B Nazanin" panose="00000400000000000000" pitchFamily="2" charset="-78"/>
+            </a:endParaRPr>
+          </a:p>
+        </p:txBody>
+      </p:sp>
+      <p:cxnSp>
+        <p:nvCxnSpPr>
+          <p:cNvPr id="14" name="Straight Connector 13"/>
+          <p:cNvCxnSpPr/>
+          <p:nvPr/>
+        </p:nvCxnSpPr>
+        <p:spPr>
+          <a:xfrm flipV="1">
+            <a:off x="600891" y="5083313"/>
+            <a:ext cx="10855236" cy="49890"/>
+          </a:xfrm>
+          <a:prstGeom prst="line">
+            <a:avLst/>
+          </a:prstGeom>
+          <a:ln w="28575">
+            <a:prstDash val="dashDot"/>
+          </a:ln>
+        </p:spPr>
+        <p:style>
+          <a:lnRef idx="1">
+            <a:schemeClr val="accent1"/>
+          </a:lnRef>
+          <a:fillRef idx="0">
+            <a:schemeClr val="accent1"/>
+          </a:fillRef>
+          <a:effectRef idx="0">
+            <a:schemeClr val="accent1"/>
+          </a:effectRef>
+          <a:fontRef idx="minor">
+            <a:schemeClr val="tx1"/>
+          </a:fontRef>
+        </p:style>
+      </p:cxnSp>
+      <p:sp>
+        <p:nvSpPr>
+          <p:cNvPr id="15" name="Rectangle 14"/>
+          <p:cNvSpPr/>
+          <p:nvPr/>
+        </p:nvSpPr>
+        <p:spPr>
+          <a:xfrm>
+            <a:off x="4572000" y="3764762"/>
+            <a:ext cx="3383280" cy="1077218"/>
+          </a:xfrm>
+          <a:prstGeom prst="rect">
+            <a:avLst/>
+          </a:prstGeom>
+        </p:spPr>
+        <p:style>
+          <a:lnRef idx="1">
+            <a:schemeClr val="accent4"/>
+          </a:lnRef>
+          <a:fillRef idx="2">
+            <a:schemeClr val="accent4"/>
+          </a:fillRef>
+          <a:effectRef idx="1">
+            <a:schemeClr val="accent4"/>
+          </a:effectRef>
+          <a:fontRef idx="minor">
+            <a:schemeClr val="dk1"/>
+          </a:fontRef>
+        </p:style>
+        <p:txBody>
+          <a:bodyPr wrap="square">
+            <a:spAutoFit/>
+          </a:bodyPr>
+          <a:lstStyle/>
+          <a:p>
+            <a:pPr algn="justLow" rtl="1"/>
+            <a:r>
+              <a:rPr lang="fa-IR" sz="1600" b="1" dirty="0">
+                <a:solidFill>
+                  <a:srgbClr val="000000"/>
+                </a:solidFill>
+                <a:cs typeface="B Nazanin" panose="00000400000000000000" pitchFamily="2" charset="-78"/>
+              </a:rPr>
+              <a:t>در بسیاری از تصمیم‌ها، احتمالاً مجبور می‌شوید با در اختیار داشتن ۷۰٪ اطلاعاتی که دوست داشتید داشته باشید تصمیم بگیرید</a:t>
+            </a:r>
+            <a:r>
+              <a:rPr lang="fa-IR" sz="1600" b="1" dirty="0" smtClean="0">
+                <a:solidFill>
+                  <a:srgbClr val="000000"/>
+                </a:solidFill>
+                <a:cs typeface="B Nazanin" panose="00000400000000000000" pitchFamily="2" charset="-78"/>
+              </a:rPr>
+              <a:t>. وگرنه </a:t>
+            </a:r>
+            <a:r>
+              <a:rPr lang="fa-IR" sz="1600" b="1" dirty="0">
+                <a:solidFill>
+                  <a:srgbClr val="000000"/>
+                </a:solidFill>
+                <a:cs typeface="B Nazanin" panose="00000400000000000000" pitchFamily="2" charset="-78"/>
+              </a:rPr>
+              <a:t>موارد می‌توان گفت </a:t>
+            </a:r>
+            <a:r>
+              <a:rPr lang="fa-IR" sz="1600" b="1" dirty="0">
+                <a:solidFill>
+                  <a:srgbClr val="FF0000"/>
+                </a:solidFill>
+                <a:cs typeface="B Nazanin" panose="00000400000000000000" pitchFamily="2" charset="-78"/>
+              </a:rPr>
+              <a:t>کُند</a:t>
+            </a:r>
+            <a:r>
+              <a:rPr lang="fa-IR" sz="1600" b="1" dirty="0">
+                <a:solidFill>
+                  <a:srgbClr val="000000"/>
+                </a:solidFill>
+                <a:cs typeface="B Nazanin" panose="00000400000000000000" pitchFamily="2" charset="-78"/>
+              </a:rPr>
+              <a:t> عمل کرده‌اید</a:t>
+            </a:r>
+            <a:r>
+              <a:rPr lang="fa-IR" sz="1600" b="1" dirty="0" smtClean="0">
+                <a:solidFill>
+                  <a:srgbClr val="000000"/>
+                </a:solidFill>
+                <a:cs typeface="B Nazanin" panose="00000400000000000000" pitchFamily="2" charset="-78"/>
+              </a:rPr>
+              <a:t>.</a:t>
+            </a:r>
+            <a:endParaRPr lang="fa-IR" sz="1600" b="1" dirty="0">
+              <a:solidFill>
+                <a:srgbClr val="000000"/>
+              </a:solidFill>
+              <a:cs typeface="B Nazanin" panose="00000400000000000000" pitchFamily="2" charset="-78"/>
+            </a:endParaRPr>
+          </a:p>
+        </p:txBody>
+      </p:sp>
+      <p:sp>
+        <p:nvSpPr>
+          <p:cNvPr id="16" name="Rectangle 15"/>
+          <p:cNvSpPr/>
+          <p:nvPr/>
+        </p:nvSpPr>
+        <p:spPr>
+          <a:xfrm>
+            <a:off x="836023" y="3764762"/>
+            <a:ext cx="3487782" cy="1077218"/>
+          </a:xfrm>
+          <a:prstGeom prst="rect">
+            <a:avLst/>
+          </a:prstGeom>
+        </p:spPr>
+        <p:style>
+          <a:lnRef idx="1">
+            <a:schemeClr val="accent4"/>
+          </a:lnRef>
+          <a:fillRef idx="2">
+            <a:schemeClr val="accent4"/>
+          </a:fillRef>
+          <a:effectRef idx="1">
+            <a:schemeClr val="accent4"/>
+          </a:effectRef>
+          <a:fontRef idx="minor">
+            <a:schemeClr val="dk1"/>
+          </a:fontRef>
+        </p:style>
+        <p:txBody>
+          <a:bodyPr wrap="square">
+            <a:spAutoFit/>
+          </a:bodyPr>
+          <a:lstStyle/>
+          <a:p>
+            <a:pPr algn="justLow" rtl="1"/>
+            <a:r>
+              <a:rPr lang="fa-IR" sz="1600" b="1" dirty="0">
+                <a:solidFill>
+                  <a:srgbClr val="FF0000"/>
+                </a:solidFill>
+                <a:cs typeface="B Nazanin" panose="00000400000000000000" pitchFamily="2" charset="-78"/>
+              </a:rPr>
+              <a:t>همه جا توافق جمعی لازم نیست </a:t>
+            </a:r>
+            <a:r>
+              <a:rPr lang="fa-IR" sz="1600" b="1" dirty="0" smtClean="0">
+                <a:solidFill>
+                  <a:srgbClr val="FF0000"/>
+                </a:solidFill>
+                <a:cs typeface="B Nazanin" panose="00000400000000000000" pitchFamily="2" charset="-78"/>
+              </a:rPr>
+              <a:t> </a:t>
+            </a:r>
+            <a:r>
+              <a:rPr lang="fa-IR" sz="1600" b="1" dirty="0" smtClean="0">
+                <a:solidFill>
+                  <a:srgbClr val="000000"/>
+                </a:solidFill>
+                <a:cs typeface="B Nazanin" panose="00000400000000000000" pitchFamily="2" charset="-78"/>
+              </a:rPr>
+              <a:t>. بعضی </a:t>
+            </a:r>
+            <a:r>
+              <a:rPr lang="fa-IR" sz="1600" b="1" dirty="0">
+                <a:solidFill>
+                  <a:srgbClr val="000000"/>
+                </a:solidFill>
+                <a:cs typeface="B Nazanin" panose="00000400000000000000" pitchFamily="2" charset="-78"/>
+              </a:rPr>
+              <a:t>چیزها را زود امتحان </a:t>
+            </a:r>
+            <a:r>
+              <a:rPr lang="fa-IR" sz="1600" b="1" dirty="0" smtClean="0">
+                <a:solidFill>
+                  <a:srgbClr val="000000"/>
+                </a:solidFill>
+                <a:cs typeface="B Nazanin" panose="00000400000000000000" pitchFamily="2" charset="-78"/>
+              </a:rPr>
+              <a:t>کنیم. قرار </a:t>
+            </a:r>
+            <a:r>
+              <a:rPr lang="fa-IR" sz="1600" b="1" dirty="0">
+                <a:solidFill>
+                  <a:srgbClr val="000000"/>
+                </a:solidFill>
+                <a:cs typeface="B Nazanin" panose="00000400000000000000" pitchFamily="2" charset="-78"/>
+              </a:rPr>
+              <a:t>نیست در همه‌ی تصمیم‌ها دقیقاً همه موافق </a:t>
+            </a:r>
+            <a:r>
+              <a:rPr lang="fa-IR" sz="1600" b="1" dirty="0" smtClean="0">
+                <a:solidFill>
+                  <a:srgbClr val="000000"/>
+                </a:solidFill>
+                <a:cs typeface="B Nazanin" panose="00000400000000000000" pitchFamily="2" charset="-78"/>
+              </a:rPr>
+              <a:t>باشند. بسیاری </a:t>
+            </a:r>
+            <a:r>
+              <a:rPr lang="fa-IR" sz="1600" b="1" dirty="0">
+                <a:solidFill>
+                  <a:srgbClr val="000000"/>
+                </a:solidFill>
+                <a:cs typeface="B Nazanin" panose="00000400000000000000" pitchFamily="2" charset="-78"/>
+              </a:rPr>
+              <a:t>از تصمیم‌ها، </a:t>
+            </a:r>
+            <a:r>
+              <a:rPr lang="fa-IR" sz="1600" b="1" dirty="0">
+                <a:solidFill>
+                  <a:srgbClr val="7030A0"/>
+                </a:solidFill>
+                <a:cs typeface="B Nazanin" panose="00000400000000000000" pitchFamily="2" charset="-78"/>
+              </a:rPr>
+              <a:t>برگشت‌پذیر</a:t>
+            </a:r>
+            <a:r>
+              <a:rPr lang="fa-IR" sz="1600" b="1" dirty="0">
+                <a:solidFill>
+                  <a:srgbClr val="000000"/>
+                </a:solidFill>
+                <a:cs typeface="B Nazanin" panose="00000400000000000000" pitchFamily="2" charset="-78"/>
+              </a:rPr>
+              <a:t> هستند</a:t>
+            </a:r>
+            <a:r>
+              <a:rPr lang="fa-IR" sz="1600" b="1" dirty="0" smtClean="0">
+                <a:solidFill>
+                  <a:srgbClr val="000000"/>
+                </a:solidFill>
+                <a:cs typeface="B Nazanin" panose="00000400000000000000" pitchFamily="2" charset="-78"/>
+              </a:rPr>
+              <a:t>.</a:t>
+            </a:r>
+            <a:endParaRPr lang="fa-IR" sz="1600" b="1" dirty="0">
+              <a:solidFill>
+                <a:srgbClr val="000000"/>
+              </a:solidFill>
+              <a:cs typeface="B Nazanin" panose="00000400000000000000" pitchFamily="2" charset="-78"/>
+            </a:endParaRPr>
+          </a:p>
+        </p:txBody>
+      </p:sp>
+      <p:sp>
+        <p:nvSpPr>
+          <p:cNvPr id="17" name="Rectangle 16"/>
+          <p:cNvSpPr/>
+          <p:nvPr/>
+        </p:nvSpPr>
+        <p:spPr>
+          <a:xfrm>
+            <a:off x="4572000" y="5284160"/>
+            <a:ext cx="6884127" cy="830997"/>
+          </a:xfrm>
+          <a:prstGeom prst="rect">
+            <a:avLst/>
+          </a:prstGeom>
+        </p:spPr>
+        <p:style>
+          <a:lnRef idx="1">
+            <a:schemeClr val="accent4"/>
+          </a:lnRef>
+          <a:fillRef idx="2">
+            <a:schemeClr val="accent4"/>
+          </a:fillRef>
+          <a:effectRef idx="1">
+            <a:schemeClr val="accent4"/>
+          </a:effectRef>
+          <a:fontRef idx="minor">
+            <a:schemeClr val="dk1"/>
+          </a:fontRef>
+        </p:style>
+        <p:txBody>
+          <a:bodyPr wrap="square">
+            <a:spAutoFit/>
+          </a:bodyPr>
+          <a:lstStyle/>
+          <a:p>
+            <a:pPr algn="justLow" rtl="1"/>
+            <a:r>
+              <a:rPr lang="fa-IR" sz="1600" b="1" dirty="0">
+                <a:solidFill>
+                  <a:srgbClr val="000000"/>
+                </a:solidFill>
+                <a:cs typeface="B Nazanin" panose="00000400000000000000" pitchFamily="2" charset="-78"/>
+              </a:rPr>
+              <a:t>خیلی وقت‌ها از عبارت </a:t>
+            </a:r>
+            <a:r>
+              <a:rPr lang="fa-IR" sz="1600" b="1" dirty="0">
+                <a:solidFill>
+                  <a:srgbClr val="FF0000"/>
+                </a:solidFill>
+                <a:cs typeface="B Nazanin" panose="00000400000000000000" pitchFamily="2" charset="-78"/>
+              </a:rPr>
+              <a:t>مخالف باش اما همراهی کن</a:t>
+            </a:r>
+            <a:r>
+              <a:rPr lang="fa-IR" sz="1600" b="1" dirty="0">
+                <a:solidFill>
+                  <a:srgbClr val="000000"/>
+                </a:solidFill>
+                <a:cs typeface="B Nazanin" panose="00000400000000000000" pitchFamily="2" charset="-78"/>
+              </a:rPr>
+              <a:t> استفاده </a:t>
+            </a:r>
+            <a:r>
+              <a:rPr lang="fa-IR" sz="1600" b="1" dirty="0" smtClean="0">
+                <a:solidFill>
+                  <a:srgbClr val="000000"/>
+                </a:solidFill>
+                <a:cs typeface="B Nazanin" panose="00000400000000000000" pitchFamily="2" charset="-78"/>
+              </a:rPr>
+              <a:t>کنید. این </a:t>
+            </a:r>
+            <a:r>
+              <a:rPr lang="fa-IR" sz="1600" b="1" dirty="0">
+                <a:solidFill>
+                  <a:srgbClr val="000000"/>
+                </a:solidFill>
+                <a:cs typeface="B Nazanin" panose="00000400000000000000" pitchFamily="2" charset="-78"/>
+              </a:rPr>
+              <a:t>عبارت می‌تواند باعث صرفه‌جویی در زمان‌تان بشود. </a:t>
+            </a:r>
+            <a:r>
+              <a:rPr lang="fa-IR" sz="1600" b="1" dirty="0">
+                <a:solidFill>
+                  <a:srgbClr val="000000"/>
+                </a:solidFill>
+                <a:cs typeface="B Nazanin" panose="00000400000000000000" pitchFamily="2" charset="-78"/>
+              </a:rPr>
+              <a:t>وقتی به نقطه‌ای رسیده‌اید که هیچ‌کس پاسخ درست را نمی‌داند، این موضع‌گیری می‌تواند کمک کند تا پاسخ مثبت دیگران را دریافت کنید</a:t>
+            </a:r>
+            <a:r>
+              <a:rPr lang="fa-IR" sz="1600" b="1" dirty="0" smtClean="0">
+                <a:solidFill>
+                  <a:srgbClr val="000000"/>
+                </a:solidFill>
+                <a:cs typeface="B Nazanin" panose="00000400000000000000" pitchFamily="2" charset="-78"/>
+              </a:rPr>
+              <a:t>.</a:t>
+            </a:r>
+            <a:endParaRPr lang="fa-IR" sz="1600" b="1" dirty="0">
+              <a:solidFill>
+                <a:srgbClr val="000000"/>
+              </a:solidFill>
+              <a:cs typeface="B Nazanin" panose="00000400000000000000" pitchFamily="2" charset="-78"/>
+            </a:endParaRPr>
+          </a:p>
+        </p:txBody>
+      </p:sp>
+      <p:sp>
+        <p:nvSpPr>
+          <p:cNvPr id="19" name="Rectangle 18"/>
+          <p:cNvSpPr/>
+          <p:nvPr/>
+        </p:nvSpPr>
+        <p:spPr>
+          <a:xfrm>
+            <a:off x="806630" y="5284160"/>
+            <a:ext cx="3517175" cy="830997"/>
+          </a:xfrm>
+          <a:prstGeom prst="rect">
+            <a:avLst/>
+          </a:prstGeom>
+        </p:spPr>
+        <p:style>
+          <a:lnRef idx="1">
+            <a:schemeClr val="accent4"/>
+          </a:lnRef>
+          <a:fillRef idx="2">
+            <a:schemeClr val="accent4"/>
+          </a:fillRef>
+          <a:effectRef idx="1">
+            <a:schemeClr val="accent4"/>
+          </a:effectRef>
+          <a:fontRef idx="minor">
+            <a:schemeClr val="dk1"/>
+          </a:fontRef>
+        </p:style>
+        <p:txBody>
+          <a:bodyPr wrap="square">
+            <a:spAutoFit/>
+          </a:bodyPr>
+          <a:lstStyle/>
+          <a:p>
+            <a:pPr algn="justLow" rtl="1"/>
+            <a:r>
+              <a:rPr lang="fa-IR" sz="1600" b="1" dirty="0" smtClean="0">
+                <a:solidFill>
+                  <a:srgbClr val="000000"/>
+                </a:solidFill>
+                <a:cs typeface="B Nazanin" panose="00000400000000000000" pitchFamily="2" charset="-78"/>
+              </a:rPr>
+              <a:t>                                                                                                          .                                                                                                             .</a:t>
+            </a:r>
+            <a:endParaRPr lang="fa-IR" sz="1600" b="1" dirty="0">
+              <a:solidFill>
+                <a:srgbClr val="000000"/>
+              </a:solidFill>
+              <a:cs typeface="B Nazanin" panose="00000400000000000000" pitchFamily="2" charset="-78"/>
+            </a:endParaRPr>
+          </a:p>
+        </p:txBody>
+      </p:sp>
     </p:spTree>
     <p:extLst>
       <p:ext uri="{BB962C8B-B14F-4D97-AF65-F5344CB8AC3E}">
@@ -20757,6 +21464,242 @@
     </p:spTree>
     <p:extLst>
       <p:ext uri="{BB962C8B-B14F-4D97-AF65-F5344CB8AC3E}">
+        <p14:creationId xmlns:p14="http://schemas.microsoft.com/office/powerpoint/2010/main" val="500238523"/>
+      </p:ext>
+    </p:extLst>
+  </p:cSld>
+  <p:clrMapOvr>
+    <a:masterClrMapping/>
+  </p:clrMapOvr>
+  <p:timing>
+    <p:tnLst>
+      <p:par>
+        <p:cTn id="1" dur="indefinite" restart="never" nodeType="tmRoot"/>
+      </p:par>
+    </p:tnLst>
+  </p:timing>
+</p:sld>
+</file>
+
+<file path=ppt/slides/slide25.xml><?xml version="1.0" encoding="utf-8"?>
+<p:sld xmlns:a="http://schemas.openxmlformats.org/drawingml/2006/main" xmlns:r="http://schemas.openxmlformats.org/officeDocument/2006/relationships" xmlns:p="http://schemas.openxmlformats.org/presentationml/2006/main">
+  <p:cSld>
+    <p:spTree>
+      <p:nvGrpSpPr>
+        <p:cNvPr id="1" name=""/>
+        <p:cNvGrpSpPr/>
+        <p:nvPr/>
+      </p:nvGrpSpPr>
+      <p:grpSpPr>
+        <a:xfrm>
+          <a:off x="0" y="0"/>
+          <a:ext cx="0" cy="0"/>
+          <a:chOff x="0" y="0"/>
+          <a:chExt cx="0" cy="0"/>
+        </a:xfrm>
+      </p:grpSpPr>
+      <p:sp>
+        <p:nvSpPr>
+          <p:cNvPr id="2" name="Title 1">
+            <a:extLst>
+              <a:ext uri="{FF2B5EF4-FFF2-40B4-BE49-F238E27FC236}">
+                <a16:creationId xmlns:a16="http://schemas.microsoft.com/office/drawing/2014/main" id="{BB4B6193-F9F1-4C54-838F-77350B9FC5DC}"/>
+              </a:ext>
+            </a:extLst>
+          </p:cNvPr>
+          <p:cNvSpPr>
+            <a:spLocks noGrp="1"/>
+          </p:cNvSpPr>
+          <p:nvPr>
+            <p:ph type="title"/>
+          </p:nvPr>
+        </p:nvSpPr>
+        <p:spPr>
+          <a:xfrm>
+            <a:off x="1169125" y="425299"/>
+            <a:ext cx="9875520" cy="709749"/>
+          </a:xfrm>
+        </p:spPr>
+        <p:txBody>
+          <a:bodyPr>
+            <a:normAutofit fontScale="90000"/>
+          </a:bodyPr>
+          <a:lstStyle/>
+          <a:p>
+            <a:pPr algn="r" rtl="1"/>
+            <a:r>
+              <a:rPr lang="fa-IR" sz="4800" dirty="0" smtClean="0">
+                <a:cs typeface="B Nazanin" panose="00000400000000000000" pitchFamily="2" charset="-78"/>
+              </a:rPr>
+              <a:t>سوگیری (</a:t>
+            </a:r>
+            <a:r>
+              <a:rPr lang="en-US" dirty="0" smtClean="0"/>
+              <a:t>Bias</a:t>
+            </a:r>
+            <a:r>
+              <a:rPr lang="fa-IR" sz="4800" dirty="0" smtClean="0">
+                <a:cs typeface="B Nazanin" panose="00000400000000000000" pitchFamily="2" charset="-78"/>
+              </a:rPr>
+              <a:t>)  </a:t>
+            </a:r>
+            <a:endParaRPr lang="en-US" sz="4800" dirty="0">
+              <a:cs typeface="B Nazanin" panose="00000400000000000000" pitchFamily="2" charset="-78"/>
+            </a:endParaRPr>
+          </a:p>
+        </p:txBody>
+      </p:sp>
+      <p:cxnSp>
+        <p:nvCxnSpPr>
+          <p:cNvPr id="8" name="Straight Connector 7"/>
+          <p:cNvCxnSpPr/>
+          <p:nvPr/>
+        </p:nvCxnSpPr>
+        <p:spPr>
+          <a:xfrm>
+            <a:off x="888274" y="1240973"/>
+            <a:ext cx="10437223" cy="13063"/>
+          </a:xfrm>
+          <a:prstGeom prst="line">
+            <a:avLst/>
+          </a:prstGeom>
+        </p:spPr>
+        <p:style>
+          <a:lnRef idx="3">
+            <a:schemeClr val="accent1"/>
+          </a:lnRef>
+          <a:fillRef idx="0">
+            <a:schemeClr val="accent1"/>
+          </a:fillRef>
+          <a:effectRef idx="2">
+            <a:schemeClr val="accent1"/>
+          </a:effectRef>
+          <a:fontRef idx="minor">
+            <a:schemeClr val="tx1"/>
+          </a:fontRef>
+        </p:style>
+      </p:cxnSp>
+    </p:spTree>
+    <p:extLst>
+      <p:ext uri="{BB962C8B-B14F-4D97-AF65-F5344CB8AC3E}">
+        <p14:creationId xmlns:p14="http://schemas.microsoft.com/office/powerpoint/2010/main" val="2352537036"/>
+      </p:ext>
+    </p:extLst>
+  </p:cSld>
+  <p:clrMapOvr>
+    <a:masterClrMapping/>
+  </p:clrMapOvr>
+  <p:timing>
+    <p:tnLst>
+      <p:par>
+        <p:cTn id="1" dur="indefinite" restart="never" nodeType="tmRoot"/>
+      </p:par>
+    </p:tnLst>
+  </p:timing>
+</p:sld>
+</file>
+
+<file path=ppt/slides/slide26.xml><?xml version="1.0" encoding="utf-8"?>
+<p:sld xmlns:a="http://schemas.openxmlformats.org/drawingml/2006/main" xmlns:r="http://schemas.openxmlformats.org/officeDocument/2006/relationships" xmlns:p="http://schemas.openxmlformats.org/presentationml/2006/main">
+  <p:cSld>
+    <p:spTree>
+      <p:nvGrpSpPr>
+        <p:cNvPr id="1" name=""/>
+        <p:cNvGrpSpPr/>
+        <p:nvPr/>
+      </p:nvGrpSpPr>
+      <p:grpSpPr>
+        <a:xfrm>
+          <a:off x="0" y="0"/>
+          <a:ext cx="0" cy="0"/>
+          <a:chOff x="0" y="0"/>
+          <a:chExt cx="0" cy="0"/>
+        </a:xfrm>
+      </p:grpSpPr>
+      <p:sp>
+        <p:nvSpPr>
+          <p:cNvPr id="2" name="Title 1">
+            <a:extLst>
+              <a:ext uri="{FF2B5EF4-FFF2-40B4-BE49-F238E27FC236}">
+                <a16:creationId xmlns:a16="http://schemas.microsoft.com/office/drawing/2014/main" id="{BB4B6193-F9F1-4C54-838F-77350B9FC5DC}"/>
+              </a:ext>
+            </a:extLst>
+          </p:cNvPr>
+          <p:cNvSpPr>
+            <a:spLocks noGrp="1"/>
+          </p:cNvSpPr>
+          <p:nvPr>
+            <p:ph type="title"/>
+          </p:nvPr>
+        </p:nvSpPr>
+        <p:spPr>
+          <a:xfrm>
+            <a:off x="1169125" y="425299"/>
+            <a:ext cx="9875520" cy="709749"/>
+          </a:xfrm>
+        </p:spPr>
+        <p:txBody>
+          <a:bodyPr>
+            <a:normAutofit fontScale="90000"/>
+          </a:bodyPr>
+          <a:lstStyle/>
+          <a:p>
+            <a:pPr algn="r" rtl="1"/>
+            <a:r>
+              <a:rPr lang="fa-IR" sz="4800" dirty="0" smtClean="0">
+                <a:cs typeface="B Nazanin" panose="00000400000000000000" pitchFamily="2" charset="-78"/>
+              </a:rPr>
+              <a:t>سوگیری (</a:t>
+            </a:r>
+            <a:r>
+              <a:rPr lang="en-US" dirty="0" smtClean="0"/>
+              <a:t>Bias</a:t>
+            </a:r>
+            <a:r>
+              <a:rPr lang="fa-IR" sz="4800" dirty="0" smtClean="0">
+                <a:cs typeface="B Nazanin" panose="00000400000000000000" pitchFamily="2" charset="-78"/>
+              </a:rPr>
+              <a:t>)  </a:t>
+            </a:r>
+            <a:endParaRPr lang="en-US" sz="4800" dirty="0">
+              <a:cs typeface="B Nazanin" panose="00000400000000000000" pitchFamily="2" charset="-78"/>
+            </a:endParaRPr>
+          </a:p>
+        </p:txBody>
+      </p:sp>
+      <p:cxnSp>
+        <p:nvCxnSpPr>
+          <p:cNvPr id="8" name="Straight Connector 7"/>
+          <p:cNvCxnSpPr/>
+          <p:nvPr/>
+        </p:nvCxnSpPr>
+        <p:spPr>
+          <a:xfrm>
+            <a:off x="888274" y="1240973"/>
+            <a:ext cx="10437223" cy="13063"/>
+          </a:xfrm>
+          <a:prstGeom prst="line">
+            <a:avLst/>
+          </a:prstGeom>
+        </p:spPr>
+        <p:style>
+          <a:lnRef idx="3">
+            <a:schemeClr val="accent1"/>
+          </a:lnRef>
+          <a:fillRef idx="0">
+            <a:schemeClr val="accent1"/>
+          </a:fillRef>
+          <a:effectRef idx="2">
+            <a:schemeClr val="accent1"/>
+          </a:effectRef>
+          <a:fontRef idx="minor">
+            <a:schemeClr val="tx1"/>
+          </a:fontRef>
+        </p:style>
+      </p:cxnSp>
+    </p:spTree>
+    <p:extLst>
+      <p:ext uri="{BB962C8B-B14F-4D97-AF65-F5344CB8AC3E}">
         <p14:creationId xmlns:p14="http://schemas.microsoft.com/office/powerpoint/2010/main" val="1456627843"/>
       </p:ext>
     </p:extLst>
@@ -20774,7 +21717,7 @@
 </p:sld>
 </file>
 
-<file path=ppt/slides/slide25.xml><?xml version="1.0" encoding="utf-8"?>
+<file path=ppt/slides/slide27.xml><?xml version="1.0" encoding="utf-8"?>
 <p:sld xmlns:a="http://schemas.openxmlformats.org/drawingml/2006/main" xmlns:r="http://schemas.openxmlformats.org/officeDocument/2006/relationships" xmlns:p="http://schemas.openxmlformats.org/presentationml/2006/main">
   <p:cSld>
     <p:bg>
@@ -20807,7 +21750,7 @@
                 <a16:creationId xmlns:a16="http://schemas.microsoft.com/office/drawing/2014/main" id="{E3DC42C2-6B58-404C-B339-2C72808A5BE1}"/>
               </a:ext>
               <a:ext uri="{C183D7F6-B498-43B3-948B-1728B52AA6E4}">
-                <adec:decorative xmlns:adec="http://schemas.microsoft.com/office/drawing/2017/decorative" xmlns="" val="1"/>
+                <adec:decorative xmlns="" xmlns:adec="http://schemas.microsoft.com/office/drawing/2017/decorative" val="1"/>
               </a:ext>
             </a:extLst>
           </p:cNvPr>
@@ -21001,7 +21944,7 @@
                 <a16:creationId xmlns:a16="http://schemas.microsoft.com/office/drawing/2014/main" id="{FCF82941-5589-49BF-B6B1-76122B2D0EA6}"/>
               </a:ext>
               <a:ext uri="{C183D7F6-B498-43B3-948B-1728B52AA6E4}">
-                <adec:decorative xmlns:adec="http://schemas.microsoft.com/office/drawing/2017/decorative" xmlns="" val="1"/>
+                <adec:decorative xmlns="" xmlns:adec="http://schemas.microsoft.com/office/drawing/2017/decorative" val="1"/>
               </a:ext>
             </a:extLst>
           </p:cNvPr>
@@ -29908,20 +30851,20 @@
 </file>
 
 <file path=customXml/item1.xml><?xml version="1.0" encoding="utf-8"?>
-<p:properties xmlns:p="http://schemas.microsoft.com/office/2006/metadata/properties" xmlns:xsi="http://www.w3.org/2001/XMLSchema-instance" xmlns:pc="http://schemas.microsoft.com/office/infopath/2007/PartnerControls">
-  <documentManagement>
-    <MediaServiceKeyPoints xmlns="71af3243-3dd4-4a8d-8c0d-dd76da1f02a5" xsi:nil="true"/>
-  </documentManagement>
-</p:properties>
-</file>
-
-<file path=customXml/item2.xml><?xml version="1.0" encoding="utf-8"?>
 <?mso-contentType ?>
 <FormTemplates xmlns="http://schemas.microsoft.com/sharepoint/v3/contenttype/forms">
   <Display>DocumentLibraryForm</Display>
   <Edit>DocumentLibraryForm</Edit>
   <New>DocumentLibraryForm</New>
 </FormTemplates>
+</file>
+
+<file path=customXml/item2.xml><?xml version="1.0" encoding="utf-8"?>
+<p:properties xmlns:p="http://schemas.microsoft.com/office/2006/metadata/properties" xmlns:xsi="http://www.w3.org/2001/XMLSchema-instance" xmlns:pc="http://schemas.microsoft.com/office/infopath/2007/PartnerControls">
+  <documentManagement>
+    <MediaServiceKeyPoints xmlns="71af3243-3dd4-4a8d-8c0d-dd76da1f02a5" xsi:nil="true"/>
+  </documentManagement>
+</p:properties>
 </file>
 
 <file path=customXml/item3.xml><?xml version="1.0" encoding="utf-8"?>
@@ -30136,6 +31079,14 @@
 </file>
 
 <file path=customXml/itemProps1.xml><?xml version="1.0" encoding="utf-8"?>
+<ds:datastoreItem xmlns:ds="http://schemas.openxmlformats.org/officeDocument/2006/customXml" ds:itemID="{204E1485-0760-4ABF-A612-28A97B86DF09}">
+  <ds:schemaRefs>
+    <ds:schemaRef ds:uri="http://schemas.microsoft.com/sharepoint/v3/contenttype/forms"/>
+  </ds:schemaRefs>
+</ds:datastoreItem>
+</file>
+
+<file path=customXml/itemProps2.xml><?xml version="1.0" encoding="utf-8"?>
 <ds:datastoreItem xmlns:ds="http://schemas.openxmlformats.org/officeDocument/2006/customXml" ds:itemID="{4965EBD3-98B5-4FD2-8FAF-5D4022A9F7F4}">
   <ds:schemaRefs>
     <ds:schemaRef ds:uri="http://schemas.openxmlformats.org/package/2006/metadata/core-properties"/>
@@ -30148,14 +31099,6 @@
     <ds:schemaRef ds:uri="16c05727-aa75-4e4a-9b5f-8a80a1165891"/>
     <ds:schemaRef ds:uri="http://www.w3.org/XML/1998/namespace"/>
     <ds:schemaRef ds:uri="http://purl.org/dc/elements/1.1/"/>
-  </ds:schemaRefs>
-</ds:datastoreItem>
-</file>
-
-<file path=customXml/itemProps2.xml><?xml version="1.0" encoding="utf-8"?>
-<ds:datastoreItem xmlns:ds="http://schemas.openxmlformats.org/officeDocument/2006/customXml" ds:itemID="{204E1485-0760-4ABF-A612-28A97B86DF09}">
-  <ds:schemaRefs>
-    <ds:schemaRef ds:uri="http://schemas.microsoft.com/sharepoint/v3/contenttype/forms"/>
   </ds:schemaRefs>
 </ds:datastoreItem>
 </file>
